--- a/poster_roughdraft.pptx
+++ b/poster_roughdraft.pptx
@@ -1,19 +1,19 @@
 
 <file path=ppt/presentation.xml><?xml version="1.0" encoding="utf-8"?>
-<p:presentation xmlns:a="http://schemas.openxmlformats.org/drawingml/2006/main" xmlns:r="http://schemas.openxmlformats.org/officeDocument/2006/relationships" xmlns:mc="http://schemas.openxmlformats.org/markup-compatibility/2006" xmlns:mv="urn:schemas-microsoft-com:mac:vml" xmlns:p="http://schemas.openxmlformats.org/presentationml/2006/main" xmlns:c="http://schemas.openxmlformats.org/drawingml/2006/chart" xmlns:dgm="http://schemas.openxmlformats.org/drawingml/2006/diagram" xmlns:o="urn:schemas-microsoft-com:office:office" xmlns:v="urn:schemas-microsoft-com:vml" xmlns:pvml="urn:schemas-microsoft-com:office:powerpoint" xmlns:com="http://schemas.openxmlformats.org/drawingml/2006/compatibility" xmlns:p14="http://schemas.microsoft.com/office/powerpoint/2010/main" xmlns:p15="http://schemas.microsoft.com/office/powerpoint/2012/main" xmlns:ahyp="http://schemas.microsoft.com/office/drawing/2018/hyperlinkcolor" autoCompressPictures="0" strictFirstAndLastChars="0" saveSubsetFonts="1">
+<p:presentation xmlns:a="http://schemas.openxmlformats.org/drawingml/2006/main" xmlns:r="http://schemas.openxmlformats.org/officeDocument/2006/relationships" xmlns:p="http://schemas.openxmlformats.org/presentationml/2006/main" strictFirstAndLastChars="0" saveSubsetFonts="1" autoCompressPictures="0">
   <p:sldMasterIdLst>
-    <p:sldMasterId id="2147483648" r:id="rId3"/>
+    <p:sldMasterId id="2147483648" r:id="rId1"/>
   </p:sldMasterIdLst>
   <p:notesMasterIdLst>
-    <p:notesMasterId r:id="rId4"/>
+    <p:notesMasterId r:id="rId3"/>
   </p:notesMasterIdLst>
   <p:sldIdLst>
-    <p:sldId id="256" r:id="rId5"/>
+    <p:sldId id="256" r:id="rId2"/>
   </p:sldIdLst>
-  <p:sldSz cy="32918400" cx="43891200"/>
+  <p:sldSz cx="43891200" cy="32918400"/>
   <p:notesSz cx="6858000" cy="9144000"/>
   <p:defaultTextStyle>
-    <a:defPPr lvl="0" marR="0" rtl="0" algn="l">
+    <a:defPPr marR="0" lvl="0" algn="l" rtl="0">
       <a:lnSpc>
         <a:spcPct val="100000"/>
       </a:lnSpc>
@@ -24,7 +24,7 @@
         <a:spcPts val="0"/>
       </a:spcAft>
     </a:defPPr>
-    <a:lvl1pPr lvl="0" marR="0" rtl="0" algn="l">
+    <a:lvl1pPr marR="0" lvl="0" algn="l" rtl="0">
       <a:lnSpc>
         <a:spcPct val="100000"/>
       </a:lnSpc>
@@ -38,7 +38,7 @@
         <a:srgbClr val="000000"/>
       </a:buClr>
       <a:buFont typeface="Arial"/>
-      <a:defRPr b="0" i="0" sz="1400" u="none" cap="none" strike="noStrike">
+      <a:defRPr sz="1400" b="0" i="0" u="none" strike="noStrike" cap="none">
         <a:solidFill>
           <a:srgbClr val="000000"/>
         </a:solidFill>
@@ -48,7 +48,7 @@
         <a:sym typeface="Arial"/>
       </a:defRPr>
     </a:lvl1pPr>
-    <a:lvl2pPr lvl="1" marR="0" rtl="0" algn="l">
+    <a:lvl2pPr marR="0" lvl="1" algn="l" rtl="0">
       <a:lnSpc>
         <a:spcPct val="100000"/>
       </a:lnSpc>
@@ -62,7 +62,7 @@
         <a:srgbClr val="000000"/>
       </a:buClr>
       <a:buFont typeface="Arial"/>
-      <a:defRPr b="0" i="0" sz="1400" u="none" cap="none" strike="noStrike">
+      <a:defRPr sz="1400" b="0" i="0" u="none" strike="noStrike" cap="none">
         <a:solidFill>
           <a:srgbClr val="000000"/>
         </a:solidFill>
@@ -72,7 +72,7 @@
         <a:sym typeface="Arial"/>
       </a:defRPr>
     </a:lvl2pPr>
-    <a:lvl3pPr lvl="2" marR="0" rtl="0" algn="l">
+    <a:lvl3pPr marR="0" lvl="2" algn="l" rtl="0">
       <a:lnSpc>
         <a:spcPct val="100000"/>
       </a:lnSpc>
@@ -86,7 +86,7 @@
         <a:srgbClr val="000000"/>
       </a:buClr>
       <a:buFont typeface="Arial"/>
-      <a:defRPr b="0" i="0" sz="1400" u="none" cap="none" strike="noStrike">
+      <a:defRPr sz="1400" b="0" i="0" u="none" strike="noStrike" cap="none">
         <a:solidFill>
           <a:srgbClr val="000000"/>
         </a:solidFill>
@@ -96,7 +96,7 @@
         <a:sym typeface="Arial"/>
       </a:defRPr>
     </a:lvl3pPr>
-    <a:lvl4pPr lvl="3" marR="0" rtl="0" algn="l">
+    <a:lvl4pPr marR="0" lvl="3" algn="l" rtl="0">
       <a:lnSpc>
         <a:spcPct val="100000"/>
       </a:lnSpc>
@@ -110,7 +110,7 @@
         <a:srgbClr val="000000"/>
       </a:buClr>
       <a:buFont typeface="Arial"/>
-      <a:defRPr b="0" i="0" sz="1400" u="none" cap="none" strike="noStrike">
+      <a:defRPr sz="1400" b="0" i="0" u="none" strike="noStrike" cap="none">
         <a:solidFill>
           <a:srgbClr val="000000"/>
         </a:solidFill>
@@ -120,7 +120,7 @@
         <a:sym typeface="Arial"/>
       </a:defRPr>
     </a:lvl4pPr>
-    <a:lvl5pPr lvl="4" marR="0" rtl="0" algn="l">
+    <a:lvl5pPr marR="0" lvl="4" algn="l" rtl="0">
       <a:lnSpc>
         <a:spcPct val="100000"/>
       </a:lnSpc>
@@ -134,7 +134,7 @@
         <a:srgbClr val="000000"/>
       </a:buClr>
       <a:buFont typeface="Arial"/>
-      <a:defRPr b="0" i="0" sz="1400" u="none" cap="none" strike="noStrike">
+      <a:defRPr sz="1400" b="0" i="0" u="none" strike="noStrike" cap="none">
         <a:solidFill>
           <a:srgbClr val="000000"/>
         </a:solidFill>
@@ -144,7 +144,7 @@
         <a:sym typeface="Arial"/>
       </a:defRPr>
     </a:lvl5pPr>
-    <a:lvl6pPr lvl="5" marR="0" rtl="0" algn="l">
+    <a:lvl6pPr marR="0" lvl="5" algn="l" rtl="0">
       <a:lnSpc>
         <a:spcPct val="100000"/>
       </a:lnSpc>
@@ -158,7 +158,7 @@
         <a:srgbClr val="000000"/>
       </a:buClr>
       <a:buFont typeface="Arial"/>
-      <a:defRPr b="0" i="0" sz="1400" u="none" cap="none" strike="noStrike">
+      <a:defRPr sz="1400" b="0" i="0" u="none" strike="noStrike" cap="none">
         <a:solidFill>
           <a:srgbClr val="000000"/>
         </a:solidFill>
@@ -168,7 +168,7 @@
         <a:sym typeface="Arial"/>
       </a:defRPr>
     </a:lvl6pPr>
-    <a:lvl7pPr lvl="6" marR="0" rtl="0" algn="l">
+    <a:lvl7pPr marR="0" lvl="6" algn="l" rtl="0">
       <a:lnSpc>
         <a:spcPct val="100000"/>
       </a:lnSpc>
@@ -182,7 +182,7 @@
         <a:srgbClr val="000000"/>
       </a:buClr>
       <a:buFont typeface="Arial"/>
-      <a:defRPr b="0" i="0" sz="1400" u="none" cap="none" strike="noStrike">
+      <a:defRPr sz="1400" b="0" i="0" u="none" strike="noStrike" cap="none">
         <a:solidFill>
           <a:srgbClr val="000000"/>
         </a:solidFill>
@@ -192,7 +192,7 @@
         <a:sym typeface="Arial"/>
       </a:defRPr>
     </a:lvl7pPr>
-    <a:lvl8pPr lvl="7" marR="0" rtl="0" algn="l">
+    <a:lvl8pPr marR="0" lvl="7" algn="l" rtl="0">
       <a:lnSpc>
         <a:spcPct val="100000"/>
       </a:lnSpc>
@@ -206,7 +206,7 @@
         <a:srgbClr val="000000"/>
       </a:buClr>
       <a:buFont typeface="Arial"/>
-      <a:defRPr b="0" i="0" sz="1400" u="none" cap="none" strike="noStrike">
+      <a:defRPr sz="1400" b="0" i="0" u="none" strike="noStrike" cap="none">
         <a:solidFill>
           <a:srgbClr val="000000"/>
         </a:solidFill>
@@ -216,7 +216,7 @@
         <a:sym typeface="Arial"/>
       </a:defRPr>
     </a:lvl8pPr>
-    <a:lvl9pPr lvl="8" marR="0" rtl="0" algn="l">
+    <a:lvl9pPr marR="0" lvl="8" algn="l" rtl="0">
       <a:lnSpc>
         <a:spcPct val="100000"/>
       </a:lnSpc>
@@ -230,7 +230,7 @@
         <a:srgbClr val="000000"/>
       </a:buClr>
       <a:buFont typeface="Arial"/>
-      <a:defRPr b="0" i="0" sz="1400" u="none" cap="none" strike="noStrike">
+      <a:defRPr sz="1400" b="0" i="0" u="none" strike="noStrike" cap="none">
         <a:solidFill>
           <a:srgbClr val="000000"/>
         </a:solidFill>
@@ -243,25 +243,26 @@
   </p:defaultTextStyle>
   <p:extLst>
     <p:ext uri="http://customooxmlschemas.google.com/">
-      <go:slidesCustomData xmlns:go="http://customooxmlschemas.google.com/" r:id="rId6" roundtripDataSignature="AMtx7mjBe6ZI5FXhlUcWAWmkDFF6jtRung=="/>
+      <go:slidesCustomData xmlns:go="http://customooxmlschemas.google.com/" xmlns:ahyp="http://schemas.microsoft.com/office/drawing/2018/hyperlinkcolor" xmlns:p15="http://schemas.microsoft.com/office/powerpoint/2012/main" xmlns:p14="http://schemas.microsoft.com/office/powerpoint/2010/main" xmlns:com="http://schemas.openxmlformats.org/drawingml/2006/compatibility" xmlns:pvml="urn:schemas-microsoft-com:office:powerpoint" xmlns:v="urn:schemas-microsoft-com:vml" xmlns:o="urn:schemas-microsoft-com:office:office" xmlns:dgm="http://schemas.openxmlformats.org/drawingml/2006/diagram" xmlns:c="http://schemas.openxmlformats.org/drawingml/2006/chart" xmlns:mv="urn:schemas-microsoft-com:mac:vml" xmlns:mc="http://schemas.openxmlformats.org/markup-compatibility/2006" xmlns="" r:id="rId6" roundtripDataSignature="AMtx7mjBe6ZI5FXhlUcWAWmkDFF6jtRung=="/>
     </p:ext>
   </p:extLst>
 </p:presentation>
 </file>
 
 <file path=ppt/notesMasters/notesMaster1.xml><?xml version="1.0" encoding="utf-8"?>
-<p:notesMaster xmlns:a="http://schemas.openxmlformats.org/drawingml/2006/main" xmlns:r="http://schemas.openxmlformats.org/officeDocument/2006/relationships" xmlns:mc="http://schemas.openxmlformats.org/markup-compatibility/2006" xmlns:mv="urn:schemas-microsoft-com:mac:vml" xmlns:p="http://schemas.openxmlformats.org/presentationml/2006/main" xmlns:c="http://schemas.openxmlformats.org/drawingml/2006/chart" xmlns:dgm="http://schemas.openxmlformats.org/drawingml/2006/diagram" xmlns:o="urn:schemas-microsoft-com:office:office" xmlns:v="urn:schemas-microsoft-com:vml" xmlns:pvml="urn:schemas-microsoft-com:office:powerpoint" xmlns:com="http://schemas.openxmlformats.org/drawingml/2006/compatibility" xmlns:p14="http://schemas.microsoft.com/office/powerpoint/2010/main" xmlns:p15="http://schemas.microsoft.com/office/powerpoint/2012/main" xmlns:ahyp="http://schemas.microsoft.com/office/drawing/2018/hyperlinkcolor">
+<p:notesMaster xmlns:a="http://schemas.openxmlformats.org/drawingml/2006/main" xmlns:r="http://schemas.openxmlformats.org/officeDocument/2006/relationships" xmlns:p="http://schemas.openxmlformats.org/presentationml/2006/main">
   <p:cSld>
     <p:bg>
       <p:bgPr>
         <a:solidFill>
           <a:schemeClr val="lt1"/>
         </a:solidFill>
+        <a:effectLst/>
       </p:bgPr>
     </p:bg>
     <p:spTree>
       <p:nvGrpSpPr>
-        <p:cNvPr id="2" name="Shape 2"/>
+        <p:cNvPr id="1" name="Shape 2"/>
         <p:cNvGrpSpPr/>
         <p:nvPr/>
       </p:nvGrpSpPr>
@@ -276,9 +277,11 @@
       <p:sp>
         <p:nvSpPr>
           <p:cNvPr id="3" name="Google Shape;3;n"/>
-          <p:cNvSpPr txBox="1"/>
+          <p:cNvSpPr txBox="1">
+            <a:spLocks noGrp="1"/>
+          </p:cNvSpPr>
           <p:nvPr>
-            <p:ph idx="2" type="hdr"/>
+            <p:ph type="hdr" idx="2"/>
           </p:nvPr>
         </p:nvSpPr>
         <p:spPr>
@@ -295,20 +298,20 @@
           </a:ln>
         </p:spPr>
         <p:txBody>
-          <a:bodyPr anchorCtr="0" anchor="t" bIns="45700" lIns="91425" spcFirstLastPara="1" rIns="91425" wrap="square" tIns="45700">
+          <a:bodyPr spcFirstLastPara="1" wrap="square" lIns="91425" tIns="45700" rIns="91425" bIns="45700" anchor="t" anchorCtr="0">
             <a:noAutofit/>
           </a:bodyPr>
           <a:lstStyle>
-            <a:lvl1pPr lvl="0" marR="0" rtl="0" algn="l">
-              <a:spcBef>
-                <a:spcPts val="0"/>
-              </a:spcBef>
-              <a:spcAft>
-                <a:spcPts val="0"/>
-              </a:spcAft>
-              <a:buSzPts val="1400"/>
-              <a:buNone/>
-              <a:defRPr b="0" i="0" sz="1200" u="none" cap="none" strike="noStrike">
+            <a:lvl1pPr marR="0" lvl="0" algn="l" rtl="0">
+              <a:spcBef>
+                <a:spcPts val="0"/>
+              </a:spcBef>
+              <a:spcAft>
+                <a:spcPts val="0"/>
+              </a:spcAft>
+              <a:buSzPts val="1400"/>
+              <a:buNone/>
+              <a:defRPr sz="1200" b="0" i="0" u="none" strike="noStrike" cap="none">
                 <a:solidFill>
                   <a:schemeClr val="dk1"/>
                 </a:solidFill>
@@ -318,16 +321,16 @@
                 <a:sym typeface="Calibri"/>
               </a:defRPr>
             </a:lvl1pPr>
-            <a:lvl2pPr lvl="1" marR="0" rtl="0" algn="l">
-              <a:spcBef>
-                <a:spcPts val="0"/>
-              </a:spcBef>
-              <a:spcAft>
-                <a:spcPts val="0"/>
-              </a:spcAft>
-              <a:buSzPts val="1400"/>
-              <a:buNone/>
-              <a:defRPr b="0" i="0" sz="1800" u="none" cap="none" strike="noStrike">
+            <a:lvl2pPr marR="0" lvl="1" algn="l" rtl="0">
+              <a:spcBef>
+                <a:spcPts val="0"/>
+              </a:spcBef>
+              <a:spcAft>
+                <a:spcPts val="0"/>
+              </a:spcAft>
+              <a:buSzPts val="1400"/>
+              <a:buNone/>
+              <a:defRPr sz="1800" b="0" i="0" u="none" strike="noStrike" cap="none">
                 <a:solidFill>
                   <a:schemeClr val="dk1"/>
                 </a:solidFill>
@@ -337,16 +340,16 @@
                 <a:sym typeface="Calibri"/>
               </a:defRPr>
             </a:lvl2pPr>
-            <a:lvl3pPr lvl="2" marR="0" rtl="0" algn="l">
-              <a:spcBef>
-                <a:spcPts val="0"/>
-              </a:spcBef>
-              <a:spcAft>
-                <a:spcPts val="0"/>
-              </a:spcAft>
-              <a:buSzPts val="1400"/>
-              <a:buNone/>
-              <a:defRPr b="0" i="0" sz="1800" u="none" cap="none" strike="noStrike">
+            <a:lvl3pPr marR="0" lvl="2" algn="l" rtl="0">
+              <a:spcBef>
+                <a:spcPts val="0"/>
+              </a:spcBef>
+              <a:spcAft>
+                <a:spcPts val="0"/>
+              </a:spcAft>
+              <a:buSzPts val="1400"/>
+              <a:buNone/>
+              <a:defRPr sz="1800" b="0" i="0" u="none" strike="noStrike" cap="none">
                 <a:solidFill>
                   <a:schemeClr val="dk1"/>
                 </a:solidFill>
@@ -356,16 +359,16 @@
                 <a:sym typeface="Calibri"/>
               </a:defRPr>
             </a:lvl3pPr>
-            <a:lvl4pPr lvl="3" marR="0" rtl="0" algn="l">
-              <a:spcBef>
-                <a:spcPts val="0"/>
-              </a:spcBef>
-              <a:spcAft>
-                <a:spcPts val="0"/>
-              </a:spcAft>
-              <a:buSzPts val="1400"/>
-              <a:buNone/>
-              <a:defRPr b="0" i="0" sz="1800" u="none" cap="none" strike="noStrike">
+            <a:lvl4pPr marR="0" lvl="3" algn="l" rtl="0">
+              <a:spcBef>
+                <a:spcPts val="0"/>
+              </a:spcBef>
+              <a:spcAft>
+                <a:spcPts val="0"/>
+              </a:spcAft>
+              <a:buSzPts val="1400"/>
+              <a:buNone/>
+              <a:defRPr sz="1800" b="0" i="0" u="none" strike="noStrike" cap="none">
                 <a:solidFill>
                   <a:schemeClr val="dk1"/>
                 </a:solidFill>
@@ -375,16 +378,16 @@
                 <a:sym typeface="Calibri"/>
               </a:defRPr>
             </a:lvl4pPr>
-            <a:lvl5pPr lvl="4" marR="0" rtl="0" algn="l">
-              <a:spcBef>
-                <a:spcPts val="0"/>
-              </a:spcBef>
-              <a:spcAft>
-                <a:spcPts val="0"/>
-              </a:spcAft>
-              <a:buSzPts val="1400"/>
-              <a:buNone/>
-              <a:defRPr b="0" i="0" sz="1800" u="none" cap="none" strike="noStrike">
+            <a:lvl5pPr marR="0" lvl="4" algn="l" rtl="0">
+              <a:spcBef>
+                <a:spcPts val="0"/>
+              </a:spcBef>
+              <a:spcAft>
+                <a:spcPts val="0"/>
+              </a:spcAft>
+              <a:buSzPts val="1400"/>
+              <a:buNone/>
+              <a:defRPr sz="1800" b="0" i="0" u="none" strike="noStrike" cap="none">
                 <a:solidFill>
                   <a:schemeClr val="dk1"/>
                 </a:solidFill>
@@ -394,16 +397,16 @@
                 <a:sym typeface="Calibri"/>
               </a:defRPr>
             </a:lvl5pPr>
-            <a:lvl6pPr lvl="5" marR="0" rtl="0" algn="l">
-              <a:spcBef>
-                <a:spcPts val="0"/>
-              </a:spcBef>
-              <a:spcAft>
-                <a:spcPts val="0"/>
-              </a:spcAft>
-              <a:buSzPts val="1400"/>
-              <a:buNone/>
-              <a:defRPr b="0" i="0" sz="1800" u="none" cap="none" strike="noStrike">
+            <a:lvl6pPr marR="0" lvl="5" algn="l" rtl="0">
+              <a:spcBef>
+                <a:spcPts val="0"/>
+              </a:spcBef>
+              <a:spcAft>
+                <a:spcPts val="0"/>
+              </a:spcAft>
+              <a:buSzPts val="1400"/>
+              <a:buNone/>
+              <a:defRPr sz="1800" b="0" i="0" u="none" strike="noStrike" cap="none">
                 <a:solidFill>
                   <a:schemeClr val="dk1"/>
                 </a:solidFill>
@@ -413,16 +416,16 @@
                 <a:sym typeface="Calibri"/>
               </a:defRPr>
             </a:lvl6pPr>
-            <a:lvl7pPr lvl="6" marR="0" rtl="0" algn="l">
-              <a:spcBef>
-                <a:spcPts val="0"/>
-              </a:spcBef>
-              <a:spcAft>
-                <a:spcPts val="0"/>
-              </a:spcAft>
-              <a:buSzPts val="1400"/>
-              <a:buNone/>
-              <a:defRPr b="0" i="0" sz="1800" u="none" cap="none" strike="noStrike">
+            <a:lvl7pPr marR="0" lvl="6" algn="l" rtl="0">
+              <a:spcBef>
+                <a:spcPts val="0"/>
+              </a:spcBef>
+              <a:spcAft>
+                <a:spcPts val="0"/>
+              </a:spcAft>
+              <a:buSzPts val="1400"/>
+              <a:buNone/>
+              <a:defRPr sz="1800" b="0" i="0" u="none" strike="noStrike" cap="none">
                 <a:solidFill>
                   <a:schemeClr val="dk1"/>
                 </a:solidFill>
@@ -432,16 +435,16 @@
                 <a:sym typeface="Calibri"/>
               </a:defRPr>
             </a:lvl7pPr>
-            <a:lvl8pPr lvl="7" marR="0" rtl="0" algn="l">
-              <a:spcBef>
-                <a:spcPts val="0"/>
-              </a:spcBef>
-              <a:spcAft>
-                <a:spcPts val="0"/>
-              </a:spcAft>
-              <a:buSzPts val="1400"/>
-              <a:buNone/>
-              <a:defRPr b="0" i="0" sz="1800" u="none" cap="none" strike="noStrike">
+            <a:lvl8pPr marR="0" lvl="7" algn="l" rtl="0">
+              <a:spcBef>
+                <a:spcPts val="0"/>
+              </a:spcBef>
+              <a:spcAft>
+                <a:spcPts val="0"/>
+              </a:spcAft>
+              <a:buSzPts val="1400"/>
+              <a:buNone/>
+              <a:defRPr sz="1800" b="0" i="0" u="none" strike="noStrike" cap="none">
                 <a:solidFill>
                   <a:schemeClr val="dk1"/>
                 </a:solidFill>
@@ -451,16 +454,16 @@
                 <a:sym typeface="Calibri"/>
               </a:defRPr>
             </a:lvl8pPr>
-            <a:lvl9pPr lvl="8" marR="0" rtl="0" algn="l">
-              <a:spcBef>
-                <a:spcPts val="0"/>
-              </a:spcBef>
-              <a:spcAft>
-                <a:spcPts val="0"/>
-              </a:spcAft>
-              <a:buSzPts val="1400"/>
-              <a:buNone/>
-              <a:defRPr b="0" i="0" sz="1800" u="none" cap="none" strike="noStrike">
+            <a:lvl9pPr marR="0" lvl="8" algn="l" rtl="0">
+              <a:spcBef>
+                <a:spcPts val="0"/>
+              </a:spcBef>
+              <a:spcAft>
+                <a:spcPts val="0"/>
+              </a:spcAft>
+              <a:buSzPts val="1400"/>
+              <a:buNone/>
+              <a:defRPr sz="1800" b="0" i="0" u="none" strike="noStrike" cap="none">
                 <a:solidFill>
                   <a:schemeClr val="dk1"/>
                 </a:solidFill>
@@ -471,15 +474,19 @@
               </a:defRPr>
             </a:lvl9pPr>
           </a:lstStyle>
-          <a:p/>
+          <a:p>
+            <a:endParaRPr/>
+          </a:p>
         </p:txBody>
       </p:sp>
       <p:sp>
         <p:nvSpPr>
           <p:cNvPr id="4" name="Google Shape;4;n"/>
-          <p:cNvSpPr txBox="1"/>
+          <p:cNvSpPr txBox="1">
+            <a:spLocks noGrp="1"/>
+          </p:cNvSpPr>
           <p:nvPr>
-            <p:ph idx="10" type="dt"/>
+            <p:ph type="dt" idx="10"/>
           </p:nvPr>
         </p:nvSpPr>
         <p:spPr>
@@ -496,20 +503,20 @@
           </a:ln>
         </p:spPr>
         <p:txBody>
-          <a:bodyPr anchorCtr="0" anchor="t" bIns="45700" lIns="91425" spcFirstLastPara="1" rIns="91425" wrap="square" tIns="45700">
+          <a:bodyPr spcFirstLastPara="1" wrap="square" lIns="91425" tIns="45700" rIns="91425" bIns="45700" anchor="t" anchorCtr="0">
             <a:noAutofit/>
           </a:bodyPr>
           <a:lstStyle>
-            <a:lvl1pPr lvl="0" marR="0" rtl="0" algn="r">
-              <a:spcBef>
-                <a:spcPts val="0"/>
-              </a:spcBef>
-              <a:spcAft>
-                <a:spcPts val="0"/>
-              </a:spcAft>
-              <a:buSzPts val="1400"/>
-              <a:buNone/>
-              <a:defRPr b="0" i="0" sz="1200" u="none" cap="none" strike="noStrike">
+            <a:lvl1pPr marR="0" lvl="0" algn="r" rtl="0">
+              <a:spcBef>
+                <a:spcPts val="0"/>
+              </a:spcBef>
+              <a:spcAft>
+                <a:spcPts val="0"/>
+              </a:spcAft>
+              <a:buSzPts val="1400"/>
+              <a:buNone/>
+              <a:defRPr sz="1200" b="0" i="0" u="none" strike="noStrike" cap="none">
                 <a:solidFill>
                   <a:schemeClr val="dk1"/>
                 </a:solidFill>
@@ -519,16 +526,16 @@
                 <a:sym typeface="Calibri"/>
               </a:defRPr>
             </a:lvl1pPr>
-            <a:lvl2pPr lvl="1" marR="0" rtl="0" algn="l">
-              <a:spcBef>
-                <a:spcPts val="0"/>
-              </a:spcBef>
-              <a:spcAft>
-                <a:spcPts val="0"/>
-              </a:spcAft>
-              <a:buSzPts val="1400"/>
-              <a:buNone/>
-              <a:defRPr b="0" i="0" sz="1800" u="none" cap="none" strike="noStrike">
+            <a:lvl2pPr marR="0" lvl="1" algn="l" rtl="0">
+              <a:spcBef>
+                <a:spcPts val="0"/>
+              </a:spcBef>
+              <a:spcAft>
+                <a:spcPts val="0"/>
+              </a:spcAft>
+              <a:buSzPts val="1400"/>
+              <a:buNone/>
+              <a:defRPr sz="1800" b="0" i="0" u="none" strike="noStrike" cap="none">
                 <a:solidFill>
                   <a:schemeClr val="dk1"/>
                 </a:solidFill>
@@ -538,16 +545,16 @@
                 <a:sym typeface="Calibri"/>
               </a:defRPr>
             </a:lvl2pPr>
-            <a:lvl3pPr lvl="2" marR="0" rtl="0" algn="l">
-              <a:spcBef>
-                <a:spcPts val="0"/>
-              </a:spcBef>
-              <a:spcAft>
-                <a:spcPts val="0"/>
-              </a:spcAft>
-              <a:buSzPts val="1400"/>
-              <a:buNone/>
-              <a:defRPr b="0" i="0" sz="1800" u="none" cap="none" strike="noStrike">
+            <a:lvl3pPr marR="0" lvl="2" algn="l" rtl="0">
+              <a:spcBef>
+                <a:spcPts val="0"/>
+              </a:spcBef>
+              <a:spcAft>
+                <a:spcPts val="0"/>
+              </a:spcAft>
+              <a:buSzPts val="1400"/>
+              <a:buNone/>
+              <a:defRPr sz="1800" b="0" i="0" u="none" strike="noStrike" cap="none">
                 <a:solidFill>
                   <a:schemeClr val="dk1"/>
                 </a:solidFill>
@@ -557,16 +564,16 @@
                 <a:sym typeface="Calibri"/>
               </a:defRPr>
             </a:lvl3pPr>
-            <a:lvl4pPr lvl="3" marR="0" rtl="0" algn="l">
-              <a:spcBef>
-                <a:spcPts val="0"/>
-              </a:spcBef>
-              <a:spcAft>
-                <a:spcPts val="0"/>
-              </a:spcAft>
-              <a:buSzPts val="1400"/>
-              <a:buNone/>
-              <a:defRPr b="0" i="0" sz="1800" u="none" cap="none" strike="noStrike">
+            <a:lvl4pPr marR="0" lvl="3" algn="l" rtl="0">
+              <a:spcBef>
+                <a:spcPts val="0"/>
+              </a:spcBef>
+              <a:spcAft>
+                <a:spcPts val="0"/>
+              </a:spcAft>
+              <a:buSzPts val="1400"/>
+              <a:buNone/>
+              <a:defRPr sz="1800" b="0" i="0" u="none" strike="noStrike" cap="none">
                 <a:solidFill>
                   <a:schemeClr val="dk1"/>
                 </a:solidFill>
@@ -576,16 +583,16 @@
                 <a:sym typeface="Calibri"/>
               </a:defRPr>
             </a:lvl4pPr>
-            <a:lvl5pPr lvl="4" marR="0" rtl="0" algn="l">
-              <a:spcBef>
-                <a:spcPts val="0"/>
-              </a:spcBef>
-              <a:spcAft>
-                <a:spcPts val="0"/>
-              </a:spcAft>
-              <a:buSzPts val="1400"/>
-              <a:buNone/>
-              <a:defRPr b="0" i="0" sz="1800" u="none" cap="none" strike="noStrike">
+            <a:lvl5pPr marR="0" lvl="4" algn="l" rtl="0">
+              <a:spcBef>
+                <a:spcPts val="0"/>
+              </a:spcBef>
+              <a:spcAft>
+                <a:spcPts val="0"/>
+              </a:spcAft>
+              <a:buSzPts val="1400"/>
+              <a:buNone/>
+              <a:defRPr sz="1800" b="0" i="0" u="none" strike="noStrike" cap="none">
                 <a:solidFill>
                   <a:schemeClr val="dk1"/>
                 </a:solidFill>
@@ -595,16 +602,16 @@
                 <a:sym typeface="Calibri"/>
               </a:defRPr>
             </a:lvl5pPr>
-            <a:lvl6pPr lvl="5" marR="0" rtl="0" algn="l">
-              <a:spcBef>
-                <a:spcPts val="0"/>
-              </a:spcBef>
-              <a:spcAft>
-                <a:spcPts val="0"/>
-              </a:spcAft>
-              <a:buSzPts val="1400"/>
-              <a:buNone/>
-              <a:defRPr b="0" i="0" sz="1800" u="none" cap="none" strike="noStrike">
+            <a:lvl6pPr marR="0" lvl="5" algn="l" rtl="0">
+              <a:spcBef>
+                <a:spcPts val="0"/>
+              </a:spcBef>
+              <a:spcAft>
+                <a:spcPts val="0"/>
+              </a:spcAft>
+              <a:buSzPts val="1400"/>
+              <a:buNone/>
+              <a:defRPr sz="1800" b="0" i="0" u="none" strike="noStrike" cap="none">
                 <a:solidFill>
                   <a:schemeClr val="dk1"/>
                 </a:solidFill>
@@ -614,16 +621,16 @@
                 <a:sym typeface="Calibri"/>
               </a:defRPr>
             </a:lvl6pPr>
-            <a:lvl7pPr lvl="6" marR="0" rtl="0" algn="l">
-              <a:spcBef>
-                <a:spcPts val="0"/>
-              </a:spcBef>
-              <a:spcAft>
-                <a:spcPts val="0"/>
-              </a:spcAft>
-              <a:buSzPts val="1400"/>
-              <a:buNone/>
-              <a:defRPr b="0" i="0" sz="1800" u="none" cap="none" strike="noStrike">
+            <a:lvl7pPr marR="0" lvl="6" algn="l" rtl="0">
+              <a:spcBef>
+                <a:spcPts val="0"/>
+              </a:spcBef>
+              <a:spcAft>
+                <a:spcPts val="0"/>
+              </a:spcAft>
+              <a:buSzPts val="1400"/>
+              <a:buNone/>
+              <a:defRPr sz="1800" b="0" i="0" u="none" strike="noStrike" cap="none">
                 <a:solidFill>
                   <a:schemeClr val="dk1"/>
                 </a:solidFill>
@@ -633,16 +640,16 @@
                 <a:sym typeface="Calibri"/>
               </a:defRPr>
             </a:lvl7pPr>
-            <a:lvl8pPr lvl="7" marR="0" rtl="0" algn="l">
-              <a:spcBef>
-                <a:spcPts val="0"/>
-              </a:spcBef>
-              <a:spcAft>
-                <a:spcPts val="0"/>
-              </a:spcAft>
-              <a:buSzPts val="1400"/>
-              <a:buNone/>
-              <a:defRPr b="0" i="0" sz="1800" u="none" cap="none" strike="noStrike">
+            <a:lvl8pPr marR="0" lvl="7" algn="l" rtl="0">
+              <a:spcBef>
+                <a:spcPts val="0"/>
+              </a:spcBef>
+              <a:spcAft>
+                <a:spcPts val="0"/>
+              </a:spcAft>
+              <a:buSzPts val="1400"/>
+              <a:buNone/>
+              <a:defRPr sz="1800" b="0" i="0" u="none" strike="noStrike" cap="none">
                 <a:solidFill>
                   <a:schemeClr val="dk1"/>
                 </a:solidFill>
@@ -652,16 +659,16 @@
                 <a:sym typeface="Calibri"/>
               </a:defRPr>
             </a:lvl8pPr>
-            <a:lvl9pPr lvl="8" marR="0" rtl="0" algn="l">
-              <a:spcBef>
-                <a:spcPts val="0"/>
-              </a:spcBef>
-              <a:spcAft>
-                <a:spcPts val="0"/>
-              </a:spcAft>
-              <a:buSzPts val="1400"/>
-              <a:buNone/>
-              <a:defRPr b="0" i="0" sz="1800" u="none" cap="none" strike="noStrike">
+            <a:lvl9pPr marR="0" lvl="8" algn="l" rtl="0">
+              <a:spcBef>
+                <a:spcPts val="0"/>
+              </a:spcBef>
+              <a:spcAft>
+                <a:spcPts val="0"/>
+              </a:spcAft>
+              <a:buSzPts val="1400"/>
+              <a:buNone/>
+              <a:defRPr sz="1800" b="0" i="0" u="none" strike="noStrike" cap="none">
                 <a:solidFill>
                   <a:schemeClr val="dk1"/>
                 </a:solidFill>
@@ -672,15 +679,19 @@
               </a:defRPr>
             </a:lvl9pPr>
           </a:lstStyle>
-          <a:p/>
+          <a:p>
+            <a:endParaRPr/>
+          </a:p>
         </p:txBody>
       </p:sp>
       <p:sp>
         <p:nvSpPr>
           <p:cNvPr id="5" name="Google Shape;5;n"/>
-          <p:cNvSpPr/>
+          <p:cNvSpPr>
+            <a:spLocks noGrp="1" noRot="1" noChangeAspect="1"/>
+          </p:cNvSpPr>
           <p:nvPr>
-            <p:ph idx="3" type="sldImg"/>
+            <p:ph type="sldImg" idx="3"/>
           </p:nvPr>
         </p:nvSpPr>
         <p:spPr>
@@ -689,9 +700,13 @@
             <a:ext cx="4114800" cy="3086100"/>
           </a:xfrm>
           <a:custGeom>
-            <a:rect b="b" l="l" r="r" t="t"/>
+            <a:avLst/>
+            <a:gdLst/>
+            <a:ahLst/>
+            <a:cxnLst/>
+            <a:rect l="l" t="t" r="r" b="b"/>
             <a:pathLst>
-              <a:path extrusionOk="0" h="120000" w="120000">
+              <a:path w="120000" h="120000" extrusionOk="0">
                 <a:moveTo>
                   <a:pt x="0" y="0"/>
                 </a:moveTo>
@@ -709,23 +724,25 @@
             </a:pathLst>
           </a:custGeom>
           <a:noFill/>
-          <a:ln cap="flat" cmpd="sng" w="12700">
+          <a:ln w="12700" cap="flat" cmpd="sng">
             <a:solidFill>
               <a:srgbClr val="000000"/>
             </a:solidFill>
             <a:prstDash val="solid"/>
             <a:round/>
-            <a:headEnd len="sm" w="sm" type="none"/>
-            <a:tailEnd len="sm" w="sm" type="none"/>
+            <a:headEnd type="none" w="sm" len="sm"/>
+            <a:tailEnd type="none" w="sm" len="sm"/>
           </a:ln>
         </p:spPr>
       </p:sp>
       <p:sp>
         <p:nvSpPr>
           <p:cNvPr id="6" name="Google Shape;6;n"/>
-          <p:cNvSpPr txBox="1"/>
+          <p:cNvSpPr txBox="1">
+            <a:spLocks noGrp="1"/>
+          </p:cNvSpPr>
           <p:nvPr>
-            <p:ph idx="1" type="body"/>
+            <p:ph type="body" idx="1"/>
           </p:nvPr>
         </p:nvSpPr>
         <p:spPr>
@@ -742,20 +759,20 @@
           </a:ln>
         </p:spPr>
         <p:txBody>
-          <a:bodyPr anchorCtr="0" anchor="t" bIns="45700" lIns="91425" spcFirstLastPara="1" rIns="91425" wrap="square" tIns="45700">
+          <a:bodyPr spcFirstLastPara="1" wrap="square" lIns="91425" tIns="45700" rIns="91425" bIns="45700" anchor="t" anchorCtr="0">
             <a:noAutofit/>
           </a:bodyPr>
           <a:lstStyle>
-            <a:lvl1pPr indent="-228600" lvl="0" marL="457200" marR="0" rtl="0" algn="l">
-              <a:spcBef>
-                <a:spcPts val="0"/>
-              </a:spcBef>
-              <a:spcAft>
-                <a:spcPts val="0"/>
-              </a:spcAft>
-              <a:buSzPts val="1400"/>
-              <a:buNone/>
-              <a:defRPr b="0" i="0" sz="4838" u="none" cap="none" strike="noStrike">
+            <a:lvl1pPr marL="457200" marR="0" lvl="0" indent="-228600" algn="l" rtl="0">
+              <a:spcBef>
+                <a:spcPts val="0"/>
+              </a:spcBef>
+              <a:spcAft>
+                <a:spcPts val="0"/>
+              </a:spcAft>
+              <a:buSzPts val="1400"/>
+              <a:buNone/>
+              <a:defRPr sz="4838" b="0" i="0" u="none" strike="noStrike" cap="none">
                 <a:solidFill>
                   <a:schemeClr val="dk1"/>
                 </a:solidFill>
@@ -765,16 +782,16 @@
                 <a:sym typeface="Calibri"/>
               </a:defRPr>
             </a:lvl1pPr>
-            <a:lvl2pPr indent="-228600" lvl="1" marL="914400" marR="0" rtl="0" algn="l">
-              <a:spcBef>
-                <a:spcPts val="0"/>
-              </a:spcBef>
-              <a:spcAft>
-                <a:spcPts val="0"/>
-              </a:spcAft>
-              <a:buSzPts val="1400"/>
-              <a:buNone/>
-              <a:defRPr b="0" i="0" sz="4838" u="none" cap="none" strike="noStrike">
+            <a:lvl2pPr marL="914400" marR="0" lvl="1" indent="-228600" algn="l" rtl="0">
+              <a:spcBef>
+                <a:spcPts val="0"/>
+              </a:spcBef>
+              <a:spcAft>
+                <a:spcPts val="0"/>
+              </a:spcAft>
+              <a:buSzPts val="1400"/>
+              <a:buNone/>
+              <a:defRPr sz="4838" b="0" i="0" u="none" strike="noStrike" cap="none">
                 <a:solidFill>
                   <a:schemeClr val="dk1"/>
                 </a:solidFill>
@@ -784,16 +801,16 @@
                 <a:sym typeface="Calibri"/>
               </a:defRPr>
             </a:lvl2pPr>
-            <a:lvl3pPr indent="-228600" lvl="2" marL="1371600" marR="0" rtl="0" algn="l">
-              <a:spcBef>
-                <a:spcPts val="0"/>
-              </a:spcBef>
-              <a:spcAft>
-                <a:spcPts val="0"/>
-              </a:spcAft>
-              <a:buSzPts val="1400"/>
-              <a:buNone/>
-              <a:defRPr b="0" i="0" sz="4838" u="none" cap="none" strike="noStrike">
+            <a:lvl3pPr marL="1371600" marR="0" lvl="2" indent="-228600" algn="l" rtl="0">
+              <a:spcBef>
+                <a:spcPts val="0"/>
+              </a:spcBef>
+              <a:spcAft>
+                <a:spcPts val="0"/>
+              </a:spcAft>
+              <a:buSzPts val="1400"/>
+              <a:buNone/>
+              <a:defRPr sz="4838" b="0" i="0" u="none" strike="noStrike" cap="none">
                 <a:solidFill>
                   <a:schemeClr val="dk1"/>
                 </a:solidFill>
@@ -803,16 +820,16 @@
                 <a:sym typeface="Calibri"/>
               </a:defRPr>
             </a:lvl3pPr>
-            <a:lvl4pPr indent="-228600" lvl="3" marL="1828800" marR="0" rtl="0" algn="l">
-              <a:spcBef>
-                <a:spcPts val="0"/>
-              </a:spcBef>
-              <a:spcAft>
-                <a:spcPts val="0"/>
-              </a:spcAft>
-              <a:buSzPts val="1400"/>
-              <a:buNone/>
-              <a:defRPr b="0" i="0" sz="4838" u="none" cap="none" strike="noStrike">
+            <a:lvl4pPr marL="1828800" marR="0" lvl="3" indent="-228600" algn="l" rtl="0">
+              <a:spcBef>
+                <a:spcPts val="0"/>
+              </a:spcBef>
+              <a:spcAft>
+                <a:spcPts val="0"/>
+              </a:spcAft>
+              <a:buSzPts val="1400"/>
+              <a:buNone/>
+              <a:defRPr sz="4838" b="0" i="0" u="none" strike="noStrike" cap="none">
                 <a:solidFill>
                   <a:schemeClr val="dk1"/>
                 </a:solidFill>
@@ -822,16 +839,16 @@
                 <a:sym typeface="Calibri"/>
               </a:defRPr>
             </a:lvl4pPr>
-            <a:lvl5pPr indent="-228600" lvl="4" marL="2286000" marR="0" rtl="0" algn="l">
-              <a:spcBef>
-                <a:spcPts val="0"/>
-              </a:spcBef>
-              <a:spcAft>
-                <a:spcPts val="0"/>
-              </a:spcAft>
-              <a:buSzPts val="1400"/>
-              <a:buNone/>
-              <a:defRPr b="0" i="0" sz="4838" u="none" cap="none" strike="noStrike">
+            <a:lvl5pPr marL="2286000" marR="0" lvl="4" indent="-228600" algn="l" rtl="0">
+              <a:spcBef>
+                <a:spcPts val="0"/>
+              </a:spcBef>
+              <a:spcAft>
+                <a:spcPts val="0"/>
+              </a:spcAft>
+              <a:buSzPts val="1400"/>
+              <a:buNone/>
+              <a:defRPr sz="4838" b="0" i="0" u="none" strike="noStrike" cap="none">
                 <a:solidFill>
                   <a:schemeClr val="dk1"/>
                 </a:solidFill>
@@ -841,16 +858,16 @@
                 <a:sym typeface="Calibri"/>
               </a:defRPr>
             </a:lvl5pPr>
-            <a:lvl6pPr indent="-228600" lvl="5" marL="2743200" marR="0" rtl="0" algn="l">
-              <a:spcBef>
-                <a:spcPts val="0"/>
-              </a:spcBef>
-              <a:spcAft>
-                <a:spcPts val="0"/>
-              </a:spcAft>
-              <a:buSzPts val="1400"/>
-              <a:buNone/>
-              <a:defRPr b="0" i="0" sz="4838" u="none" cap="none" strike="noStrike">
+            <a:lvl6pPr marL="2743200" marR="0" lvl="5" indent="-228600" algn="l" rtl="0">
+              <a:spcBef>
+                <a:spcPts val="0"/>
+              </a:spcBef>
+              <a:spcAft>
+                <a:spcPts val="0"/>
+              </a:spcAft>
+              <a:buSzPts val="1400"/>
+              <a:buNone/>
+              <a:defRPr sz="4838" b="0" i="0" u="none" strike="noStrike" cap="none">
                 <a:solidFill>
                   <a:schemeClr val="dk1"/>
                 </a:solidFill>
@@ -860,16 +877,16 @@
                 <a:sym typeface="Calibri"/>
               </a:defRPr>
             </a:lvl6pPr>
-            <a:lvl7pPr indent="-228600" lvl="6" marL="3200400" marR="0" rtl="0" algn="l">
-              <a:spcBef>
-                <a:spcPts val="0"/>
-              </a:spcBef>
-              <a:spcAft>
-                <a:spcPts val="0"/>
-              </a:spcAft>
-              <a:buSzPts val="1400"/>
-              <a:buNone/>
-              <a:defRPr b="0" i="0" sz="4838" u="none" cap="none" strike="noStrike">
+            <a:lvl7pPr marL="3200400" marR="0" lvl="6" indent="-228600" algn="l" rtl="0">
+              <a:spcBef>
+                <a:spcPts val="0"/>
+              </a:spcBef>
+              <a:spcAft>
+                <a:spcPts val="0"/>
+              </a:spcAft>
+              <a:buSzPts val="1400"/>
+              <a:buNone/>
+              <a:defRPr sz="4838" b="0" i="0" u="none" strike="noStrike" cap="none">
                 <a:solidFill>
                   <a:schemeClr val="dk1"/>
                 </a:solidFill>
@@ -879,16 +896,16 @@
                 <a:sym typeface="Calibri"/>
               </a:defRPr>
             </a:lvl7pPr>
-            <a:lvl8pPr indent="-228600" lvl="7" marL="3657600" marR="0" rtl="0" algn="l">
-              <a:spcBef>
-                <a:spcPts val="0"/>
-              </a:spcBef>
-              <a:spcAft>
-                <a:spcPts val="0"/>
-              </a:spcAft>
-              <a:buSzPts val="1400"/>
-              <a:buNone/>
-              <a:defRPr b="0" i="0" sz="4838" u="none" cap="none" strike="noStrike">
+            <a:lvl8pPr marL="3657600" marR="0" lvl="7" indent="-228600" algn="l" rtl="0">
+              <a:spcBef>
+                <a:spcPts val="0"/>
+              </a:spcBef>
+              <a:spcAft>
+                <a:spcPts val="0"/>
+              </a:spcAft>
+              <a:buSzPts val="1400"/>
+              <a:buNone/>
+              <a:defRPr sz="4838" b="0" i="0" u="none" strike="noStrike" cap="none">
                 <a:solidFill>
                   <a:schemeClr val="dk1"/>
                 </a:solidFill>
@@ -898,16 +915,16 @@
                 <a:sym typeface="Calibri"/>
               </a:defRPr>
             </a:lvl8pPr>
-            <a:lvl9pPr indent="-228600" lvl="8" marL="4114800" marR="0" rtl="0" algn="l">
-              <a:spcBef>
-                <a:spcPts val="0"/>
-              </a:spcBef>
-              <a:spcAft>
-                <a:spcPts val="0"/>
-              </a:spcAft>
-              <a:buSzPts val="1400"/>
-              <a:buNone/>
-              <a:defRPr b="0" i="0" sz="4838" u="none" cap="none" strike="noStrike">
+            <a:lvl9pPr marL="4114800" marR="0" lvl="8" indent="-228600" algn="l" rtl="0">
+              <a:spcBef>
+                <a:spcPts val="0"/>
+              </a:spcBef>
+              <a:spcAft>
+                <a:spcPts val="0"/>
+              </a:spcAft>
+              <a:buSzPts val="1400"/>
+              <a:buNone/>
+              <a:defRPr sz="4838" b="0" i="0" u="none" strike="noStrike" cap="none">
                 <a:solidFill>
                   <a:schemeClr val="dk1"/>
                 </a:solidFill>
@@ -918,15 +935,19 @@
               </a:defRPr>
             </a:lvl9pPr>
           </a:lstStyle>
-          <a:p/>
+          <a:p>
+            <a:endParaRPr/>
+          </a:p>
         </p:txBody>
       </p:sp>
       <p:sp>
         <p:nvSpPr>
           <p:cNvPr id="7" name="Google Shape;7;n"/>
-          <p:cNvSpPr txBox="1"/>
+          <p:cNvSpPr txBox="1">
+            <a:spLocks noGrp="1"/>
+          </p:cNvSpPr>
           <p:nvPr>
-            <p:ph idx="11" type="ftr"/>
+            <p:ph type="ftr" idx="11"/>
           </p:nvPr>
         </p:nvSpPr>
         <p:spPr>
@@ -943,20 +964,20 @@
           </a:ln>
         </p:spPr>
         <p:txBody>
-          <a:bodyPr anchorCtr="0" anchor="b" bIns="45700" lIns="91425" spcFirstLastPara="1" rIns="91425" wrap="square" tIns="45700">
+          <a:bodyPr spcFirstLastPara="1" wrap="square" lIns="91425" tIns="45700" rIns="91425" bIns="45700" anchor="b" anchorCtr="0">
             <a:noAutofit/>
           </a:bodyPr>
           <a:lstStyle>
-            <a:lvl1pPr lvl="0" marR="0" rtl="0" algn="l">
-              <a:spcBef>
-                <a:spcPts val="0"/>
-              </a:spcBef>
-              <a:spcAft>
-                <a:spcPts val="0"/>
-              </a:spcAft>
-              <a:buSzPts val="1400"/>
-              <a:buNone/>
-              <a:defRPr b="0" i="0" sz="1200" u="none" cap="none" strike="noStrike">
+            <a:lvl1pPr marR="0" lvl="0" algn="l" rtl="0">
+              <a:spcBef>
+                <a:spcPts val="0"/>
+              </a:spcBef>
+              <a:spcAft>
+                <a:spcPts val="0"/>
+              </a:spcAft>
+              <a:buSzPts val="1400"/>
+              <a:buNone/>
+              <a:defRPr sz="1200" b="0" i="0" u="none" strike="noStrike" cap="none">
                 <a:solidFill>
                   <a:schemeClr val="dk1"/>
                 </a:solidFill>
@@ -966,16 +987,16 @@
                 <a:sym typeface="Calibri"/>
               </a:defRPr>
             </a:lvl1pPr>
-            <a:lvl2pPr lvl="1" marR="0" rtl="0" algn="l">
-              <a:spcBef>
-                <a:spcPts val="0"/>
-              </a:spcBef>
-              <a:spcAft>
-                <a:spcPts val="0"/>
-              </a:spcAft>
-              <a:buSzPts val="1400"/>
-              <a:buNone/>
-              <a:defRPr b="0" i="0" sz="1800" u="none" cap="none" strike="noStrike">
+            <a:lvl2pPr marR="0" lvl="1" algn="l" rtl="0">
+              <a:spcBef>
+                <a:spcPts val="0"/>
+              </a:spcBef>
+              <a:spcAft>
+                <a:spcPts val="0"/>
+              </a:spcAft>
+              <a:buSzPts val="1400"/>
+              <a:buNone/>
+              <a:defRPr sz="1800" b="0" i="0" u="none" strike="noStrike" cap="none">
                 <a:solidFill>
                   <a:schemeClr val="dk1"/>
                 </a:solidFill>
@@ -985,16 +1006,16 @@
                 <a:sym typeface="Calibri"/>
               </a:defRPr>
             </a:lvl2pPr>
-            <a:lvl3pPr lvl="2" marR="0" rtl="0" algn="l">
-              <a:spcBef>
-                <a:spcPts val="0"/>
-              </a:spcBef>
-              <a:spcAft>
-                <a:spcPts val="0"/>
-              </a:spcAft>
-              <a:buSzPts val="1400"/>
-              <a:buNone/>
-              <a:defRPr b="0" i="0" sz="1800" u="none" cap="none" strike="noStrike">
+            <a:lvl3pPr marR="0" lvl="2" algn="l" rtl="0">
+              <a:spcBef>
+                <a:spcPts val="0"/>
+              </a:spcBef>
+              <a:spcAft>
+                <a:spcPts val="0"/>
+              </a:spcAft>
+              <a:buSzPts val="1400"/>
+              <a:buNone/>
+              <a:defRPr sz="1800" b="0" i="0" u="none" strike="noStrike" cap="none">
                 <a:solidFill>
                   <a:schemeClr val="dk1"/>
                 </a:solidFill>
@@ -1004,16 +1025,16 @@
                 <a:sym typeface="Calibri"/>
               </a:defRPr>
             </a:lvl3pPr>
-            <a:lvl4pPr lvl="3" marR="0" rtl="0" algn="l">
-              <a:spcBef>
-                <a:spcPts val="0"/>
-              </a:spcBef>
-              <a:spcAft>
-                <a:spcPts val="0"/>
-              </a:spcAft>
-              <a:buSzPts val="1400"/>
-              <a:buNone/>
-              <a:defRPr b="0" i="0" sz="1800" u="none" cap="none" strike="noStrike">
+            <a:lvl4pPr marR="0" lvl="3" algn="l" rtl="0">
+              <a:spcBef>
+                <a:spcPts val="0"/>
+              </a:spcBef>
+              <a:spcAft>
+                <a:spcPts val="0"/>
+              </a:spcAft>
+              <a:buSzPts val="1400"/>
+              <a:buNone/>
+              <a:defRPr sz="1800" b="0" i="0" u="none" strike="noStrike" cap="none">
                 <a:solidFill>
                   <a:schemeClr val="dk1"/>
                 </a:solidFill>
@@ -1023,16 +1044,16 @@
                 <a:sym typeface="Calibri"/>
               </a:defRPr>
             </a:lvl4pPr>
-            <a:lvl5pPr lvl="4" marR="0" rtl="0" algn="l">
-              <a:spcBef>
-                <a:spcPts val="0"/>
-              </a:spcBef>
-              <a:spcAft>
-                <a:spcPts val="0"/>
-              </a:spcAft>
-              <a:buSzPts val="1400"/>
-              <a:buNone/>
-              <a:defRPr b="0" i="0" sz="1800" u="none" cap="none" strike="noStrike">
+            <a:lvl5pPr marR="0" lvl="4" algn="l" rtl="0">
+              <a:spcBef>
+                <a:spcPts val="0"/>
+              </a:spcBef>
+              <a:spcAft>
+                <a:spcPts val="0"/>
+              </a:spcAft>
+              <a:buSzPts val="1400"/>
+              <a:buNone/>
+              <a:defRPr sz="1800" b="0" i="0" u="none" strike="noStrike" cap="none">
                 <a:solidFill>
                   <a:schemeClr val="dk1"/>
                 </a:solidFill>
@@ -1042,16 +1063,16 @@
                 <a:sym typeface="Calibri"/>
               </a:defRPr>
             </a:lvl5pPr>
-            <a:lvl6pPr lvl="5" marR="0" rtl="0" algn="l">
-              <a:spcBef>
-                <a:spcPts val="0"/>
-              </a:spcBef>
-              <a:spcAft>
-                <a:spcPts val="0"/>
-              </a:spcAft>
-              <a:buSzPts val="1400"/>
-              <a:buNone/>
-              <a:defRPr b="0" i="0" sz="1800" u="none" cap="none" strike="noStrike">
+            <a:lvl6pPr marR="0" lvl="5" algn="l" rtl="0">
+              <a:spcBef>
+                <a:spcPts val="0"/>
+              </a:spcBef>
+              <a:spcAft>
+                <a:spcPts val="0"/>
+              </a:spcAft>
+              <a:buSzPts val="1400"/>
+              <a:buNone/>
+              <a:defRPr sz="1800" b="0" i="0" u="none" strike="noStrike" cap="none">
                 <a:solidFill>
                   <a:schemeClr val="dk1"/>
                 </a:solidFill>
@@ -1061,16 +1082,16 @@
                 <a:sym typeface="Calibri"/>
               </a:defRPr>
             </a:lvl6pPr>
-            <a:lvl7pPr lvl="6" marR="0" rtl="0" algn="l">
-              <a:spcBef>
-                <a:spcPts val="0"/>
-              </a:spcBef>
-              <a:spcAft>
-                <a:spcPts val="0"/>
-              </a:spcAft>
-              <a:buSzPts val="1400"/>
-              <a:buNone/>
-              <a:defRPr b="0" i="0" sz="1800" u="none" cap="none" strike="noStrike">
+            <a:lvl7pPr marR="0" lvl="6" algn="l" rtl="0">
+              <a:spcBef>
+                <a:spcPts val="0"/>
+              </a:spcBef>
+              <a:spcAft>
+                <a:spcPts val="0"/>
+              </a:spcAft>
+              <a:buSzPts val="1400"/>
+              <a:buNone/>
+              <a:defRPr sz="1800" b="0" i="0" u="none" strike="noStrike" cap="none">
                 <a:solidFill>
                   <a:schemeClr val="dk1"/>
                 </a:solidFill>
@@ -1080,16 +1101,16 @@
                 <a:sym typeface="Calibri"/>
               </a:defRPr>
             </a:lvl7pPr>
-            <a:lvl8pPr lvl="7" marR="0" rtl="0" algn="l">
-              <a:spcBef>
-                <a:spcPts val="0"/>
-              </a:spcBef>
-              <a:spcAft>
-                <a:spcPts val="0"/>
-              </a:spcAft>
-              <a:buSzPts val="1400"/>
-              <a:buNone/>
-              <a:defRPr b="0" i="0" sz="1800" u="none" cap="none" strike="noStrike">
+            <a:lvl8pPr marR="0" lvl="7" algn="l" rtl="0">
+              <a:spcBef>
+                <a:spcPts val="0"/>
+              </a:spcBef>
+              <a:spcAft>
+                <a:spcPts val="0"/>
+              </a:spcAft>
+              <a:buSzPts val="1400"/>
+              <a:buNone/>
+              <a:defRPr sz="1800" b="0" i="0" u="none" strike="noStrike" cap="none">
                 <a:solidFill>
                   <a:schemeClr val="dk1"/>
                 </a:solidFill>
@@ -1099,16 +1120,16 @@
                 <a:sym typeface="Calibri"/>
               </a:defRPr>
             </a:lvl8pPr>
-            <a:lvl9pPr lvl="8" marR="0" rtl="0" algn="l">
-              <a:spcBef>
-                <a:spcPts val="0"/>
-              </a:spcBef>
-              <a:spcAft>
-                <a:spcPts val="0"/>
-              </a:spcAft>
-              <a:buSzPts val="1400"/>
-              <a:buNone/>
-              <a:defRPr b="0" i="0" sz="1800" u="none" cap="none" strike="noStrike">
+            <a:lvl9pPr marR="0" lvl="8" algn="l" rtl="0">
+              <a:spcBef>
+                <a:spcPts val="0"/>
+              </a:spcBef>
+              <a:spcAft>
+                <a:spcPts val="0"/>
+              </a:spcAft>
+              <a:buSzPts val="1400"/>
+              <a:buNone/>
+              <a:defRPr sz="1800" b="0" i="0" u="none" strike="noStrike" cap="none">
                 <a:solidFill>
                   <a:schemeClr val="dk1"/>
                 </a:solidFill>
@@ -1119,15 +1140,19 @@
               </a:defRPr>
             </a:lvl9pPr>
           </a:lstStyle>
-          <a:p/>
+          <a:p>
+            <a:endParaRPr/>
+          </a:p>
         </p:txBody>
       </p:sp>
       <p:sp>
         <p:nvSpPr>
           <p:cNvPr id="8" name="Google Shape;8;n"/>
-          <p:cNvSpPr txBox="1"/>
+          <p:cNvSpPr txBox="1">
+            <a:spLocks noGrp="1"/>
+          </p:cNvSpPr>
           <p:nvPr>
-            <p:ph idx="12" type="sldNum"/>
+            <p:ph type="sldNum" idx="12"/>
           </p:nvPr>
         </p:nvSpPr>
         <p:spPr>
@@ -1144,12 +1169,12 @@
           </a:ln>
         </p:spPr>
         <p:txBody>
-          <a:bodyPr anchorCtr="0" anchor="b" bIns="45700" lIns="91425" spcFirstLastPara="1" rIns="91425" wrap="square" tIns="45700">
+          <a:bodyPr spcFirstLastPara="1" wrap="square" lIns="91425" tIns="45700" rIns="91425" bIns="45700" anchor="b" anchorCtr="0">
             <a:noAutofit/>
           </a:bodyPr>
           <a:lstStyle/>
           <a:p>
-            <a:pPr indent="0" lvl="0" marL="0" marR="0" rtl="0" algn="r">
+            <a:pPr marL="0" marR="0" lvl="0" indent="0" algn="r" rtl="0">
               <a:spcBef>
                 <a:spcPts val="0"/>
               </a:spcBef>
@@ -1159,7 +1184,7 @@
               <a:buNone/>
             </a:pPr>
             <a:fld id="{00000000-1234-1234-1234-123412341234}" type="slidenum">
-              <a:rPr b="0" i="0" lang="en-US" sz="1200" u="none" cap="none" strike="noStrike">
+              <a:rPr lang="en-US" sz="1200" b="0" i="0" u="none" strike="noStrike" cap="none">
                 <a:solidFill>
                   <a:schemeClr val="dk1"/>
                 </a:solidFill>
@@ -1170,7 +1195,7 @@
               </a:rPr>
               <a:t>‹#›</a:t>
             </a:fld>
-            <a:endParaRPr b="0" i="0" sz="1200" u="none" cap="none" strike="noStrike">
+            <a:endParaRPr sz="1200" b="0" i="0" u="none" strike="noStrike" cap="none">
               <a:solidFill>
                 <a:schemeClr val="dk1"/>
               </a:solidFill>
@@ -1184,9 +1209,9 @@
       </p:sp>
     </p:spTree>
   </p:cSld>
-  <p:clrMap accent1="accent1" accent2="accent2" accent3="accent3" accent4="accent4" accent5="accent5" accent6="accent6" bg1="lt1" bg2="dk2" tx1="dk1" tx2="lt2" folHlink="folHlink" hlink="hlink"/>
+  <p:clrMap bg1="lt1" tx1="dk1" bg2="dk2" tx2="lt2" accent1="accent1" accent2="accent2" accent3="accent3" accent4="accent4" accent5="accent5" accent6="accent6" hlink="hlink" folHlink="folHlink"/>
   <p:notesStyle>
-    <a:defPPr lvl="0" marR="0" rtl="0" algn="l">
+    <a:defPPr marR="0" lvl="0" algn="l" rtl="0">
       <a:lnSpc>
         <a:spcPct val="100000"/>
       </a:lnSpc>
@@ -1197,7 +1222,7 @@
         <a:spcPts val="0"/>
       </a:spcAft>
     </a:defPPr>
-    <a:lvl1pPr lvl="0" marR="0" rtl="0" algn="l">
+    <a:lvl1pPr marR="0" lvl="0" algn="l" rtl="0">
       <a:lnSpc>
         <a:spcPct val="100000"/>
       </a:lnSpc>
@@ -1211,7 +1236,7 @@
         <a:srgbClr val="000000"/>
       </a:buClr>
       <a:buFont typeface="Arial"/>
-      <a:defRPr b="0" i="0" sz="1400" u="none" cap="none" strike="noStrike">
+      <a:defRPr sz="1400" b="0" i="0" u="none" strike="noStrike" cap="none">
         <a:solidFill>
           <a:srgbClr val="000000"/>
         </a:solidFill>
@@ -1221,7 +1246,7 @@
         <a:sym typeface="Arial"/>
       </a:defRPr>
     </a:lvl1pPr>
-    <a:lvl2pPr lvl="1" marR="0" rtl="0" algn="l">
+    <a:lvl2pPr marR="0" lvl="1" algn="l" rtl="0">
       <a:lnSpc>
         <a:spcPct val="100000"/>
       </a:lnSpc>
@@ -1235,7 +1260,7 @@
         <a:srgbClr val="000000"/>
       </a:buClr>
       <a:buFont typeface="Arial"/>
-      <a:defRPr b="0" i="0" sz="1400" u="none" cap="none" strike="noStrike">
+      <a:defRPr sz="1400" b="0" i="0" u="none" strike="noStrike" cap="none">
         <a:solidFill>
           <a:srgbClr val="000000"/>
         </a:solidFill>
@@ -1245,7 +1270,7 @@
         <a:sym typeface="Arial"/>
       </a:defRPr>
     </a:lvl2pPr>
-    <a:lvl3pPr lvl="2" marR="0" rtl="0" algn="l">
+    <a:lvl3pPr marR="0" lvl="2" algn="l" rtl="0">
       <a:lnSpc>
         <a:spcPct val="100000"/>
       </a:lnSpc>
@@ -1259,7 +1284,7 @@
         <a:srgbClr val="000000"/>
       </a:buClr>
       <a:buFont typeface="Arial"/>
-      <a:defRPr b="0" i="0" sz="1400" u="none" cap="none" strike="noStrike">
+      <a:defRPr sz="1400" b="0" i="0" u="none" strike="noStrike" cap="none">
         <a:solidFill>
           <a:srgbClr val="000000"/>
         </a:solidFill>
@@ -1269,7 +1294,7 @@
         <a:sym typeface="Arial"/>
       </a:defRPr>
     </a:lvl3pPr>
-    <a:lvl4pPr lvl="3" marR="0" rtl="0" algn="l">
+    <a:lvl4pPr marR="0" lvl="3" algn="l" rtl="0">
       <a:lnSpc>
         <a:spcPct val="100000"/>
       </a:lnSpc>
@@ -1283,7 +1308,7 @@
         <a:srgbClr val="000000"/>
       </a:buClr>
       <a:buFont typeface="Arial"/>
-      <a:defRPr b="0" i="0" sz="1400" u="none" cap="none" strike="noStrike">
+      <a:defRPr sz="1400" b="0" i="0" u="none" strike="noStrike" cap="none">
         <a:solidFill>
           <a:srgbClr val="000000"/>
         </a:solidFill>
@@ -1293,7 +1318,7 @@
         <a:sym typeface="Arial"/>
       </a:defRPr>
     </a:lvl4pPr>
-    <a:lvl5pPr lvl="4" marR="0" rtl="0" algn="l">
+    <a:lvl5pPr marR="0" lvl="4" algn="l" rtl="0">
       <a:lnSpc>
         <a:spcPct val="100000"/>
       </a:lnSpc>
@@ -1307,7 +1332,7 @@
         <a:srgbClr val="000000"/>
       </a:buClr>
       <a:buFont typeface="Arial"/>
-      <a:defRPr b="0" i="0" sz="1400" u="none" cap="none" strike="noStrike">
+      <a:defRPr sz="1400" b="0" i="0" u="none" strike="noStrike" cap="none">
         <a:solidFill>
           <a:srgbClr val="000000"/>
         </a:solidFill>
@@ -1317,7 +1342,7 @@
         <a:sym typeface="Arial"/>
       </a:defRPr>
     </a:lvl5pPr>
-    <a:lvl6pPr lvl="5" marR="0" rtl="0" algn="l">
+    <a:lvl6pPr marR="0" lvl="5" algn="l" rtl="0">
       <a:lnSpc>
         <a:spcPct val="100000"/>
       </a:lnSpc>
@@ -1331,7 +1356,7 @@
         <a:srgbClr val="000000"/>
       </a:buClr>
       <a:buFont typeface="Arial"/>
-      <a:defRPr b="0" i="0" sz="1400" u="none" cap="none" strike="noStrike">
+      <a:defRPr sz="1400" b="0" i="0" u="none" strike="noStrike" cap="none">
         <a:solidFill>
           <a:srgbClr val="000000"/>
         </a:solidFill>
@@ -1341,7 +1366,7 @@
         <a:sym typeface="Arial"/>
       </a:defRPr>
     </a:lvl6pPr>
-    <a:lvl7pPr lvl="6" marR="0" rtl="0" algn="l">
+    <a:lvl7pPr marR="0" lvl="6" algn="l" rtl="0">
       <a:lnSpc>
         <a:spcPct val="100000"/>
       </a:lnSpc>
@@ -1355,7 +1380,7 @@
         <a:srgbClr val="000000"/>
       </a:buClr>
       <a:buFont typeface="Arial"/>
-      <a:defRPr b="0" i="0" sz="1400" u="none" cap="none" strike="noStrike">
+      <a:defRPr sz="1400" b="0" i="0" u="none" strike="noStrike" cap="none">
         <a:solidFill>
           <a:srgbClr val="000000"/>
         </a:solidFill>
@@ -1365,7 +1390,7 @@
         <a:sym typeface="Arial"/>
       </a:defRPr>
     </a:lvl7pPr>
-    <a:lvl8pPr lvl="7" marR="0" rtl="0" algn="l">
+    <a:lvl8pPr marR="0" lvl="7" algn="l" rtl="0">
       <a:lnSpc>
         <a:spcPct val="100000"/>
       </a:lnSpc>
@@ -1379,7 +1404,7 @@
         <a:srgbClr val="000000"/>
       </a:buClr>
       <a:buFont typeface="Arial"/>
-      <a:defRPr b="0" i="0" sz="1400" u="none" cap="none" strike="noStrike">
+      <a:defRPr sz="1400" b="0" i="0" u="none" strike="noStrike" cap="none">
         <a:solidFill>
           <a:srgbClr val="000000"/>
         </a:solidFill>
@@ -1389,7 +1414,7 @@
         <a:sym typeface="Arial"/>
       </a:defRPr>
     </a:lvl8pPr>
-    <a:lvl9pPr lvl="8" marR="0" rtl="0" algn="l">
+    <a:lvl9pPr marR="0" lvl="8" algn="l" rtl="0">
       <a:lnSpc>
         <a:spcPct val="100000"/>
       </a:lnSpc>
@@ -1403,7 +1428,7 @@
         <a:srgbClr val="000000"/>
       </a:buClr>
       <a:buFont typeface="Arial"/>
-      <a:defRPr b="0" i="0" sz="1400" u="none" cap="none" strike="noStrike">
+      <a:defRPr sz="1400" b="0" i="0" u="none" strike="noStrike" cap="none">
         <a:solidFill>
           <a:srgbClr val="000000"/>
         </a:solidFill>
@@ -1418,11 +1443,11 @@
 </file>
 
 <file path=ppt/notesSlides/notesSlide1.xml><?xml version="1.0" encoding="utf-8"?>
-<p:notes xmlns:a="http://schemas.openxmlformats.org/drawingml/2006/main" xmlns:r="http://schemas.openxmlformats.org/officeDocument/2006/relationships" xmlns:mc="http://schemas.openxmlformats.org/markup-compatibility/2006" xmlns:mv="urn:schemas-microsoft-com:mac:vml" xmlns:p="http://schemas.openxmlformats.org/presentationml/2006/main" xmlns:c="http://schemas.openxmlformats.org/drawingml/2006/chart" xmlns:dgm="http://schemas.openxmlformats.org/drawingml/2006/diagram" xmlns:o="urn:schemas-microsoft-com:office:office" xmlns:v="urn:schemas-microsoft-com:vml" xmlns:pvml="urn:schemas-microsoft-com:office:powerpoint" xmlns:com="http://schemas.openxmlformats.org/drawingml/2006/compatibility" xmlns:p14="http://schemas.microsoft.com/office/powerpoint/2010/main" xmlns:p15="http://schemas.microsoft.com/office/powerpoint/2012/main" xmlns:ahyp="http://schemas.microsoft.com/office/drawing/2018/hyperlinkcolor" showMasterPhAnim="0" showMasterSp="0">
+<p:notes xmlns:a="http://schemas.openxmlformats.org/drawingml/2006/main" xmlns:r="http://schemas.openxmlformats.org/officeDocument/2006/relationships" xmlns:p="http://schemas.openxmlformats.org/presentationml/2006/main" showMasterSp="0" showMasterPhAnim="0">
   <p:cSld>
     <p:spTree>
       <p:nvGrpSpPr>
-        <p:cNvPr id="84" name="Shape 84"/>
+        <p:cNvPr id="1" name="Shape 84"/>
         <p:cNvGrpSpPr/>
         <p:nvPr/>
       </p:nvGrpSpPr>
@@ -1437,9 +1462,11 @@
       <p:sp>
         <p:nvSpPr>
           <p:cNvPr id="85" name="Google Shape;85;p1:notes"/>
-          <p:cNvSpPr/>
+          <p:cNvSpPr>
+            <a:spLocks noGrp="1" noRot="1" noChangeAspect="1"/>
+          </p:cNvSpPr>
           <p:nvPr>
-            <p:ph idx="2" type="sldImg"/>
+            <p:ph type="sldImg" idx="2"/>
           </p:nvPr>
         </p:nvSpPr>
         <p:spPr>
@@ -1448,9 +1475,13 @@
             <a:ext cx="4114800" cy="3086100"/>
           </a:xfrm>
           <a:custGeom>
-            <a:rect b="b" l="l" r="r" t="t"/>
+            <a:avLst/>
+            <a:gdLst/>
+            <a:ahLst/>
+            <a:cxnLst/>
+            <a:rect l="l" t="t" r="r" b="b"/>
             <a:pathLst>
-              <a:path extrusionOk="0" h="120000" w="120000">
+              <a:path w="120000" h="120000" extrusionOk="0">
                 <a:moveTo>
                   <a:pt x="0" y="0"/>
                 </a:moveTo>
@@ -1468,23 +1499,25 @@
             </a:pathLst>
           </a:custGeom>
           <a:noFill/>
-          <a:ln cap="flat" cmpd="sng" w="12700">
+          <a:ln w="12700" cap="flat" cmpd="sng">
             <a:solidFill>
               <a:srgbClr val="000000"/>
             </a:solidFill>
             <a:prstDash val="solid"/>
             <a:round/>
-            <a:headEnd len="sm" w="sm" type="none"/>
-            <a:tailEnd len="sm" w="sm" type="none"/>
+            <a:headEnd type="none" w="sm" len="sm"/>
+            <a:tailEnd type="none" w="sm" len="sm"/>
           </a:ln>
         </p:spPr>
       </p:sp>
       <p:sp>
         <p:nvSpPr>
           <p:cNvPr id="86" name="Google Shape;86;p1:notes"/>
-          <p:cNvSpPr txBox="1"/>
+          <p:cNvSpPr txBox="1">
+            <a:spLocks noGrp="1"/>
+          </p:cNvSpPr>
           <p:nvPr>
-            <p:ph idx="1" type="body"/>
+            <p:ph type="body" idx="1"/>
           </p:nvPr>
         </p:nvSpPr>
         <p:spPr>
@@ -1501,12 +1534,12 @@
           </a:ln>
         </p:spPr>
         <p:txBody>
-          <a:bodyPr anchorCtr="0" anchor="t" bIns="45700" lIns="91425" spcFirstLastPara="1" rIns="91425" wrap="square" tIns="45700">
+          <a:bodyPr spcFirstLastPara="1" wrap="square" lIns="91425" tIns="45700" rIns="91425" bIns="45700" anchor="t" anchorCtr="0">
             <a:noAutofit/>
           </a:bodyPr>
           <a:lstStyle/>
           <a:p>
-            <a:pPr indent="0" lvl="0" marL="0" rtl="0" algn="l">
+            <a:pPr marL="0" lvl="0" indent="0" algn="l" rtl="0">
               <a:spcBef>
                 <a:spcPts val="0"/>
               </a:spcBef>
@@ -1515,19 +1548,18 @@
               </a:spcAft>
               <a:buNone/>
             </a:pPr>
-            <a:r>
-              <a:t/>
-            </a:r>
-            <a:endParaRPr/>
+            <a:endParaRPr dirty="0"/>
           </a:p>
         </p:txBody>
       </p:sp>
       <p:sp>
         <p:nvSpPr>
           <p:cNvPr id="87" name="Google Shape;87;p1:notes"/>
-          <p:cNvSpPr txBox="1"/>
+          <p:cNvSpPr txBox="1">
+            <a:spLocks noGrp="1"/>
+          </p:cNvSpPr>
           <p:nvPr>
-            <p:ph idx="12" type="sldNum"/>
+            <p:ph type="sldNum" idx="12"/>
           </p:nvPr>
         </p:nvSpPr>
         <p:spPr>
@@ -1544,12 +1576,12 @@
           </a:ln>
         </p:spPr>
         <p:txBody>
-          <a:bodyPr anchorCtr="0" anchor="b" bIns="45700" lIns="91425" spcFirstLastPara="1" rIns="91425" wrap="square" tIns="45700">
+          <a:bodyPr spcFirstLastPara="1" wrap="square" lIns="91425" tIns="45700" rIns="91425" bIns="45700" anchor="b" anchorCtr="0">
             <a:noAutofit/>
           </a:bodyPr>
           <a:lstStyle/>
           <a:p>
-            <a:pPr indent="0" lvl="0" marL="0" rtl="0" algn="r">
+            <a:pPr marL="0" lvl="0" indent="0" algn="r" rtl="0">
               <a:spcBef>
                 <a:spcPts val="0"/>
               </a:spcBef>
@@ -1560,7 +1592,7 @@
             </a:pPr>
             <a:fld id="{00000000-1234-1234-1234-123412341234}" type="slidenum">
               <a:rPr lang="en-US"/>
-              <a:t>‹#›</a:t>
+              <a:t>1</a:t>
             </a:fld>
             <a:endParaRPr/>
           </a:p>
@@ -1575,11 +1607,11 @@
 </file>
 
 <file path=ppt/slideLayouts/slideLayout1.xml><?xml version="1.0" encoding="utf-8"?>
-<p:sldLayout xmlns:a="http://schemas.openxmlformats.org/drawingml/2006/main" xmlns:r="http://schemas.openxmlformats.org/officeDocument/2006/relationships" xmlns:mc="http://schemas.openxmlformats.org/markup-compatibility/2006" xmlns:mv="urn:schemas-microsoft-com:mac:vml" xmlns:p="http://schemas.openxmlformats.org/presentationml/2006/main" xmlns:c="http://schemas.openxmlformats.org/drawingml/2006/chart" xmlns:dgm="http://schemas.openxmlformats.org/drawingml/2006/diagram" xmlns:o="urn:schemas-microsoft-com:office:office" xmlns:v="urn:schemas-microsoft-com:vml" xmlns:pvml="urn:schemas-microsoft-com:office:powerpoint" xmlns:com="http://schemas.openxmlformats.org/drawingml/2006/compatibility" xmlns:p14="http://schemas.microsoft.com/office/powerpoint/2010/main" xmlns:p15="http://schemas.microsoft.com/office/powerpoint/2012/main" xmlns:ahyp="http://schemas.microsoft.com/office/drawing/2018/hyperlinkcolor" matchingName="Title Slide" type="title">
+<p:sldLayout xmlns:a="http://schemas.openxmlformats.org/drawingml/2006/main" xmlns:r="http://schemas.openxmlformats.org/officeDocument/2006/relationships" xmlns:p="http://schemas.openxmlformats.org/presentationml/2006/main" matchingName="Title Slide" type="title">
   <p:cSld name="TITLE">
     <p:spTree>
       <p:nvGrpSpPr>
-        <p:cNvPr id="15" name="Shape 15"/>
+        <p:cNvPr id="1" name="Shape 15"/>
         <p:cNvGrpSpPr/>
         <p:nvPr/>
       </p:nvGrpSpPr>
@@ -1594,7 +1626,9 @@
       <p:sp>
         <p:nvSpPr>
           <p:cNvPr id="16" name="Google Shape;16;p3"/>
-          <p:cNvSpPr txBox="1"/>
+          <p:cNvSpPr txBox="1">
+            <a:spLocks noGrp="1"/>
+          </p:cNvSpPr>
           <p:nvPr>
             <p:ph type="ctrTitle"/>
           </p:nvPr>
@@ -1613,7 +1647,7 @@
           </a:ln>
         </p:spPr>
         <p:txBody>
-          <a:bodyPr anchorCtr="0" anchor="b" bIns="45700" lIns="91425" spcFirstLastPara="1" rIns="91425" wrap="square" tIns="45700">
+          <a:bodyPr spcFirstLastPara="1" wrap="square" lIns="91425" tIns="45700" rIns="91425" bIns="45700" anchor="b" anchorCtr="0">
             <a:normAutofit/>
           </a:bodyPr>
           <a:lstStyle>
@@ -1724,15 +1758,19 @@
               <a:defRPr/>
             </a:lvl9pPr>
           </a:lstStyle>
-          <a:p/>
+          <a:p>
+            <a:endParaRPr/>
+          </a:p>
         </p:txBody>
       </p:sp>
       <p:sp>
         <p:nvSpPr>
           <p:cNvPr id="17" name="Google Shape;17;p3"/>
-          <p:cNvSpPr txBox="1"/>
+          <p:cNvSpPr txBox="1">
+            <a:spLocks noGrp="1"/>
+          </p:cNvSpPr>
           <p:nvPr>
-            <p:ph idx="1" type="subTitle"/>
+            <p:ph type="subTitle" idx="1"/>
           </p:nvPr>
         </p:nvSpPr>
         <p:spPr>
@@ -1749,7 +1787,7 @@
           </a:ln>
         </p:spPr>
         <p:txBody>
-          <a:bodyPr anchorCtr="0" anchor="t" bIns="45700" lIns="91425" spcFirstLastPara="1" rIns="91425" wrap="square" tIns="45700">
+          <a:bodyPr spcFirstLastPara="1" wrap="square" lIns="91425" tIns="45700" rIns="91425" bIns="45700" anchor="t" anchorCtr="0">
             <a:normAutofit/>
           </a:bodyPr>
           <a:lstStyle>
@@ -1907,15 +1945,19 @@
               <a:defRPr sz="7680"/>
             </a:lvl9pPr>
           </a:lstStyle>
-          <a:p/>
+          <a:p>
+            <a:endParaRPr/>
+          </a:p>
         </p:txBody>
       </p:sp>
       <p:sp>
         <p:nvSpPr>
           <p:cNvPr id="18" name="Google Shape;18;p3"/>
-          <p:cNvSpPr txBox="1"/>
+          <p:cNvSpPr txBox="1">
+            <a:spLocks noGrp="1"/>
+          </p:cNvSpPr>
           <p:nvPr>
-            <p:ph idx="10" type="dt"/>
+            <p:ph type="dt" idx="10"/>
           </p:nvPr>
         </p:nvSpPr>
         <p:spPr>
@@ -1932,7 +1974,7 @@
           </a:ln>
         </p:spPr>
         <p:txBody>
-          <a:bodyPr anchorCtr="0" anchor="ctr" bIns="45700" lIns="91425" spcFirstLastPara="1" rIns="91425" wrap="square" tIns="45700">
+          <a:bodyPr spcFirstLastPara="1" wrap="square" lIns="91425" tIns="45700" rIns="91425" bIns="45700" anchor="ctr" anchorCtr="0">
             <a:noAutofit/>
           </a:bodyPr>
           <a:lstStyle>
@@ -2036,15 +2078,19 @@
               <a:defRPr/>
             </a:lvl9pPr>
           </a:lstStyle>
-          <a:p/>
+          <a:p>
+            <a:endParaRPr/>
+          </a:p>
         </p:txBody>
       </p:sp>
       <p:sp>
         <p:nvSpPr>
           <p:cNvPr id="19" name="Google Shape;19;p3"/>
-          <p:cNvSpPr txBox="1"/>
+          <p:cNvSpPr txBox="1">
+            <a:spLocks noGrp="1"/>
+          </p:cNvSpPr>
           <p:nvPr>
-            <p:ph idx="11" type="ftr"/>
+            <p:ph type="ftr" idx="11"/>
           </p:nvPr>
         </p:nvSpPr>
         <p:spPr>
@@ -2061,7 +2107,7 @@
           </a:ln>
         </p:spPr>
         <p:txBody>
-          <a:bodyPr anchorCtr="0" anchor="ctr" bIns="45700" lIns="91425" spcFirstLastPara="1" rIns="91425" wrap="square" tIns="45700">
+          <a:bodyPr spcFirstLastPara="1" wrap="square" lIns="91425" tIns="45700" rIns="91425" bIns="45700" anchor="ctr" anchorCtr="0">
             <a:noAutofit/>
           </a:bodyPr>
           <a:lstStyle>
@@ -2165,15 +2211,19 @@
               <a:defRPr/>
             </a:lvl9pPr>
           </a:lstStyle>
-          <a:p/>
+          <a:p>
+            <a:endParaRPr/>
+          </a:p>
         </p:txBody>
       </p:sp>
       <p:sp>
         <p:nvSpPr>
           <p:cNvPr id="20" name="Google Shape;20;p3"/>
-          <p:cNvSpPr txBox="1"/>
+          <p:cNvSpPr txBox="1">
+            <a:spLocks noGrp="1"/>
+          </p:cNvSpPr>
           <p:nvPr>
-            <p:ph idx="12" type="sldNum"/>
+            <p:ph type="sldNum" idx="12"/>
           </p:nvPr>
         </p:nvSpPr>
         <p:spPr>
@@ -2190,67 +2240,67 @@
           </a:ln>
         </p:spPr>
         <p:txBody>
-          <a:bodyPr anchorCtr="0" anchor="ctr" bIns="45700" lIns="91425" spcFirstLastPara="1" rIns="91425" wrap="square" tIns="45700">
+          <a:bodyPr spcFirstLastPara="1" wrap="square" lIns="91425" tIns="45700" rIns="91425" bIns="45700" anchor="ctr" anchorCtr="0">
             <a:noAutofit/>
           </a:bodyPr>
           <a:lstStyle>
-            <a:lvl1pPr indent="0" lvl="0" marL="0" algn="r">
+            <a:lvl1pPr marL="0" lvl="0" indent="0" algn="r">
               <a:spcBef>
                 <a:spcPts val="0"/>
               </a:spcBef>
               <a:buNone/>
               <a:defRPr/>
             </a:lvl1pPr>
-            <a:lvl2pPr indent="0" lvl="1" marL="0" algn="r">
+            <a:lvl2pPr marL="0" lvl="1" indent="0" algn="r">
               <a:spcBef>
                 <a:spcPts val="0"/>
               </a:spcBef>
               <a:buNone/>
               <a:defRPr/>
             </a:lvl2pPr>
-            <a:lvl3pPr indent="0" lvl="2" marL="0" algn="r">
+            <a:lvl3pPr marL="0" lvl="2" indent="0" algn="r">
               <a:spcBef>
                 <a:spcPts val="0"/>
               </a:spcBef>
               <a:buNone/>
               <a:defRPr/>
             </a:lvl3pPr>
-            <a:lvl4pPr indent="0" lvl="3" marL="0" algn="r">
+            <a:lvl4pPr marL="0" lvl="3" indent="0" algn="r">
               <a:spcBef>
                 <a:spcPts val="0"/>
               </a:spcBef>
               <a:buNone/>
               <a:defRPr/>
             </a:lvl4pPr>
-            <a:lvl5pPr indent="0" lvl="4" marL="0" algn="r">
+            <a:lvl5pPr marL="0" lvl="4" indent="0" algn="r">
               <a:spcBef>
                 <a:spcPts val="0"/>
               </a:spcBef>
               <a:buNone/>
               <a:defRPr/>
             </a:lvl5pPr>
-            <a:lvl6pPr indent="0" lvl="5" marL="0" algn="r">
+            <a:lvl6pPr marL="0" lvl="5" indent="0" algn="r">
               <a:spcBef>
                 <a:spcPts val="0"/>
               </a:spcBef>
               <a:buNone/>
               <a:defRPr/>
             </a:lvl6pPr>
-            <a:lvl7pPr indent="0" lvl="6" marL="0" algn="r">
+            <a:lvl7pPr marL="0" lvl="6" indent="0" algn="r">
               <a:spcBef>
                 <a:spcPts val="0"/>
               </a:spcBef>
               <a:buNone/>
               <a:defRPr/>
             </a:lvl7pPr>
-            <a:lvl8pPr indent="0" lvl="7" marL="0" algn="r">
+            <a:lvl8pPr marL="0" lvl="7" indent="0" algn="r">
               <a:spcBef>
                 <a:spcPts val="0"/>
               </a:spcBef>
               <a:buNone/>
               <a:defRPr/>
             </a:lvl8pPr>
-            <a:lvl9pPr indent="0" lvl="8" marL="0" algn="r">
+            <a:lvl9pPr marL="0" lvl="8" indent="0" algn="r">
               <a:spcBef>
                 <a:spcPts val="0"/>
               </a:spcBef>
@@ -2259,7 +2309,7 @@
             </a:lvl9pPr>
           </a:lstStyle>
           <a:p>
-            <a:pPr indent="0" lvl="0" marL="0" rtl="0" algn="r">
+            <a:pPr marL="0" lvl="0" indent="0" algn="r" rtl="0">
               <a:spcBef>
                 <a:spcPts val="0"/>
               </a:spcBef>
@@ -2285,11 +2335,11 @@
 </file>
 
 <file path=ppt/slideLayouts/slideLayout10.xml><?xml version="1.0" encoding="utf-8"?>
-<p:sldLayout xmlns:a="http://schemas.openxmlformats.org/drawingml/2006/main" xmlns:r="http://schemas.openxmlformats.org/officeDocument/2006/relationships" xmlns:mc="http://schemas.openxmlformats.org/markup-compatibility/2006" xmlns:mv="urn:schemas-microsoft-com:mac:vml" xmlns:p="http://schemas.openxmlformats.org/presentationml/2006/main" xmlns:c="http://schemas.openxmlformats.org/drawingml/2006/chart" xmlns:dgm="http://schemas.openxmlformats.org/drawingml/2006/diagram" xmlns:o="urn:schemas-microsoft-com:office:office" xmlns:v="urn:schemas-microsoft-com:vml" xmlns:pvml="urn:schemas-microsoft-com:office:powerpoint" xmlns:com="http://schemas.openxmlformats.org/drawingml/2006/compatibility" xmlns:p14="http://schemas.microsoft.com/office/powerpoint/2010/main" xmlns:p15="http://schemas.microsoft.com/office/powerpoint/2012/main" xmlns:ahyp="http://schemas.microsoft.com/office/drawing/2018/hyperlinkcolor" matchingName="Title and Vertical Text" type="vertTx">
+<p:sldLayout xmlns:a="http://schemas.openxmlformats.org/drawingml/2006/main" xmlns:r="http://schemas.openxmlformats.org/officeDocument/2006/relationships" xmlns:p="http://schemas.openxmlformats.org/presentationml/2006/main" matchingName="Title and Vertical Text" type="vertTx">
   <p:cSld name="VERTICAL_TEXT">
     <p:spTree>
       <p:nvGrpSpPr>
-        <p:cNvPr id="72" name="Shape 72"/>
+        <p:cNvPr id="1" name="Shape 72"/>
         <p:cNvGrpSpPr/>
         <p:nvPr/>
       </p:nvGrpSpPr>
@@ -2304,7 +2354,9 @@
       <p:sp>
         <p:nvSpPr>
           <p:cNvPr id="73" name="Google Shape;73;p12"/>
-          <p:cNvSpPr txBox="1"/>
+          <p:cNvSpPr txBox="1">
+            <a:spLocks noGrp="1"/>
+          </p:cNvSpPr>
           <p:nvPr>
             <p:ph type="title"/>
           </p:nvPr>
@@ -2323,7 +2375,7 @@
           </a:ln>
         </p:spPr>
         <p:txBody>
-          <a:bodyPr anchorCtr="0" anchor="ctr" bIns="45700" lIns="91425" spcFirstLastPara="1" rIns="91425" wrap="square" tIns="45700">
+          <a:bodyPr spcFirstLastPara="1" wrap="square" lIns="91425" tIns="45700" rIns="91425" bIns="45700" anchor="ctr" anchorCtr="0">
             <a:normAutofit/>
           </a:bodyPr>
           <a:lstStyle>
@@ -2433,15 +2485,19 @@
               <a:defRPr/>
             </a:lvl9pPr>
           </a:lstStyle>
-          <a:p/>
+          <a:p>
+            <a:endParaRPr/>
+          </a:p>
         </p:txBody>
       </p:sp>
       <p:sp>
         <p:nvSpPr>
           <p:cNvPr id="74" name="Google Shape;74;p12"/>
-          <p:cNvSpPr txBox="1"/>
+          <p:cNvSpPr txBox="1">
+            <a:spLocks noGrp="1"/>
+          </p:cNvSpPr>
           <p:nvPr>
-            <p:ph idx="1" type="body"/>
+            <p:ph type="body" idx="1"/>
           </p:nvPr>
         </p:nvSpPr>
         <p:spPr>
@@ -2458,11 +2514,11 @@
           </a:ln>
         </p:spPr>
         <p:txBody>
-          <a:bodyPr anchorCtr="0" anchor="t" bIns="45700" lIns="91425" spcFirstLastPara="1" rIns="91425" wrap="square" tIns="45700">
+          <a:bodyPr spcFirstLastPara="1" wrap="square" lIns="91425" tIns="45700" rIns="91425" bIns="45700" anchor="t" anchorCtr="0">
             <a:normAutofit/>
           </a:bodyPr>
           <a:lstStyle>
-            <a:lvl1pPr indent="-342900" lvl="0" marL="457200" algn="l">
+            <a:lvl1pPr marL="457200" lvl="0" indent="-342900" algn="l">
               <a:lnSpc>
                 <a:spcPct val="90000"/>
               </a:lnSpc>
@@ -2479,7 +2535,7 @@
               <a:buChar char="•"/>
               <a:defRPr/>
             </a:lvl1pPr>
-            <a:lvl2pPr indent="-342900" lvl="1" marL="914400" algn="l">
+            <a:lvl2pPr marL="914400" lvl="1" indent="-342900" algn="l">
               <a:lnSpc>
                 <a:spcPct val="90000"/>
               </a:lnSpc>
@@ -2496,7 +2552,7 @@
               <a:buChar char="•"/>
               <a:defRPr/>
             </a:lvl2pPr>
-            <a:lvl3pPr indent="-342900" lvl="2" marL="1371600" algn="l">
+            <a:lvl3pPr marL="1371600" lvl="2" indent="-342900" algn="l">
               <a:lnSpc>
                 <a:spcPct val="90000"/>
               </a:lnSpc>
@@ -2513,7 +2569,7 @@
               <a:buChar char="•"/>
               <a:defRPr/>
             </a:lvl3pPr>
-            <a:lvl4pPr indent="-342900" lvl="3" marL="1828800" algn="l">
+            <a:lvl4pPr marL="1828800" lvl="3" indent="-342900" algn="l">
               <a:lnSpc>
                 <a:spcPct val="90000"/>
               </a:lnSpc>
@@ -2530,7 +2586,7 @@
               <a:buChar char="•"/>
               <a:defRPr/>
             </a:lvl4pPr>
-            <a:lvl5pPr indent="-342900" lvl="4" marL="2286000" algn="l">
+            <a:lvl5pPr marL="2286000" lvl="4" indent="-342900" algn="l">
               <a:lnSpc>
                 <a:spcPct val="90000"/>
               </a:lnSpc>
@@ -2547,7 +2603,7 @@
               <a:buChar char="•"/>
               <a:defRPr/>
             </a:lvl5pPr>
-            <a:lvl6pPr indent="-342900" lvl="5" marL="2743200" algn="l">
+            <a:lvl6pPr marL="2743200" lvl="5" indent="-342900" algn="l">
               <a:lnSpc>
                 <a:spcPct val="90000"/>
               </a:lnSpc>
@@ -2564,7 +2620,7 @@
               <a:buChar char="•"/>
               <a:defRPr/>
             </a:lvl6pPr>
-            <a:lvl7pPr indent="-342900" lvl="6" marL="3200400" algn="l">
+            <a:lvl7pPr marL="3200400" lvl="6" indent="-342900" algn="l">
               <a:lnSpc>
                 <a:spcPct val="90000"/>
               </a:lnSpc>
@@ -2581,7 +2637,7 @@
               <a:buChar char="•"/>
               <a:defRPr/>
             </a:lvl7pPr>
-            <a:lvl8pPr indent="-342900" lvl="7" marL="3657600" algn="l">
+            <a:lvl8pPr marL="3657600" lvl="7" indent="-342900" algn="l">
               <a:lnSpc>
                 <a:spcPct val="90000"/>
               </a:lnSpc>
@@ -2598,7 +2654,7 @@
               <a:buChar char="•"/>
               <a:defRPr/>
             </a:lvl8pPr>
-            <a:lvl9pPr indent="-342900" lvl="8" marL="4114800" algn="l">
+            <a:lvl9pPr marL="4114800" lvl="8" indent="-342900" algn="l">
               <a:lnSpc>
                 <a:spcPct val="90000"/>
               </a:lnSpc>
@@ -2616,15 +2672,19 @@
               <a:defRPr/>
             </a:lvl9pPr>
           </a:lstStyle>
-          <a:p/>
+          <a:p>
+            <a:endParaRPr/>
+          </a:p>
         </p:txBody>
       </p:sp>
       <p:sp>
         <p:nvSpPr>
           <p:cNvPr id="75" name="Google Shape;75;p12"/>
-          <p:cNvSpPr txBox="1"/>
+          <p:cNvSpPr txBox="1">
+            <a:spLocks noGrp="1"/>
+          </p:cNvSpPr>
           <p:nvPr>
-            <p:ph idx="10" type="dt"/>
+            <p:ph type="dt" idx="10"/>
           </p:nvPr>
         </p:nvSpPr>
         <p:spPr>
@@ -2641,7 +2701,7 @@
           </a:ln>
         </p:spPr>
         <p:txBody>
-          <a:bodyPr anchorCtr="0" anchor="ctr" bIns="45700" lIns="91425" spcFirstLastPara="1" rIns="91425" wrap="square" tIns="45700">
+          <a:bodyPr spcFirstLastPara="1" wrap="square" lIns="91425" tIns="45700" rIns="91425" bIns="45700" anchor="ctr" anchorCtr="0">
             <a:noAutofit/>
           </a:bodyPr>
           <a:lstStyle>
@@ -2745,15 +2805,19 @@
               <a:defRPr/>
             </a:lvl9pPr>
           </a:lstStyle>
-          <a:p/>
+          <a:p>
+            <a:endParaRPr/>
+          </a:p>
         </p:txBody>
       </p:sp>
       <p:sp>
         <p:nvSpPr>
           <p:cNvPr id="76" name="Google Shape;76;p12"/>
-          <p:cNvSpPr txBox="1"/>
+          <p:cNvSpPr txBox="1">
+            <a:spLocks noGrp="1"/>
+          </p:cNvSpPr>
           <p:nvPr>
-            <p:ph idx="11" type="ftr"/>
+            <p:ph type="ftr" idx="11"/>
           </p:nvPr>
         </p:nvSpPr>
         <p:spPr>
@@ -2770,7 +2834,7 @@
           </a:ln>
         </p:spPr>
         <p:txBody>
-          <a:bodyPr anchorCtr="0" anchor="ctr" bIns="45700" lIns="91425" spcFirstLastPara="1" rIns="91425" wrap="square" tIns="45700">
+          <a:bodyPr spcFirstLastPara="1" wrap="square" lIns="91425" tIns="45700" rIns="91425" bIns="45700" anchor="ctr" anchorCtr="0">
             <a:noAutofit/>
           </a:bodyPr>
           <a:lstStyle>
@@ -2874,15 +2938,19 @@
               <a:defRPr/>
             </a:lvl9pPr>
           </a:lstStyle>
-          <a:p/>
+          <a:p>
+            <a:endParaRPr/>
+          </a:p>
         </p:txBody>
       </p:sp>
       <p:sp>
         <p:nvSpPr>
           <p:cNvPr id="77" name="Google Shape;77;p12"/>
-          <p:cNvSpPr txBox="1"/>
+          <p:cNvSpPr txBox="1">
+            <a:spLocks noGrp="1"/>
+          </p:cNvSpPr>
           <p:nvPr>
-            <p:ph idx="12" type="sldNum"/>
+            <p:ph type="sldNum" idx="12"/>
           </p:nvPr>
         </p:nvSpPr>
         <p:spPr>
@@ -2899,67 +2967,67 @@
           </a:ln>
         </p:spPr>
         <p:txBody>
-          <a:bodyPr anchorCtr="0" anchor="ctr" bIns="45700" lIns="91425" spcFirstLastPara="1" rIns="91425" wrap="square" tIns="45700">
+          <a:bodyPr spcFirstLastPara="1" wrap="square" lIns="91425" tIns="45700" rIns="91425" bIns="45700" anchor="ctr" anchorCtr="0">
             <a:noAutofit/>
           </a:bodyPr>
           <a:lstStyle>
-            <a:lvl1pPr indent="0" lvl="0" marL="0" algn="r">
+            <a:lvl1pPr marL="0" lvl="0" indent="0" algn="r">
               <a:spcBef>
                 <a:spcPts val="0"/>
               </a:spcBef>
               <a:buNone/>
               <a:defRPr/>
             </a:lvl1pPr>
-            <a:lvl2pPr indent="0" lvl="1" marL="0" algn="r">
+            <a:lvl2pPr marL="0" lvl="1" indent="0" algn="r">
               <a:spcBef>
                 <a:spcPts val="0"/>
               </a:spcBef>
               <a:buNone/>
               <a:defRPr/>
             </a:lvl2pPr>
-            <a:lvl3pPr indent="0" lvl="2" marL="0" algn="r">
+            <a:lvl3pPr marL="0" lvl="2" indent="0" algn="r">
               <a:spcBef>
                 <a:spcPts val="0"/>
               </a:spcBef>
               <a:buNone/>
               <a:defRPr/>
             </a:lvl3pPr>
-            <a:lvl4pPr indent="0" lvl="3" marL="0" algn="r">
+            <a:lvl4pPr marL="0" lvl="3" indent="0" algn="r">
               <a:spcBef>
                 <a:spcPts val="0"/>
               </a:spcBef>
               <a:buNone/>
               <a:defRPr/>
             </a:lvl4pPr>
-            <a:lvl5pPr indent="0" lvl="4" marL="0" algn="r">
+            <a:lvl5pPr marL="0" lvl="4" indent="0" algn="r">
               <a:spcBef>
                 <a:spcPts val="0"/>
               </a:spcBef>
               <a:buNone/>
               <a:defRPr/>
             </a:lvl5pPr>
-            <a:lvl6pPr indent="0" lvl="5" marL="0" algn="r">
+            <a:lvl6pPr marL="0" lvl="5" indent="0" algn="r">
               <a:spcBef>
                 <a:spcPts val="0"/>
               </a:spcBef>
               <a:buNone/>
               <a:defRPr/>
             </a:lvl6pPr>
-            <a:lvl7pPr indent="0" lvl="6" marL="0" algn="r">
+            <a:lvl7pPr marL="0" lvl="6" indent="0" algn="r">
               <a:spcBef>
                 <a:spcPts val="0"/>
               </a:spcBef>
               <a:buNone/>
               <a:defRPr/>
             </a:lvl7pPr>
-            <a:lvl8pPr indent="0" lvl="7" marL="0" algn="r">
+            <a:lvl8pPr marL="0" lvl="7" indent="0" algn="r">
               <a:spcBef>
                 <a:spcPts val="0"/>
               </a:spcBef>
               <a:buNone/>
               <a:defRPr/>
             </a:lvl8pPr>
-            <a:lvl9pPr indent="0" lvl="8" marL="0" algn="r">
+            <a:lvl9pPr marL="0" lvl="8" indent="0" algn="r">
               <a:spcBef>
                 <a:spcPts val="0"/>
               </a:spcBef>
@@ -2968,7 +3036,7 @@
             </a:lvl9pPr>
           </a:lstStyle>
           <a:p>
-            <a:pPr indent="0" lvl="0" marL="0" rtl="0" algn="r">
+            <a:pPr marL="0" lvl="0" indent="0" algn="r" rtl="0">
               <a:spcBef>
                 <a:spcPts val="0"/>
               </a:spcBef>
@@ -2994,11 +3062,11 @@
 </file>
 
 <file path=ppt/slideLayouts/slideLayout11.xml><?xml version="1.0" encoding="utf-8"?>
-<p:sldLayout xmlns:a="http://schemas.openxmlformats.org/drawingml/2006/main" xmlns:r="http://schemas.openxmlformats.org/officeDocument/2006/relationships" xmlns:mc="http://schemas.openxmlformats.org/markup-compatibility/2006" xmlns:mv="urn:schemas-microsoft-com:mac:vml" xmlns:p="http://schemas.openxmlformats.org/presentationml/2006/main" xmlns:c="http://schemas.openxmlformats.org/drawingml/2006/chart" xmlns:dgm="http://schemas.openxmlformats.org/drawingml/2006/diagram" xmlns:o="urn:schemas-microsoft-com:office:office" xmlns:v="urn:schemas-microsoft-com:vml" xmlns:pvml="urn:schemas-microsoft-com:office:powerpoint" xmlns:com="http://schemas.openxmlformats.org/drawingml/2006/compatibility" xmlns:p14="http://schemas.microsoft.com/office/powerpoint/2010/main" xmlns:p15="http://schemas.microsoft.com/office/powerpoint/2012/main" xmlns:ahyp="http://schemas.microsoft.com/office/drawing/2018/hyperlinkcolor" matchingName="Vertical Title and Text" type="vertTitleAndTx">
+<p:sldLayout xmlns:a="http://schemas.openxmlformats.org/drawingml/2006/main" xmlns:r="http://schemas.openxmlformats.org/officeDocument/2006/relationships" xmlns:p="http://schemas.openxmlformats.org/presentationml/2006/main" matchingName="Vertical Title and Text" type="vertTitleAndTx">
   <p:cSld name="VERTICAL_TITLE_AND_VERTICAL_TEXT">
     <p:spTree>
       <p:nvGrpSpPr>
-        <p:cNvPr id="78" name="Shape 78"/>
+        <p:cNvPr id="1" name="Shape 78"/>
         <p:cNvGrpSpPr/>
         <p:nvPr/>
       </p:nvGrpSpPr>
@@ -3013,7 +3081,9 @@
       <p:sp>
         <p:nvSpPr>
           <p:cNvPr id="79" name="Google Shape;79;p13"/>
-          <p:cNvSpPr txBox="1"/>
+          <p:cNvSpPr txBox="1">
+            <a:spLocks noGrp="1"/>
+          </p:cNvSpPr>
           <p:nvPr>
             <p:ph type="title"/>
           </p:nvPr>
@@ -3032,7 +3102,7 @@
           </a:ln>
         </p:spPr>
         <p:txBody>
-          <a:bodyPr anchorCtr="0" anchor="ctr" bIns="45700" lIns="91425" spcFirstLastPara="1" rIns="91425" wrap="square" tIns="45700">
+          <a:bodyPr spcFirstLastPara="1" wrap="square" lIns="91425" tIns="45700" rIns="91425" bIns="45700" anchor="ctr" anchorCtr="0">
             <a:normAutofit/>
           </a:bodyPr>
           <a:lstStyle>
@@ -3142,15 +3212,19 @@
               <a:defRPr/>
             </a:lvl9pPr>
           </a:lstStyle>
-          <a:p/>
+          <a:p>
+            <a:endParaRPr/>
+          </a:p>
         </p:txBody>
       </p:sp>
       <p:sp>
         <p:nvSpPr>
           <p:cNvPr id="80" name="Google Shape;80;p13"/>
-          <p:cNvSpPr txBox="1"/>
+          <p:cNvSpPr txBox="1">
+            <a:spLocks noGrp="1"/>
+          </p:cNvSpPr>
           <p:nvPr>
-            <p:ph idx="1" type="body"/>
+            <p:ph type="body" idx="1"/>
           </p:nvPr>
         </p:nvSpPr>
         <p:spPr>
@@ -3167,11 +3241,11 @@
           </a:ln>
         </p:spPr>
         <p:txBody>
-          <a:bodyPr anchorCtr="0" anchor="t" bIns="45700" lIns="91425" spcFirstLastPara="1" rIns="91425" wrap="square" tIns="45700">
+          <a:bodyPr spcFirstLastPara="1" wrap="square" lIns="91425" tIns="45700" rIns="91425" bIns="45700" anchor="t" anchorCtr="0">
             <a:normAutofit/>
           </a:bodyPr>
           <a:lstStyle>
-            <a:lvl1pPr indent="-342900" lvl="0" marL="457200" algn="l">
+            <a:lvl1pPr marL="457200" lvl="0" indent="-342900" algn="l">
               <a:lnSpc>
                 <a:spcPct val="90000"/>
               </a:lnSpc>
@@ -3188,7 +3262,7 @@
               <a:buChar char="•"/>
               <a:defRPr/>
             </a:lvl1pPr>
-            <a:lvl2pPr indent="-342900" lvl="1" marL="914400" algn="l">
+            <a:lvl2pPr marL="914400" lvl="1" indent="-342900" algn="l">
               <a:lnSpc>
                 <a:spcPct val="90000"/>
               </a:lnSpc>
@@ -3205,7 +3279,7 @@
               <a:buChar char="•"/>
               <a:defRPr/>
             </a:lvl2pPr>
-            <a:lvl3pPr indent="-342900" lvl="2" marL="1371600" algn="l">
+            <a:lvl3pPr marL="1371600" lvl="2" indent="-342900" algn="l">
               <a:lnSpc>
                 <a:spcPct val="90000"/>
               </a:lnSpc>
@@ -3222,7 +3296,7 @@
               <a:buChar char="•"/>
               <a:defRPr/>
             </a:lvl3pPr>
-            <a:lvl4pPr indent="-342900" lvl="3" marL="1828800" algn="l">
+            <a:lvl4pPr marL="1828800" lvl="3" indent="-342900" algn="l">
               <a:lnSpc>
                 <a:spcPct val="90000"/>
               </a:lnSpc>
@@ -3239,7 +3313,7 @@
               <a:buChar char="•"/>
               <a:defRPr/>
             </a:lvl4pPr>
-            <a:lvl5pPr indent="-342900" lvl="4" marL="2286000" algn="l">
+            <a:lvl5pPr marL="2286000" lvl="4" indent="-342900" algn="l">
               <a:lnSpc>
                 <a:spcPct val="90000"/>
               </a:lnSpc>
@@ -3256,7 +3330,7 @@
               <a:buChar char="•"/>
               <a:defRPr/>
             </a:lvl5pPr>
-            <a:lvl6pPr indent="-342900" lvl="5" marL="2743200" algn="l">
+            <a:lvl6pPr marL="2743200" lvl="5" indent="-342900" algn="l">
               <a:lnSpc>
                 <a:spcPct val="90000"/>
               </a:lnSpc>
@@ -3273,7 +3347,7 @@
               <a:buChar char="•"/>
               <a:defRPr/>
             </a:lvl6pPr>
-            <a:lvl7pPr indent="-342900" lvl="6" marL="3200400" algn="l">
+            <a:lvl7pPr marL="3200400" lvl="6" indent="-342900" algn="l">
               <a:lnSpc>
                 <a:spcPct val="90000"/>
               </a:lnSpc>
@@ -3290,7 +3364,7 @@
               <a:buChar char="•"/>
               <a:defRPr/>
             </a:lvl7pPr>
-            <a:lvl8pPr indent="-342900" lvl="7" marL="3657600" algn="l">
+            <a:lvl8pPr marL="3657600" lvl="7" indent="-342900" algn="l">
               <a:lnSpc>
                 <a:spcPct val="90000"/>
               </a:lnSpc>
@@ -3307,7 +3381,7 @@
               <a:buChar char="•"/>
               <a:defRPr/>
             </a:lvl8pPr>
-            <a:lvl9pPr indent="-342900" lvl="8" marL="4114800" algn="l">
+            <a:lvl9pPr marL="4114800" lvl="8" indent="-342900" algn="l">
               <a:lnSpc>
                 <a:spcPct val="90000"/>
               </a:lnSpc>
@@ -3325,15 +3399,19 @@
               <a:defRPr/>
             </a:lvl9pPr>
           </a:lstStyle>
-          <a:p/>
+          <a:p>
+            <a:endParaRPr/>
+          </a:p>
         </p:txBody>
       </p:sp>
       <p:sp>
         <p:nvSpPr>
           <p:cNvPr id="81" name="Google Shape;81;p13"/>
-          <p:cNvSpPr txBox="1"/>
+          <p:cNvSpPr txBox="1">
+            <a:spLocks noGrp="1"/>
+          </p:cNvSpPr>
           <p:nvPr>
-            <p:ph idx="10" type="dt"/>
+            <p:ph type="dt" idx="10"/>
           </p:nvPr>
         </p:nvSpPr>
         <p:spPr>
@@ -3350,7 +3428,7 @@
           </a:ln>
         </p:spPr>
         <p:txBody>
-          <a:bodyPr anchorCtr="0" anchor="ctr" bIns="45700" lIns="91425" spcFirstLastPara="1" rIns="91425" wrap="square" tIns="45700">
+          <a:bodyPr spcFirstLastPara="1" wrap="square" lIns="91425" tIns="45700" rIns="91425" bIns="45700" anchor="ctr" anchorCtr="0">
             <a:noAutofit/>
           </a:bodyPr>
           <a:lstStyle>
@@ -3454,15 +3532,19 @@
               <a:defRPr/>
             </a:lvl9pPr>
           </a:lstStyle>
-          <a:p/>
+          <a:p>
+            <a:endParaRPr/>
+          </a:p>
         </p:txBody>
       </p:sp>
       <p:sp>
         <p:nvSpPr>
           <p:cNvPr id="82" name="Google Shape;82;p13"/>
-          <p:cNvSpPr txBox="1"/>
+          <p:cNvSpPr txBox="1">
+            <a:spLocks noGrp="1"/>
+          </p:cNvSpPr>
           <p:nvPr>
-            <p:ph idx="11" type="ftr"/>
+            <p:ph type="ftr" idx="11"/>
           </p:nvPr>
         </p:nvSpPr>
         <p:spPr>
@@ -3479,7 +3561,7 @@
           </a:ln>
         </p:spPr>
         <p:txBody>
-          <a:bodyPr anchorCtr="0" anchor="ctr" bIns="45700" lIns="91425" spcFirstLastPara="1" rIns="91425" wrap="square" tIns="45700">
+          <a:bodyPr spcFirstLastPara="1" wrap="square" lIns="91425" tIns="45700" rIns="91425" bIns="45700" anchor="ctr" anchorCtr="0">
             <a:noAutofit/>
           </a:bodyPr>
           <a:lstStyle>
@@ -3583,15 +3665,19 @@
               <a:defRPr/>
             </a:lvl9pPr>
           </a:lstStyle>
-          <a:p/>
+          <a:p>
+            <a:endParaRPr/>
+          </a:p>
         </p:txBody>
       </p:sp>
       <p:sp>
         <p:nvSpPr>
           <p:cNvPr id="83" name="Google Shape;83;p13"/>
-          <p:cNvSpPr txBox="1"/>
+          <p:cNvSpPr txBox="1">
+            <a:spLocks noGrp="1"/>
+          </p:cNvSpPr>
           <p:nvPr>
-            <p:ph idx="12" type="sldNum"/>
+            <p:ph type="sldNum" idx="12"/>
           </p:nvPr>
         </p:nvSpPr>
         <p:spPr>
@@ -3608,67 +3694,67 @@
           </a:ln>
         </p:spPr>
         <p:txBody>
-          <a:bodyPr anchorCtr="0" anchor="ctr" bIns="45700" lIns="91425" spcFirstLastPara="1" rIns="91425" wrap="square" tIns="45700">
+          <a:bodyPr spcFirstLastPara="1" wrap="square" lIns="91425" tIns="45700" rIns="91425" bIns="45700" anchor="ctr" anchorCtr="0">
             <a:noAutofit/>
           </a:bodyPr>
           <a:lstStyle>
-            <a:lvl1pPr indent="0" lvl="0" marL="0" algn="r">
+            <a:lvl1pPr marL="0" lvl="0" indent="0" algn="r">
               <a:spcBef>
                 <a:spcPts val="0"/>
               </a:spcBef>
               <a:buNone/>
               <a:defRPr/>
             </a:lvl1pPr>
-            <a:lvl2pPr indent="0" lvl="1" marL="0" algn="r">
+            <a:lvl2pPr marL="0" lvl="1" indent="0" algn="r">
               <a:spcBef>
                 <a:spcPts val="0"/>
               </a:spcBef>
               <a:buNone/>
               <a:defRPr/>
             </a:lvl2pPr>
-            <a:lvl3pPr indent="0" lvl="2" marL="0" algn="r">
+            <a:lvl3pPr marL="0" lvl="2" indent="0" algn="r">
               <a:spcBef>
                 <a:spcPts val="0"/>
               </a:spcBef>
               <a:buNone/>
               <a:defRPr/>
             </a:lvl3pPr>
-            <a:lvl4pPr indent="0" lvl="3" marL="0" algn="r">
+            <a:lvl4pPr marL="0" lvl="3" indent="0" algn="r">
               <a:spcBef>
                 <a:spcPts val="0"/>
               </a:spcBef>
               <a:buNone/>
               <a:defRPr/>
             </a:lvl4pPr>
-            <a:lvl5pPr indent="0" lvl="4" marL="0" algn="r">
+            <a:lvl5pPr marL="0" lvl="4" indent="0" algn="r">
               <a:spcBef>
                 <a:spcPts val="0"/>
               </a:spcBef>
               <a:buNone/>
               <a:defRPr/>
             </a:lvl5pPr>
-            <a:lvl6pPr indent="0" lvl="5" marL="0" algn="r">
+            <a:lvl6pPr marL="0" lvl="5" indent="0" algn="r">
               <a:spcBef>
                 <a:spcPts val="0"/>
               </a:spcBef>
               <a:buNone/>
               <a:defRPr/>
             </a:lvl6pPr>
-            <a:lvl7pPr indent="0" lvl="6" marL="0" algn="r">
+            <a:lvl7pPr marL="0" lvl="6" indent="0" algn="r">
               <a:spcBef>
                 <a:spcPts val="0"/>
               </a:spcBef>
               <a:buNone/>
               <a:defRPr/>
             </a:lvl7pPr>
-            <a:lvl8pPr indent="0" lvl="7" marL="0" algn="r">
+            <a:lvl8pPr marL="0" lvl="7" indent="0" algn="r">
               <a:spcBef>
                 <a:spcPts val="0"/>
               </a:spcBef>
               <a:buNone/>
               <a:defRPr/>
             </a:lvl8pPr>
-            <a:lvl9pPr indent="0" lvl="8" marL="0" algn="r">
+            <a:lvl9pPr marL="0" lvl="8" indent="0" algn="r">
               <a:spcBef>
                 <a:spcPts val="0"/>
               </a:spcBef>
@@ -3677,7 +3763,7 @@
             </a:lvl9pPr>
           </a:lstStyle>
           <a:p>
-            <a:pPr indent="0" lvl="0" marL="0" rtl="0" algn="r">
+            <a:pPr marL="0" lvl="0" indent="0" algn="r" rtl="0">
               <a:spcBef>
                 <a:spcPts val="0"/>
               </a:spcBef>
@@ -3703,11 +3789,11 @@
 </file>
 
 <file path=ppt/slideLayouts/slideLayout2.xml><?xml version="1.0" encoding="utf-8"?>
-<p:sldLayout xmlns:a="http://schemas.openxmlformats.org/drawingml/2006/main" xmlns:r="http://schemas.openxmlformats.org/officeDocument/2006/relationships" xmlns:mc="http://schemas.openxmlformats.org/markup-compatibility/2006" xmlns:mv="urn:schemas-microsoft-com:mac:vml" xmlns:p="http://schemas.openxmlformats.org/presentationml/2006/main" xmlns:c="http://schemas.openxmlformats.org/drawingml/2006/chart" xmlns:dgm="http://schemas.openxmlformats.org/drawingml/2006/diagram" xmlns:o="urn:schemas-microsoft-com:office:office" xmlns:v="urn:schemas-microsoft-com:vml" xmlns:pvml="urn:schemas-microsoft-com:office:powerpoint" xmlns:com="http://schemas.openxmlformats.org/drawingml/2006/compatibility" xmlns:p14="http://schemas.microsoft.com/office/powerpoint/2010/main" xmlns:p15="http://schemas.microsoft.com/office/powerpoint/2012/main" xmlns:ahyp="http://schemas.microsoft.com/office/drawing/2018/hyperlinkcolor" matchingName="Title and Content" type="obj">
+<p:sldLayout xmlns:a="http://schemas.openxmlformats.org/drawingml/2006/main" xmlns:r="http://schemas.openxmlformats.org/officeDocument/2006/relationships" xmlns:p="http://schemas.openxmlformats.org/presentationml/2006/main" matchingName="Title and Content" type="obj">
   <p:cSld name="OBJECT">
     <p:spTree>
       <p:nvGrpSpPr>
-        <p:cNvPr id="21" name="Shape 21"/>
+        <p:cNvPr id="1" name="Shape 21"/>
         <p:cNvGrpSpPr/>
         <p:nvPr/>
       </p:nvGrpSpPr>
@@ -3722,7 +3808,9 @@
       <p:sp>
         <p:nvSpPr>
           <p:cNvPr id="22" name="Google Shape;22;p4"/>
-          <p:cNvSpPr txBox="1"/>
+          <p:cNvSpPr txBox="1">
+            <a:spLocks noGrp="1"/>
+          </p:cNvSpPr>
           <p:nvPr>
             <p:ph type="title"/>
           </p:nvPr>
@@ -3741,7 +3829,7 @@
           </a:ln>
         </p:spPr>
         <p:txBody>
-          <a:bodyPr anchorCtr="0" anchor="ctr" bIns="45700" lIns="91425" spcFirstLastPara="1" rIns="91425" wrap="square" tIns="45700">
+          <a:bodyPr spcFirstLastPara="1" wrap="square" lIns="91425" tIns="45700" rIns="91425" bIns="45700" anchor="ctr" anchorCtr="0">
             <a:normAutofit/>
           </a:bodyPr>
           <a:lstStyle>
@@ -3851,15 +3939,19 @@
               <a:defRPr/>
             </a:lvl9pPr>
           </a:lstStyle>
-          <a:p/>
+          <a:p>
+            <a:endParaRPr/>
+          </a:p>
         </p:txBody>
       </p:sp>
       <p:sp>
         <p:nvSpPr>
           <p:cNvPr id="23" name="Google Shape;23;p4"/>
-          <p:cNvSpPr txBox="1"/>
+          <p:cNvSpPr txBox="1">
+            <a:spLocks noGrp="1"/>
+          </p:cNvSpPr>
           <p:nvPr>
-            <p:ph idx="1" type="body"/>
+            <p:ph type="body" idx="1"/>
           </p:nvPr>
         </p:nvSpPr>
         <p:spPr>
@@ -3876,11 +3968,11 @@
           </a:ln>
         </p:spPr>
         <p:txBody>
-          <a:bodyPr anchorCtr="0" anchor="t" bIns="45700" lIns="91425" spcFirstLastPara="1" rIns="91425" wrap="square" tIns="45700">
+          <a:bodyPr spcFirstLastPara="1" wrap="square" lIns="91425" tIns="45700" rIns="91425" bIns="45700" anchor="t" anchorCtr="0">
             <a:normAutofit/>
           </a:bodyPr>
           <a:lstStyle>
-            <a:lvl1pPr indent="-342900" lvl="0" marL="457200" algn="l">
+            <a:lvl1pPr marL="457200" lvl="0" indent="-342900" algn="l">
               <a:lnSpc>
                 <a:spcPct val="90000"/>
               </a:lnSpc>
@@ -3897,7 +3989,7 @@
               <a:buChar char="•"/>
               <a:defRPr/>
             </a:lvl1pPr>
-            <a:lvl2pPr indent="-342900" lvl="1" marL="914400" algn="l">
+            <a:lvl2pPr marL="914400" lvl="1" indent="-342900" algn="l">
               <a:lnSpc>
                 <a:spcPct val="90000"/>
               </a:lnSpc>
@@ -3914,7 +4006,7 @@
               <a:buChar char="•"/>
               <a:defRPr/>
             </a:lvl2pPr>
-            <a:lvl3pPr indent="-342900" lvl="2" marL="1371600" algn="l">
+            <a:lvl3pPr marL="1371600" lvl="2" indent="-342900" algn="l">
               <a:lnSpc>
                 <a:spcPct val="90000"/>
               </a:lnSpc>
@@ -3931,7 +4023,7 @@
               <a:buChar char="•"/>
               <a:defRPr/>
             </a:lvl3pPr>
-            <a:lvl4pPr indent="-342900" lvl="3" marL="1828800" algn="l">
+            <a:lvl4pPr marL="1828800" lvl="3" indent="-342900" algn="l">
               <a:lnSpc>
                 <a:spcPct val="90000"/>
               </a:lnSpc>
@@ -3948,7 +4040,7 @@
               <a:buChar char="•"/>
               <a:defRPr/>
             </a:lvl4pPr>
-            <a:lvl5pPr indent="-342900" lvl="4" marL="2286000" algn="l">
+            <a:lvl5pPr marL="2286000" lvl="4" indent="-342900" algn="l">
               <a:lnSpc>
                 <a:spcPct val="90000"/>
               </a:lnSpc>
@@ -3965,7 +4057,7 @@
               <a:buChar char="•"/>
               <a:defRPr/>
             </a:lvl5pPr>
-            <a:lvl6pPr indent="-342900" lvl="5" marL="2743200" algn="l">
+            <a:lvl6pPr marL="2743200" lvl="5" indent="-342900" algn="l">
               <a:lnSpc>
                 <a:spcPct val="90000"/>
               </a:lnSpc>
@@ -3982,7 +4074,7 @@
               <a:buChar char="•"/>
               <a:defRPr/>
             </a:lvl6pPr>
-            <a:lvl7pPr indent="-342900" lvl="6" marL="3200400" algn="l">
+            <a:lvl7pPr marL="3200400" lvl="6" indent="-342900" algn="l">
               <a:lnSpc>
                 <a:spcPct val="90000"/>
               </a:lnSpc>
@@ -3999,7 +4091,7 @@
               <a:buChar char="•"/>
               <a:defRPr/>
             </a:lvl7pPr>
-            <a:lvl8pPr indent="-342900" lvl="7" marL="3657600" algn="l">
+            <a:lvl8pPr marL="3657600" lvl="7" indent="-342900" algn="l">
               <a:lnSpc>
                 <a:spcPct val="90000"/>
               </a:lnSpc>
@@ -4016,7 +4108,7 @@
               <a:buChar char="•"/>
               <a:defRPr/>
             </a:lvl8pPr>
-            <a:lvl9pPr indent="-342900" lvl="8" marL="4114800" algn="l">
+            <a:lvl9pPr marL="4114800" lvl="8" indent="-342900" algn="l">
               <a:lnSpc>
                 <a:spcPct val="90000"/>
               </a:lnSpc>
@@ -4034,15 +4126,19 @@
               <a:defRPr/>
             </a:lvl9pPr>
           </a:lstStyle>
-          <a:p/>
+          <a:p>
+            <a:endParaRPr/>
+          </a:p>
         </p:txBody>
       </p:sp>
       <p:sp>
         <p:nvSpPr>
           <p:cNvPr id="24" name="Google Shape;24;p4"/>
-          <p:cNvSpPr txBox="1"/>
+          <p:cNvSpPr txBox="1">
+            <a:spLocks noGrp="1"/>
+          </p:cNvSpPr>
           <p:nvPr>
-            <p:ph idx="10" type="dt"/>
+            <p:ph type="dt" idx="10"/>
           </p:nvPr>
         </p:nvSpPr>
         <p:spPr>
@@ -4059,7 +4155,7 @@
           </a:ln>
         </p:spPr>
         <p:txBody>
-          <a:bodyPr anchorCtr="0" anchor="ctr" bIns="45700" lIns="91425" spcFirstLastPara="1" rIns="91425" wrap="square" tIns="45700">
+          <a:bodyPr spcFirstLastPara="1" wrap="square" lIns="91425" tIns="45700" rIns="91425" bIns="45700" anchor="ctr" anchorCtr="0">
             <a:noAutofit/>
           </a:bodyPr>
           <a:lstStyle>
@@ -4163,15 +4259,19 @@
               <a:defRPr/>
             </a:lvl9pPr>
           </a:lstStyle>
-          <a:p/>
+          <a:p>
+            <a:endParaRPr/>
+          </a:p>
         </p:txBody>
       </p:sp>
       <p:sp>
         <p:nvSpPr>
           <p:cNvPr id="25" name="Google Shape;25;p4"/>
-          <p:cNvSpPr txBox="1"/>
+          <p:cNvSpPr txBox="1">
+            <a:spLocks noGrp="1"/>
+          </p:cNvSpPr>
           <p:nvPr>
-            <p:ph idx="11" type="ftr"/>
+            <p:ph type="ftr" idx="11"/>
           </p:nvPr>
         </p:nvSpPr>
         <p:spPr>
@@ -4188,7 +4288,7 @@
           </a:ln>
         </p:spPr>
         <p:txBody>
-          <a:bodyPr anchorCtr="0" anchor="ctr" bIns="45700" lIns="91425" spcFirstLastPara="1" rIns="91425" wrap="square" tIns="45700">
+          <a:bodyPr spcFirstLastPara="1" wrap="square" lIns="91425" tIns="45700" rIns="91425" bIns="45700" anchor="ctr" anchorCtr="0">
             <a:noAutofit/>
           </a:bodyPr>
           <a:lstStyle>
@@ -4292,15 +4392,19 @@
               <a:defRPr/>
             </a:lvl9pPr>
           </a:lstStyle>
-          <a:p/>
+          <a:p>
+            <a:endParaRPr/>
+          </a:p>
         </p:txBody>
       </p:sp>
       <p:sp>
         <p:nvSpPr>
           <p:cNvPr id="26" name="Google Shape;26;p4"/>
-          <p:cNvSpPr txBox="1"/>
+          <p:cNvSpPr txBox="1">
+            <a:spLocks noGrp="1"/>
+          </p:cNvSpPr>
           <p:nvPr>
-            <p:ph idx="12" type="sldNum"/>
+            <p:ph type="sldNum" idx="12"/>
           </p:nvPr>
         </p:nvSpPr>
         <p:spPr>
@@ -4317,67 +4421,67 @@
           </a:ln>
         </p:spPr>
         <p:txBody>
-          <a:bodyPr anchorCtr="0" anchor="ctr" bIns="45700" lIns="91425" spcFirstLastPara="1" rIns="91425" wrap="square" tIns="45700">
+          <a:bodyPr spcFirstLastPara="1" wrap="square" lIns="91425" tIns="45700" rIns="91425" bIns="45700" anchor="ctr" anchorCtr="0">
             <a:noAutofit/>
           </a:bodyPr>
           <a:lstStyle>
-            <a:lvl1pPr indent="0" lvl="0" marL="0" algn="r">
+            <a:lvl1pPr marL="0" lvl="0" indent="0" algn="r">
               <a:spcBef>
                 <a:spcPts val="0"/>
               </a:spcBef>
               <a:buNone/>
               <a:defRPr/>
             </a:lvl1pPr>
-            <a:lvl2pPr indent="0" lvl="1" marL="0" algn="r">
+            <a:lvl2pPr marL="0" lvl="1" indent="0" algn="r">
               <a:spcBef>
                 <a:spcPts val="0"/>
               </a:spcBef>
               <a:buNone/>
               <a:defRPr/>
             </a:lvl2pPr>
-            <a:lvl3pPr indent="0" lvl="2" marL="0" algn="r">
+            <a:lvl3pPr marL="0" lvl="2" indent="0" algn="r">
               <a:spcBef>
                 <a:spcPts val="0"/>
               </a:spcBef>
               <a:buNone/>
               <a:defRPr/>
             </a:lvl3pPr>
-            <a:lvl4pPr indent="0" lvl="3" marL="0" algn="r">
+            <a:lvl4pPr marL="0" lvl="3" indent="0" algn="r">
               <a:spcBef>
                 <a:spcPts val="0"/>
               </a:spcBef>
               <a:buNone/>
               <a:defRPr/>
             </a:lvl4pPr>
-            <a:lvl5pPr indent="0" lvl="4" marL="0" algn="r">
+            <a:lvl5pPr marL="0" lvl="4" indent="0" algn="r">
               <a:spcBef>
                 <a:spcPts val="0"/>
               </a:spcBef>
               <a:buNone/>
               <a:defRPr/>
             </a:lvl5pPr>
-            <a:lvl6pPr indent="0" lvl="5" marL="0" algn="r">
+            <a:lvl6pPr marL="0" lvl="5" indent="0" algn="r">
               <a:spcBef>
                 <a:spcPts val="0"/>
               </a:spcBef>
               <a:buNone/>
               <a:defRPr/>
             </a:lvl6pPr>
-            <a:lvl7pPr indent="0" lvl="6" marL="0" algn="r">
+            <a:lvl7pPr marL="0" lvl="6" indent="0" algn="r">
               <a:spcBef>
                 <a:spcPts val="0"/>
               </a:spcBef>
               <a:buNone/>
               <a:defRPr/>
             </a:lvl7pPr>
-            <a:lvl8pPr indent="0" lvl="7" marL="0" algn="r">
+            <a:lvl8pPr marL="0" lvl="7" indent="0" algn="r">
               <a:spcBef>
                 <a:spcPts val="0"/>
               </a:spcBef>
               <a:buNone/>
               <a:defRPr/>
             </a:lvl8pPr>
-            <a:lvl9pPr indent="0" lvl="8" marL="0" algn="r">
+            <a:lvl9pPr marL="0" lvl="8" indent="0" algn="r">
               <a:spcBef>
                 <a:spcPts val="0"/>
               </a:spcBef>
@@ -4386,7 +4490,7 @@
             </a:lvl9pPr>
           </a:lstStyle>
           <a:p>
-            <a:pPr indent="0" lvl="0" marL="0" rtl="0" algn="r">
+            <a:pPr marL="0" lvl="0" indent="0" algn="r" rtl="0">
               <a:spcBef>
                 <a:spcPts val="0"/>
               </a:spcBef>
@@ -4412,11 +4516,11 @@
 </file>
 
 <file path=ppt/slideLayouts/slideLayout3.xml><?xml version="1.0" encoding="utf-8"?>
-<p:sldLayout xmlns:a="http://schemas.openxmlformats.org/drawingml/2006/main" xmlns:r="http://schemas.openxmlformats.org/officeDocument/2006/relationships" xmlns:mc="http://schemas.openxmlformats.org/markup-compatibility/2006" xmlns:mv="urn:schemas-microsoft-com:mac:vml" xmlns:p="http://schemas.openxmlformats.org/presentationml/2006/main" xmlns:c="http://schemas.openxmlformats.org/drawingml/2006/chart" xmlns:dgm="http://schemas.openxmlformats.org/drawingml/2006/diagram" xmlns:o="urn:schemas-microsoft-com:office:office" xmlns:v="urn:schemas-microsoft-com:vml" xmlns:pvml="urn:schemas-microsoft-com:office:powerpoint" xmlns:com="http://schemas.openxmlformats.org/drawingml/2006/compatibility" xmlns:p14="http://schemas.microsoft.com/office/powerpoint/2010/main" xmlns:p15="http://schemas.microsoft.com/office/powerpoint/2012/main" xmlns:ahyp="http://schemas.microsoft.com/office/drawing/2018/hyperlinkcolor" matchingName="Section Header" type="secHead">
+<p:sldLayout xmlns:a="http://schemas.openxmlformats.org/drawingml/2006/main" xmlns:r="http://schemas.openxmlformats.org/officeDocument/2006/relationships" xmlns:p="http://schemas.openxmlformats.org/presentationml/2006/main" matchingName="Section Header" type="secHead">
   <p:cSld name="SECTION_HEADER">
     <p:spTree>
       <p:nvGrpSpPr>
-        <p:cNvPr id="27" name="Shape 27"/>
+        <p:cNvPr id="1" name="Shape 27"/>
         <p:cNvGrpSpPr/>
         <p:nvPr/>
       </p:nvGrpSpPr>
@@ -4431,7 +4535,9 @@
       <p:sp>
         <p:nvSpPr>
           <p:cNvPr id="28" name="Google Shape;28;p5"/>
-          <p:cNvSpPr txBox="1"/>
+          <p:cNvSpPr txBox="1">
+            <a:spLocks noGrp="1"/>
+          </p:cNvSpPr>
           <p:nvPr>
             <p:ph type="title"/>
           </p:nvPr>
@@ -4450,7 +4556,7 @@
           </a:ln>
         </p:spPr>
         <p:txBody>
-          <a:bodyPr anchorCtr="0" anchor="b" bIns="45700" lIns="91425" spcFirstLastPara="1" rIns="91425" wrap="square" tIns="45700">
+          <a:bodyPr spcFirstLastPara="1" wrap="square" lIns="91425" tIns="45700" rIns="91425" bIns="45700" anchor="b" anchorCtr="0">
             <a:normAutofit/>
           </a:bodyPr>
           <a:lstStyle>
@@ -4561,15 +4667,19 @@
               <a:defRPr/>
             </a:lvl9pPr>
           </a:lstStyle>
-          <a:p/>
+          <a:p>
+            <a:endParaRPr/>
+          </a:p>
         </p:txBody>
       </p:sp>
       <p:sp>
         <p:nvSpPr>
           <p:cNvPr id="29" name="Google Shape;29;p5"/>
-          <p:cNvSpPr txBox="1"/>
+          <p:cNvSpPr txBox="1">
+            <a:spLocks noGrp="1"/>
+          </p:cNvSpPr>
           <p:nvPr>
-            <p:ph idx="1" type="body"/>
+            <p:ph type="body" idx="1"/>
           </p:nvPr>
         </p:nvSpPr>
         <p:spPr>
@@ -4586,11 +4696,11 @@
           </a:ln>
         </p:spPr>
         <p:txBody>
-          <a:bodyPr anchorCtr="0" anchor="t" bIns="45700" lIns="91425" spcFirstLastPara="1" rIns="91425" wrap="square" tIns="45700">
+          <a:bodyPr spcFirstLastPara="1" wrap="square" lIns="91425" tIns="45700" rIns="91425" bIns="45700" anchor="t" anchorCtr="0">
             <a:normAutofit/>
           </a:bodyPr>
           <a:lstStyle>
-            <a:lvl1pPr indent="-228600" lvl="0" marL="457200" algn="l">
+            <a:lvl1pPr marL="457200" lvl="0" indent="-228600" algn="l">
               <a:lnSpc>
                 <a:spcPct val="90000"/>
               </a:lnSpc>
@@ -4611,7 +4721,7 @@
                 </a:solidFill>
               </a:defRPr>
             </a:lvl1pPr>
-            <a:lvl2pPr indent="-228600" lvl="1" marL="914400" algn="l">
+            <a:lvl2pPr marL="914400" lvl="1" indent="-228600" algn="l">
               <a:lnSpc>
                 <a:spcPct val="90000"/>
               </a:lnSpc>
@@ -4632,7 +4742,7 @@
                 </a:solidFill>
               </a:defRPr>
             </a:lvl2pPr>
-            <a:lvl3pPr indent="-228600" lvl="2" marL="1371600" algn="l">
+            <a:lvl3pPr marL="1371600" lvl="2" indent="-228600" algn="l">
               <a:lnSpc>
                 <a:spcPct val="90000"/>
               </a:lnSpc>
@@ -4653,7 +4763,7 @@
                 </a:solidFill>
               </a:defRPr>
             </a:lvl3pPr>
-            <a:lvl4pPr indent="-228600" lvl="3" marL="1828800" algn="l">
+            <a:lvl4pPr marL="1828800" lvl="3" indent="-228600" algn="l">
               <a:lnSpc>
                 <a:spcPct val="90000"/>
               </a:lnSpc>
@@ -4674,7 +4784,7 @@
                 </a:solidFill>
               </a:defRPr>
             </a:lvl4pPr>
-            <a:lvl5pPr indent="-228600" lvl="4" marL="2286000" algn="l">
+            <a:lvl5pPr marL="2286000" lvl="4" indent="-228600" algn="l">
               <a:lnSpc>
                 <a:spcPct val="90000"/>
               </a:lnSpc>
@@ -4695,7 +4805,7 @@
                 </a:solidFill>
               </a:defRPr>
             </a:lvl5pPr>
-            <a:lvl6pPr indent="-228600" lvl="5" marL="2743200" algn="l">
+            <a:lvl6pPr marL="2743200" lvl="5" indent="-228600" algn="l">
               <a:lnSpc>
                 <a:spcPct val="90000"/>
               </a:lnSpc>
@@ -4716,7 +4826,7 @@
                 </a:solidFill>
               </a:defRPr>
             </a:lvl6pPr>
-            <a:lvl7pPr indent="-228600" lvl="6" marL="3200400" algn="l">
+            <a:lvl7pPr marL="3200400" lvl="6" indent="-228600" algn="l">
               <a:lnSpc>
                 <a:spcPct val="90000"/>
               </a:lnSpc>
@@ -4737,7 +4847,7 @@
                 </a:solidFill>
               </a:defRPr>
             </a:lvl7pPr>
-            <a:lvl8pPr indent="-228600" lvl="7" marL="3657600" algn="l">
+            <a:lvl8pPr marL="3657600" lvl="7" indent="-228600" algn="l">
               <a:lnSpc>
                 <a:spcPct val="90000"/>
               </a:lnSpc>
@@ -4758,7 +4868,7 @@
                 </a:solidFill>
               </a:defRPr>
             </a:lvl8pPr>
-            <a:lvl9pPr indent="-228600" lvl="8" marL="4114800" algn="l">
+            <a:lvl9pPr marL="4114800" lvl="8" indent="-228600" algn="l">
               <a:lnSpc>
                 <a:spcPct val="90000"/>
               </a:lnSpc>
@@ -4780,15 +4890,19 @@
               </a:defRPr>
             </a:lvl9pPr>
           </a:lstStyle>
-          <a:p/>
+          <a:p>
+            <a:endParaRPr/>
+          </a:p>
         </p:txBody>
       </p:sp>
       <p:sp>
         <p:nvSpPr>
           <p:cNvPr id="30" name="Google Shape;30;p5"/>
-          <p:cNvSpPr txBox="1"/>
+          <p:cNvSpPr txBox="1">
+            <a:spLocks noGrp="1"/>
+          </p:cNvSpPr>
           <p:nvPr>
-            <p:ph idx="10" type="dt"/>
+            <p:ph type="dt" idx="10"/>
           </p:nvPr>
         </p:nvSpPr>
         <p:spPr>
@@ -4805,7 +4919,7 @@
           </a:ln>
         </p:spPr>
         <p:txBody>
-          <a:bodyPr anchorCtr="0" anchor="ctr" bIns="45700" lIns="91425" spcFirstLastPara="1" rIns="91425" wrap="square" tIns="45700">
+          <a:bodyPr spcFirstLastPara="1" wrap="square" lIns="91425" tIns="45700" rIns="91425" bIns="45700" anchor="ctr" anchorCtr="0">
             <a:noAutofit/>
           </a:bodyPr>
           <a:lstStyle>
@@ -4909,15 +5023,19 @@
               <a:defRPr/>
             </a:lvl9pPr>
           </a:lstStyle>
-          <a:p/>
+          <a:p>
+            <a:endParaRPr/>
+          </a:p>
         </p:txBody>
       </p:sp>
       <p:sp>
         <p:nvSpPr>
           <p:cNvPr id="31" name="Google Shape;31;p5"/>
-          <p:cNvSpPr txBox="1"/>
+          <p:cNvSpPr txBox="1">
+            <a:spLocks noGrp="1"/>
+          </p:cNvSpPr>
           <p:nvPr>
-            <p:ph idx="11" type="ftr"/>
+            <p:ph type="ftr" idx="11"/>
           </p:nvPr>
         </p:nvSpPr>
         <p:spPr>
@@ -4934,7 +5052,7 @@
           </a:ln>
         </p:spPr>
         <p:txBody>
-          <a:bodyPr anchorCtr="0" anchor="ctr" bIns="45700" lIns="91425" spcFirstLastPara="1" rIns="91425" wrap="square" tIns="45700">
+          <a:bodyPr spcFirstLastPara="1" wrap="square" lIns="91425" tIns="45700" rIns="91425" bIns="45700" anchor="ctr" anchorCtr="0">
             <a:noAutofit/>
           </a:bodyPr>
           <a:lstStyle>
@@ -5038,15 +5156,19 @@
               <a:defRPr/>
             </a:lvl9pPr>
           </a:lstStyle>
-          <a:p/>
+          <a:p>
+            <a:endParaRPr/>
+          </a:p>
         </p:txBody>
       </p:sp>
       <p:sp>
         <p:nvSpPr>
           <p:cNvPr id="32" name="Google Shape;32;p5"/>
-          <p:cNvSpPr txBox="1"/>
+          <p:cNvSpPr txBox="1">
+            <a:spLocks noGrp="1"/>
+          </p:cNvSpPr>
           <p:nvPr>
-            <p:ph idx="12" type="sldNum"/>
+            <p:ph type="sldNum" idx="12"/>
           </p:nvPr>
         </p:nvSpPr>
         <p:spPr>
@@ -5063,67 +5185,67 @@
           </a:ln>
         </p:spPr>
         <p:txBody>
-          <a:bodyPr anchorCtr="0" anchor="ctr" bIns="45700" lIns="91425" spcFirstLastPara="1" rIns="91425" wrap="square" tIns="45700">
+          <a:bodyPr spcFirstLastPara="1" wrap="square" lIns="91425" tIns="45700" rIns="91425" bIns="45700" anchor="ctr" anchorCtr="0">
             <a:noAutofit/>
           </a:bodyPr>
           <a:lstStyle>
-            <a:lvl1pPr indent="0" lvl="0" marL="0" algn="r">
+            <a:lvl1pPr marL="0" lvl="0" indent="0" algn="r">
               <a:spcBef>
                 <a:spcPts val="0"/>
               </a:spcBef>
               <a:buNone/>
               <a:defRPr/>
             </a:lvl1pPr>
-            <a:lvl2pPr indent="0" lvl="1" marL="0" algn="r">
+            <a:lvl2pPr marL="0" lvl="1" indent="0" algn="r">
               <a:spcBef>
                 <a:spcPts val="0"/>
               </a:spcBef>
               <a:buNone/>
               <a:defRPr/>
             </a:lvl2pPr>
-            <a:lvl3pPr indent="0" lvl="2" marL="0" algn="r">
+            <a:lvl3pPr marL="0" lvl="2" indent="0" algn="r">
               <a:spcBef>
                 <a:spcPts val="0"/>
               </a:spcBef>
               <a:buNone/>
               <a:defRPr/>
             </a:lvl3pPr>
-            <a:lvl4pPr indent="0" lvl="3" marL="0" algn="r">
+            <a:lvl4pPr marL="0" lvl="3" indent="0" algn="r">
               <a:spcBef>
                 <a:spcPts val="0"/>
               </a:spcBef>
               <a:buNone/>
               <a:defRPr/>
             </a:lvl4pPr>
-            <a:lvl5pPr indent="0" lvl="4" marL="0" algn="r">
+            <a:lvl5pPr marL="0" lvl="4" indent="0" algn="r">
               <a:spcBef>
                 <a:spcPts val="0"/>
               </a:spcBef>
               <a:buNone/>
               <a:defRPr/>
             </a:lvl5pPr>
-            <a:lvl6pPr indent="0" lvl="5" marL="0" algn="r">
+            <a:lvl6pPr marL="0" lvl="5" indent="0" algn="r">
               <a:spcBef>
                 <a:spcPts val="0"/>
               </a:spcBef>
               <a:buNone/>
               <a:defRPr/>
             </a:lvl6pPr>
-            <a:lvl7pPr indent="0" lvl="6" marL="0" algn="r">
+            <a:lvl7pPr marL="0" lvl="6" indent="0" algn="r">
               <a:spcBef>
                 <a:spcPts val="0"/>
               </a:spcBef>
               <a:buNone/>
               <a:defRPr/>
             </a:lvl7pPr>
-            <a:lvl8pPr indent="0" lvl="7" marL="0" algn="r">
+            <a:lvl8pPr marL="0" lvl="7" indent="0" algn="r">
               <a:spcBef>
                 <a:spcPts val="0"/>
               </a:spcBef>
               <a:buNone/>
               <a:defRPr/>
             </a:lvl8pPr>
-            <a:lvl9pPr indent="0" lvl="8" marL="0" algn="r">
+            <a:lvl9pPr marL="0" lvl="8" indent="0" algn="r">
               <a:spcBef>
                 <a:spcPts val="0"/>
               </a:spcBef>
@@ -5132,7 +5254,7 @@
             </a:lvl9pPr>
           </a:lstStyle>
           <a:p>
-            <a:pPr indent="0" lvl="0" marL="0" rtl="0" algn="r">
+            <a:pPr marL="0" lvl="0" indent="0" algn="r" rtl="0">
               <a:spcBef>
                 <a:spcPts val="0"/>
               </a:spcBef>
@@ -5158,11 +5280,11 @@
 </file>
 
 <file path=ppt/slideLayouts/slideLayout4.xml><?xml version="1.0" encoding="utf-8"?>
-<p:sldLayout xmlns:a="http://schemas.openxmlformats.org/drawingml/2006/main" xmlns:r="http://schemas.openxmlformats.org/officeDocument/2006/relationships" xmlns:mc="http://schemas.openxmlformats.org/markup-compatibility/2006" xmlns:mv="urn:schemas-microsoft-com:mac:vml" xmlns:p="http://schemas.openxmlformats.org/presentationml/2006/main" xmlns:c="http://schemas.openxmlformats.org/drawingml/2006/chart" xmlns:dgm="http://schemas.openxmlformats.org/drawingml/2006/diagram" xmlns:o="urn:schemas-microsoft-com:office:office" xmlns:v="urn:schemas-microsoft-com:vml" xmlns:pvml="urn:schemas-microsoft-com:office:powerpoint" xmlns:com="http://schemas.openxmlformats.org/drawingml/2006/compatibility" xmlns:p14="http://schemas.microsoft.com/office/powerpoint/2010/main" xmlns:p15="http://schemas.microsoft.com/office/powerpoint/2012/main" xmlns:ahyp="http://schemas.microsoft.com/office/drawing/2018/hyperlinkcolor" matchingName="Two Content" type="twoObj">
+<p:sldLayout xmlns:a="http://schemas.openxmlformats.org/drawingml/2006/main" xmlns:r="http://schemas.openxmlformats.org/officeDocument/2006/relationships" xmlns:p="http://schemas.openxmlformats.org/presentationml/2006/main" matchingName="Two Content" type="twoObj">
   <p:cSld name="TWO_OBJECTS">
     <p:spTree>
       <p:nvGrpSpPr>
-        <p:cNvPr id="33" name="Shape 33"/>
+        <p:cNvPr id="1" name="Shape 33"/>
         <p:cNvGrpSpPr/>
         <p:nvPr/>
       </p:nvGrpSpPr>
@@ -5177,7 +5299,9 @@
       <p:sp>
         <p:nvSpPr>
           <p:cNvPr id="34" name="Google Shape;34;p6"/>
-          <p:cNvSpPr txBox="1"/>
+          <p:cNvSpPr txBox="1">
+            <a:spLocks noGrp="1"/>
+          </p:cNvSpPr>
           <p:nvPr>
             <p:ph type="title"/>
           </p:nvPr>
@@ -5196,7 +5320,7 @@
           </a:ln>
         </p:spPr>
         <p:txBody>
-          <a:bodyPr anchorCtr="0" anchor="ctr" bIns="45700" lIns="91425" spcFirstLastPara="1" rIns="91425" wrap="square" tIns="45700">
+          <a:bodyPr spcFirstLastPara="1" wrap="square" lIns="91425" tIns="45700" rIns="91425" bIns="45700" anchor="ctr" anchorCtr="0">
             <a:normAutofit/>
           </a:bodyPr>
           <a:lstStyle>
@@ -5306,15 +5430,19 @@
               <a:defRPr/>
             </a:lvl9pPr>
           </a:lstStyle>
-          <a:p/>
+          <a:p>
+            <a:endParaRPr/>
+          </a:p>
         </p:txBody>
       </p:sp>
       <p:sp>
         <p:nvSpPr>
           <p:cNvPr id="35" name="Google Shape;35;p6"/>
-          <p:cNvSpPr txBox="1"/>
+          <p:cNvSpPr txBox="1">
+            <a:spLocks noGrp="1"/>
+          </p:cNvSpPr>
           <p:nvPr>
-            <p:ph idx="1" type="body"/>
+            <p:ph type="body" idx="1"/>
           </p:nvPr>
         </p:nvSpPr>
         <p:spPr>
@@ -5331,11 +5459,11 @@
           </a:ln>
         </p:spPr>
         <p:txBody>
-          <a:bodyPr anchorCtr="0" anchor="t" bIns="45700" lIns="91425" spcFirstLastPara="1" rIns="91425" wrap="square" tIns="45700">
+          <a:bodyPr spcFirstLastPara="1" wrap="square" lIns="91425" tIns="45700" rIns="91425" bIns="45700" anchor="t" anchorCtr="0">
             <a:normAutofit/>
           </a:bodyPr>
           <a:lstStyle>
-            <a:lvl1pPr indent="-342900" lvl="0" marL="457200" algn="l">
+            <a:lvl1pPr marL="457200" lvl="0" indent="-342900" algn="l">
               <a:lnSpc>
                 <a:spcPct val="90000"/>
               </a:lnSpc>
@@ -5352,7 +5480,7 @@
               <a:buChar char="•"/>
               <a:defRPr/>
             </a:lvl1pPr>
-            <a:lvl2pPr indent="-342900" lvl="1" marL="914400" algn="l">
+            <a:lvl2pPr marL="914400" lvl="1" indent="-342900" algn="l">
               <a:lnSpc>
                 <a:spcPct val="90000"/>
               </a:lnSpc>
@@ -5369,7 +5497,7 @@
               <a:buChar char="•"/>
               <a:defRPr/>
             </a:lvl2pPr>
-            <a:lvl3pPr indent="-342900" lvl="2" marL="1371600" algn="l">
+            <a:lvl3pPr marL="1371600" lvl="2" indent="-342900" algn="l">
               <a:lnSpc>
                 <a:spcPct val="90000"/>
               </a:lnSpc>
@@ -5386,7 +5514,7 @@
               <a:buChar char="•"/>
               <a:defRPr/>
             </a:lvl3pPr>
-            <a:lvl4pPr indent="-342900" lvl="3" marL="1828800" algn="l">
+            <a:lvl4pPr marL="1828800" lvl="3" indent="-342900" algn="l">
               <a:lnSpc>
                 <a:spcPct val="90000"/>
               </a:lnSpc>
@@ -5403,7 +5531,7 @@
               <a:buChar char="•"/>
               <a:defRPr/>
             </a:lvl4pPr>
-            <a:lvl5pPr indent="-342900" lvl="4" marL="2286000" algn="l">
+            <a:lvl5pPr marL="2286000" lvl="4" indent="-342900" algn="l">
               <a:lnSpc>
                 <a:spcPct val="90000"/>
               </a:lnSpc>
@@ -5420,7 +5548,7 @@
               <a:buChar char="•"/>
               <a:defRPr/>
             </a:lvl5pPr>
-            <a:lvl6pPr indent="-342900" lvl="5" marL="2743200" algn="l">
+            <a:lvl6pPr marL="2743200" lvl="5" indent="-342900" algn="l">
               <a:lnSpc>
                 <a:spcPct val="90000"/>
               </a:lnSpc>
@@ -5437,7 +5565,7 @@
               <a:buChar char="•"/>
               <a:defRPr/>
             </a:lvl6pPr>
-            <a:lvl7pPr indent="-342900" lvl="6" marL="3200400" algn="l">
+            <a:lvl7pPr marL="3200400" lvl="6" indent="-342900" algn="l">
               <a:lnSpc>
                 <a:spcPct val="90000"/>
               </a:lnSpc>
@@ -5454,7 +5582,7 @@
               <a:buChar char="•"/>
               <a:defRPr/>
             </a:lvl7pPr>
-            <a:lvl8pPr indent="-342900" lvl="7" marL="3657600" algn="l">
+            <a:lvl8pPr marL="3657600" lvl="7" indent="-342900" algn="l">
               <a:lnSpc>
                 <a:spcPct val="90000"/>
               </a:lnSpc>
@@ -5471,7 +5599,7 @@
               <a:buChar char="•"/>
               <a:defRPr/>
             </a:lvl8pPr>
-            <a:lvl9pPr indent="-342900" lvl="8" marL="4114800" algn="l">
+            <a:lvl9pPr marL="4114800" lvl="8" indent="-342900" algn="l">
               <a:lnSpc>
                 <a:spcPct val="90000"/>
               </a:lnSpc>
@@ -5489,15 +5617,19 @@
               <a:defRPr/>
             </a:lvl9pPr>
           </a:lstStyle>
-          <a:p/>
+          <a:p>
+            <a:endParaRPr/>
+          </a:p>
         </p:txBody>
       </p:sp>
       <p:sp>
         <p:nvSpPr>
           <p:cNvPr id="36" name="Google Shape;36;p6"/>
-          <p:cNvSpPr txBox="1"/>
+          <p:cNvSpPr txBox="1">
+            <a:spLocks noGrp="1"/>
+          </p:cNvSpPr>
           <p:nvPr>
-            <p:ph idx="2" type="body"/>
+            <p:ph type="body" idx="2"/>
           </p:nvPr>
         </p:nvSpPr>
         <p:spPr>
@@ -5514,11 +5646,11 @@
           </a:ln>
         </p:spPr>
         <p:txBody>
-          <a:bodyPr anchorCtr="0" anchor="t" bIns="45700" lIns="91425" spcFirstLastPara="1" rIns="91425" wrap="square" tIns="45700">
+          <a:bodyPr spcFirstLastPara="1" wrap="square" lIns="91425" tIns="45700" rIns="91425" bIns="45700" anchor="t" anchorCtr="0">
             <a:normAutofit/>
           </a:bodyPr>
           <a:lstStyle>
-            <a:lvl1pPr indent="-342900" lvl="0" marL="457200" algn="l">
+            <a:lvl1pPr marL="457200" lvl="0" indent="-342900" algn="l">
               <a:lnSpc>
                 <a:spcPct val="90000"/>
               </a:lnSpc>
@@ -5535,7 +5667,7 @@
               <a:buChar char="•"/>
               <a:defRPr/>
             </a:lvl1pPr>
-            <a:lvl2pPr indent="-342900" lvl="1" marL="914400" algn="l">
+            <a:lvl2pPr marL="914400" lvl="1" indent="-342900" algn="l">
               <a:lnSpc>
                 <a:spcPct val="90000"/>
               </a:lnSpc>
@@ -5552,7 +5684,7 @@
               <a:buChar char="•"/>
               <a:defRPr/>
             </a:lvl2pPr>
-            <a:lvl3pPr indent="-342900" lvl="2" marL="1371600" algn="l">
+            <a:lvl3pPr marL="1371600" lvl="2" indent="-342900" algn="l">
               <a:lnSpc>
                 <a:spcPct val="90000"/>
               </a:lnSpc>
@@ -5569,7 +5701,7 @@
               <a:buChar char="•"/>
               <a:defRPr/>
             </a:lvl3pPr>
-            <a:lvl4pPr indent="-342900" lvl="3" marL="1828800" algn="l">
+            <a:lvl4pPr marL="1828800" lvl="3" indent="-342900" algn="l">
               <a:lnSpc>
                 <a:spcPct val="90000"/>
               </a:lnSpc>
@@ -5586,7 +5718,7 @@
               <a:buChar char="•"/>
               <a:defRPr/>
             </a:lvl4pPr>
-            <a:lvl5pPr indent="-342900" lvl="4" marL="2286000" algn="l">
+            <a:lvl5pPr marL="2286000" lvl="4" indent="-342900" algn="l">
               <a:lnSpc>
                 <a:spcPct val="90000"/>
               </a:lnSpc>
@@ -5603,7 +5735,7 @@
               <a:buChar char="•"/>
               <a:defRPr/>
             </a:lvl5pPr>
-            <a:lvl6pPr indent="-342900" lvl="5" marL="2743200" algn="l">
+            <a:lvl6pPr marL="2743200" lvl="5" indent="-342900" algn="l">
               <a:lnSpc>
                 <a:spcPct val="90000"/>
               </a:lnSpc>
@@ -5620,7 +5752,7 @@
               <a:buChar char="•"/>
               <a:defRPr/>
             </a:lvl6pPr>
-            <a:lvl7pPr indent="-342900" lvl="6" marL="3200400" algn="l">
+            <a:lvl7pPr marL="3200400" lvl="6" indent="-342900" algn="l">
               <a:lnSpc>
                 <a:spcPct val="90000"/>
               </a:lnSpc>
@@ -5637,7 +5769,7 @@
               <a:buChar char="•"/>
               <a:defRPr/>
             </a:lvl7pPr>
-            <a:lvl8pPr indent="-342900" lvl="7" marL="3657600" algn="l">
+            <a:lvl8pPr marL="3657600" lvl="7" indent="-342900" algn="l">
               <a:lnSpc>
                 <a:spcPct val="90000"/>
               </a:lnSpc>
@@ -5654,7 +5786,7 @@
               <a:buChar char="•"/>
               <a:defRPr/>
             </a:lvl8pPr>
-            <a:lvl9pPr indent="-342900" lvl="8" marL="4114800" algn="l">
+            <a:lvl9pPr marL="4114800" lvl="8" indent="-342900" algn="l">
               <a:lnSpc>
                 <a:spcPct val="90000"/>
               </a:lnSpc>
@@ -5672,15 +5804,19 @@
               <a:defRPr/>
             </a:lvl9pPr>
           </a:lstStyle>
-          <a:p/>
+          <a:p>
+            <a:endParaRPr/>
+          </a:p>
         </p:txBody>
       </p:sp>
       <p:sp>
         <p:nvSpPr>
           <p:cNvPr id="37" name="Google Shape;37;p6"/>
-          <p:cNvSpPr txBox="1"/>
+          <p:cNvSpPr txBox="1">
+            <a:spLocks noGrp="1"/>
+          </p:cNvSpPr>
           <p:nvPr>
-            <p:ph idx="10" type="dt"/>
+            <p:ph type="dt" idx="10"/>
           </p:nvPr>
         </p:nvSpPr>
         <p:spPr>
@@ -5697,7 +5833,7 @@
           </a:ln>
         </p:spPr>
         <p:txBody>
-          <a:bodyPr anchorCtr="0" anchor="ctr" bIns="45700" lIns="91425" spcFirstLastPara="1" rIns="91425" wrap="square" tIns="45700">
+          <a:bodyPr spcFirstLastPara="1" wrap="square" lIns="91425" tIns="45700" rIns="91425" bIns="45700" anchor="ctr" anchorCtr="0">
             <a:noAutofit/>
           </a:bodyPr>
           <a:lstStyle>
@@ -5801,15 +5937,19 @@
               <a:defRPr/>
             </a:lvl9pPr>
           </a:lstStyle>
-          <a:p/>
+          <a:p>
+            <a:endParaRPr/>
+          </a:p>
         </p:txBody>
       </p:sp>
       <p:sp>
         <p:nvSpPr>
           <p:cNvPr id="38" name="Google Shape;38;p6"/>
-          <p:cNvSpPr txBox="1"/>
+          <p:cNvSpPr txBox="1">
+            <a:spLocks noGrp="1"/>
+          </p:cNvSpPr>
           <p:nvPr>
-            <p:ph idx="11" type="ftr"/>
+            <p:ph type="ftr" idx="11"/>
           </p:nvPr>
         </p:nvSpPr>
         <p:spPr>
@@ -5826,7 +5966,7 @@
           </a:ln>
         </p:spPr>
         <p:txBody>
-          <a:bodyPr anchorCtr="0" anchor="ctr" bIns="45700" lIns="91425" spcFirstLastPara="1" rIns="91425" wrap="square" tIns="45700">
+          <a:bodyPr spcFirstLastPara="1" wrap="square" lIns="91425" tIns="45700" rIns="91425" bIns="45700" anchor="ctr" anchorCtr="0">
             <a:noAutofit/>
           </a:bodyPr>
           <a:lstStyle>
@@ -5930,15 +6070,19 @@
               <a:defRPr/>
             </a:lvl9pPr>
           </a:lstStyle>
-          <a:p/>
+          <a:p>
+            <a:endParaRPr/>
+          </a:p>
         </p:txBody>
       </p:sp>
       <p:sp>
         <p:nvSpPr>
           <p:cNvPr id="39" name="Google Shape;39;p6"/>
-          <p:cNvSpPr txBox="1"/>
+          <p:cNvSpPr txBox="1">
+            <a:spLocks noGrp="1"/>
+          </p:cNvSpPr>
           <p:nvPr>
-            <p:ph idx="12" type="sldNum"/>
+            <p:ph type="sldNum" idx="12"/>
           </p:nvPr>
         </p:nvSpPr>
         <p:spPr>
@@ -5955,67 +6099,67 @@
           </a:ln>
         </p:spPr>
         <p:txBody>
-          <a:bodyPr anchorCtr="0" anchor="ctr" bIns="45700" lIns="91425" spcFirstLastPara="1" rIns="91425" wrap="square" tIns="45700">
+          <a:bodyPr spcFirstLastPara="1" wrap="square" lIns="91425" tIns="45700" rIns="91425" bIns="45700" anchor="ctr" anchorCtr="0">
             <a:noAutofit/>
           </a:bodyPr>
           <a:lstStyle>
-            <a:lvl1pPr indent="0" lvl="0" marL="0" algn="r">
+            <a:lvl1pPr marL="0" lvl="0" indent="0" algn="r">
               <a:spcBef>
                 <a:spcPts val="0"/>
               </a:spcBef>
               <a:buNone/>
               <a:defRPr/>
             </a:lvl1pPr>
-            <a:lvl2pPr indent="0" lvl="1" marL="0" algn="r">
+            <a:lvl2pPr marL="0" lvl="1" indent="0" algn="r">
               <a:spcBef>
                 <a:spcPts val="0"/>
               </a:spcBef>
               <a:buNone/>
               <a:defRPr/>
             </a:lvl2pPr>
-            <a:lvl3pPr indent="0" lvl="2" marL="0" algn="r">
+            <a:lvl3pPr marL="0" lvl="2" indent="0" algn="r">
               <a:spcBef>
                 <a:spcPts val="0"/>
               </a:spcBef>
               <a:buNone/>
               <a:defRPr/>
             </a:lvl3pPr>
-            <a:lvl4pPr indent="0" lvl="3" marL="0" algn="r">
+            <a:lvl4pPr marL="0" lvl="3" indent="0" algn="r">
               <a:spcBef>
                 <a:spcPts val="0"/>
               </a:spcBef>
               <a:buNone/>
               <a:defRPr/>
             </a:lvl4pPr>
-            <a:lvl5pPr indent="0" lvl="4" marL="0" algn="r">
+            <a:lvl5pPr marL="0" lvl="4" indent="0" algn="r">
               <a:spcBef>
                 <a:spcPts val="0"/>
               </a:spcBef>
               <a:buNone/>
               <a:defRPr/>
             </a:lvl5pPr>
-            <a:lvl6pPr indent="0" lvl="5" marL="0" algn="r">
+            <a:lvl6pPr marL="0" lvl="5" indent="0" algn="r">
               <a:spcBef>
                 <a:spcPts val="0"/>
               </a:spcBef>
               <a:buNone/>
               <a:defRPr/>
             </a:lvl6pPr>
-            <a:lvl7pPr indent="0" lvl="6" marL="0" algn="r">
+            <a:lvl7pPr marL="0" lvl="6" indent="0" algn="r">
               <a:spcBef>
                 <a:spcPts val="0"/>
               </a:spcBef>
               <a:buNone/>
               <a:defRPr/>
             </a:lvl7pPr>
-            <a:lvl8pPr indent="0" lvl="7" marL="0" algn="r">
+            <a:lvl8pPr marL="0" lvl="7" indent="0" algn="r">
               <a:spcBef>
                 <a:spcPts val="0"/>
               </a:spcBef>
               <a:buNone/>
               <a:defRPr/>
             </a:lvl8pPr>
-            <a:lvl9pPr indent="0" lvl="8" marL="0" algn="r">
+            <a:lvl9pPr marL="0" lvl="8" indent="0" algn="r">
               <a:spcBef>
                 <a:spcPts val="0"/>
               </a:spcBef>
@@ -6024,7 +6168,7 @@
             </a:lvl9pPr>
           </a:lstStyle>
           <a:p>
-            <a:pPr indent="0" lvl="0" marL="0" rtl="0" algn="r">
+            <a:pPr marL="0" lvl="0" indent="0" algn="r" rtl="0">
               <a:spcBef>
                 <a:spcPts val="0"/>
               </a:spcBef>
@@ -6050,11 +6194,11 @@
 </file>
 
 <file path=ppt/slideLayouts/slideLayout5.xml><?xml version="1.0" encoding="utf-8"?>
-<p:sldLayout xmlns:a="http://schemas.openxmlformats.org/drawingml/2006/main" xmlns:r="http://schemas.openxmlformats.org/officeDocument/2006/relationships" xmlns:mc="http://schemas.openxmlformats.org/markup-compatibility/2006" xmlns:mv="urn:schemas-microsoft-com:mac:vml" xmlns:p="http://schemas.openxmlformats.org/presentationml/2006/main" xmlns:c="http://schemas.openxmlformats.org/drawingml/2006/chart" xmlns:dgm="http://schemas.openxmlformats.org/drawingml/2006/diagram" xmlns:o="urn:schemas-microsoft-com:office:office" xmlns:v="urn:schemas-microsoft-com:vml" xmlns:pvml="urn:schemas-microsoft-com:office:powerpoint" xmlns:com="http://schemas.openxmlformats.org/drawingml/2006/compatibility" xmlns:p14="http://schemas.microsoft.com/office/powerpoint/2010/main" xmlns:p15="http://schemas.microsoft.com/office/powerpoint/2012/main" xmlns:ahyp="http://schemas.microsoft.com/office/drawing/2018/hyperlinkcolor" matchingName="Comparison" type="twoTxTwoObj">
+<p:sldLayout xmlns:a="http://schemas.openxmlformats.org/drawingml/2006/main" xmlns:r="http://schemas.openxmlformats.org/officeDocument/2006/relationships" xmlns:p="http://schemas.openxmlformats.org/presentationml/2006/main" matchingName="Comparison" type="twoTxTwoObj">
   <p:cSld name="TWO_OBJECTS_WITH_TEXT">
     <p:spTree>
       <p:nvGrpSpPr>
-        <p:cNvPr id="40" name="Shape 40"/>
+        <p:cNvPr id="1" name="Shape 40"/>
         <p:cNvGrpSpPr/>
         <p:nvPr/>
       </p:nvGrpSpPr>
@@ -6069,7 +6213,9 @@
       <p:sp>
         <p:nvSpPr>
           <p:cNvPr id="41" name="Google Shape;41;p7"/>
-          <p:cNvSpPr txBox="1"/>
+          <p:cNvSpPr txBox="1">
+            <a:spLocks noGrp="1"/>
+          </p:cNvSpPr>
           <p:nvPr>
             <p:ph type="title"/>
           </p:nvPr>
@@ -6088,7 +6234,7 @@
           </a:ln>
         </p:spPr>
         <p:txBody>
-          <a:bodyPr anchorCtr="0" anchor="ctr" bIns="45700" lIns="91425" spcFirstLastPara="1" rIns="91425" wrap="square" tIns="45700">
+          <a:bodyPr spcFirstLastPara="1" wrap="square" lIns="91425" tIns="45700" rIns="91425" bIns="45700" anchor="ctr" anchorCtr="0">
             <a:normAutofit/>
           </a:bodyPr>
           <a:lstStyle>
@@ -6198,15 +6344,19 @@
               <a:defRPr/>
             </a:lvl9pPr>
           </a:lstStyle>
-          <a:p/>
+          <a:p>
+            <a:endParaRPr/>
+          </a:p>
         </p:txBody>
       </p:sp>
       <p:sp>
         <p:nvSpPr>
           <p:cNvPr id="42" name="Google Shape;42;p7"/>
-          <p:cNvSpPr txBox="1"/>
+          <p:cNvSpPr txBox="1">
+            <a:spLocks noGrp="1"/>
+          </p:cNvSpPr>
           <p:nvPr>
-            <p:ph idx="1" type="body"/>
+            <p:ph type="body" idx="1"/>
           </p:nvPr>
         </p:nvSpPr>
         <p:spPr>
@@ -6223,11 +6373,11 @@
           </a:ln>
         </p:spPr>
         <p:txBody>
-          <a:bodyPr anchorCtr="0" anchor="b" bIns="45700" lIns="91425" spcFirstLastPara="1" rIns="91425" wrap="square" tIns="45700">
+          <a:bodyPr spcFirstLastPara="1" wrap="square" lIns="91425" tIns="45700" rIns="91425" bIns="45700" anchor="b" anchorCtr="0">
             <a:normAutofit/>
           </a:bodyPr>
           <a:lstStyle>
-            <a:lvl1pPr indent="-228600" lvl="0" marL="457200" algn="l">
+            <a:lvl1pPr marL="457200" lvl="0" indent="-228600" algn="l">
               <a:lnSpc>
                 <a:spcPct val="90000"/>
               </a:lnSpc>
@@ -6242,9 +6392,9 @@
               </a:buClr>
               <a:buSzPts val="11520"/>
               <a:buNone/>
-              <a:defRPr b="1" sz="11520"/>
+              <a:defRPr sz="11520" b="1"/>
             </a:lvl1pPr>
-            <a:lvl2pPr indent="-228600" lvl="1" marL="914400" algn="l">
+            <a:lvl2pPr marL="914400" lvl="1" indent="-228600" algn="l">
               <a:lnSpc>
                 <a:spcPct val="90000"/>
               </a:lnSpc>
@@ -6259,9 +6409,9 @@
               </a:buClr>
               <a:buSzPts val="9600"/>
               <a:buNone/>
-              <a:defRPr b="1" sz="9600"/>
+              <a:defRPr sz="9600" b="1"/>
             </a:lvl2pPr>
-            <a:lvl3pPr indent="-228600" lvl="2" marL="1371600" algn="l">
+            <a:lvl3pPr marL="1371600" lvl="2" indent="-228600" algn="l">
               <a:lnSpc>
                 <a:spcPct val="90000"/>
               </a:lnSpc>
@@ -6276,9 +6426,9 @@
               </a:buClr>
               <a:buSzPts val="8640"/>
               <a:buNone/>
-              <a:defRPr b="1" sz="8640"/>
+              <a:defRPr sz="8640" b="1"/>
             </a:lvl3pPr>
-            <a:lvl4pPr indent="-228600" lvl="3" marL="1828800" algn="l">
+            <a:lvl4pPr marL="1828800" lvl="3" indent="-228600" algn="l">
               <a:lnSpc>
                 <a:spcPct val="90000"/>
               </a:lnSpc>
@@ -6293,9 +6443,9 @@
               </a:buClr>
               <a:buSzPts val="7680"/>
               <a:buNone/>
-              <a:defRPr b="1" sz="7680"/>
+              <a:defRPr sz="7680" b="1"/>
             </a:lvl4pPr>
-            <a:lvl5pPr indent="-228600" lvl="4" marL="2286000" algn="l">
+            <a:lvl5pPr marL="2286000" lvl="4" indent="-228600" algn="l">
               <a:lnSpc>
                 <a:spcPct val="90000"/>
               </a:lnSpc>
@@ -6310,9 +6460,9 @@
               </a:buClr>
               <a:buSzPts val="7680"/>
               <a:buNone/>
-              <a:defRPr b="1" sz="7680"/>
+              <a:defRPr sz="7680" b="1"/>
             </a:lvl5pPr>
-            <a:lvl6pPr indent="-228600" lvl="5" marL="2743200" algn="l">
+            <a:lvl6pPr marL="2743200" lvl="5" indent="-228600" algn="l">
               <a:lnSpc>
                 <a:spcPct val="90000"/>
               </a:lnSpc>
@@ -6327,9 +6477,9 @@
               </a:buClr>
               <a:buSzPts val="7680"/>
               <a:buNone/>
-              <a:defRPr b="1" sz="7680"/>
+              <a:defRPr sz="7680" b="1"/>
             </a:lvl6pPr>
-            <a:lvl7pPr indent="-228600" lvl="6" marL="3200400" algn="l">
+            <a:lvl7pPr marL="3200400" lvl="6" indent="-228600" algn="l">
               <a:lnSpc>
                 <a:spcPct val="90000"/>
               </a:lnSpc>
@@ -6344,9 +6494,9 @@
               </a:buClr>
               <a:buSzPts val="7680"/>
               <a:buNone/>
-              <a:defRPr b="1" sz="7680"/>
+              <a:defRPr sz="7680" b="1"/>
             </a:lvl7pPr>
-            <a:lvl8pPr indent="-228600" lvl="7" marL="3657600" algn="l">
+            <a:lvl8pPr marL="3657600" lvl="7" indent="-228600" algn="l">
               <a:lnSpc>
                 <a:spcPct val="90000"/>
               </a:lnSpc>
@@ -6361,9 +6511,9 @@
               </a:buClr>
               <a:buSzPts val="7680"/>
               <a:buNone/>
-              <a:defRPr b="1" sz="7680"/>
+              <a:defRPr sz="7680" b="1"/>
             </a:lvl8pPr>
-            <a:lvl9pPr indent="-228600" lvl="8" marL="4114800" algn="l">
+            <a:lvl9pPr marL="4114800" lvl="8" indent="-228600" algn="l">
               <a:lnSpc>
                 <a:spcPct val="90000"/>
               </a:lnSpc>
@@ -6378,18 +6528,22 @@
               </a:buClr>
               <a:buSzPts val="7680"/>
               <a:buNone/>
-              <a:defRPr b="1" sz="7680"/>
+              <a:defRPr sz="7680" b="1"/>
             </a:lvl9pPr>
           </a:lstStyle>
-          <a:p/>
+          <a:p>
+            <a:endParaRPr/>
+          </a:p>
         </p:txBody>
       </p:sp>
       <p:sp>
         <p:nvSpPr>
           <p:cNvPr id="43" name="Google Shape;43;p7"/>
-          <p:cNvSpPr txBox="1"/>
+          <p:cNvSpPr txBox="1">
+            <a:spLocks noGrp="1"/>
+          </p:cNvSpPr>
           <p:nvPr>
-            <p:ph idx="2" type="body"/>
+            <p:ph type="body" idx="2"/>
           </p:nvPr>
         </p:nvSpPr>
         <p:spPr>
@@ -6406,11 +6560,11 @@
           </a:ln>
         </p:spPr>
         <p:txBody>
-          <a:bodyPr anchorCtr="0" anchor="t" bIns="45700" lIns="91425" spcFirstLastPara="1" rIns="91425" wrap="square" tIns="45700">
+          <a:bodyPr spcFirstLastPara="1" wrap="square" lIns="91425" tIns="45700" rIns="91425" bIns="45700" anchor="t" anchorCtr="0">
             <a:normAutofit/>
           </a:bodyPr>
           <a:lstStyle>
-            <a:lvl1pPr indent="-342900" lvl="0" marL="457200" algn="l">
+            <a:lvl1pPr marL="457200" lvl="0" indent="-342900" algn="l">
               <a:lnSpc>
                 <a:spcPct val="90000"/>
               </a:lnSpc>
@@ -6427,7 +6581,7 @@
               <a:buChar char="•"/>
               <a:defRPr/>
             </a:lvl1pPr>
-            <a:lvl2pPr indent="-342900" lvl="1" marL="914400" algn="l">
+            <a:lvl2pPr marL="914400" lvl="1" indent="-342900" algn="l">
               <a:lnSpc>
                 <a:spcPct val="90000"/>
               </a:lnSpc>
@@ -6444,7 +6598,7 @@
               <a:buChar char="•"/>
               <a:defRPr/>
             </a:lvl2pPr>
-            <a:lvl3pPr indent="-342900" lvl="2" marL="1371600" algn="l">
+            <a:lvl3pPr marL="1371600" lvl="2" indent="-342900" algn="l">
               <a:lnSpc>
                 <a:spcPct val="90000"/>
               </a:lnSpc>
@@ -6461,7 +6615,7 @@
               <a:buChar char="•"/>
               <a:defRPr/>
             </a:lvl3pPr>
-            <a:lvl4pPr indent="-342900" lvl="3" marL="1828800" algn="l">
+            <a:lvl4pPr marL="1828800" lvl="3" indent="-342900" algn="l">
               <a:lnSpc>
                 <a:spcPct val="90000"/>
               </a:lnSpc>
@@ -6478,7 +6632,7 @@
               <a:buChar char="•"/>
               <a:defRPr/>
             </a:lvl4pPr>
-            <a:lvl5pPr indent="-342900" lvl="4" marL="2286000" algn="l">
+            <a:lvl5pPr marL="2286000" lvl="4" indent="-342900" algn="l">
               <a:lnSpc>
                 <a:spcPct val="90000"/>
               </a:lnSpc>
@@ -6495,7 +6649,7 @@
               <a:buChar char="•"/>
               <a:defRPr/>
             </a:lvl5pPr>
-            <a:lvl6pPr indent="-342900" lvl="5" marL="2743200" algn="l">
+            <a:lvl6pPr marL="2743200" lvl="5" indent="-342900" algn="l">
               <a:lnSpc>
                 <a:spcPct val="90000"/>
               </a:lnSpc>
@@ -6512,7 +6666,7 @@
               <a:buChar char="•"/>
               <a:defRPr/>
             </a:lvl6pPr>
-            <a:lvl7pPr indent="-342900" lvl="6" marL="3200400" algn="l">
+            <a:lvl7pPr marL="3200400" lvl="6" indent="-342900" algn="l">
               <a:lnSpc>
                 <a:spcPct val="90000"/>
               </a:lnSpc>
@@ -6529,7 +6683,7 @@
               <a:buChar char="•"/>
               <a:defRPr/>
             </a:lvl7pPr>
-            <a:lvl8pPr indent="-342900" lvl="7" marL="3657600" algn="l">
+            <a:lvl8pPr marL="3657600" lvl="7" indent="-342900" algn="l">
               <a:lnSpc>
                 <a:spcPct val="90000"/>
               </a:lnSpc>
@@ -6546,7 +6700,7 @@
               <a:buChar char="•"/>
               <a:defRPr/>
             </a:lvl8pPr>
-            <a:lvl9pPr indent="-342900" lvl="8" marL="4114800" algn="l">
+            <a:lvl9pPr marL="4114800" lvl="8" indent="-342900" algn="l">
               <a:lnSpc>
                 <a:spcPct val="90000"/>
               </a:lnSpc>
@@ -6564,15 +6718,19 @@
               <a:defRPr/>
             </a:lvl9pPr>
           </a:lstStyle>
-          <a:p/>
+          <a:p>
+            <a:endParaRPr/>
+          </a:p>
         </p:txBody>
       </p:sp>
       <p:sp>
         <p:nvSpPr>
           <p:cNvPr id="44" name="Google Shape;44;p7"/>
-          <p:cNvSpPr txBox="1"/>
+          <p:cNvSpPr txBox="1">
+            <a:spLocks noGrp="1"/>
+          </p:cNvSpPr>
           <p:nvPr>
-            <p:ph idx="3" type="body"/>
+            <p:ph type="body" idx="3"/>
           </p:nvPr>
         </p:nvSpPr>
         <p:spPr>
@@ -6589,11 +6747,11 @@
           </a:ln>
         </p:spPr>
         <p:txBody>
-          <a:bodyPr anchorCtr="0" anchor="b" bIns="45700" lIns="91425" spcFirstLastPara="1" rIns="91425" wrap="square" tIns="45700">
+          <a:bodyPr spcFirstLastPara="1" wrap="square" lIns="91425" tIns="45700" rIns="91425" bIns="45700" anchor="b" anchorCtr="0">
             <a:normAutofit/>
           </a:bodyPr>
           <a:lstStyle>
-            <a:lvl1pPr indent="-228600" lvl="0" marL="457200" algn="l">
+            <a:lvl1pPr marL="457200" lvl="0" indent="-228600" algn="l">
               <a:lnSpc>
                 <a:spcPct val="90000"/>
               </a:lnSpc>
@@ -6608,9 +6766,9 @@
               </a:buClr>
               <a:buSzPts val="11520"/>
               <a:buNone/>
-              <a:defRPr b="1" sz="11520"/>
+              <a:defRPr sz="11520" b="1"/>
             </a:lvl1pPr>
-            <a:lvl2pPr indent="-228600" lvl="1" marL="914400" algn="l">
+            <a:lvl2pPr marL="914400" lvl="1" indent="-228600" algn="l">
               <a:lnSpc>
                 <a:spcPct val="90000"/>
               </a:lnSpc>
@@ -6625,9 +6783,9 @@
               </a:buClr>
               <a:buSzPts val="9600"/>
               <a:buNone/>
-              <a:defRPr b="1" sz="9600"/>
+              <a:defRPr sz="9600" b="1"/>
             </a:lvl2pPr>
-            <a:lvl3pPr indent="-228600" lvl="2" marL="1371600" algn="l">
+            <a:lvl3pPr marL="1371600" lvl="2" indent="-228600" algn="l">
               <a:lnSpc>
                 <a:spcPct val="90000"/>
               </a:lnSpc>
@@ -6642,9 +6800,9 @@
               </a:buClr>
               <a:buSzPts val="8640"/>
               <a:buNone/>
-              <a:defRPr b="1" sz="8640"/>
+              <a:defRPr sz="8640" b="1"/>
             </a:lvl3pPr>
-            <a:lvl4pPr indent="-228600" lvl="3" marL="1828800" algn="l">
+            <a:lvl4pPr marL="1828800" lvl="3" indent="-228600" algn="l">
               <a:lnSpc>
                 <a:spcPct val="90000"/>
               </a:lnSpc>
@@ -6659,9 +6817,9 @@
               </a:buClr>
               <a:buSzPts val="7680"/>
               <a:buNone/>
-              <a:defRPr b="1" sz="7680"/>
+              <a:defRPr sz="7680" b="1"/>
             </a:lvl4pPr>
-            <a:lvl5pPr indent="-228600" lvl="4" marL="2286000" algn="l">
+            <a:lvl5pPr marL="2286000" lvl="4" indent="-228600" algn="l">
               <a:lnSpc>
                 <a:spcPct val="90000"/>
               </a:lnSpc>
@@ -6676,9 +6834,9 @@
               </a:buClr>
               <a:buSzPts val="7680"/>
               <a:buNone/>
-              <a:defRPr b="1" sz="7680"/>
+              <a:defRPr sz="7680" b="1"/>
             </a:lvl5pPr>
-            <a:lvl6pPr indent="-228600" lvl="5" marL="2743200" algn="l">
+            <a:lvl6pPr marL="2743200" lvl="5" indent="-228600" algn="l">
               <a:lnSpc>
                 <a:spcPct val="90000"/>
               </a:lnSpc>
@@ -6693,9 +6851,9 @@
               </a:buClr>
               <a:buSzPts val="7680"/>
               <a:buNone/>
-              <a:defRPr b="1" sz="7680"/>
+              <a:defRPr sz="7680" b="1"/>
             </a:lvl6pPr>
-            <a:lvl7pPr indent="-228600" lvl="6" marL="3200400" algn="l">
+            <a:lvl7pPr marL="3200400" lvl="6" indent="-228600" algn="l">
               <a:lnSpc>
                 <a:spcPct val="90000"/>
               </a:lnSpc>
@@ -6710,9 +6868,9 @@
               </a:buClr>
               <a:buSzPts val="7680"/>
               <a:buNone/>
-              <a:defRPr b="1" sz="7680"/>
+              <a:defRPr sz="7680" b="1"/>
             </a:lvl7pPr>
-            <a:lvl8pPr indent="-228600" lvl="7" marL="3657600" algn="l">
+            <a:lvl8pPr marL="3657600" lvl="7" indent="-228600" algn="l">
               <a:lnSpc>
                 <a:spcPct val="90000"/>
               </a:lnSpc>
@@ -6727,9 +6885,9 @@
               </a:buClr>
               <a:buSzPts val="7680"/>
               <a:buNone/>
-              <a:defRPr b="1" sz="7680"/>
+              <a:defRPr sz="7680" b="1"/>
             </a:lvl8pPr>
-            <a:lvl9pPr indent="-228600" lvl="8" marL="4114800" algn="l">
+            <a:lvl9pPr marL="4114800" lvl="8" indent="-228600" algn="l">
               <a:lnSpc>
                 <a:spcPct val="90000"/>
               </a:lnSpc>
@@ -6744,18 +6902,22 @@
               </a:buClr>
               <a:buSzPts val="7680"/>
               <a:buNone/>
-              <a:defRPr b="1" sz="7680"/>
+              <a:defRPr sz="7680" b="1"/>
             </a:lvl9pPr>
           </a:lstStyle>
-          <a:p/>
+          <a:p>
+            <a:endParaRPr/>
+          </a:p>
         </p:txBody>
       </p:sp>
       <p:sp>
         <p:nvSpPr>
           <p:cNvPr id="45" name="Google Shape;45;p7"/>
-          <p:cNvSpPr txBox="1"/>
+          <p:cNvSpPr txBox="1">
+            <a:spLocks noGrp="1"/>
+          </p:cNvSpPr>
           <p:nvPr>
-            <p:ph idx="4" type="body"/>
+            <p:ph type="body" idx="4"/>
           </p:nvPr>
         </p:nvSpPr>
         <p:spPr>
@@ -6772,11 +6934,11 @@
           </a:ln>
         </p:spPr>
         <p:txBody>
-          <a:bodyPr anchorCtr="0" anchor="t" bIns="45700" lIns="91425" spcFirstLastPara="1" rIns="91425" wrap="square" tIns="45700">
+          <a:bodyPr spcFirstLastPara="1" wrap="square" lIns="91425" tIns="45700" rIns="91425" bIns="45700" anchor="t" anchorCtr="0">
             <a:normAutofit/>
           </a:bodyPr>
           <a:lstStyle>
-            <a:lvl1pPr indent="-342900" lvl="0" marL="457200" algn="l">
+            <a:lvl1pPr marL="457200" lvl="0" indent="-342900" algn="l">
               <a:lnSpc>
                 <a:spcPct val="90000"/>
               </a:lnSpc>
@@ -6793,7 +6955,7 @@
               <a:buChar char="•"/>
               <a:defRPr/>
             </a:lvl1pPr>
-            <a:lvl2pPr indent="-342900" lvl="1" marL="914400" algn="l">
+            <a:lvl2pPr marL="914400" lvl="1" indent="-342900" algn="l">
               <a:lnSpc>
                 <a:spcPct val="90000"/>
               </a:lnSpc>
@@ -6810,7 +6972,7 @@
               <a:buChar char="•"/>
               <a:defRPr/>
             </a:lvl2pPr>
-            <a:lvl3pPr indent="-342900" lvl="2" marL="1371600" algn="l">
+            <a:lvl3pPr marL="1371600" lvl="2" indent="-342900" algn="l">
               <a:lnSpc>
                 <a:spcPct val="90000"/>
               </a:lnSpc>
@@ -6827,7 +6989,7 @@
               <a:buChar char="•"/>
               <a:defRPr/>
             </a:lvl3pPr>
-            <a:lvl4pPr indent="-342900" lvl="3" marL="1828800" algn="l">
+            <a:lvl4pPr marL="1828800" lvl="3" indent="-342900" algn="l">
               <a:lnSpc>
                 <a:spcPct val="90000"/>
               </a:lnSpc>
@@ -6844,7 +7006,7 @@
               <a:buChar char="•"/>
               <a:defRPr/>
             </a:lvl4pPr>
-            <a:lvl5pPr indent="-342900" lvl="4" marL="2286000" algn="l">
+            <a:lvl5pPr marL="2286000" lvl="4" indent="-342900" algn="l">
               <a:lnSpc>
                 <a:spcPct val="90000"/>
               </a:lnSpc>
@@ -6861,7 +7023,7 @@
               <a:buChar char="•"/>
               <a:defRPr/>
             </a:lvl5pPr>
-            <a:lvl6pPr indent="-342900" lvl="5" marL="2743200" algn="l">
+            <a:lvl6pPr marL="2743200" lvl="5" indent="-342900" algn="l">
               <a:lnSpc>
                 <a:spcPct val="90000"/>
               </a:lnSpc>
@@ -6878,7 +7040,7 @@
               <a:buChar char="•"/>
               <a:defRPr/>
             </a:lvl6pPr>
-            <a:lvl7pPr indent="-342900" lvl="6" marL="3200400" algn="l">
+            <a:lvl7pPr marL="3200400" lvl="6" indent="-342900" algn="l">
               <a:lnSpc>
                 <a:spcPct val="90000"/>
               </a:lnSpc>
@@ -6895,7 +7057,7 @@
               <a:buChar char="•"/>
               <a:defRPr/>
             </a:lvl7pPr>
-            <a:lvl8pPr indent="-342900" lvl="7" marL="3657600" algn="l">
+            <a:lvl8pPr marL="3657600" lvl="7" indent="-342900" algn="l">
               <a:lnSpc>
                 <a:spcPct val="90000"/>
               </a:lnSpc>
@@ -6912,7 +7074,7 @@
               <a:buChar char="•"/>
               <a:defRPr/>
             </a:lvl8pPr>
-            <a:lvl9pPr indent="-342900" lvl="8" marL="4114800" algn="l">
+            <a:lvl9pPr marL="4114800" lvl="8" indent="-342900" algn="l">
               <a:lnSpc>
                 <a:spcPct val="90000"/>
               </a:lnSpc>
@@ -6930,15 +7092,19 @@
               <a:defRPr/>
             </a:lvl9pPr>
           </a:lstStyle>
-          <a:p/>
+          <a:p>
+            <a:endParaRPr/>
+          </a:p>
         </p:txBody>
       </p:sp>
       <p:sp>
         <p:nvSpPr>
           <p:cNvPr id="46" name="Google Shape;46;p7"/>
-          <p:cNvSpPr txBox="1"/>
+          <p:cNvSpPr txBox="1">
+            <a:spLocks noGrp="1"/>
+          </p:cNvSpPr>
           <p:nvPr>
-            <p:ph idx="10" type="dt"/>
+            <p:ph type="dt" idx="10"/>
           </p:nvPr>
         </p:nvSpPr>
         <p:spPr>
@@ -6955,7 +7121,7 @@
           </a:ln>
         </p:spPr>
         <p:txBody>
-          <a:bodyPr anchorCtr="0" anchor="ctr" bIns="45700" lIns="91425" spcFirstLastPara="1" rIns="91425" wrap="square" tIns="45700">
+          <a:bodyPr spcFirstLastPara="1" wrap="square" lIns="91425" tIns="45700" rIns="91425" bIns="45700" anchor="ctr" anchorCtr="0">
             <a:noAutofit/>
           </a:bodyPr>
           <a:lstStyle>
@@ -7059,15 +7225,19 @@
               <a:defRPr/>
             </a:lvl9pPr>
           </a:lstStyle>
-          <a:p/>
+          <a:p>
+            <a:endParaRPr/>
+          </a:p>
         </p:txBody>
       </p:sp>
       <p:sp>
         <p:nvSpPr>
           <p:cNvPr id="47" name="Google Shape;47;p7"/>
-          <p:cNvSpPr txBox="1"/>
+          <p:cNvSpPr txBox="1">
+            <a:spLocks noGrp="1"/>
+          </p:cNvSpPr>
           <p:nvPr>
-            <p:ph idx="11" type="ftr"/>
+            <p:ph type="ftr" idx="11"/>
           </p:nvPr>
         </p:nvSpPr>
         <p:spPr>
@@ -7084,7 +7254,7 @@
           </a:ln>
         </p:spPr>
         <p:txBody>
-          <a:bodyPr anchorCtr="0" anchor="ctr" bIns="45700" lIns="91425" spcFirstLastPara="1" rIns="91425" wrap="square" tIns="45700">
+          <a:bodyPr spcFirstLastPara="1" wrap="square" lIns="91425" tIns="45700" rIns="91425" bIns="45700" anchor="ctr" anchorCtr="0">
             <a:noAutofit/>
           </a:bodyPr>
           <a:lstStyle>
@@ -7188,15 +7358,19 @@
               <a:defRPr/>
             </a:lvl9pPr>
           </a:lstStyle>
-          <a:p/>
+          <a:p>
+            <a:endParaRPr/>
+          </a:p>
         </p:txBody>
       </p:sp>
       <p:sp>
         <p:nvSpPr>
           <p:cNvPr id="48" name="Google Shape;48;p7"/>
-          <p:cNvSpPr txBox="1"/>
+          <p:cNvSpPr txBox="1">
+            <a:spLocks noGrp="1"/>
+          </p:cNvSpPr>
           <p:nvPr>
-            <p:ph idx="12" type="sldNum"/>
+            <p:ph type="sldNum" idx="12"/>
           </p:nvPr>
         </p:nvSpPr>
         <p:spPr>
@@ -7213,67 +7387,67 @@
           </a:ln>
         </p:spPr>
         <p:txBody>
-          <a:bodyPr anchorCtr="0" anchor="ctr" bIns="45700" lIns="91425" spcFirstLastPara="1" rIns="91425" wrap="square" tIns="45700">
+          <a:bodyPr spcFirstLastPara="1" wrap="square" lIns="91425" tIns="45700" rIns="91425" bIns="45700" anchor="ctr" anchorCtr="0">
             <a:noAutofit/>
           </a:bodyPr>
           <a:lstStyle>
-            <a:lvl1pPr indent="0" lvl="0" marL="0" algn="r">
+            <a:lvl1pPr marL="0" lvl="0" indent="0" algn="r">
               <a:spcBef>
                 <a:spcPts val="0"/>
               </a:spcBef>
               <a:buNone/>
               <a:defRPr/>
             </a:lvl1pPr>
-            <a:lvl2pPr indent="0" lvl="1" marL="0" algn="r">
+            <a:lvl2pPr marL="0" lvl="1" indent="0" algn="r">
               <a:spcBef>
                 <a:spcPts val="0"/>
               </a:spcBef>
               <a:buNone/>
               <a:defRPr/>
             </a:lvl2pPr>
-            <a:lvl3pPr indent="0" lvl="2" marL="0" algn="r">
+            <a:lvl3pPr marL="0" lvl="2" indent="0" algn="r">
               <a:spcBef>
                 <a:spcPts val="0"/>
               </a:spcBef>
               <a:buNone/>
               <a:defRPr/>
             </a:lvl3pPr>
-            <a:lvl4pPr indent="0" lvl="3" marL="0" algn="r">
+            <a:lvl4pPr marL="0" lvl="3" indent="0" algn="r">
               <a:spcBef>
                 <a:spcPts val="0"/>
               </a:spcBef>
               <a:buNone/>
               <a:defRPr/>
             </a:lvl4pPr>
-            <a:lvl5pPr indent="0" lvl="4" marL="0" algn="r">
+            <a:lvl5pPr marL="0" lvl="4" indent="0" algn="r">
               <a:spcBef>
                 <a:spcPts val="0"/>
               </a:spcBef>
               <a:buNone/>
               <a:defRPr/>
             </a:lvl5pPr>
-            <a:lvl6pPr indent="0" lvl="5" marL="0" algn="r">
+            <a:lvl6pPr marL="0" lvl="5" indent="0" algn="r">
               <a:spcBef>
                 <a:spcPts val="0"/>
               </a:spcBef>
               <a:buNone/>
               <a:defRPr/>
             </a:lvl6pPr>
-            <a:lvl7pPr indent="0" lvl="6" marL="0" algn="r">
+            <a:lvl7pPr marL="0" lvl="6" indent="0" algn="r">
               <a:spcBef>
                 <a:spcPts val="0"/>
               </a:spcBef>
               <a:buNone/>
               <a:defRPr/>
             </a:lvl7pPr>
-            <a:lvl8pPr indent="0" lvl="7" marL="0" algn="r">
+            <a:lvl8pPr marL="0" lvl="7" indent="0" algn="r">
               <a:spcBef>
                 <a:spcPts val="0"/>
               </a:spcBef>
               <a:buNone/>
               <a:defRPr/>
             </a:lvl8pPr>
-            <a:lvl9pPr indent="0" lvl="8" marL="0" algn="r">
+            <a:lvl9pPr marL="0" lvl="8" indent="0" algn="r">
               <a:spcBef>
                 <a:spcPts val="0"/>
               </a:spcBef>
@@ -7282,7 +7456,7 @@
             </a:lvl9pPr>
           </a:lstStyle>
           <a:p>
-            <a:pPr indent="0" lvl="0" marL="0" rtl="0" algn="r">
+            <a:pPr marL="0" lvl="0" indent="0" algn="r" rtl="0">
               <a:spcBef>
                 <a:spcPts val="0"/>
               </a:spcBef>
@@ -7308,11 +7482,11 @@
 </file>
 
 <file path=ppt/slideLayouts/slideLayout6.xml><?xml version="1.0" encoding="utf-8"?>
-<p:sldLayout xmlns:a="http://schemas.openxmlformats.org/drawingml/2006/main" xmlns:r="http://schemas.openxmlformats.org/officeDocument/2006/relationships" xmlns:mc="http://schemas.openxmlformats.org/markup-compatibility/2006" xmlns:mv="urn:schemas-microsoft-com:mac:vml" xmlns:p="http://schemas.openxmlformats.org/presentationml/2006/main" xmlns:c="http://schemas.openxmlformats.org/drawingml/2006/chart" xmlns:dgm="http://schemas.openxmlformats.org/drawingml/2006/diagram" xmlns:o="urn:schemas-microsoft-com:office:office" xmlns:v="urn:schemas-microsoft-com:vml" xmlns:pvml="urn:schemas-microsoft-com:office:powerpoint" xmlns:com="http://schemas.openxmlformats.org/drawingml/2006/compatibility" xmlns:p14="http://schemas.microsoft.com/office/powerpoint/2010/main" xmlns:p15="http://schemas.microsoft.com/office/powerpoint/2012/main" xmlns:ahyp="http://schemas.microsoft.com/office/drawing/2018/hyperlinkcolor" matchingName="Title Only" type="titleOnly">
+<p:sldLayout xmlns:a="http://schemas.openxmlformats.org/drawingml/2006/main" xmlns:r="http://schemas.openxmlformats.org/officeDocument/2006/relationships" xmlns:p="http://schemas.openxmlformats.org/presentationml/2006/main" matchingName="Title Only" type="titleOnly">
   <p:cSld name="TITLE_ONLY">
     <p:spTree>
       <p:nvGrpSpPr>
-        <p:cNvPr id="49" name="Shape 49"/>
+        <p:cNvPr id="1" name="Shape 49"/>
         <p:cNvGrpSpPr/>
         <p:nvPr/>
       </p:nvGrpSpPr>
@@ -7327,7 +7501,9 @@
       <p:sp>
         <p:nvSpPr>
           <p:cNvPr id="50" name="Google Shape;50;p8"/>
-          <p:cNvSpPr txBox="1"/>
+          <p:cNvSpPr txBox="1">
+            <a:spLocks noGrp="1"/>
+          </p:cNvSpPr>
           <p:nvPr>
             <p:ph type="title"/>
           </p:nvPr>
@@ -7346,7 +7522,7 @@
           </a:ln>
         </p:spPr>
         <p:txBody>
-          <a:bodyPr anchorCtr="0" anchor="ctr" bIns="45700" lIns="91425" spcFirstLastPara="1" rIns="91425" wrap="square" tIns="45700">
+          <a:bodyPr spcFirstLastPara="1" wrap="square" lIns="91425" tIns="45700" rIns="91425" bIns="45700" anchor="ctr" anchorCtr="0">
             <a:normAutofit/>
           </a:bodyPr>
           <a:lstStyle>
@@ -7456,15 +7632,19 @@
               <a:defRPr/>
             </a:lvl9pPr>
           </a:lstStyle>
-          <a:p/>
+          <a:p>
+            <a:endParaRPr/>
+          </a:p>
         </p:txBody>
       </p:sp>
       <p:sp>
         <p:nvSpPr>
           <p:cNvPr id="51" name="Google Shape;51;p8"/>
-          <p:cNvSpPr txBox="1"/>
+          <p:cNvSpPr txBox="1">
+            <a:spLocks noGrp="1"/>
+          </p:cNvSpPr>
           <p:nvPr>
-            <p:ph idx="10" type="dt"/>
+            <p:ph type="dt" idx="10"/>
           </p:nvPr>
         </p:nvSpPr>
         <p:spPr>
@@ -7481,7 +7661,7 @@
           </a:ln>
         </p:spPr>
         <p:txBody>
-          <a:bodyPr anchorCtr="0" anchor="ctr" bIns="45700" lIns="91425" spcFirstLastPara="1" rIns="91425" wrap="square" tIns="45700">
+          <a:bodyPr spcFirstLastPara="1" wrap="square" lIns="91425" tIns="45700" rIns="91425" bIns="45700" anchor="ctr" anchorCtr="0">
             <a:noAutofit/>
           </a:bodyPr>
           <a:lstStyle>
@@ -7585,15 +7765,19 @@
               <a:defRPr/>
             </a:lvl9pPr>
           </a:lstStyle>
-          <a:p/>
+          <a:p>
+            <a:endParaRPr/>
+          </a:p>
         </p:txBody>
       </p:sp>
       <p:sp>
         <p:nvSpPr>
           <p:cNvPr id="52" name="Google Shape;52;p8"/>
-          <p:cNvSpPr txBox="1"/>
+          <p:cNvSpPr txBox="1">
+            <a:spLocks noGrp="1"/>
+          </p:cNvSpPr>
           <p:nvPr>
-            <p:ph idx="11" type="ftr"/>
+            <p:ph type="ftr" idx="11"/>
           </p:nvPr>
         </p:nvSpPr>
         <p:spPr>
@@ -7610,7 +7794,7 @@
           </a:ln>
         </p:spPr>
         <p:txBody>
-          <a:bodyPr anchorCtr="0" anchor="ctr" bIns="45700" lIns="91425" spcFirstLastPara="1" rIns="91425" wrap="square" tIns="45700">
+          <a:bodyPr spcFirstLastPara="1" wrap="square" lIns="91425" tIns="45700" rIns="91425" bIns="45700" anchor="ctr" anchorCtr="0">
             <a:noAutofit/>
           </a:bodyPr>
           <a:lstStyle>
@@ -7714,15 +7898,19 @@
               <a:defRPr/>
             </a:lvl9pPr>
           </a:lstStyle>
-          <a:p/>
+          <a:p>
+            <a:endParaRPr/>
+          </a:p>
         </p:txBody>
       </p:sp>
       <p:sp>
         <p:nvSpPr>
           <p:cNvPr id="53" name="Google Shape;53;p8"/>
-          <p:cNvSpPr txBox="1"/>
+          <p:cNvSpPr txBox="1">
+            <a:spLocks noGrp="1"/>
+          </p:cNvSpPr>
           <p:nvPr>
-            <p:ph idx="12" type="sldNum"/>
+            <p:ph type="sldNum" idx="12"/>
           </p:nvPr>
         </p:nvSpPr>
         <p:spPr>
@@ -7739,67 +7927,67 @@
           </a:ln>
         </p:spPr>
         <p:txBody>
-          <a:bodyPr anchorCtr="0" anchor="ctr" bIns="45700" lIns="91425" spcFirstLastPara="1" rIns="91425" wrap="square" tIns="45700">
+          <a:bodyPr spcFirstLastPara="1" wrap="square" lIns="91425" tIns="45700" rIns="91425" bIns="45700" anchor="ctr" anchorCtr="0">
             <a:noAutofit/>
           </a:bodyPr>
           <a:lstStyle>
-            <a:lvl1pPr indent="0" lvl="0" marL="0" algn="r">
+            <a:lvl1pPr marL="0" lvl="0" indent="0" algn="r">
               <a:spcBef>
                 <a:spcPts val="0"/>
               </a:spcBef>
               <a:buNone/>
               <a:defRPr/>
             </a:lvl1pPr>
-            <a:lvl2pPr indent="0" lvl="1" marL="0" algn="r">
+            <a:lvl2pPr marL="0" lvl="1" indent="0" algn="r">
               <a:spcBef>
                 <a:spcPts val="0"/>
               </a:spcBef>
               <a:buNone/>
               <a:defRPr/>
             </a:lvl2pPr>
-            <a:lvl3pPr indent="0" lvl="2" marL="0" algn="r">
+            <a:lvl3pPr marL="0" lvl="2" indent="0" algn="r">
               <a:spcBef>
                 <a:spcPts val="0"/>
               </a:spcBef>
               <a:buNone/>
               <a:defRPr/>
             </a:lvl3pPr>
-            <a:lvl4pPr indent="0" lvl="3" marL="0" algn="r">
+            <a:lvl4pPr marL="0" lvl="3" indent="0" algn="r">
               <a:spcBef>
                 <a:spcPts val="0"/>
               </a:spcBef>
               <a:buNone/>
               <a:defRPr/>
             </a:lvl4pPr>
-            <a:lvl5pPr indent="0" lvl="4" marL="0" algn="r">
+            <a:lvl5pPr marL="0" lvl="4" indent="0" algn="r">
               <a:spcBef>
                 <a:spcPts val="0"/>
               </a:spcBef>
               <a:buNone/>
               <a:defRPr/>
             </a:lvl5pPr>
-            <a:lvl6pPr indent="0" lvl="5" marL="0" algn="r">
+            <a:lvl6pPr marL="0" lvl="5" indent="0" algn="r">
               <a:spcBef>
                 <a:spcPts val="0"/>
               </a:spcBef>
               <a:buNone/>
               <a:defRPr/>
             </a:lvl6pPr>
-            <a:lvl7pPr indent="0" lvl="6" marL="0" algn="r">
+            <a:lvl7pPr marL="0" lvl="6" indent="0" algn="r">
               <a:spcBef>
                 <a:spcPts val="0"/>
               </a:spcBef>
               <a:buNone/>
               <a:defRPr/>
             </a:lvl7pPr>
-            <a:lvl8pPr indent="0" lvl="7" marL="0" algn="r">
+            <a:lvl8pPr marL="0" lvl="7" indent="0" algn="r">
               <a:spcBef>
                 <a:spcPts val="0"/>
               </a:spcBef>
               <a:buNone/>
               <a:defRPr/>
             </a:lvl8pPr>
-            <a:lvl9pPr indent="0" lvl="8" marL="0" algn="r">
+            <a:lvl9pPr marL="0" lvl="8" indent="0" algn="r">
               <a:spcBef>
                 <a:spcPts val="0"/>
               </a:spcBef>
@@ -7808,7 +7996,7 @@
             </a:lvl9pPr>
           </a:lstStyle>
           <a:p>
-            <a:pPr indent="0" lvl="0" marL="0" rtl="0" algn="r">
+            <a:pPr marL="0" lvl="0" indent="0" algn="r" rtl="0">
               <a:spcBef>
                 <a:spcPts val="0"/>
               </a:spcBef>
@@ -7834,11 +8022,11 @@
 </file>
 
 <file path=ppt/slideLayouts/slideLayout7.xml><?xml version="1.0" encoding="utf-8"?>
-<p:sldLayout xmlns:a="http://schemas.openxmlformats.org/drawingml/2006/main" xmlns:r="http://schemas.openxmlformats.org/officeDocument/2006/relationships" xmlns:mc="http://schemas.openxmlformats.org/markup-compatibility/2006" xmlns:mv="urn:schemas-microsoft-com:mac:vml" xmlns:p="http://schemas.openxmlformats.org/presentationml/2006/main" xmlns:c="http://schemas.openxmlformats.org/drawingml/2006/chart" xmlns:dgm="http://schemas.openxmlformats.org/drawingml/2006/diagram" xmlns:o="urn:schemas-microsoft-com:office:office" xmlns:v="urn:schemas-microsoft-com:vml" xmlns:pvml="urn:schemas-microsoft-com:office:powerpoint" xmlns:com="http://schemas.openxmlformats.org/drawingml/2006/compatibility" xmlns:p14="http://schemas.microsoft.com/office/powerpoint/2010/main" xmlns:p15="http://schemas.microsoft.com/office/powerpoint/2012/main" xmlns:ahyp="http://schemas.microsoft.com/office/drawing/2018/hyperlinkcolor" matchingName="Blank" type="blank">
+<p:sldLayout xmlns:a="http://schemas.openxmlformats.org/drawingml/2006/main" xmlns:r="http://schemas.openxmlformats.org/officeDocument/2006/relationships" xmlns:p="http://schemas.openxmlformats.org/presentationml/2006/main" matchingName="Blank" type="blank">
   <p:cSld name="BLANK">
     <p:spTree>
       <p:nvGrpSpPr>
-        <p:cNvPr id="54" name="Shape 54"/>
+        <p:cNvPr id="1" name="Shape 54"/>
         <p:cNvGrpSpPr/>
         <p:nvPr/>
       </p:nvGrpSpPr>
@@ -7853,9 +8041,11 @@
       <p:sp>
         <p:nvSpPr>
           <p:cNvPr id="55" name="Google Shape;55;p9"/>
-          <p:cNvSpPr txBox="1"/>
+          <p:cNvSpPr txBox="1">
+            <a:spLocks noGrp="1"/>
+          </p:cNvSpPr>
           <p:nvPr>
-            <p:ph idx="10" type="dt"/>
+            <p:ph type="dt" idx="10"/>
           </p:nvPr>
         </p:nvSpPr>
         <p:spPr>
@@ -7872,7 +8062,7 @@
           </a:ln>
         </p:spPr>
         <p:txBody>
-          <a:bodyPr anchorCtr="0" anchor="ctr" bIns="45700" lIns="91425" spcFirstLastPara="1" rIns="91425" wrap="square" tIns="45700">
+          <a:bodyPr spcFirstLastPara="1" wrap="square" lIns="91425" tIns="45700" rIns="91425" bIns="45700" anchor="ctr" anchorCtr="0">
             <a:noAutofit/>
           </a:bodyPr>
           <a:lstStyle>
@@ -7976,15 +8166,19 @@
               <a:defRPr/>
             </a:lvl9pPr>
           </a:lstStyle>
-          <a:p/>
+          <a:p>
+            <a:endParaRPr/>
+          </a:p>
         </p:txBody>
       </p:sp>
       <p:sp>
         <p:nvSpPr>
           <p:cNvPr id="56" name="Google Shape;56;p9"/>
-          <p:cNvSpPr txBox="1"/>
+          <p:cNvSpPr txBox="1">
+            <a:spLocks noGrp="1"/>
+          </p:cNvSpPr>
           <p:nvPr>
-            <p:ph idx="11" type="ftr"/>
+            <p:ph type="ftr" idx="11"/>
           </p:nvPr>
         </p:nvSpPr>
         <p:spPr>
@@ -8001,7 +8195,7 @@
           </a:ln>
         </p:spPr>
         <p:txBody>
-          <a:bodyPr anchorCtr="0" anchor="ctr" bIns="45700" lIns="91425" spcFirstLastPara="1" rIns="91425" wrap="square" tIns="45700">
+          <a:bodyPr spcFirstLastPara="1" wrap="square" lIns="91425" tIns="45700" rIns="91425" bIns="45700" anchor="ctr" anchorCtr="0">
             <a:noAutofit/>
           </a:bodyPr>
           <a:lstStyle>
@@ -8105,15 +8299,19 @@
               <a:defRPr/>
             </a:lvl9pPr>
           </a:lstStyle>
-          <a:p/>
+          <a:p>
+            <a:endParaRPr/>
+          </a:p>
         </p:txBody>
       </p:sp>
       <p:sp>
         <p:nvSpPr>
           <p:cNvPr id="57" name="Google Shape;57;p9"/>
-          <p:cNvSpPr txBox="1"/>
+          <p:cNvSpPr txBox="1">
+            <a:spLocks noGrp="1"/>
+          </p:cNvSpPr>
           <p:nvPr>
-            <p:ph idx="12" type="sldNum"/>
+            <p:ph type="sldNum" idx="12"/>
           </p:nvPr>
         </p:nvSpPr>
         <p:spPr>
@@ -8130,67 +8328,67 @@
           </a:ln>
         </p:spPr>
         <p:txBody>
-          <a:bodyPr anchorCtr="0" anchor="ctr" bIns="45700" lIns="91425" spcFirstLastPara="1" rIns="91425" wrap="square" tIns="45700">
+          <a:bodyPr spcFirstLastPara="1" wrap="square" lIns="91425" tIns="45700" rIns="91425" bIns="45700" anchor="ctr" anchorCtr="0">
             <a:noAutofit/>
           </a:bodyPr>
           <a:lstStyle>
-            <a:lvl1pPr indent="0" lvl="0" marL="0" algn="r">
+            <a:lvl1pPr marL="0" lvl="0" indent="0" algn="r">
               <a:spcBef>
                 <a:spcPts val="0"/>
               </a:spcBef>
               <a:buNone/>
               <a:defRPr/>
             </a:lvl1pPr>
-            <a:lvl2pPr indent="0" lvl="1" marL="0" algn="r">
+            <a:lvl2pPr marL="0" lvl="1" indent="0" algn="r">
               <a:spcBef>
                 <a:spcPts val="0"/>
               </a:spcBef>
               <a:buNone/>
               <a:defRPr/>
             </a:lvl2pPr>
-            <a:lvl3pPr indent="0" lvl="2" marL="0" algn="r">
+            <a:lvl3pPr marL="0" lvl="2" indent="0" algn="r">
               <a:spcBef>
                 <a:spcPts val="0"/>
               </a:spcBef>
               <a:buNone/>
               <a:defRPr/>
             </a:lvl3pPr>
-            <a:lvl4pPr indent="0" lvl="3" marL="0" algn="r">
+            <a:lvl4pPr marL="0" lvl="3" indent="0" algn="r">
               <a:spcBef>
                 <a:spcPts val="0"/>
               </a:spcBef>
               <a:buNone/>
               <a:defRPr/>
             </a:lvl4pPr>
-            <a:lvl5pPr indent="0" lvl="4" marL="0" algn="r">
+            <a:lvl5pPr marL="0" lvl="4" indent="0" algn="r">
               <a:spcBef>
                 <a:spcPts val="0"/>
               </a:spcBef>
               <a:buNone/>
               <a:defRPr/>
             </a:lvl5pPr>
-            <a:lvl6pPr indent="0" lvl="5" marL="0" algn="r">
+            <a:lvl6pPr marL="0" lvl="5" indent="0" algn="r">
               <a:spcBef>
                 <a:spcPts val="0"/>
               </a:spcBef>
               <a:buNone/>
               <a:defRPr/>
             </a:lvl6pPr>
-            <a:lvl7pPr indent="0" lvl="6" marL="0" algn="r">
+            <a:lvl7pPr marL="0" lvl="6" indent="0" algn="r">
               <a:spcBef>
                 <a:spcPts val="0"/>
               </a:spcBef>
               <a:buNone/>
               <a:defRPr/>
             </a:lvl7pPr>
-            <a:lvl8pPr indent="0" lvl="7" marL="0" algn="r">
+            <a:lvl8pPr marL="0" lvl="7" indent="0" algn="r">
               <a:spcBef>
                 <a:spcPts val="0"/>
               </a:spcBef>
               <a:buNone/>
               <a:defRPr/>
             </a:lvl8pPr>
-            <a:lvl9pPr indent="0" lvl="8" marL="0" algn="r">
+            <a:lvl9pPr marL="0" lvl="8" indent="0" algn="r">
               <a:spcBef>
                 <a:spcPts val="0"/>
               </a:spcBef>
@@ -8199,7 +8397,7 @@
             </a:lvl9pPr>
           </a:lstStyle>
           <a:p>
-            <a:pPr indent="0" lvl="0" marL="0" rtl="0" algn="r">
+            <a:pPr marL="0" lvl="0" indent="0" algn="r" rtl="0">
               <a:spcBef>
                 <a:spcPts val="0"/>
               </a:spcBef>
@@ -8225,11 +8423,11 @@
 </file>
 
 <file path=ppt/slideLayouts/slideLayout8.xml><?xml version="1.0" encoding="utf-8"?>
-<p:sldLayout xmlns:a="http://schemas.openxmlformats.org/drawingml/2006/main" xmlns:r="http://schemas.openxmlformats.org/officeDocument/2006/relationships" xmlns:mc="http://schemas.openxmlformats.org/markup-compatibility/2006" xmlns:mv="urn:schemas-microsoft-com:mac:vml" xmlns:p="http://schemas.openxmlformats.org/presentationml/2006/main" xmlns:c="http://schemas.openxmlformats.org/drawingml/2006/chart" xmlns:dgm="http://schemas.openxmlformats.org/drawingml/2006/diagram" xmlns:o="urn:schemas-microsoft-com:office:office" xmlns:v="urn:schemas-microsoft-com:vml" xmlns:pvml="urn:schemas-microsoft-com:office:powerpoint" xmlns:com="http://schemas.openxmlformats.org/drawingml/2006/compatibility" xmlns:p14="http://schemas.microsoft.com/office/powerpoint/2010/main" xmlns:p15="http://schemas.microsoft.com/office/powerpoint/2012/main" xmlns:ahyp="http://schemas.microsoft.com/office/drawing/2018/hyperlinkcolor" matchingName="Content with Caption" type="objTx">
+<p:sldLayout xmlns:a="http://schemas.openxmlformats.org/drawingml/2006/main" xmlns:r="http://schemas.openxmlformats.org/officeDocument/2006/relationships" xmlns:p="http://schemas.openxmlformats.org/presentationml/2006/main" matchingName="Content with Caption" type="objTx">
   <p:cSld name="OBJECT_WITH_CAPTION_TEXT">
     <p:spTree>
       <p:nvGrpSpPr>
-        <p:cNvPr id="58" name="Shape 58"/>
+        <p:cNvPr id="1" name="Shape 58"/>
         <p:cNvGrpSpPr/>
         <p:nvPr/>
       </p:nvGrpSpPr>
@@ -8244,7 +8442,9 @@
       <p:sp>
         <p:nvSpPr>
           <p:cNvPr id="59" name="Google Shape;59;p10"/>
-          <p:cNvSpPr txBox="1"/>
+          <p:cNvSpPr txBox="1">
+            <a:spLocks noGrp="1"/>
+          </p:cNvSpPr>
           <p:nvPr>
             <p:ph type="title"/>
           </p:nvPr>
@@ -8263,7 +8463,7 @@
           </a:ln>
         </p:spPr>
         <p:txBody>
-          <a:bodyPr anchorCtr="0" anchor="b" bIns="45700" lIns="91425" spcFirstLastPara="1" rIns="91425" wrap="square" tIns="45700">
+          <a:bodyPr spcFirstLastPara="1" wrap="square" lIns="91425" tIns="45700" rIns="91425" bIns="45700" anchor="b" anchorCtr="0">
             <a:normAutofit/>
           </a:bodyPr>
           <a:lstStyle>
@@ -8374,15 +8574,19 @@
               <a:defRPr/>
             </a:lvl9pPr>
           </a:lstStyle>
-          <a:p/>
+          <a:p>
+            <a:endParaRPr/>
+          </a:p>
         </p:txBody>
       </p:sp>
       <p:sp>
         <p:nvSpPr>
           <p:cNvPr id="60" name="Google Shape;60;p10"/>
-          <p:cNvSpPr txBox="1"/>
+          <p:cNvSpPr txBox="1">
+            <a:spLocks noGrp="1"/>
+          </p:cNvSpPr>
           <p:nvPr>
-            <p:ph idx="1" type="body"/>
+            <p:ph type="body" idx="1"/>
           </p:nvPr>
         </p:nvSpPr>
         <p:spPr>
@@ -8399,11 +8603,11 @@
           </a:ln>
         </p:spPr>
         <p:txBody>
-          <a:bodyPr anchorCtr="0" anchor="t" bIns="45700" lIns="91425" spcFirstLastPara="1" rIns="91425" wrap="square" tIns="45700">
+          <a:bodyPr spcFirstLastPara="1" wrap="square" lIns="91425" tIns="45700" rIns="91425" bIns="45700" anchor="t" anchorCtr="0">
             <a:normAutofit/>
           </a:bodyPr>
           <a:lstStyle>
-            <a:lvl1pPr indent="-1203960" lvl="0" marL="457200" algn="l">
+            <a:lvl1pPr marL="457200" lvl="0" indent="-1203960" algn="l">
               <a:lnSpc>
                 <a:spcPct val="90000"/>
               </a:lnSpc>
@@ -8420,7 +8624,7 @@
               <a:buChar char="•"/>
               <a:defRPr sz="15360"/>
             </a:lvl1pPr>
-            <a:lvl2pPr indent="-1082040" lvl="1" marL="914400" algn="l">
+            <a:lvl2pPr marL="914400" lvl="1" indent="-1082040" algn="l">
               <a:lnSpc>
                 <a:spcPct val="90000"/>
               </a:lnSpc>
@@ -8437,7 +8641,7 @@
               <a:buChar char="•"/>
               <a:defRPr sz="13439"/>
             </a:lvl2pPr>
-            <a:lvl3pPr indent="-960120" lvl="2" marL="1371600" algn="l">
+            <a:lvl3pPr marL="1371600" lvl="2" indent="-960120" algn="l">
               <a:lnSpc>
                 <a:spcPct val="90000"/>
               </a:lnSpc>
@@ -8454,7 +8658,7 @@
               <a:buChar char="•"/>
               <a:defRPr sz="11520"/>
             </a:lvl3pPr>
-            <a:lvl4pPr indent="-838200" lvl="3" marL="1828800" algn="l">
+            <a:lvl4pPr marL="1828800" lvl="3" indent="-838200" algn="l">
               <a:lnSpc>
                 <a:spcPct val="90000"/>
               </a:lnSpc>
@@ -8471,7 +8675,7 @@
               <a:buChar char="•"/>
               <a:defRPr sz="9600"/>
             </a:lvl4pPr>
-            <a:lvl5pPr indent="-838200" lvl="4" marL="2286000" algn="l">
+            <a:lvl5pPr marL="2286000" lvl="4" indent="-838200" algn="l">
               <a:lnSpc>
                 <a:spcPct val="90000"/>
               </a:lnSpc>
@@ -8488,7 +8692,7 @@
               <a:buChar char="•"/>
               <a:defRPr sz="9600"/>
             </a:lvl5pPr>
-            <a:lvl6pPr indent="-838200" lvl="5" marL="2743200" algn="l">
+            <a:lvl6pPr marL="2743200" lvl="5" indent="-838200" algn="l">
               <a:lnSpc>
                 <a:spcPct val="90000"/>
               </a:lnSpc>
@@ -8505,7 +8709,7 @@
               <a:buChar char="•"/>
               <a:defRPr sz="9600"/>
             </a:lvl6pPr>
-            <a:lvl7pPr indent="-838200" lvl="6" marL="3200400" algn="l">
+            <a:lvl7pPr marL="3200400" lvl="6" indent="-838200" algn="l">
               <a:lnSpc>
                 <a:spcPct val="90000"/>
               </a:lnSpc>
@@ -8522,7 +8726,7 @@
               <a:buChar char="•"/>
               <a:defRPr sz="9600"/>
             </a:lvl7pPr>
-            <a:lvl8pPr indent="-838200" lvl="7" marL="3657600" algn="l">
+            <a:lvl8pPr marL="3657600" lvl="7" indent="-838200" algn="l">
               <a:lnSpc>
                 <a:spcPct val="90000"/>
               </a:lnSpc>
@@ -8539,7 +8743,7 @@
               <a:buChar char="•"/>
               <a:defRPr sz="9600"/>
             </a:lvl8pPr>
-            <a:lvl9pPr indent="-838200" lvl="8" marL="4114800" algn="l">
+            <a:lvl9pPr marL="4114800" lvl="8" indent="-838200" algn="l">
               <a:lnSpc>
                 <a:spcPct val="90000"/>
               </a:lnSpc>
@@ -8557,15 +8761,19 @@
               <a:defRPr sz="9600"/>
             </a:lvl9pPr>
           </a:lstStyle>
-          <a:p/>
+          <a:p>
+            <a:endParaRPr/>
+          </a:p>
         </p:txBody>
       </p:sp>
       <p:sp>
         <p:nvSpPr>
           <p:cNvPr id="61" name="Google Shape;61;p10"/>
-          <p:cNvSpPr txBox="1"/>
+          <p:cNvSpPr txBox="1">
+            <a:spLocks noGrp="1"/>
+          </p:cNvSpPr>
           <p:nvPr>
-            <p:ph idx="2" type="body"/>
+            <p:ph type="body" idx="2"/>
           </p:nvPr>
         </p:nvSpPr>
         <p:spPr>
@@ -8582,11 +8790,11 @@
           </a:ln>
         </p:spPr>
         <p:txBody>
-          <a:bodyPr anchorCtr="0" anchor="t" bIns="45700" lIns="91425" spcFirstLastPara="1" rIns="91425" wrap="square" tIns="45700">
+          <a:bodyPr spcFirstLastPara="1" wrap="square" lIns="91425" tIns="45700" rIns="91425" bIns="45700" anchor="t" anchorCtr="0">
             <a:normAutofit/>
           </a:bodyPr>
           <a:lstStyle>
-            <a:lvl1pPr indent="-228600" lvl="0" marL="457200" algn="l">
+            <a:lvl1pPr marL="457200" lvl="0" indent="-228600" algn="l">
               <a:lnSpc>
                 <a:spcPct val="90000"/>
               </a:lnSpc>
@@ -8603,7 +8811,7 @@
               <a:buNone/>
               <a:defRPr sz="7680"/>
             </a:lvl1pPr>
-            <a:lvl2pPr indent="-228600" lvl="1" marL="914400" algn="l">
+            <a:lvl2pPr marL="914400" lvl="1" indent="-228600" algn="l">
               <a:lnSpc>
                 <a:spcPct val="90000"/>
               </a:lnSpc>
@@ -8620,7 +8828,7 @@
               <a:buNone/>
               <a:defRPr sz="6719"/>
             </a:lvl2pPr>
-            <a:lvl3pPr indent="-228600" lvl="2" marL="1371600" algn="l">
+            <a:lvl3pPr marL="1371600" lvl="2" indent="-228600" algn="l">
               <a:lnSpc>
                 <a:spcPct val="90000"/>
               </a:lnSpc>
@@ -8637,7 +8845,7 @@
               <a:buNone/>
               <a:defRPr sz="5760"/>
             </a:lvl3pPr>
-            <a:lvl4pPr indent="-228600" lvl="3" marL="1828800" algn="l">
+            <a:lvl4pPr marL="1828800" lvl="3" indent="-228600" algn="l">
               <a:lnSpc>
                 <a:spcPct val="90000"/>
               </a:lnSpc>
@@ -8654,7 +8862,7 @@
               <a:buNone/>
               <a:defRPr sz="4800"/>
             </a:lvl4pPr>
-            <a:lvl5pPr indent="-228600" lvl="4" marL="2286000" algn="l">
+            <a:lvl5pPr marL="2286000" lvl="4" indent="-228600" algn="l">
               <a:lnSpc>
                 <a:spcPct val="90000"/>
               </a:lnSpc>
@@ -8671,7 +8879,7 @@
               <a:buNone/>
               <a:defRPr sz="4800"/>
             </a:lvl5pPr>
-            <a:lvl6pPr indent="-228600" lvl="5" marL="2743200" algn="l">
+            <a:lvl6pPr marL="2743200" lvl="5" indent="-228600" algn="l">
               <a:lnSpc>
                 <a:spcPct val="90000"/>
               </a:lnSpc>
@@ -8688,7 +8896,7 @@
               <a:buNone/>
               <a:defRPr sz="4800"/>
             </a:lvl6pPr>
-            <a:lvl7pPr indent="-228600" lvl="6" marL="3200400" algn="l">
+            <a:lvl7pPr marL="3200400" lvl="6" indent="-228600" algn="l">
               <a:lnSpc>
                 <a:spcPct val="90000"/>
               </a:lnSpc>
@@ -8705,7 +8913,7 @@
               <a:buNone/>
               <a:defRPr sz="4800"/>
             </a:lvl7pPr>
-            <a:lvl8pPr indent="-228600" lvl="7" marL="3657600" algn="l">
+            <a:lvl8pPr marL="3657600" lvl="7" indent="-228600" algn="l">
               <a:lnSpc>
                 <a:spcPct val="90000"/>
               </a:lnSpc>
@@ -8722,7 +8930,7 @@
               <a:buNone/>
               <a:defRPr sz="4800"/>
             </a:lvl8pPr>
-            <a:lvl9pPr indent="-228600" lvl="8" marL="4114800" algn="l">
+            <a:lvl9pPr marL="4114800" lvl="8" indent="-228600" algn="l">
               <a:lnSpc>
                 <a:spcPct val="90000"/>
               </a:lnSpc>
@@ -8740,15 +8948,19 @@
               <a:defRPr sz="4800"/>
             </a:lvl9pPr>
           </a:lstStyle>
-          <a:p/>
+          <a:p>
+            <a:endParaRPr/>
+          </a:p>
         </p:txBody>
       </p:sp>
       <p:sp>
         <p:nvSpPr>
           <p:cNvPr id="62" name="Google Shape;62;p10"/>
-          <p:cNvSpPr txBox="1"/>
+          <p:cNvSpPr txBox="1">
+            <a:spLocks noGrp="1"/>
+          </p:cNvSpPr>
           <p:nvPr>
-            <p:ph idx="10" type="dt"/>
+            <p:ph type="dt" idx="10"/>
           </p:nvPr>
         </p:nvSpPr>
         <p:spPr>
@@ -8765,7 +8977,7 @@
           </a:ln>
         </p:spPr>
         <p:txBody>
-          <a:bodyPr anchorCtr="0" anchor="ctr" bIns="45700" lIns="91425" spcFirstLastPara="1" rIns="91425" wrap="square" tIns="45700">
+          <a:bodyPr spcFirstLastPara="1" wrap="square" lIns="91425" tIns="45700" rIns="91425" bIns="45700" anchor="ctr" anchorCtr="0">
             <a:noAutofit/>
           </a:bodyPr>
           <a:lstStyle>
@@ -8869,15 +9081,19 @@
               <a:defRPr/>
             </a:lvl9pPr>
           </a:lstStyle>
-          <a:p/>
+          <a:p>
+            <a:endParaRPr/>
+          </a:p>
         </p:txBody>
       </p:sp>
       <p:sp>
         <p:nvSpPr>
           <p:cNvPr id="63" name="Google Shape;63;p10"/>
-          <p:cNvSpPr txBox="1"/>
+          <p:cNvSpPr txBox="1">
+            <a:spLocks noGrp="1"/>
+          </p:cNvSpPr>
           <p:nvPr>
-            <p:ph idx="11" type="ftr"/>
+            <p:ph type="ftr" idx="11"/>
           </p:nvPr>
         </p:nvSpPr>
         <p:spPr>
@@ -8894,7 +9110,7 @@
           </a:ln>
         </p:spPr>
         <p:txBody>
-          <a:bodyPr anchorCtr="0" anchor="ctr" bIns="45700" lIns="91425" spcFirstLastPara="1" rIns="91425" wrap="square" tIns="45700">
+          <a:bodyPr spcFirstLastPara="1" wrap="square" lIns="91425" tIns="45700" rIns="91425" bIns="45700" anchor="ctr" anchorCtr="0">
             <a:noAutofit/>
           </a:bodyPr>
           <a:lstStyle>
@@ -8998,15 +9214,19 @@
               <a:defRPr/>
             </a:lvl9pPr>
           </a:lstStyle>
-          <a:p/>
+          <a:p>
+            <a:endParaRPr/>
+          </a:p>
         </p:txBody>
       </p:sp>
       <p:sp>
         <p:nvSpPr>
           <p:cNvPr id="64" name="Google Shape;64;p10"/>
-          <p:cNvSpPr txBox="1"/>
+          <p:cNvSpPr txBox="1">
+            <a:spLocks noGrp="1"/>
+          </p:cNvSpPr>
           <p:nvPr>
-            <p:ph idx="12" type="sldNum"/>
+            <p:ph type="sldNum" idx="12"/>
           </p:nvPr>
         </p:nvSpPr>
         <p:spPr>
@@ -9023,67 +9243,67 @@
           </a:ln>
         </p:spPr>
         <p:txBody>
-          <a:bodyPr anchorCtr="0" anchor="ctr" bIns="45700" lIns="91425" spcFirstLastPara="1" rIns="91425" wrap="square" tIns="45700">
+          <a:bodyPr spcFirstLastPara="1" wrap="square" lIns="91425" tIns="45700" rIns="91425" bIns="45700" anchor="ctr" anchorCtr="0">
             <a:noAutofit/>
           </a:bodyPr>
           <a:lstStyle>
-            <a:lvl1pPr indent="0" lvl="0" marL="0" algn="r">
+            <a:lvl1pPr marL="0" lvl="0" indent="0" algn="r">
               <a:spcBef>
                 <a:spcPts val="0"/>
               </a:spcBef>
               <a:buNone/>
               <a:defRPr/>
             </a:lvl1pPr>
-            <a:lvl2pPr indent="0" lvl="1" marL="0" algn="r">
+            <a:lvl2pPr marL="0" lvl="1" indent="0" algn="r">
               <a:spcBef>
                 <a:spcPts val="0"/>
               </a:spcBef>
               <a:buNone/>
               <a:defRPr/>
             </a:lvl2pPr>
-            <a:lvl3pPr indent="0" lvl="2" marL="0" algn="r">
+            <a:lvl3pPr marL="0" lvl="2" indent="0" algn="r">
               <a:spcBef>
                 <a:spcPts val="0"/>
               </a:spcBef>
               <a:buNone/>
               <a:defRPr/>
             </a:lvl3pPr>
-            <a:lvl4pPr indent="0" lvl="3" marL="0" algn="r">
+            <a:lvl4pPr marL="0" lvl="3" indent="0" algn="r">
               <a:spcBef>
                 <a:spcPts val="0"/>
               </a:spcBef>
               <a:buNone/>
               <a:defRPr/>
             </a:lvl4pPr>
-            <a:lvl5pPr indent="0" lvl="4" marL="0" algn="r">
+            <a:lvl5pPr marL="0" lvl="4" indent="0" algn="r">
               <a:spcBef>
                 <a:spcPts val="0"/>
               </a:spcBef>
               <a:buNone/>
               <a:defRPr/>
             </a:lvl5pPr>
-            <a:lvl6pPr indent="0" lvl="5" marL="0" algn="r">
+            <a:lvl6pPr marL="0" lvl="5" indent="0" algn="r">
               <a:spcBef>
                 <a:spcPts val="0"/>
               </a:spcBef>
               <a:buNone/>
               <a:defRPr/>
             </a:lvl6pPr>
-            <a:lvl7pPr indent="0" lvl="6" marL="0" algn="r">
+            <a:lvl7pPr marL="0" lvl="6" indent="0" algn="r">
               <a:spcBef>
                 <a:spcPts val="0"/>
               </a:spcBef>
               <a:buNone/>
               <a:defRPr/>
             </a:lvl7pPr>
-            <a:lvl8pPr indent="0" lvl="7" marL="0" algn="r">
+            <a:lvl8pPr marL="0" lvl="7" indent="0" algn="r">
               <a:spcBef>
                 <a:spcPts val="0"/>
               </a:spcBef>
               <a:buNone/>
               <a:defRPr/>
             </a:lvl8pPr>
-            <a:lvl9pPr indent="0" lvl="8" marL="0" algn="r">
+            <a:lvl9pPr marL="0" lvl="8" indent="0" algn="r">
               <a:spcBef>
                 <a:spcPts val="0"/>
               </a:spcBef>
@@ -9092,7 +9312,7 @@
             </a:lvl9pPr>
           </a:lstStyle>
           <a:p>
-            <a:pPr indent="0" lvl="0" marL="0" rtl="0" algn="r">
+            <a:pPr marL="0" lvl="0" indent="0" algn="r" rtl="0">
               <a:spcBef>
                 <a:spcPts val="0"/>
               </a:spcBef>
@@ -9118,11 +9338,11 @@
 </file>
 
 <file path=ppt/slideLayouts/slideLayout9.xml><?xml version="1.0" encoding="utf-8"?>
-<p:sldLayout xmlns:a="http://schemas.openxmlformats.org/drawingml/2006/main" xmlns:r="http://schemas.openxmlformats.org/officeDocument/2006/relationships" xmlns:mc="http://schemas.openxmlformats.org/markup-compatibility/2006" xmlns:mv="urn:schemas-microsoft-com:mac:vml" xmlns:p="http://schemas.openxmlformats.org/presentationml/2006/main" xmlns:c="http://schemas.openxmlformats.org/drawingml/2006/chart" xmlns:dgm="http://schemas.openxmlformats.org/drawingml/2006/diagram" xmlns:o="urn:schemas-microsoft-com:office:office" xmlns:v="urn:schemas-microsoft-com:vml" xmlns:pvml="urn:schemas-microsoft-com:office:powerpoint" xmlns:com="http://schemas.openxmlformats.org/drawingml/2006/compatibility" xmlns:p14="http://schemas.microsoft.com/office/powerpoint/2010/main" xmlns:p15="http://schemas.microsoft.com/office/powerpoint/2012/main" xmlns:ahyp="http://schemas.microsoft.com/office/drawing/2018/hyperlinkcolor" matchingName="Picture with Caption" type="picTx">
+<p:sldLayout xmlns:a="http://schemas.openxmlformats.org/drawingml/2006/main" xmlns:r="http://schemas.openxmlformats.org/officeDocument/2006/relationships" xmlns:p="http://schemas.openxmlformats.org/presentationml/2006/main" matchingName="Picture with Caption" type="picTx">
   <p:cSld name="PICTURE_WITH_CAPTION_TEXT">
     <p:spTree>
       <p:nvGrpSpPr>
-        <p:cNvPr id="65" name="Shape 65"/>
+        <p:cNvPr id="1" name="Shape 65"/>
         <p:cNvGrpSpPr/>
         <p:nvPr/>
       </p:nvGrpSpPr>
@@ -9137,7 +9357,9 @@
       <p:sp>
         <p:nvSpPr>
           <p:cNvPr id="66" name="Google Shape;66;p11"/>
-          <p:cNvSpPr txBox="1"/>
+          <p:cNvSpPr txBox="1">
+            <a:spLocks noGrp="1"/>
+          </p:cNvSpPr>
           <p:nvPr>
             <p:ph type="title"/>
           </p:nvPr>
@@ -9156,7 +9378,7 @@
           </a:ln>
         </p:spPr>
         <p:txBody>
-          <a:bodyPr anchorCtr="0" anchor="b" bIns="45700" lIns="91425" spcFirstLastPara="1" rIns="91425" wrap="square" tIns="45700">
+          <a:bodyPr spcFirstLastPara="1" wrap="square" lIns="91425" tIns="45700" rIns="91425" bIns="45700" anchor="b" anchorCtr="0">
             <a:normAutofit/>
           </a:bodyPr>
           <a:lstStyle>
@@ -9267,15 +9489,19 @@
               <a:defRPr/>
             </a:lvl9pPr>
           </a:lstStyle>
-          <a:p/>
+          <a:p>
+            <a:endParaRPr/>
+          </a:p>
         </p:txBody>
       </p:sp>
       <p:sp>
         <p:nvSpPr>
           <p:cNvPr id="67" name="Google Shape;67;p11"/>
-          <p:cNvSpPr/>
+          <p:cNvSpPr>
+            <a:spLocks noGrp="1"/>
+          </p:cNvSpPr>
           <p:nvPr>
-            <p:ph idx="2" type="pic"/>
+            <p:ph type="pic" idx="2"/>
           </p:nvPr>
         </p:nvSpPr>
         <p:spPr>
@@ -9295,9 +9521,11 @@
       <p:sp>
         <p:nvSpPr>
           <p:cNvPr id="68" name="Google Shape;68;p11"/>
-          <p:cNvSpPr txBox="1"/>
+          <p:cNvSpPr txBox="1">
+            <a:spLocks noGrp="1"/>
+          </p:cNvSpPr>
           <p:nvPr>
-            <p:ph idx="1" type="body"/>
+            <p:ph type="body" idx="1"/>
           </p:nvPr>
         </p:nvSpPr>
         <p:spPr>
@@ -9314,11 +9542,11 @@
           </a:ln>
         </p:spPr>
         <p:txBody>
-          <a:bodyPr anchorCtr="0" anchor="t" bIns="45700" lIns="91425" spcFirstLastPara="1" rIns="91425" wrap="square" tIns="45700">
+          <a:bodyPr spcFirstLastPara="1" wrap="square" lIns="91425" tIns="45700" rIns="91425" bIns="45700" anchor="t" anchorCtr="0">
             <a:normAutofit/>
           </a:bodyPr>
           <a:lstStyle>
-            <a:lvl1pPr indent="-228600" lvl="0" marL="457200" algn="l">
+            <a:lvl1pPr marL="457200" lvl="0" indent="-228600" algn="l">
               <a:lnSpc>
                 <a:spcPct val="90000"/>
               </a:lnSpc>
@@ -9335,7 +9563,7 @@
               <a:buNone/>
               <a:defRPr sz="7680"/>
             </a:lvl1pPr>
-            <a:lvl2pPr indent="-228600" lvl="1" marL="914400" algn="l">
+            <a:lvl2pPr marL="914400" lvl="1" indent="-228600" algn="l">
               <a:lnSpc>
                 <a:spcPct val="90000"/>
               </a:lnSpc>
@@ -9352,7 +9580,7 @@
               <a:buNone/>
               <a:defRPr sz="6719"/>
             </a:lvl2pPr>
-            <a:lvl3pPr indent="-228600" lvl="2" marL="1371600" algn="l">
+            <a:lvl3pPr marL="1371600" lvl="2" indent="-228600" algn="l">
               <a:lnSpc>
                 <a:spcPct val="90000"/>
               </a:lnSpc>
@@ -9369,7 +9597,7 @@
               <a:buNone/>
               <a:defRPr sz="5760"/>
             </a:lvl3pPr>
-            <a:lvl4pPr indent="-228600" lvl="3" marL="1828800" algn="l">
+            <a:lvl4pPr marL="1828800" lvl="3" indent="-228600" algn="l">
               <a:lnSpc>
                 <a:spcPct val="90000"/>
               </a:lnSpc>
@@ -9386,7 +9614,7 @@
               <a:buNone/>
               <a:defRPr sz="4800"/>
             </a:lvl4pPr>
-            <a:lvl5pPr indent="-228600" lvl="4" marL="2286000" algn="l">
+            <a:lvl5pPr marL="2286000" lvl="4" indent="-228600" algn="l">
               <a:lnSpc>
                 <a:spcPct val="90000"/>
               </a:lnSpc>
@@ -9403,7 +9631,7 @@
               <a:buNone/>
               <a:defRPr sz="4800"/>
             </a:lvl5pPr>
-            <a:lvl6pPr indent="-228600" lvl="5" marL="2743200" algn="l">
+            <a:lvl6pPr marL="2743200" lvl="5" indent="-228600" algn="l">
               <a:lnSpc>
                 <a:spcPct val="90000"/>
               </a:lnSpc>
@@ -9420,7 +9648,7 @@
               <a:buNone/>
               <a:defRPr sz="4800"/>
             </a:lvl6pPr>
-            <a:lvl7pPr indent="-228600" lvl="6" marL="3200400" algn="l">
+            <a:lvl7pPr marL="3200400" lvl="6" indent="-228600" algn="l">
               <a:lnSpc>
                 <a:spcPct val="90000"/>
               </a:lnSpc>
@@ -9437,7 +9665,7 @@
               <a:buNone/>
               <a:defRPr sz="4800"/>
             </a:lvl7pPr>
-            <a:lvl8pPr indent="-228600" lvl="7" marL="3657600" algn="l">
+            <a:lvl8pPr marL="3657600" lvl="7" indent="-228600" algn="l">
               <a:lnSpc>
                 <a:spcPct val="90000"/>
               </a:lnSpc>
@@ -9454,7 +9682,7 @@
               <a:buNone/>
               <a:defRPr sz="4800"/>
             </a:lvl8pPr>
-            <a:lvl9pPr indent="-228600" lvl="8" marL="4114800" algn="l">
+            <a:lvl9pPr marL="4114800" lvl="8" indent="-228600" algn="l">
               <a:lnSpc>
                 <a:spcPct val="90000"/>
               </a:lnSpc>
@@ -9472,15 +9700,19 @@
               <a:defRPr sz="4800"/>
             </a:lvl9pPr>
           </a:lstStyle>
-          <a:p/>
+          <a:p>
+            <a:endParaRPr/>
+          </a:p>
         </p:txBody>
       </p:sp>
       <p:sp>
         <p:nvSpPr>
           <p:cNvPr id="69" name="Google Shape;69;p11"/>
-          <p:cNvSpPr txBox="1"/>
+          <p:cNvSpPr txBox="1">
+            <a:spLocks noGrp="1"/>
+          </p:cNvSpPr>
           <p:nvPr>
-            <p:ph idx="10" type="dt"/>
+            <p:ph type="dt" idx="10"/>
           </p:nvPr>
         </p:nvSpPr>
         <p:spPr>
@@ -9497,7 +9729,7 @@
           </a:ln>
         </p:spPr>
         <p:txBody>
-          <a:bodyPr anchorCtr="0" anchor="ctr" bIns="45700" lIns="91425" spcFirstLastPara="1" rIns="91425" wrap="square" tIns="45700">
+          <a:bodyPr spcFirstLastPara="1" wrap="square" lIns="91425" tIns="45700" rIns="91425" bIns="45700" anchor="ctr" anchorCtr="0">
             <a:noAutofit/>
           </a:bodyPr>
           <a:lstStyle>
@@ -9601,15 +9833,19 @@
               <a:defRPr/>
             </a:lvl9pPr>
           </a:lstStyle>
-          <a:p/>
+          <a:p>
+            <a:endParaRPr/>
+          </a:p>
         </p:txBody>
       </p:sp>
       <p:sp>
         <p:nvSpPr>
           <p:cNvPr id="70" name="Google Shape;70;p11"/>
-          <p:cNvSpPr txBox="1"/>
+          <p:cNvSpPr txBox="1">
+            <a:spLocks noGrp="1"/>
+          </p:cNvSpPr>
           <p:nvPr>
-            <p:ph idx="11" type="ftr"/>
+            <p:ph type="ftr" idx="11"/>
           </p:nvPr>
         </p:nvSpPr>
         <p:spPr>
@@ -9626,7 +9862,7 @@
           </a:ln>
         </p:spPr>
         <p:txBody>
-          <a:bodyPr anchorCtr="0" anchor="ctr" bIns="45700" lIns="91425" spcFirstLastPara="1" rIns="91425" wrap="square" tIns="45700">
+          <a:bodyPr spcFirstLastPara="1" wrap="square" lIns="91425" tIns="45700" rIns="91425" bIns="45700" anchor="ctr" anchorCtr="0">
             <a:noAutofit/>
           </a:bodyPr>
           <a:lstStyle>
@@ -9730,15 +9966,19 @@
               <a:defRPr/>
             </a:lvl9pPr>
           </a:lstStyle>
-          <a:p/>
+          <a:p>
+            <a:endParaRPr/>
+          </a:p>
         </p:txBody>
       </p:sp>
       <p:sp>
         <p:nvSpPr>
           <p:cNvPr id="71" name="Google Shape;71;p11"/>
-          <p:cNvSpPr txBox="1"/>
+          <p:cNvSpPr txBox="1">
+            <a:spLocks noGrp="1"/>
+          </p:cNvSpPr>
           <p:nvPr>
-            <p:ph idx="12" type="sldNum"/>
+            <p:ph type="sldNum" idx="12"/>
           </p:nvPr>
         </p:nvSpPr>
         <p:spPr>
@@ -9755,67 +9995,67 @@
           </a:ln>
         </p:spPr>
         <p:txBody>
-          <a:bodyPr anchorCtr="0" anchor="ctr" bIns="45700" lIns="91425" spcFirstLastPara="1" rIns="91425" wrap="square" tIns="45700">
+          <a:bodyPr spcFirstLastPara="1" wrap="square" lIns="91425" tIns="45700" rIns="91425" bIns="45700" anchor="ctr" anchorCtr="0">
             <a:noAutofit/>
           </a:bodyPr>
           <a:lstStyle>
-            <a:lvl1pPr indent="0" lvl="0" marL="0" algn="r">
+            <a:lvl1pPr marL="0" lvl="0" indent="0" algn="r">
               <a:spcBef>
                 <a:spcPts val="0"/>
               </a:spcBef>
               <a:buNone/>
               <a:defRPr/>
             </a:lvl1pPr>
-            <a:lvl2pPr indent="0" lvl="1" marL="0" algn="r">
+            <a:lvl2pPr marL="0" lvl="1" indent="0" algn="r">
               <a:spcBef>
                 <a:spcPts val="0"/>
               </a:spcBef>
               <a:buNone/>
               <a:defRPr/>
             </a:lvl2pPr>
-            <a:lvl3pPr indent="0" lvl="2" marL="0" algn="r">
+            <a:lvl3pPr marL="0" lvl="2" indent="0" algn="r">
               <a:spcBef>
                 <a:spcPts val="0"/>
               </a:spcBef>
               <a:buNone/>
               <a:defRPr/>
             </a:lvl3pPr>
-            <a:lvl4pPr indent="0" lvl="3" marL="0" algn="r">
+            <a:lvl4pPr marL="0" lvl="3" indent="0" algn="r">
               <a:spcBef>
                 <a:spcPts val="0"/>
               </a:spcBef>
               <a:buNone/>
               <a:defRPr/>
             </a:lvl4pPr>
-            <a:lvl5pPr indent="0" lvl="4" marL="0" algn="r">
+            <a:lvl5pPr marL="0" lvl="4" indent="0" algn="r">
               <a:spcBef>
                 <a:spcPts val="0"/>
               </a:spcBef>
               <a:buNone/>
               <a:defRPr/>
             </a:lvl5pPr>
-            <a:lvl6pPr indent="0" lvl="5" marL="0" algn="r">
+            <a:lvl6pPr marL="0" lvl="5" indent="0" algn="r">
               <a:spcBef>
                 <a:spcPts val="0"/>
               </a:spcBef>
               <a:buNone/>
               <a:defRPr/>
             </a:lvl6pPr>
-            <a:lvl7pPr indent="0" lvl="6" marL="0" algn="r">
+            <a:lvl7pPr marL="0" lvl="6" indent="0" algn="r">
               <a:spcBef>
                 <a:spcPts val="0"/>
               </a:spcBef>
               <a:buNone/>
               <a:defRPr/>
             </a:lvl7pPr>
-            <a:lvl8pPr indent="0" lvl="7" marL="0" algn="r">
+            <a:lvl8pPr marL="0" lvl="7" indent="0" algn="r">
               <a:spcBef>
                 <a:spcPts val="0"/>
               </a:spcBef>
               <a:buNone/>
               <a:defRPr/>
             </a:lvl8pPr>
-            <a:lvl9pPr indent="0" lvl="8" marL="0" algn="r">
+            <a:lvl9pPr marL="0" lvl="8" indent="0" algn="r">
               <a:spcBef>
                 <a:spcPts val="0"/>
               </a:spcBef>
@@ -9824,7 +10064,7 @@
             </a:lvl9pPr>
           </a:lstStyle>
           <a:p>
-            <a:pPr indent="0" lvl="0" marL="0" rtl="0" algn="r">
+            <a:pPr marL="0" lvl="0" indent="0" algn="r" rtl="0">
               <a:spcBef>
                 <a:spcPts val="0"/>
               </a:spcBef>
@@ -9850,18 +10090,19 @@
 </file>
 
 <file path=ppt/slideMasters/slideMaster1.xml><?xml version="1.0" encoding="utf-8"?>
-<p:sldMaster xmlns:a="http://schemas.openxmlformats.org/drawingml/2006/main" xmlns:r="http://schemas.openxmlformats.org/officeDocument/2006/relationships" xmlns:mc="http://schemas.openxmlformats.org/markup-compatibility/2006" xmlns:mv="urn:schemas-microsoft-com:mac:vml" xmlns:p="http://schemas.openxmlformats.org/presentationml/2006/main" xmlns:c="http://schemas.openxmlformats.org/drawingml/2006/chart" xmlns:dgm="http://schemas.openxmlformats.org/drawingml/2006/diagram" xmlns:o="urn:schemas-microsoft-com:office:office" xmlns:v="urn:schemas-microsoft-com:vml" xmlns:pvml="urn:schemas-microsoft-com:office:powerpoint" xmlns:com="http://schemas.openxmlformats.org/drawingml/2006/compatibility" xmlns:p14="http://schemas.microsoft.com/office/powerpoint/2010/main" xmlns:p15="http://schemas.microsoft.com/office/powerpoint/2012/main" xmlns:ahyp="http://schemas.microsoft.com/office/drawing/2018/hyperlinkcolor">
+<p:sldMaster xmlns:a="http://schemas.openxmlformats.org/drawingml/2006/main" xmlns:r="http://schemas.openxmlformats.org/officeDocument/2006/relationships" xmlns:p="http://schemas.openxmlformats.org/presentationml/2006/main">
   <p:cSld>
     <p:bg>
       <p:bgPr>
         <a:solidFill>
           <a:schemeClr val="lt1"/>
         </a:solidFill>
+        <a:effectLst/>
       </p:bgPr>
     </p:bg>
     <p:spTree>
       <p:nvGrpSpPr>
-        <p:cNvPr id="9" name="Shape 9"/>
+        <p:cNvPr id="1" name="Shape 9"/>
         <p:cNvGrpSpPr/>
         <p:nvPr/>
       </p:nvGrpSpPr>
@@ -9876,7 +10117,9 @@
       <p:sp>
         <p:nvSpPr>
           <p:cNvPr id="10" name="Google Shape;10;p2"/>
-          <p:cNvSpPr txBox="1"/>
+          <p:cNvSpPr txBox="1">
+            <a:spLocks noGrp="1"/>
+          </p:cNvSpPr>
           <p:nvPr>
             <p:ph type="title"/>
           </p:nvPr>
@@ -9895,11 +10138,11 @@
           </a:ln>
         </p:spPr>
         <p:txBody>
-          <a:bodyPr anchorCtr="0" anchor="ctr" bIns="45700" lIns="91425" spcFirstLastPara="1" rIns="91425" wrap="square" tIns="45700">
+          <a:bodyPr spcFirstLastPara="1" wrap="square" lIns="91425" tIns="45700" rIns="91425" bIns="45700" anchor="ctr" anchorCtr="0">
             <a:normAutofit/>
           </a:bodyPr>
           <a:lstStyle>
-            <a:lvl1pPr lvl="0" marR="0" rtl="0" algn="l">
+            <a:lvl1pPr marR="0" lvl="0" algn="l" rtl="0">
               <a:lnSpc>
                 <a:spcPct val="90000"/>
               </a:lnSpc>
@@ -9915,7 +10158,7 @@
               <a:buSzPts val="21120"/>
               <a:buFont typeface="Calibri"/>
               <a:buNone/>
-              <a:defRPr b="0" i="0" sz="21120" u="none" cap="none" strike="noStrike">
+              <a:defRPr sz="21120" b="0" i="0" u="none" strike="noStrike" cap="none">
                 <a:solidFill>
                   <a:schemeClr val="dk1"/>
                 </a:solidFill>
@@ -10014,15 +10257,19 @@
               <a:defRPr sz="1800"/>
             </a:lvl9pPr>
           </a:lstStyle>
-          <a:p/>
+          <a:p>
+            <a:endParaRPr/>
+          </a:p>
         </p:txBody>
       </p:sp>
       <p:sp>
         <p:nvSpPr>
           <p:cNvPr id="11" name="Google Shape;11;p2"/>
-          <p:cNvSpPr txBox="1"/>
+          <p:cNvSpPr txBox="1">
+            <a:spLocks noGrp="1"/>
+          </p:cNvSpPr>
           <p:nvPr>
-            <p:ph idx="1" type="body"/>
+            <p:ph type="body" idx="1"/>
           </p:nvPr>
         </p:nvSpPr>
         <p:spPr>
@@ -10039,11 +10286,11 @@
           </a:ln>
         </p:spPr>
         <p:txBody>
-          <a:bodyPr anchorCtr="0" anchor="t" bIns="45700" lIns="91425" spcFirstLastPara="1" rIns="91425" wrap="square" tIns="45700">
+          <a:bodyPr spcFirstLastPara="1" wrap="square" lIns="91425" tIns="45700" rIns="91425" bIns="45700" anchor="t" anchorCtr="0">
             <a:normAutofit/>
           </a:bodyPr>
           <a:lstStyle>
-            <a:lvl1pPr indent="-1082040" lvl="0" marL="457200" marR="0" rtl="0" algn="l">
+            <a:lvl1pPr marL="457200" marR="0" lvl="0" indent="-1082040" algn="l" rtl="0">
               <a:lnSpc>
                 <a:spcPct val="90000"/>
               </a:lnSpc>
@@ -10059,7 +10306,7 @@
               <a:buSzPts val="13440"/>
               <a:buFont typeface="Arial"/>
               <a:buChar char="•"/>
-              <a:defRPr b="0" i="0" sz="13439" u="none" cap="none" strike="noStrike">
+              <a:defRPr sz="13439" b="0" i="0" u="none" strike="noStrike" cap="none">
                 <a:solidFill>
                   <a:schemeClr val="dk1"/>
                 </a:solidFill>
@@ -10069,7 +10316,7 @@
                 <a:sym typeface="Calibri"/>
               </a:defRPr>
             </a:lvl1pPr>
-            <a:lvl2pPr indent="-960120" lvl="1" marL="914400" marR="0" rtl="0" algn="l">
+            <a:lvl2pPr marL="914400" marR="0" lvl="1" indent="-960120" algn="l" rtl="0">
               <a:lnSpc>
                 <a:spcPct val="90000"/>
               </a:lnSpc>
@@ -10085,7 +10332,7 @@
               <a:buSzPts val="11520"/>
               <a:buFont typeface="Arial"/>
               <a:buChar char="•"/>
-              <a:defRPr b="0" i="0" sz="11520" u="none" cap="none" strike="noStrike">
+              <a:defRPr sz="11520" b="0" i="0" u="none" strike="noStrike" cap="none">
                 <a:solidFill>
                   <a:schemeClr val="dk1"/>
                 </a:solidFill>
@@ -10095,7 +10342,7 @@
                 <a:sym typeface="Calibri"/>
               </a:defRPr>
             </a:lvl2pPr>
-            <a:lvl3pPr indent="-838200" lvl="2" marL="1371600" marR="0" rtl="0" algn="l">
+            <a:lvl3pPr marL="1371600" marR="0" lvl="2" indent="-838200" algn="l" rtl="0">
               <a:lnSpc>
                 <a:spcPct val="90000"/>
               </a:lnSpc>
@@ -10111,7 +10358,7 @@
               <a:buSzPts val="9600"/>
               <a:buFont typeface="Arial"/>
               <a:buChar char="•"/>
-              <a:defRPr b="0" i="0" sz="9600" u="none" cap="none" strike="noStrike">
+              <a:defRPr sz="9600" b="0" i="0" u="none" strike="noStrike" cap="none">
                 <a:solidFill>
                   <a:schemeClr val="dk1"/>
                 </a:solidFill>
@@ -10121,7 +10368,7 @@
                 <a:sym typeface="Calibri"/>
               </a:defRPr>
             </a:lvl3pPr>
-            <a:lvl4pPr indent="-777239" lvl="3" marL="1828800" marR="0" rtl="0" algn="l">
+            <a:lvl4pPr marL="1828800" marR="0" lvl="3" indent="-777239" algn="l" rtl="0">
               <a:lnSpc>
                 <a:spcPct val="90000"/>
               </a:lnSpc>
@@ -10137,7 +10384,7 @@
               <a:buSzPts val="8640"/>
               <a:buFont typeface="Arial"/>
               <a:buChar char="•"/>
-              <a:defRPr b="0" i="0" sz="8640" u="none" cap="none" strike="noStrike">
+              <a:defRPr sz="8640" b="0" i="0" u="none" strike="noStrike" cap="none">
                 <a:solidFill>
                   <a:schemeClr val="dk1"/>
                 </a:solidFill>
@@ -10147,7 +10394,7 @@
                 <a:sym typeface="Calibri"/>
               </a:defRPr>
             </a:lvl4pPr>
-            <a:lvl5pPr indent="-777239" lvl="4" marL="2286000" marR="0" rtl="0" algn="l">
+            <a:lvl5pPr marL="2286000" marR="0" lvl="4" indent="-777239" algn="l" rtl="0">
               <a:lnSpc>
                 <a:spcPct val="90000"/>
               </a:lnSpc>
@@ -10163,7 +10410,7 @@
               <a:buSzPts val="8640"/>
               <a:buFont typeface="Arial"/>
               <a:buChar char="•"/>
-              <a:defRPr b="0" i="0" sz="8640" u="none" cap="none" strike="noStrike">
+              <a:defRPr sz="8640" b="0" i="0" u="none" strike="noStrike" cap="none">
                 <a:solidFill>
                   <a:schemeClr val="dk1"/>
                 </a:solidFill>
@@ -10173,7 +10420,7 @@
                 <a:sym typeface="Calibri"/>
               </a:defRPr>
             </a:lvl5pPr>
-            <a:lvl6pPr indent="-777239" lvl="5" marL="2743200" marR="0" rtl="0" algn="l">
+            <a:lvl6pPr marL="2743200" marR="0" lvl="5" indent="-777239" algn="l" rtl="0">
               <a:lnSpc>
                 <a:spcPct val="90000"/>
               </a:lnSpc>
@@ -10189,7 +10436,7 @@
               <a:buSzPts val="8640"/>
               <a:buFont typeface="Arial"/>
               <a:buChar char="•"/>
-              <a:defRPr b="0" i="0" sz="8640" u="none" cap="none" strike="noStrike">
+              <a:defRPr sz="8640" b="0" i="0" u="none" strike="noStrike" cap="none">
                 <a:solidFill>
                   <a:schemeClr val="dk1"/>
                 </a:solidFill>
@@ -10199,7 +10446,7 @@
                 <a:sym typeface="Calibri"/>
               </a:defRPr>
             </a:lvl6pPr>
-            <a:lvl7pPr indent="-777239" lvl="6" marL="3200400" marR="0" rtl="0" algn="l">
+            <a:lvl7pPr marL="3200400" marR="0" lvl="6" indent="-777239" algn="l" rtl="0">
               <a:lnSpc>
                 <a:spcPct val="90000"/>
               </a:lnSpc>
@@ -10215,7 +10462,7 @@
               <a:buSzPts val="8640"/>
               <a:buFont typeface="Arial"/>
               <a:buChar char="•"/>
-              <a:defRPr b="0" i="0" sz="8640" u="none" cap="none" strike="noStrike">
+              <a:defRPr sz="8640" b="0" i="0" u="none" strike="noStrike" cap="none">
                 <a:solidFill>
                   <a:schemeClr val="dk1"/>
                 </a:solidFill>
@@ -10225,7 +10472,7 @@
                 <a:sym typeface="Calibri"/>
               </a:defRPr>
             </a:lvl7pPr>
-            <a:lvl8pPr indent="-777239" lvl="7" marL="3657600" marR="0" rtl="0" algn="l">
+            <a:lvl8pPr marL="3657600" marR="0" lvl="7" indent="-777239" algn="l" rtl="0">
               <a:lnSpc>
                 <a:spcPct val="90000"/>
               </a:lnSpc>
@@ -10241,7 +10488,7 @@
               <a:buSzPts val="8640"/>
               <a:buFont typeface="Arial"/>
               <a:buChar char="•"/>
-              <a:defRPr b="0" i="0" sz="8640" u="none" cap="none" strike="noStrike">
+              <a:defRPr sz="8640" b="0" i="0" u="none" strike="noStrike" cap="none">
                 <a:solidFill>
                   <a:schemeClr val="dk1"/>
                 </a:solidFill>
@@ -10251,7 +10498,7 @@
                 <a:sym typeface="Calibri"/>
               </a:defRPr>
             </a:lvl8pPr>
-            <a:lvl9pPr indent="-777240" lvl="8" marL="4114800" marR="0" rtl="0" algn="l">
+            <a:lvl9pPr marL="4114800" marR="0" lvl="8" indent="-777240" algn="l" rtl="0">
               <a:lnSpc>
                 <a:spcPct val="90000"/>
               </a:lnSpc>
@@ -10267,7 +10514,7 @@
               <a:buSzPts val="8640"/>
               <a:buFont typeface="Arial"/>
               <a:buChar char="•"/>
-              <a:defRPr b="0" i="0" sz="8640" u="none" cap="none" strike="noStrike">
+              <a:defRPr sz="8640" b="0" i="0" u="none" strike="noStrike" cap="none">
                 <a:solidFill>
                   <a:schemeClr val="dk1"/>
                 </a:solidFill>
@@ -10278,15 +10525,19 @@
               </a:defRPr>
             </a:lvl9pPr>
           </a:lstStyle>
-          <a:p/>
+          <a:p>
+            <a:endParaRPr/>
+          </a:p>
         </p:txBody>
       </p:sp>
       <p:sp>
         <p:nvSpPr>
           <p:cNvPr id="12" name="Google Shape;12;p2"/>
-          <p:cNvSpPr txBox="1"/>
+          <p:cNvSpPr txBox="1">
+            <a:spLocks noGrp="1"/>
+          </p:cNvSpPr>
           <p:nvPr>
-            <p:ph idx="10" type="dt"/>
+            <p:ph type="dt" idx="10"/>
           </p:nvPr>
         </p:nvSpPr>
         <p:spPr>
@@ -10303,20 +10554,20 @@
           </a:ln>
         </p:spPr>
         <p:txBody>
-          <a:bodyPr anchorCtr="0" anchor="ctr" bIns="45700" lIns="91425" spcFirstLastPara="1" rIns="91425" wrap="square" tIns="45700">
+          <a:bodyPr spcFirstLastPara="1" wrap="square" lIns="91425" tIns="45700" rIns="91425" bIns="45700" anchor="ctr" anchorCtr="0">
             <a:noAutofit/>
           </a:bodyPr>
           <a:lstStyle>
-            <a:lvl1pPr lvl="0" marR="0" rtl="0" algn="l">
-              <a:spcBef>
-                <a:spcPts val="0"/>
-              </a:spcBef>
-              <a:spcAft>
-                <a:spcPts val="0"/>
-              </a:spcAft>
-              <a:buSzPts val="1400"/>
-              <a:buNone/>
-              <a:defRPr b="0" i="0" sz="5760" u="none" cap="none" strike="noStrike">
+            <a:lvl1pPr marR="0" lvl="0" algn="l" rtl="0">
+              <a:spcBef>
+                <a:spcPts val="0"/>
+              </a:spcBef>
+              <a:spcAft>
+                <a:spcPts val="0"/>
+              </a:spcAft>
+              <a:buSzPts val="1400"/>
+              <a:buNone/>
+              <a:defRPr sz="5760" b="0" i="0" u="none" strike="noStrike" cap="none">
                 <a:solidFill>
                   <a:srgbClr val="888888"/>
                 </a:solidFill>
@@ -10326,16 +10577,16 @@
                 <a:sym typeface="Calibri"/>
               </a:defRPr>
             </a:lvl1pPr>
-            <a:lvl2pPr lvl="1" marR="0" rtl="0" algn="l">
-              <a:spcBef>
-                <a:spcPts val="0"/>
-              </a:spcBef>
-              <a:spcAft>
-                <a:spcPts val="0"/>
-              </a:spcAft>
-              <a:buSzPts val="1400"/>
-              <a:buNone/>
-              <a:defRPr b="0" i="0" sz="1800" u="none" cap="none" strike="noStrike">
+            <a:lvl2pPr marR="0" lvl="1" algn="l" rtl="0">
+              <a:spcBef>
+                <a:spcPts val="0"/>
+              </a:spcBef>
+              <a:spcAft>
+                <a:spcPts val="0"/>
+              </a:spcAft>
+              <a:buSzPts val="1400"/>
+              <a:buNone/>
+              <a:defRPr sz="1800" b="0" i="0" u="none" strike="noStrike" cap="none">
                 <a:solidFill>
                   <a:schemeClr val="dk1"/>
                 </a:solidFill>
@@ -10345,16 +10596,16 @@
                 <a:sym typeface="Calibri"/>
               </a:defRPr>
             </a:lvl2pPr>
-            <a:lvl3pPr lvl="2" marR="0" rtl="0" algn="l">
-              <a:spcBef>
-                <a:spcPts val="0"/>
-              </a:spcBef>
-              <a:spcAft>
-                <a:spcPts val="0"/>
-              </a:spcAft>
-              <a:buSzPts val="1400"/>
-              <a:buNone/>
-              <a:defRPr b="0" i="0" sz="1800" u="none" cap="none" strike="noStrike">
+            <a:lvl3pPr marR="0" lvl="2" algn="l" rtl="0">
+              <a:spcBef>
+                <a:spcPts val="0"/>
+              </a:spcBef>
+              <a:spcAft>
+                <a:spcPts val="0"/>
+              </a:spcAft>
+              <a:buSzPts val="1400"/>
+              <a:buNone/>
+              <a:defRPr sz="1800" b="0" i="0" u="none" strike="noStrike" cap="none">
                 <a:solidFill>
                   <a:schemeClr val="dk1"/>
                 </a:solidFill>
@@ -10364,16 +10615,16 @@
                 <a:sym typeface="Calibri"/>
               </a:defRPr>
             </a:lvl3pPr>
-            <a:lvl4pPr lvl="3" marR="0" rtl="0" algn="l">
-              <a:spcBef>
-                <a:spcPts val="0"/>
-              </a:spcBef>
-              <a:spcAft>
-                <a:spcPts val="0"/>
-              </a:spcAft>
-              <a:buSzPts val="1400"/>
-              <a:buNone/>
-              <a:defRPr b="0" i="0" sz="1800" u="none" cap="none" strike="noStrike">
+            <a:lvl4pPr marR="0" lvl="3" algn="l" rtl="0">
+              <a:spcBef>
+                <a:spcPts val="0"/>
+              </a:spcBef>
+              <a:spcAft>
+                <a:spcPts val="0"/>
+              </a:spcAft>
+              <a:buSzPts val="1400"/>
+              <a:buNone/>
+              <a:defRPr sz="1800" b="0" i="0" u="none" strike="noStrike" cap="none">
                 <a:solidFill>
                   <a:schemeClr val="dk1"/>
                 </a:solidFill>
@@ -10383,16 +10634,16 @@
                 <a:sym typeface="Calibri"/>
               </a:defRPr>
             </a:lvl4pPr>
-            <a:lvl5pPr lvl="4" marR="0" rtl="0" algn="l">
-              <a:spcBef>
-                <a:spcPts val="0"/>
-              </a:spcBef>
-              <a:spcAft>
-                <a:spcPts val="0"/>
-              </a:spcAft>
-              <a:buSzPts val="1400"/>
-              <a:buNone/>
-              <a:defRPr b="0" i="0" sz="1800" u="none" cap="none" strike="noStrike">
+            <a:lvl5pPr marR="0" lvl="4" algn="l" rtl="0">
+              <a:spcBef>
+                <a:spcPts val="0"/>
+              </a:spcBef>
+              <a:spcAft>
+                <a:spcPts val="0"/>
+              </a:spcAft>
+              <a:buSzPts val="1400"/>
+              <a:buNone/>
+              <a:defRPr sz="1800" b="0" i="0" u="none" strike="noStrike" cap="none">
                 <a:solidFill>
                   <a:schemeClr val="dk1"/>
                 </a:solidFill>
@@ -10402,16 +10653,16 @@
                 <a:sym typeface="Calibri"/>
               </a:defRPr>
             </a:lvl5pPr>
-            <a:lvl6pPr lvl="5" marR="0" rtl="0" algn="l">
-              <a:spcBef>
-                <a:spcPts val="0"/>
-              </a:spcBef>
-              <a:spcAft>
-                <a:spcPts val="0"/>
-              </a:spcAft>
-              <a:buSzPts val="1400"/>
-              <a:buNone/>
-              <a:defRPr b="0" i="0" sz="1800" u="none" cap="none" strike="noStrike">
+            <a:lvl6pPr marR="0" lvl="5" algn="l" rtl="0">
+              <a:spcBef>
+                <a:spcPts val="0"/>
+              </a:spcBef>
+              <a:spcAft>
+                <a:spcPts val="0"/>
+              </a:spcAft>
+              <a:buSzPts val="1400"/>
+              <a:buNone/>
+              <a:defRPr sz="1800" b="0" i="0" u="none" strike="noStrike" cap="none">
                 <a:solidFill>
                   <a:schemeClr val="dk1"/>
                 </a:solidFill>
@@ -10421,16 +10672,16 @@
                 <a:sym typeface="Calibri"/>
               </a:defRPr>
             </a:lvl6pPr>
-            <a:lvl7pPr lvl="6" marR="0" rtl="0" algn="l">
-              <a:spcBef>
-                <a:spcPts val="0"/>
-              </a:spcBef>
-              <a:spcAft>
-                <a:spcPts val="0"/>
-              </a:spcAft>
-              <a:buSzPts val="1400"/>
-              <a:buNone/>
-              <a:defRPr b="0" i="0" sz="1800" u="none" cap="none" strike="noStrike">
+            <a:lvl7pPr marR="0" lvl="6" algn="l" rtl="0">
+              <a:spcBef>
+                <a:spcPts val="0"/>
+              </a:spcBef>
+              <a:spcAft>
+                <a:spcPts val="0"/>
+              </a:spcAft>
+              <a:buSzPts val="1400"/>
+              <a:buNone/>
+              <a:defRPr sz="1800" b="0" i="0" u="none" strike="noStrike" cap="none">
                 <a:solidFill>
                   <a:schemeClr val="dk1"/>
                 </a:solidFill>
@@ -10440,16 +10691,16 @@
                 <a:sym typeface="Calibri"/>
               </a:defRPr>
             </a:lvl7pPr>
-            <a:lvl8pPr lvl="7" marR="0" rtl="0" algn="l">
-              <a:spcBef>
-                <a:spcPts val="0"/>
-              </a:spcBef>
-              <a:spcAft>
-                <a:spcPts val="0"/>
-              </a:spcAft>
-              <a:buSzPts val="1400"/>
-              <a:buNone/>
-              <a:defRPr b="0" i="0" sz="1800" u="none" cap="none" strike="noStrike">
+            <a:lvl8pPr marR="0" lvl="7" algn="l" rtl="0">
+              <a:spcBef>
+                <a:spcPts val="0"/>
+              </a:spcBef>
+              <a:spcAft>
+                <a:spcPts val="0"/>
+              </a:spcAft>
+              <a:buSzPts val="1400"/>
+              <a:buNone/>
+              <a:defRPr sz="1800" b="0" i="0" u="none" strike="noStrike" cap="none">
                 <a:solidFill>
                   <a:schemeClr val="dk1"/>
                 </a:solidFill>
@@ -10459,16 +10710,16 @@
                 <a:sym typeface="Calibri"/>
               </a:defRPr>
             </a:lvl8pPr>
-            <a:lvl9pPr lvl="8" marR="0" rtl="0" algn="l">
-              <a:spcBef>
-                <a:spcPts val="0"/>
-              </a:spcBef>
-              <a:spcAft>
-                <a:spcPts val="0"/>
-              </a:spcAft>
-              <a:buSzPts val="1400"/>
-              <a:buNone/>
-              <a:defRPr b="0" i="0" sz="1800" u="none" cap="none" strike="noStrike">
+            <a:lvl9pPr marR="0" lvl="8" algn="l" rtl="0">
+              <a:spcBef>
+                <a:spcPts val="0"/>
+              </a:spcBef>
+              <a:spcAft>
+                <a:spcPts val="0"/>
+              </a:spcAft>
+              <a:buSzPts val="1400"/>
+              <a:buNone/>
+              <a:defRPr sz="1800" b="0" i="0" u="none" strike="noStrike" cap="none">
                 <a:solidFill>
                   <a:schemeClr val="dk1"/>
                 </a:solidFill>
@@ -10479,15 +10730,19 @@
               </a:defRPr>
             </a:lvl9pPr>
           </a:lstStyle>
-          <a:p/>
+          <a:p>
+            <a:endParaRPr/>
+          </a:p>
         </p:txBody>
       </p:sp>
       <p:sp>
         <p:nvSpPr>
           <p:cNvPr id="13" name="Google Shape;13;p2"/>
-          <p:cNvSpPr txBox="1"/>
+          <p:cNvSpPr txBox="1">
+            <a:spLocks noGrp="1"/>
+          </p:cNvSpPr>
           <p:nvPr>
-            <p:ph idx="11" type="ftr"/>
+            <p:ph type="ftr" idx="11"/>
           </p:nvPr>
         </p:nvSpPr>
         <p:spPr>
@@ -10504,20 +10759,20 @@
           </a:ln>
         </p:spPr>
         <p:txBody>
-          <a:bodyPr anchorCtr="0" anchor="ctr" bIns="45700" lIns="91425" spcFirstLastPara="1" rIns="91425" wrap="square" tIns="45700">
+          <a:bodyPr spcFirstLastPara="1" wrap="square" lIns="91425" tIns="45700" rIns="91425" bIns="45700" anchor="ctr" anchorCtr="0">
             <a:noAutofit/>
           </a:bodyPr>
           <a:lstStyle>
-            <a:lvl1pPr lvl="0" marR="0" rtl="0" algn="ctr">
-              <a:spcBef>
-                <a:spcPts val="0"/>
-              </a:spcBef>
-              <a:spcAft>
-                <a:spcPts val="0"/>
-              </a:spcAft>
-              <a:buSzPts val="1400"/>
-              <a:buNone/>
-              <a:defRPr b="0" i="0" sz="5760" u="none" cap="none" strike="noStrike">
+            <a:lvl1pPr marR="0" lvl="0" algn="ctr" rtl="0">
+              <a:spcBef>
+                <a:spcPts val="0"/>
+              </a:spcBef>
+              <a:spcAft>
+                <a:spcPts val="0"/>
+              </a:spcAft>
+              <a:buSzPts val="1400"/>
+              <a:buNone/>
+              <a:defRPr sz="5760" b="0" i="0" u="none" strike="noStrike" cap="none">
                 <a:solidFill>
                   <a:srgbClr val="888888"/>
                 </a:solidFill>
@@ -10527,16 +10782,16 @@
                 <a:sym typeface="Calibri"/>
               </a:defRPr>
             </a:lvl1pPr>
-            <a:lvl2pPr lvl="1" marR="0" rtl="0" algn="l">
-              <a:spcBef>
-                <a:spcPts val="0"/>
-              </a:spcBef>
-              <a:spcAft>
-                <a:spcPts val="0"/>
-              </a:spcAft>
-              <a:buSzPts val="1400"/>
-              <a:buNone/>
-              <a:defRPr b="0" i="0" sz="1800" u="none" cap="none" strike="noStrike">
+            <a:lvl2pPr marR="0" lvl="1" algn="l" rtl="0">
+              <a:spcBef>
+                <a:spcPts val="0"/>
+              </a:spcBef>
+              <a:spcAft>
+                <a:spcPts val="0"/>
+              </a:spcAft>
+              <a:buSzPts val="1400"/>
+              <a:buNone/>
+              <a:defRPr sz="1800" b="0" i="0" u="none" strike="noStrike" cap="none">
                 <a:solidFill>
                   <a:schemeClr val="dk1"/>
                 </a:solidFill>
@@ -10546,16 +10801,16 @@
                 <a:sym typeface="Calibri"/>
               </a:defRPr>
             </a:lvl2pPr>
-            <a:lvl3pPr lvl="2" marR="0" rtl="0" algn="l">
-              <a:spcBef>
-                <a:spcPts val="0"/>
-              </a:spcBef>
-              <a:spcAft>
-                <a:spcPts val="0"/>
-              </a:spcAft>
-              <a:buSzPts val="1400"/>
-              <a:buNone/>
-              <a:defRPr b="0" i="0" sz="1800" u="none" cap="none" strike="noStrike">
+            <a:lvl3pPr marR="0" lvl="2" algn="l" rtl="0">
+              <a:spcBef>
+                <a:spcPts val="0"/>
+              </a:spcBef>
+              <a:spcAft>
+                <a:spcPts val="0"/>
+              </a:spcAft>
+              <a:buSzPts val="1400"/>
+              <a:buNone/>
+              <a:defRPr sz="1800" b="0" i="0" u="none" strike="noStrike" cap="none">
                 <a:solidFill>
                   <a:schemeClr val="dk1"/>
                 </a:solidFill>
@@ -10565,16 +10820,16 @@
                 <a:sym typeface="Calibri"/>
               </a:defRPr>
             </a:lvl3pPr>
-            <a:lvl4pPr lvl="3" marR="0" rtl="0" algn="l">
-              <a:spcBef>
-                <a:spcPts val="0"/>
-              </a:spcBef>
-              <a:spcAft>
-                <a:spcPts val="0"/>
-              </a:spcAft>
-              <a:buSzPts val="1400"/>
-              <a:buNone/>
-              <a:defRPr b="0" i="0" sz="1800" u="none" cap="none" strike="noStrike">
+            <a:lvl4pPr marR="0" lvl="3" algn="l" rtl="0">
+              <a:spcBef>
+                <a:spcPts val="0"/>
+              </a:spcBef>
+              <a:spcAft>
+                <a:spcPts val="0"/>
+              </a:spcAft>
+              <a:buSzPts val="1400"/>
+              <a:buNone/>
+              <a:defRPr sz="1800" b="0" i="0" u="none" strike="noStrike" cap="none">
                 <a:solidFill>
                   <a:schemeClr val="dk1"/>
                 </a:solidFill>
@@ -10584,16 +10839,16 @@
                 <a:sym typeface="Calibri"/>
               </a:defRPr>
             </a:lvl4pPr>
-            <a:lvl5pPr lvl="4" marR="0" rtl="0" algn="l">
-              <a:spcBef>
-                <a:spcPts val="0"/>
-              </a:spcBef>
-              <a:spcAft>
-                <a:spcPts val="0"/>
-              </a:spcAft>
-              <a:buSzPts val="1400"/>
-              <a:buNone/>
-              <a:defRPr b="0" i="0" sz="1800" u="none" cap="none" strike="noStrike">
+            <a:lvl5pPr marR="0" lvl="4" algn="l" rtl="0">
+              <a:spcBef>
+                <a:spcPts val="0"/>
+              </a:spcBef>
+              <a:spcAft>
+                <a:spcPts val="0"/>
+              </a:spcAft>
+              <a:buSzPts val="1400"/>
+              <a:buNone/>
+              <a:defRPr sz="1800" b="0" i="0" u="none" strike="noStrike" cap="none">
                 <a:solidFill>
                   <a:schemeClr val="dk1"/>
                 </a:solidFill>
@@ -10603,16 +10858,16 @@
                 <a:sym typeface="Calibri"/>
               </a:defRPr>
             </a:lvl5pPr>
-            <a:lvl6pPr lvl="5" marR="0" rtl="0" algn="l">
-              <a:spcBef>
-                <a:spcPts val="0"/>
-              </a:spcBef>
-              <a:spcAft>
-                <a:spcPts val="0"/>
-              </a:spcAft>
-              <a:buSzPts val="1400"/>
-              <a:buNone/>
-              <a:defRPr b="0" i="0" sz="1800" u="none" cap="none" strike="noStrike">
+            <a:lvl6pPr marR="0" lvl="5" algn="l" rtl="0">
+              <a:spcBef>
+                <a:spcPts val="0"/>
+              </a:spcBef>
+              <a:spcAft>
+                <a:spcPts val="0"/>
+              </a:spcAft>
+              <a:buSzPts val="1400"/>
+              <a:buNone/>
+              <a:defRPr sz="1800" b="0" i="0" u="none" strike="noStrike" cap="none">
                 <a:solidFill>
                   <a:schemeClr val="dk1"/>
                 </a:solidFill>
@@ -10622,16 +10877,16 @@
                 <a:sym typeface="Calibri"/>
               </a:defRPr>
             </a:lvl6pPr>
-            <a:lvl7pPr lvl="6" marR="0" rtl="0" algn="l">
-              <a:spcBef>
-                <a:spcPts val="0"/>
-              </a:spcBef>
-              <a:spcAft>
-                <a:spcPts val="0"/>
-              </a:spcAft>
-              <a:buSzPts val="1400"/>
-              <a:buNone/>
-              <a:defRPr b="0" i="0" sz="1800" u="none" cap="none" strike="noStrike">
+            <a:lvl7pPr marR="0" lvl="6" algn="l" rtl="0">
+              <a:spcBef>
+                <a:spcPts val="0"/>
+              </a:spcBef>
+              <a:spcAft>
+                <a:spcPts val="0"/>
+              </a:spcAft>
+              <a:buSzPts val="1400"/>
+              <a:buNone/>
+              <a:defRPr sz="1800" b="0" i="0" u="none" strike="noStrike" cap="none">
                 <a:solidFill>
                   <a:schemeClr val="dk1"/>
                 </a:solidFill>
@@ -10641,16 +10896,16 @@
                 <a:sym typeface="Calibri"/>
               </a:defRPr>
             </a:lvl7pPr>
-            <a:lvl8pPr lvl="7" marR="0" rtl="0" algn="l">
-              <a:spcBef>
-                <a:spcPts val="0"/>
-              </a:spcBef>
-              <a:spcAft>
-                <a:spcPts val="0"/>
-              </a:spcAft>
-              <a:buSzPts val="1400"/>
-              <a:buNone/>
-              <a:defRPr b="0" i="0" sz="1800" u="none" cap="none" strike="noStrike">
+            <a:lvl8pPr marR="0" lvl="7" algn="l" rtl="0">
+              <a:spcBef>
+                <a:spcPts val="0"/>
+              </a:spcBef>
+              <a:spcAft>
+                <a:spcPts val="0"/>
+              </a:spcAft>
+              <a:buSzPts val="1400"/>
+              <a:buNone/>
+              <a:defRPr sz="1800" b="0" i="0" u="none" strike="noStrike" cap="none">
                 <a:solidFill>
                   <a:schemeClr val="dk1"/>
                 </a:solidFill>
@@ -10660,16 +10915,16 @@
                 <a:sym typeface="Calibri"/>
               </a:defRPr>
             </a:lvl8pPr>
-            <a:lvl9pPr lvl="8" marR="0" rtl="0" algn="l">
-              <a:spcBef>
-                <a:spcPts val="0"/>
-              </a:spcBef>
-              <a:spcAft>
-                <a:spcPts val="0"/>
-              </a:spcAft>
-              <a:buSzPts val="1400"/>
-              <a:buNone/>
-              <a:defRPr b="0" i="0" sz="1800" u="none" cap="none" strike="noStrike">
+            <a:lvl9pPr marR="0" lvl="8" algn="l" rtl="0">
+              <a:spcBef>
+                <a:spcPts val="0"/>
+              </a:spcBef>
+              <a:spcAft>
+                <a:spcPts val="0"/>
+              </a:spcAft>
+              <a:buSzPts val="1400"/>
+              <a:buNone/>
+              <a:defRPr sz="1800" b="0" i="0" u="none" strike="noStrike" cap="none">
                 <a:solidFill>
                   <a:schemeClr val="dk1"/>
                 </a:solidFill>
@@ -10680,15 +10935,19 @@
               </a:defRPr>
             </a:lvl9pPr>
           </a:lstStyle>
-          <a:p/>
+          <a:p>
+            <a:endParaRPr/>
+          </a:p>
         </p:txBody>
       </p:sp>
       <p:sp>
         <p:nvSpPr>
           <p:cNvPr id="14" name="Google Shape;14;p2"/>
-          <p:cNvSpPr txBox="1"/>
+          <p:cNvSpPr txBox="1">
+            <a:spLocks noGrp="1"/>
+          </p:cNvSpPr>
           <p:nvPr>
-            <p:ph idx="12" type="sldNum"/>
+            <p:ph type="sldNum" idx="12"/>
           </p:nvPr>
         </p:nvSpPr>
         <p:spPr>
@@ -10705,16 +10964,16 @@
           </a:ln>
         </p:spPr>
         <p:txBody>
-          <a:bodyPr anchorCtr="0" anchor="ctr" bIns="45700" lIns="91425" spcFirstLastPara="1" rIns="91425" wrap="square" tIns="45700">
+          <a:bodyPr spcFirstLastPara="1" wrap="square" lIns="91425" tIns="45700" rIns="91425" bIns="45700" anchor="ctr" anchorCtr="0">
             <a:noAutofit/>
           </a:bodyPr>
           <a:lstStyle>
-            <a:lvl1pPr indent="0" lvl="0" marL="0" marR="0" rtl="0" algn="r">
-              <a:spcBef>
-                <a:spcPts val="0"/>
-              </a:spcBef>
-              <a:buNone/>
-              <a:defRPr b="0" i="0" sz="5760" u="none" cap="none" strike="noStrike">
+            <a:lvl1pPr marL="0" marR="0" lvl="0" indent="0" algn="r" rtl="0">
+              <a:spcBef>
+                <a:spcPts val="0"/>
+              </a:spcBef>
+              <a:buNone/>
+              <a:defRPr sz="5760" b="0" i="0" u="none" strike="noStrike" cap="none">
                 <a:solidFill>
                   <a:srgbClr val="888888"/>
                 </a:solidFill>
@@ -10724,12 +10983,12 @@
                 <a:sym typeface="Calibri"/>
               </a:defRPr>
             </a:lvl1pPr>
-            <a:lvl2pPr indent="0" lvl="1" marL="0" marR="0" rtl="0" algn="r">
-              <a:spcBef>
-                <a:spcPts val="0"/>
-              </a:spcBef>
-              <a:buNone/>
-              <a:defRPr b="0" i="0" sz="5760" u="none" cap="none" strike="noStrike">
+            <a:lvl2pPr marL="0" marR="0" lvl="1" indent="0" algn="r" rtl="0">
+              <a:spcBef>
+                <a:spcPts val="0"/>
+              </a:spcBef>
+              <a:buNone/>
+              <a:defRPr sz="5760" b="0" i="0" u="none" strike="noStrike" cap="none">
                 <a:solidFill>
                   <a:srgbClr val="888888"/>
                 </a:solidFill>
@@ -10739,12 +10998,12 @@
                 <a:sym typeface="Calibri"/>
               </a:defRPr>
             </a:lvl2pPr>
-            <a:lvl3pPr indent="0" lvl="2" marL="0" marR="0" rtl="0" algn="r">
-              <a:spcBef>
-                <a:spcPts val="0"/>
-              </a:spcBef>
-              <a:buNone/>
-              <a:defRPr b="0" i="0" sz="5760" u="none" cap="none" strike="noStrike">
+            <a:lvl3pPr marL="0" marR="0" lvl="2" indent="0" algn="r" rtl="0">
+              <a:spcBef>
+                <a:spcPts val="0"/>
+              </a:spcBef>
+              <a:buNone/>
+              <a:defRPr sz="5760" b="0" i="0" u="none" strike="noStrike" cap="none">
                 <a:solidFill>
                   <a:srgbClr val="888888"/>
                 </a:solidFill>
@@ -10754,12 +11013,12 @@
                 <a:sym typeface="Calibri"/>
               </a:defRPr>
             </a:lvl3pPr>
-            <a:lvl4pPr indent="0" lvl="3" marL="0" marR="0" rtl="0" algn="r">
-              <a:spcBef>
-                <a:spcPts val="0"/>
-              </a:spcBef>
-              <a:buNone/>
-              <a:defRPr b="0" i="0" sz="5760" u="none" cap="none" strike="noStrike">
+            <a:lvl4pPr marL="0" marR="0" lvl="3" indent="0" algn="r" rtl="0">
+              <a:spcBef>
+                <a:spcPts val="0"/>
+              </a:spcBef>
+              <a:buNone/>
+              <a:defRPr sz="5760" b="0" i="0" u="none" strike="noStrike" cap="none">
                 <a:solidFill>
                   <a:srgbClr val="888888"/>
                 </a:solidFill>
@@ -10769,12 +11028,12 @@
                 <a:sym typeface="Calibri"/>
               </a:defRPr>
             </a:lvl4pPr>
-            <a:lvl5pPr indent="0" lvl="4" marL="0" marR="0" rtl="0" algn="r">
-              <a:spcBef>
-                <a:spcPts val="0"/>
-              </a:spcBef>
-              <a:buNone/>
-              <a:defRPr b="0" i="0" sz="5760" u="none" cap="none" strike="noStrike">
+            <a:lvl5pPr marL="0" marR="0" lvl="4" indent="0" algn="r" rtl="0">
+              <a:spcBef>
+                <a:spcPts val="0"/>
+              </a:spcBef>
+              <a:buNone/>
+              <a:defRPr sz="5760" b="0" i="0" u="none" strike="noStrike" cap="none">
                 <a:solidFill>
                   <a:srgbClr val="888888"/>
                 </a:solidFill>
@@ -10784,12 +11043,12 @@
                 <a:sym typeface="Calibri"/>
               </a:defRPr>
             </a:lvl5pPr>
-            <a:lvl6pPr indent="0" lvl="5" marL="0" marR="0" rtl="0" algn="r">
-              <a:spcBef>
-                <a:spcPts val="0"/>
-              </a:spcBef>
-              <a:buNone/>
-              <a:defRPr b="0" i="0" sz="5760" u="none" cap="none" strike="noStrike">
+            <a:lvl6pPr marL="0" marR="0" lvl="5" indent="0" algn="r" rtl="0">
+              <a:spcBef>
+                <a:spcPts val="0"/>
+              </a:spcBef>
+              <a:buNone/>
+              <a:defRPr sz="5760" b="0" i="0" u="none" strike="noStrike" cap="none">
                 <a:solidFill>
                   <a:srgbClr val="888888"/>
                 </a:solidFill>
@@ -10799,12 +11058,12 @@
                 <a:sym typeface="Calibri"/>
               </a:defRPr>
             </a:lvl6pPr>
-            <a:lvl7pPr indent="0" lvl="6" marL="0" marR="0" rtl="0" algn="r">
-              <a:spcBef>
-                <a:spcPts val="0"/>
-              </a:spcBef>
-              <a:buNone/>
-              <a:defRPr b="0" i="0" sz="5760" u="none" cap="none" strike="noStrike">
+            <a:lvl7pPr marL="0" marR="0" lvl="6" indent="0" algn="r" rtl="0">
+              <a:spcBef>
+                <a:spcPts val="0"/>
+              </a:spcBef>
+              <a:buNone/>
+              <a:defRPr sz="5760" b="0" i="0" u="none" strike="noStrike" cap="none">
                 <a:solidFill>
                   <a:srgbClr val="888888"/>
                 </a:solidFill>
@@ -10814,12 +11073,12 @@
                 <a:sym typeface="Calibri"/>
               </a:defRPr>
             </a:lvl7pPr>
-            <a:lvl8pPr indent="0" lvl="7" marL="0" marR="0" rtl="0" algn="r">
-              <a:spcBef>
-                <a:spcPts val="0"/>
-              </a:spcBef>
-              <a:buNone/>
-              <a:defRPr b="0" i="0" sz="5760" u="none" cap="none" strike="noStrike">
+            <a:lvl8pPr marL="0" marR="0" lvl="7" indent="0" algn="r" rtl="0">
+              <a:spcBef>
+                <a:spcPts val="0"/>
+              </a:spcBef>
+              <a:buNone/>
+              <a:defRPr sz="5760" b="0" i="0" u="none" strike="noStrike" cap="none">
                 <a:solidFill>
                   <a:srgbClr val="888888"/>
                 </a:solidFill>
@@ -10829,12 +11088,12 @@
                 <a:sym typeface="Calibri"/>
               </a:defRPr>
             </a:lvl8pPr>
-            <a:lvl9pPr indent="0" lvl="8" marL="0" marR="0" rtl="0" algn="r">
-              <a:spcBef>
-                <a:spcPts val="0"/>
-              </a:spcBef>
-              <a:buNone/>
-              <a:defRPr b="0" i="0" sz="5760" u="none" cap="none" strike="noStrike">
+            <a:lvl9pPr marL="0" marR="0" lvl="8" indent="0" algn="r" rtl="0">
+              <a:spcBef>
+                <a:spcPts val="0"/>
+              </a:spcBef>
+              <a:buNone/>
+              <a:defRPr sz="5760" b="0" i="0" u="none" strike="noStrike" cap="none">
                 <a:solidFill>
                   <a:srgbClr val="888888"/>
                 </a:solidFill>
@@ -10846,7 +11105,7 @@
             </a:lvl9pPr>
           </a:lstStyle>
           <a:p>
-            <a:pPr indent="0" lvl="0" marL="0" rtl="0" algn="r">
+            <a:pPr marL="0" lvl="0" indent="0" algn="r" rtl="0">
               <a:spcBef>
                 <a:spcPts val="0"/>
               </a:spcBef>
@@ -10865,7 +11124,7 @@
       </p:sp>
     </p:spTree>
   </p:cSld>
-  <p:clrMap accent1="accent1" accent2="accent2" accent3="accent3" accent4="accent4" accent5="accent5" accent6="accent6" bg1="lt1" bg2="dk2" tx1="dk1" tx2="lt2" folHlink="folHlink" hlink="hlink"/>
+  <p:clrMap bg1="lt1" tx1="dk1" bg2="dk2" tx2="lt2" accent1="accent1" accent2="accent2" accent3="accent3" accent4="accent4" accent5="accent5" accent6="accent6" hlink="hlink" folHlink="folHlink"/>
   <p:sldLayoutIdLst>
     <p:sldLayoutId id="2147483649" r:id="rId1"/>
     <p:sldLayoutId id="2147483650" r:id="rId2"/>
@@ -10879,10 +11138,10 @@
     <p:sldLayoutId id="2147483658" r:id="rId10"/>
     <p:sldLayoutId id="2147483659" r:id="rId11"/>
   </p:sldLayoutIdLst>
-  <p:hf dt="0" ftr="0" hdr="0" sldNum="0"/>
+  <p:hf sldNum="0" hdr="0" ftr="0" dt="0"/>
   <p:txStyles>
     <p:titleStyle>
-      <a:defPPr lvl="0" marR="0" rtl="0" algn="l">
+      <a:defPPr marR="0" lvl="0" algn="l" rtl="0">
         <a:lnSpc>
           <a:spcPct val="100000"/>
         </a:lnSpc>
@@ -10893,7 +11152,7 @@
           <a:spcPts val="0"/>
         </a:spcAft>
       </a:defPPr>
-      <a:lvl1pPr lvl="0" marR="0" rtl="0" algn="l">
+      <a:lvl1pPr marR="0" lvl="0" algn="l" rtl="0">
         <a:lnSpc>
           <a:spcPct val="100000"/>
         </a:lnSpc>
@@ -10907,7 +11166,7 @@
           <a:srgbClr val="000000"/>
         </a:buClr>
         <a:buFont typeface="Arial"/>
-        <a:defRPr b="0" i="0" sz="1400" u="none" cap="none" strike="noStrike">
+        <a:defRPr sz="1400" b="0" i="0" u="none" strike="noStrike" cap="none">
           <a:solidFill>
             <a:srgbClr val="000000"/>
           </a:solidFill>
@@ -10917,7 +11176,7 @@
           <a:sym typeface="Arial"/>
         </a:defRPr>
       </a:lvl1pPr>
-      <a:lvl2pPr lvl="1" marR="0" rtl="0" algn="l">
+      <a:lvl2pPr marR="0" lvl="1" algn="l" rtl="0">
         <a:lnSpc>
           <a:spcPct val="100000"/>
         </a:lnSpc>
@@ -10931,7 +11190,7 @@
           <a:srgbClr val="000000"/>
         </a:buClr>
         <a:buFont typeface="Arial"/>
-        <a:defRPr b="0" i="0" sz="1400" u="none" cap="none" strike="noStrike">
+        <a:defRPr sz="1400" b="0" i="0" u="none" strike="noStrike" cap="none">
           <a:solidFill>
             <a:srgbClr val="000000"/>
           </a:solidFill>
@@ -10941,7 +11200,7 @@
           <a:sym typeface="Arial"/>
         </a:defRPr>
       </a:lvl2pPr>
-      <a:lvl3pPr lvl="2" marR="0" rtl="0" algn="l">
+      <a:lvl3pPr marR="0" lvl="2" algn="l" rtl="0">
         <a:lnSpc>
           <a:spcPct val="100000"/>
         </a:lnSpc>
@@ -10955,7 +11214,7 @@
           <a:srgbClr val="000000"/>
         </a:buClr>
         <a:buFont typeface="Arial"/>
-        <a:defRPr b="0" i="0" sz="1400" u="none" cap="none" strike="noStrike">
+        <a:defRPr sz="1400" b="0" i="0" u="none" strike="noStrike" cap="none">
           <a:solidFill>
             <a:srgbClr val="000000"/>
           </a:solidFill>
@@ -10965,7 +11224,7 @@
           <a:sym typeface="Arial"/>
         </a:defRPr>
       </a:lvl3pPr>
-      <a:lvl4pPr lvl="3" marR="0" rtl="0" algn="l">
+      <a:lvl4pPr marR="0" lvl="3" algn="l" rtl="0">
         <a:lnSpc>
           <a:spcPct val="100000"/>
         </a:lnSpc>
@@ -10979,7 +11238,7 @@
           <a:srgbClr val="000000"/>
         </a:buClr>
         <a:buFont typeface="Arial"/>
-        <a:defRPr b="0" i="0" sz="1400" u="none" cap="none" strike="noStrike">
+        <a:defRPr sz="1400" b="0" i="0" u="none" strike="noStrike" cap="none">
           <a:solidFill>
             <a:srgbClr val="000000"/>
           </a:solidFill>
@@ -10989,7 +11248,7 @@
           <a:sym typeface="Arial"/>
         </a:defRPr>
       </a:lvl4pPr>
-      <a:lvl5pPr lvl="4" marR="0" rtl="0" algn="l">
+      <a:lvl5pPr marR="0" lvl="4" algn="l" rtl="0">
         <a:lnSpc>
           <a:spcPct val="100000"/>
         </a:lnSpc>
@@ -11003,7 +11262,7 @@
           <a:srgbClr val="000000"/>
         </a:buClr>
         <a:buFont typeface="Arial"/>
-        <a:defRPr b="0" i="0" sz="1400" u="none" cap="none" strike="noStrike">
+        <a:defRPr sz="1400" b="0" i="0" u="none" strike="noStrike" cap="none">
           <a:solidFill>
             <a:srgbClr val="000000"/>
           </a:solidFill>
@@ -11013,7 +11272,7 @@
           <a:sym typeface="Arial"/>
         </a:defRPr>
       </a:lvl5pPr>
-      <a:lvl6pPr lvl="5" marR="0" rtl="0" algn="l">
+      <a:lvl6pPr marR="0" lvl="5" algn="l" rtl="0">
         <a:lnSpc>
           <a:spcPct val="100000"/>
         </a:lnSpc>
@@ -11027,7 +11286,7 @@
           <a:srgbClr val="000000"/>
         </a:buClr>
         <a:buFont typeface="Arial"/>
-        <a:defRPr b="0" i="0" sz="1400" u="none" cap="none" strike="noStrike">
+        <a:defRPr sz="1400" b="0" i="0" u="none" strike="noStrike" cap="none">
           <a:solidFill>
             <a:srgbClr val="000000"/>
           </a:solidFill>
@@ -11037,7 +11296,7 @@
           <a:sym typeface="Arial"/>
         </a:defRPr>
       </a:lvl6pPr>
-      <a:lvl7pPr lvl="6" marR="0" rtl="0" algn="l">
+      <a:lvl7pPr marR="0" lvl="6" algn="l" rtl="0">
         <a:lnSpc>
           <a:spcPct val="100000"/>
         </a:lnSpc>
@@ -11051,7 +11310,7 @@
           <a:srgbClr val="000000"/>
         </a:buClr>
         <a:buFont typeface="Arial"/>
-        <a:defRPr b="0" i="0" sz="1400" u="none" cap="none" strike="noStrike">
+        <a:defRPr sz="1400" b="0" i="0" u="none" strike="noStrike" cap="none">
           <a:solidFill>
             <a:srgbClr val="000000"/>
           </a:solidFill>
@@ -11061,7 +11320,7 @@
           <a:sym typeface="Arial"/>
         </a:defRPr>
       </a:lvl7pPr>
-      <a:lvl8pPr lvl="7" marR="0" rtl="0" algn="l">
+      <a:lvl8pPr marR="0" lvl="7" algn="l" rtl="0">
         <a:lnSpc>
           <a:spcPct val="100000"/>
         </a:lnSpc>
@@ -11075,7 +11334,7 @@
           <a:srgbClr val="000000"/>
         </a:buClr>
         <a:buFont typeface="Arial"/>
-        <a:defRPr b="0" i="0" sz="1400" u="none" cap="none" strike="noStrike">
+        <a:defRPr sz="1400" b="0" i="0" u="none" strike="noStrike" cap="none">
           <a:solidFill>
             <a:srgbClr val="000000"/>
           </a:solidFill>
@@ -11085,7 +11344,7 @@
           <a:sym typeface="Arial"/>
         </a:defRPr>
       </a:lvl8pPr>
-      <a:lvl9pPr lvl="8" marR="0" rtl="0" algn="l">
+      <a:lvl9pPr marR="0" lvl="8" algn="l" rtl="0">
         <a:lnSpc>
           <a:spcPct val="100000"/>
         </a:lnSpc>
@@ -11099,7 +11358,7 @@
           <a:srgbClr val="000000"/>
         </a:buClr>
         <a:buFont typeface="Arial"/>
-        <a:defRPr b="0" i="0" sz="1400" u="none" cap="none" strike="noStrike">
+        <a:defRPr sz="1400" b="0" i="0" u="none" strike="noStrike" cap="none">
           <a:solidFill>
             <a:srgbClr val="000000"/>
           </a:solidFill>
@@ -11111,7 +11370,7 @@
       </a:lvl9pPr>
     </p:titleStyle>
     <p:bodyStyle>
-      <a:defPPr lvl="0" marR="0" rtl="0" algn="l">
+      <a:defPPr marR="0" lvl="0" algn="l" rtl="0">
         <a:lnSpc>
           <a:spcPct val="100000"/>
         </a:lnSpc>
@@ -11122,7 +11381,7 @@
           <a:spcPts val="0"/>
         </a:spcAft>
       </a:defPPr>
-      <a:lvl1pPr lvl="0" marR="0" rtl="0" algn="l">
+      <a:lvl1pPr marR="0" lvl="0" algn="l" rtl="0">
         <a:lnSpc>
           <a:spcPct val="100000"/>
         </a:lnSpc>
@@ -11136,7 +11395,7 @@
           <a:srgbClr val="000000"/>
         </a:buClr>
         <a:buFont typeface="Arial"/>
-        <a:defRPr b="0" i="0" sz="1400" u="none" cap="none" strike="noStrike">
+        <a:defRPr sz="1400" b="0" i="0" u="none" strike="noStrike" cap="none">
           <a:solidFill>
             <a:srgbClr val="000000"/>
           </a:solidFill>
@@ -11146,7 +11405,7 @@
           <a:sym typeface="Arial"/>
         </a:defRPr>
       </a:lvl1pPr>
-      <a:lvl2pPr lvl="1" marR="0" rtl="0" algn="l">
+      <a:lvl2pPr marR="0" lvl="1" algn="l" rtl="0">
         <a:lnSpc>
           <a:spcPct val="100000"/>
         </a:lnSpc>
@@ -11160,7 +11419,7 @@
           <a:srgbClr val="000000"/>
         </a:buClr>
         <a:buFont typeface="Arial"/>
-        <a:defRPr b="0" i="0" sz="1400" u="none" cap="none" strike="noStrike">
+        <a:defRPr sz="1400" b="0" i="0" u="none" strike="noStrike" cap="none">
           <a:solidFill>
             <a:srgbClr val="000000"/>
           </a:solidFill>
@@ -11170,7 +11429,7 @@
           <a:sym typeface="Arial"/>
         </a:defRPr>
       </a:lvl2pPr>
-      <a:lvl3pPr lvl="2" marR="0" rtl="0" algn="l">
+      <a:lvl3pPr marR="0" lvl="2" algn="l" rtl="0">
         <a:lnSpc>
           <a:spcPct val="100000"/>
         </a:lnSpc>
@@ -11184,7 +11443,7 @@
           <a:srgbClr val="000000"/>
         </a:buClr>
         <a:buFont typeface="Arial"/>
-        <a:defRPr b="0" i="0" sz="1400" u="none" cap="none" strike="noStrike">
+        <a:defRPr sz="1400" b="0" i="0" u="none" strike="noStrike" cap="none">
           <a:solidFill>
             <a:srgbClr val="000000"/>
           </a:solidFill>
@@ -11194,7 +11453,7 @@
           <a:sym typeface="Arial"/>
         </a:defRPr>
       </a:lvl3pPr>
-      <a:lvl4pPr lvl="3" marR="0" rtl="0" algn="l">
+      <a:lvl4pPr marR="0" lvl="3" algn="l" rtl="0">
         <a:lnSpc>
           <a:spcPct val="100000"/>
         </a:lnSpc>
@@ -11208,7 +11467,7 @@
           <a:srgbClr val="000000"/>
         </a:buClr>
         <a:buFont typeface="Arial"/>
-        <a:defRPr b="0" i="0" sz="1400" u="none" cap="none" strike="noStrike">
+        <a:defRPr sz="1400" b="0" i="0" u="none" strike="noStrike" cap="none">
           <a:solidFill>
             <a:srgbClr val="000000"/>
           </a:solidFill>
@@ -11218,7 +11477,7 @@
           <a:sym typeface="Arial"/>
         </a:defRPr>
       </a:lvl4pPr>
-      <a:lvl5pPr lvl="4" marR="0" rtl="0" algn="l">
+      <a:lvl5pPr marR="0" lvl="4" algn="l" rtl="0">
         <a:lnSpc>
           <a:spcPct val="100000"/>
         </a:lnSpc>
@@ -11232,7 +11491,7 @@
           <a:srgbClr val="000000"/>
         </a:buClr>
         <a:buFont typeface="Arial"/>
-        <a:defRPr b="0" i="0" sz="1400" u="none" cap="none" strike="noStrike">
+        <a:defRPr sz="1400" b="0" i="0" u="none" strike="noStrike" cap="none">
           <a:solidFill>
             <a:srgbClr val="000000"/>
           </a:solidFill>
@@ -11242,7 +11501,7 @@
           <a:sym typeface="Arial"/>
         </a:defRPr>
       </a:lvl5pPr>
-      <a:lvl6pPr lvl="5" marR="0" rtl="0" algn="l">
+      <a:lvl6pPr marR="0" lvl="5" algn="l" rtl="0">
         <a:lnSpc>
           <a:spcPct val="100000"/>
         </a:lnSpc>
@@ -11256,7 +11515,7 @@
           <a:srgbClr val="000000"/>
         </a:buClr>
         <a:buFont typeface="Arial"/>
-        <a:defRPr b="0" i="0" sz="1400" u="none" cap="none" strike="noStrike">
+        <a:defRPr sz="1400" b="0" i="0" u="none" strike="noStrike" cap="none">
           <a:solidFill>
             <a:srgbClr val="000000"/>
           </a:solidFill>
@@ -11266,7 +11525,7 @@
           <a:sym typeface="Arial"/>
         </a:defRPr>
       </a:lvl6pPr>
-      <a:lvl7pPr lvl="6" marR="0" rtl="0" algn="l">
+      <a:lvl7pPr marR="0" lvl="6" algn="l" rtl="0">
         <a:lnSpc>
           <a:spcPct val="100000"/>
         </a:lnSpc>
@@ -11280,7 +11539,7 @@
           <a:srgbClr val="000000"/>
         </a:buClr>
         <a:buFont typeface="Arial"/>
-        <a:defRPr b="0" i="0" sz="1400" u="none" cap="none" strike="noStrike">
+        <a:defRPr sz="1400" b="0" i="0" u="none" strike="noStrike" cap="none">
           <a:solidFill>
             <a:srgbClr val="000000"/>
           </a:solidFill>
@@ -11290,7 +11549,7 @@
           <a:sym typeface="Arial"/>
         </a:defRPr>
       </a:lvl7pPr>
-      <a:lvl8pPr lvl="7" marR="0" rtl="0" algn="l">
+      <a:lvl8pPr marR="0" lvl="7" algn="l" rtl="0">
         <a:lnSpc>
           <a:spcPct val="100000"/>
         </a:lnSpc>
@@ -11304,7 +11563,7 @@
           <a:srgbClr val="000000"/>
         </a:buClr>
         <a:buFont typeface="Arial"/>
-        <a:defRPr b="0" i="0" sz="1400" u="none" cap="none" strike="noStrike">
+        <a:defRPr sz="1400" b="0" i="0" u="none" strike="noStrike" cap="none">
           <a:solidFill>
             <a:srgbClr val="000000"/>
           </a:solidFill>
@@ -11314,7 +11573,7 @@
           <a:sym typeface="Arial"/>
         </a:defRPr>
       </a:lvl8pPr>
-      <a:lvl9pPr lvl="8" marR="0" rtl="0" algn="l">
+      <a:lvl9pPr marR="0" lvl="8" algn="l" rtl="0">
         <a:lnSpc>
           <a:spcPct val="100000"/>
         </a:lnSpc>
@@ -11328,7 +11587,7 @@
           <a:srgbClr val="000000"/>
         </a:buClr>
         <a:buFont typeface="Arial"/>
-        <a:defRPr b="0" i="0" sz="1400" u="none" cap="none" strike="noStrike">
+        <a:defRPr sz="1400" b="0" i="0" u="none" strike="noStrike" cap="none">
           <a:solidFill>
             <a:srgbClr val="000000"/>
           </a:solidFill>
@@ -11340,7 +11599,7 @@
       </a:lvl9pPr>
     </p:bodyStyle>
     <p:otherStyle>
-      <a:defPPr lvl="0" marR="0" rtl="0" algn="l">
+      <a:defPPr marR="0" lvl="0" algn="l" rtl="0">
         <a:lnSpc>
           <a:spcPct val="100000"/>
         </a:lnSpc>
@@ -11351,7 +11610,7 @@
           <a:spcPts val="0"/>
         </a:spcAft>
       </a:defPPr>
-      <a:lvl1pPr lvl="0" marR="0" rtl="0" algn="l">
+      <a:lvl1pPr marR="0" lvl="0" algn="l" rtl="0">
         <a:lnSpc>
           <a:spcPct val="100000"/>
         </a:lnSpc>
@@ -11365,7 +11624,7 @@
           <a:srgbClr val="000000"/>
         </a:buClr>
         <a:buFont typeface="Arial"/>
-        <a:defRPr b="0" i="0" sz="1400" u="none" cap="none" strike="noStrike">
+        <a:defRPr sz="1400" b="0" i="0" u="none" strike="noStrike" cap="none">
           <a:solidFill>
             <a:srgbClr val="000000"/>
           </a:solidFill>
@@ -11375,7 +11634,7 @@
           <a:sym typeface="Arial"/>
         </a:defRPr>
       </a:lvl1pPr>
-      <a:lvl2pPr lvl="1" marR="0" rtl="0" algn="l">
+      <a:lvl2pPr marR="0" lvl="1" algn="l" rtl="0">
         <a:lnSpc>
           <a:spcPct val="100000"/>
         </a:lnSpc>
@@ -11389,7 +11648,7 @@
           <a:srgbClr val="000000"/>
         </a:buClr>
         <a:buFont typeface="Arial"/>
-        <a:defRPr b="0" i="0" sz="1400" u="none" cap="none" strike="noStrike">
+        <a:defRPr sz="1400" b="0" i="0" u="none" strike="noStrike" cap="none">
           <a:solidFill>
             <a:srgbClr val="000000"/>
           </a:solidFill>
@@ -11399,7 +11658,7 @@
           <a:sym typeface="Arial"/>
         </a:defRPr>
       </a:lvl2pPr>
-      <a:lvl3pPr lvl="2" marR="0" rtl="0" algn="l">
+      <a:lvl3pPr marR="0" lvl="2" algn="l" rtl="0">
         <a:lnSpc>
           <a:spcPct val="100000"/>
         </a:lnSpc>
@@ -11413,7 +11672,7 @@
           <a:srgbClr val="000000"/>
         </a:buClr>
         <a:buFont typeface="Arial"/>
-        <a:defRPr b="0" i="0" sz="1400" u="none" cap="none" strike="noStrike">
+        <a:defRPr sz="1400" b="0" i="0" u="none" strike="noStrike" cap="none">
           <a:solidFill>
             <a:srgbClr val="000000"/>
           </a:solidFill>
@@ -11423,7 +11682,7 @@
           <a:sym typeface="Arial"/>
         </a:defRPr>
       </a:lvl3pPr>
-      <a:lvl4pPr lvl="3" marR="0" rtl="0" algn="l">
+      <a:lvl4pPr marR="0" lvl="3" algn="l" rtl="0">
         <a:lnSpc>
           <a:spcPct val="100000"/>
         </a:lnSpc>
@@ -11437,7 +11696,7 @@
           <a:srgbClr val="000000"/>
         </a:buClr>
         <a:buFont typeface="Arial"/>
-        <a:defRPr b="0" i="0" sz="1400" u="none" cap="none" strike="noStrike">
+        <a:defRPr sz="1400" b="0" i="0" u="none" strike="noStrike" cap="none">
           <a:solidFill>
             <a:srgbClr val="000000"/>
           </a:solidFill>
@@ -11447,7 +11706,7 @@
           <a:sym typeface="Arial"/>
         </a:defRPr>
       </a:lvl4pPr>
-      <a:lvl5pPr lvl="4" marR="0" rtl="0" algn="l">
+      <a:lvl5pPr marR="0" lvl="4" algn="l" rtl="0">
         <a:lnSpc>
           <a:spcPct val="100000"/>
         </a:lnSpc>
@@ -11461,7 +11720,7 @@
           <a:srgbClr val="000000"/>
         </a:buClr>
         <a:buFont typeface="Arial"/>
-        <a:defRPr b="0" i="0" sz="1400" u="none" cap="none" strike="noStrike">
+        <a:defRPr sz="1400" b="0" i="0" u="none" strike="noStrike" cap="none">
           <a:solidFill>
             <a:srgbClr val="000000"/>
           </a:solidFill>
@@ -11471,7 +11730,7 @@
           <a:sym typeface="Arial"/>
         </a:defRPr>
       </a:lvl5pPr>
-      <a:lvl6pPr lvl="5" marR="0" rtl="0" algn="l">
+      <a:lvl6pPr marR="0" lvl="5" algn="l" rtl="0">
         <a:lnSpc>
           <a:spcPct val="100000"/>
         </a:lnSpc>
@@ -11485,7 +11744,7 @@
           <a:srgbClr val="000000"/>
         </a:buClr>
         <a:buFont typeface="Arial"/>
-        <a:defRPr b="0" i="0" sz="1400" u="none" cap="none" strike="noStrike">
+        <a:defRPr sz="1400" b="0" i="0" u="none" strike="noStrike" cap="none">
           <a:solidFill>
             <a:srgbClr val="000000"/>
           </a:solidFill>
@@ -11495,7 +11754,7 @@
           <a:sym typeface="Arial"/>
         </a:defRPr>
       </a:lvl6pPr>
-      <a:lvl7pPr lvl="6" marR="0" rtl="0" algn="l">
+      <a:lvl7pPr marR="0" lvl="6" algn="l" rtl="0">
         <a:lnSpc>
           <a:spcPct val="100000"/>
         </a:lnSpc>
@@ -11509,7 +11768,7 @@
           <a:srgbClr val="000000"/>
         </a:buClr>
         <a:buFont typeface="Arial"/>
-        <a:defRPr b="0" i="0" sz="1400" u="none" cap="none" strike="noStrike">
+        <a:defRPr sz="1400" b="0" i="0" u="none" strike="noStrike" cap="none">
           <a:solidFill>
             <a:srgbClr val="000000"/>
           </a:solidFill>
@@ -11519,7 +11778,7 @@
           <a:sym typeface="Arial"/>
         </a:defRPr>
       </a:lvl7pPr>
-      <a:lvl8pPr lvl="7" marR="0" rtl="0" algn="l">
+      <a:lvl8pPr marR="0" lvl="7" algn="l" rtl="0">
         <a:lnSpc>
           <a:spcPct val="100000"/>
         </a:lnSpc>
@@ -11533,7 +11792,7 @@
           <a:srgbClr val="000000"/>
         </a:buClr>
         <a:buFont typeface="Arial"/>
-        <a:defRPr b="0" i="0" sz="1400" u="none" cap="none" strike="noStrike">
+        <a:defRPr sz="1400" b="0" i="0" u="none" strike="noStrike" cap="none">
           <a:solidFill>
             <a:srgbClr val="000000"/>
           </a:solidFill>
@@ -11543,7 +11802,7 @@
           <a:sym typeface="Arial"/>
         </a:defRPr>
       </a:lvl8pPr>
-      <a:lvl9pPr lvl="8" marR="0" rtl="0" algn="l">
+      <a:lvl9pPr marR="0" lvl="8" algn="l" rtl="0">
         <a:lnSpc>
           <a:spcPct val="100000"/>
         </a:lnSpc>
@@ -11557,7 +11816,7 @@
           <a:srgbClr val="000000"/>
         </a:buClr>
         <a:buFont typeface="Arial"/>
-        <a:defRPr b="0" i="0" sz="1400" u="none" cap="none" strike="noStrike">
+        <a:defRPr sz="1400" b="0" i="0" u="none" strike="noStrike" cap="none">
           <a:solidFill>
             <a:srgbClr val="000000"/>
           </a:solidFill>
@@ -11573,11 +11832,11 @@
 </file>
 
 <file path=ppt/slides/slide1.xml><?xml version="1.0" encoding="utf-8"?>
-<p:sld xmlns:a="http://schemas.openxmlformats.org/drawingml/2006/main" xmlns:r="http://schemas.openxmlformats.org/officeDocument/2006/relationships" xmlns:mc="http://schemas.openxmlformats.org/markup-compatibility/2006" xmlns:mv="urn:schemas-microsoft-com:mac:vml" xmlns:p="http://schemas.openxmlformats.org/presentationml/2006/main" xmlns:c="http://schemas.openxmlformats.org/drawingml/2006/chart" xmlns:dgm="http://schemas.openxmlformats.org/drawingml/2006/diagram" xmlns:o="urn:schemas-microsoft-com:office:office" xmlns:v="urn:schemas-microsoft-com:vml" xmlns:pvml="urn:schemas-microsoft-com:office:powerpoint" xmlns:com="http://schemas.openxmlformats.org/drawingml/2006/compatibility" xmlns:p14="http://schemas.microsoft.com/office/powerpoint/2010/main" xmlns:p15="http://schemas.microsoft.com/office/powerpoint/2012/main" xmlns:ahyp="http://schemas.microsoft.com/office/drawing/2018/hyperlinkcolor">
+<p:sld xmlns:a="http://schemas.openxmlformats.org/drawingml/2006/main" xmlns:r="http://schemas.openxmlformats.org/officeDocument/2006/relationships" xmlns:p="http://schemas.openxmlformats.org/presentationml/2006/main">
   <p:cSld>
     <p:spTree>
       <p:nvGrpSpPr>
-        <p:cNvPr id="88" name="Shape 88"/>
+        <p:cNvPr id="1" name="Shape 88"/>
         <p:cNvGrpSpPr/>
         <p:nvPr/>
       </p:nvGrpSpPr>
@@ -11592,9 +11851,11 @@
       <p:sp>
         <p:nvSpPr>
           <p:cNvPr id="89" name="Google Shape;89;p1"/>
-          <p:cNvSpPr txBox="1"/>
+          <p:cNvSpPr txBox="1">
+            <a:spLocks noGrp="1"/>
+          </p:cNvSpPr>
           <p:nvPr>
-            <p:ph idx="1" type="subTitle"/>
+            <p:ph type="subTitle" idx="1"/>
           </p:nvPr>
         </p:nvSpPr>
         <p:spPr>
@@ -11613,12 +11874,12 @@
           </a:ln>
         </p:spPr>
         <p:txBody>
-          <a:bodyPr anchorCtr="0" anchor="t" bIns="45700" lIns="91425" spcFirstLastPara="1" rIns="91425" wrap="square" tIns="45700">
+          <a:bodyPr spcFirstLastPara="1" wrap="square" lIns="91425" tIns="45700" rIns="91425" bIns="45700" anchor="t" anchorCtr="0">
             <a:normAutofit/>
           </a:bodyPr>
           <a:lstStyle/>
           <a:p>
-            <a:pPr indent="0" lvl="0" marL="0" rtl="0" algn="ctr">
+            <a:pPr marL="0" lvl="0" indent="0" algn="ctr" rtl="0">
               <a:lnSpc>
                 <a:spcPct val="90000"/>
               </a:lnSpc>
@@ -11649,7 +11910,7 @@
             <a:endParaRPr/>
           </a:p>
           <a:p>
-            <a:pPr indent="0" lvl="0" marL="0" rtl="0" algn="ctr">
+            <a:pPr marL="0" lvl="0" indent="0" algn="ctr" rtl="0">
               <a:lnSpc>
                 <a:spcPct val="90000"/>
               </a:lnSpc>
@@ -11690,7 +11951,7 @@
         <p:spPr>
           <a:xfrm>
             <a:off x="1097979" y="9022306"/>
-            <a:ext cx="10536000" cy="6863400"/>
+            <a:ext cx="10536000" cy="6986488"/>
           </a:xfrm>
           <a:prstGeom prst="rect">
             <a:avLst/>
@@ -11701,12 +11962,12 @@
           </a:ln>
         </p:spPr>
         <p:txBody>
-          <a:bodyPr anchorCtr="0" anchor="t" bIns="45700" lIns="91425" spcFirstLastPara="1" rIns="91425" wrap="square" tIns="45700">
+          <a:bodyPr spcFirstLastPara="1" wrap="square" lIns="91425" tIns="45700" rIns="91425" bIns="45700" anchor="t" anchorCtr="0">
             <a:spAutoFit/>
           </a:bodyPr>
           <a:lstStyle/>
           <a:p>
-            <a:pPr indent="0" lvl="0" marL="0" marR="0" rtl="0" algn="l">
+            <a:pPr marL="0" marR="0" lvl="0" indent="0" algn="l" rtl="0">
               <a:spcBef>
                 <a:spcPts val="0"/>
               </a:spcBef>
@@ -11716,7 +11977,7 @@
               <a:buNone/>
             </a:pPr>
             <a:r>
-              <a:rPr b="1" i="0" lang="en-US" sz="4000" u="none" cap="none" strike="noStrike">
+              <a:rPr lang="en-US" sz="4800" b="1" i="0" u="none" strike="noStrike" cap="none" dirty="0">
                 <a:solidFill>
                   <a:schemeClr val="dk1"/>
                 </a:solidFill>
@@ -11727,7 +11988,7 @@
               </a:rPr>
               <a:t>Playlist Data</a:t>
             </a:r>
-            <a:endParaRPr sz="4000">
+            <a:endParaRPr sz="4800" dirty="0">
               <a:solidFill>
                 <a:schemeClr val="dk1"/>
               </a:solidFill>
@@ -11738,7 +11999,7 @@
             </a:endParaRPr>
           </a:p>
           <a:p>
-            <a:pPr indent="-857250" lvl="0" marL="857250" marR="0" rtl="0" algn="l">
+            <a:pPr marL="857250" marR="0" lvl="0" indent="-857250" algn="l" rtl="0">
               <a:spcBef>
                 <a:spcPts val="0"/>
               </a:spcBef>
@@ -11753,7 +12014,7 @@
               <a:buChar char="-"/>
             </a:pPr>
             <a:r>
-              <a:rPr lang="en-US" sz="4000">
+              <a:rPr lang="en-US" sz="4000" dirty="0">
                 <a:solidFill>
                   <a:schemeClr val="dk1"/>
                 </a:solidFill>
@@ -11764,10 +12025,10 @@
               </a:rPr>
               <a:t>Spotify Dataset of 161,530 playlists shared by various users</a:t>
             </a:r>
-            <a:endParaRPr/>
+            <a:endParaRPr dirty="0"/>
           </a:p>
           <a:p>
-            <a:pPr indent="-857250" lvl="0" marL="857250" marR="0" rtl="0" algn="l">
+            <a:pPr marL="857250" marR="0" lvl="0" indent="-857250" algn="l" rtl="0">
               <a:spcBef>
                 <a:spcPts val="0"/>
               </a:spcBef>
@@ -11782,7 +12043,7 @@
               <a:buChar char="-"/>
             </a:pPr>
             <a:r>
-              <a:rPr lang="en-US" sz="4000">
+              <a:rPr lang="en-US" sz="4000" dirty="0">
                 <a:solidFill>
                   <a:schemeClr val="dk1"/>
                 </a:solidFill>
@@ -11791,36 +12052,12 @@
                 <a:cs typeface="Calibri"/>
                 <a:sym typeface="Calibri"/>
               </a:rPr>
-              <a:t>We sample </a:t>
+              <a:t>We sample 5,000 playlists for our network to build in efficient time while still producing significant results</a:t>
             </a:r>
-            <a:r>
-              <a:rPr lang="en-US" sz="4000">
-                <a:solidFill>
-                  <a:schemeClr val="dk1"/>
-                </a:solidFill>
-                <a:latin typeface="Calibri"/>
-                <a:ea typeface="Calibri"/>
-                <a:cs typeface="Calibri"/>
-                <a:sym typeface="Calibri"/>
-              </a:rPr>
-              <a:t>5</a:t>
-            </a:r>
-            <a:r>
-              <a:rPr lang="en-US" sz="4000">
-                <a:solidFill>
-                  <a:schemeClr val="dk1"/>
-                </a:solidFill>
-                <a:latin typeface="Calibri"/>
-                <a:ea typeface="Calibri"/>
-                <a:cs typeface="Calibri"/>
-                <a:sym typeface="Calibri"/>
-              </a:rPr>
-              <a:t>,000 playlists for our network to build in efficient time while still producing significant results</a:t>
-            </a:r>
-            <a:endParaRPr/>
+            <a:endParaRPr dirty="0"/>
           </a:p>
           <a:p>
-            <a:pPr indent="-857250" lvl="0" marL="857250" marR="0" rtl="0" algn="l">
+            <a:pPr marL="857250" marR="0" lvl="0" indent="-857250" algn="l" rtl="0">
               <a:spcBef>
                 <a:spcPts val="0"/>
               </a:spcBef>
@@ -11835,7 +12072,7 @@
               <a:buChar char="-"/>
             </a:pPr>
             <a:r>
-              <a:rPr lang="en-US" sz="4000">
+              <a:rPr lang="en-US" sz="4000" dirty="0">
                 <a:solidFill>
                   <a:schemeClr val="dk1"/>
                 </a:solidFill>
@@ -11846,10 +12083,10 @@
               </a:rPr>
               <a:t>The sample includes:</a:t>
             </a:r>
-            <a:endParaRPr/>
+            <a:endParaRPr dirty="0"/>
           </a:p>
           <a:p>
-            <a:pPr indent="-857250" lvl="1" marL="1314450" marR="0" rtl="0" algn="l">
+            <a:pPr marL="1314450" marR="0" lvl="1" indent="-857250" algn="l" rtl="0">
               <a:spcBef>
                 <a:spcPts val="0"/>
               </a:spcBef>
@@ -11864,7 +12101,7 @@
               <a:buChar char="-"/>
             </a:pPr>
             <a:r>
-              <a:rPr b="0" i="0" lang="en-US" sz="4000" u="none" cap="none" strike="noStrike">
+              <a:rPr lang="en-US" sz="4000" b="0" i="0" u="none" strike="noStrike" cap="none" dirty="0">
                 <a:solidFill>
                   <a:schemeClr val="dk1"/>
                 </a:solidFill>
@@ -11875,10 +12112,10 @@
               </a:rPr>
               <a:t>34,250 artists</a:t>
             </a:r>
-            <a:endParaRPr/>
+            <a:endParaRPr dirty="0"/>
           </a:p>
           <a:p>
-            <a:pPr indent="-857250" lvl="1" marL="1314450" marR="0" rtl="0" algn="l">
+            <a:pPr marL="1314450" marR="0" lvl="1" indent="-857250" algn="l" rtl="0">
               <a:spcBef>
                 <a:spcPts val="0"/>
               </a:spcBef>
@@ -11893,7 +12130,7 @@
               <a:buChar char="-"/>
             </a:pPr>
             <a:r>
-              <a:rPr b="0" i="0" lang="en-US" sz="4000" u="none" cap="none" strike="noStrike">
+              <a:rPr lang="en-US" sz="4000" b="0" i="0" u="none" strike="noStrike" cap="none" dirty="0">
                 <a:solidFill>
                   <a:schemeClr val="dk1"/>
                 </a:solidFill>
@@ -11904,10 +12141,10 @@
               </a:rPr>
               <a:t>347,305 songs</a:t>
             </a:r>
-            <a:endParaRPr/>
+            <a:endParaRPr dirty="0"/>
           </a:p>
           <a:p>
-            <a:pPr indent="-857250" lvl="1" marL="1314450" marR="0" rtl="0" algn="l">
+            <a:pPr marL="1314450" marR="0" lvl="1" indent="-857250" algn="l" rtl="0">
               <a:spcBef>
                 <a:spcPts val="0"/>
               </a:spcBef>
@@ -11922,7 +12159,7 @@
               <a:buChar char="-"/>
             </a:pPr>
             <a:r>
-              <a:rPr b="0" i="0" lang="en-US" sz="4000" u="none" cap="none" strike="noStrike">
+              <a:rPr lang="en-US" sz="4000" b="0" i="0" u="none" strike="noStrike" cap="none" dirty="0">
                 <a:solidFill>
                   <a:schemeClr val="dk1"/>
                 </a:solidFill>
@@ -11933,7 +12170,7 @@
               </a:rPr>
               <a:t>1,910 artists appearing on at least 10 playlists</a:t>
             </a:r>
-            <a:endParaRPr/>
+            <a:endParaRPr dirty="0"/>
           </a:p>
         </p:txBody>
       </p:sp>
@@ -11946,7 +12183,7 @@
         <p:spPr>
           <a:xfrm>
             <a:off x="1097979" y="17000823"/>
-            <a:ext cx="10535920" cy="4401205"/>
+            <a:ext cx="10535920" cy="4524275"/>
           </a:xfrm>
           <a:prstGeom prst="rect">
             <a:avLst/>
@@ -11957,12 +12194,12 @@
           </a:ln>
         </p:spPr>
         <p:txBody>
-          <a:bodyPr anchorCtr="0" anchor="t" bIns="45700" lIns="91425" spcFirstLastPara="1" rIns="91425" wrap="square" tIns="45700">
+          <a:bodyPr spcFirstLastPara="1" wrap="square" lIns="91425" tIns="45700" rIns="91425" bIns="45700" anchor="t" anchorCtr="0">
             <a:spAutoFit/>
           </a:bodyPr>
           <a:lstStyle/>
           <a:p>
-            <a:pPr indent="0" lvl="0" marL="0" marR="0" rtl="0" algn="l">
+            <a:pPr marL="0" marR="0" lvl="0" indent="0" algn="l" rtl="0">
               <a:spcBef>
                 <a:spcPts val="0"/>
               </a:spcBef>
@@ -11972,7 +12209,7 @@
               <a:buNone/>
             </a:pPr>
             <a:r>
-              <a:rPr b="1" lang="en-US" sz="4000">
+              <a:rPr lang="en-US" sz="4800" b="1" dirty="0">
                 <a:solidFill>
                   <a:schemeClr val="dk1"/>
                 </a:solidFill>
@@ -11983,10 +12220,10 @@
               </a:rPr>
               <a:t>Genre Data</a:t>
             </a:r>
-            <a:endParaRPr/>
+            <a:endParaRPr sz="4800" dirty="0"/>
           </a:p>
           <a:p>
-            <a:pPr indent="-571500" lvl="0" marL="571500" marR="0" rtl="0" algn="l">
+            <a:pPr marL="571500" marR="0" lvl="0" indent="-571500" algn="l" rtl="0">
               <a:spcBef>
                 <a:spcPts val="0"/>
               </a:spcBef>
@@ -12001,7 +12238,7 @@
               <a:buChar char="-"/>
             </a:pPr>
             <a:r>
-              <a:rPr lang="en-US" sz="4000">
+              <a:rPr lang="en-US" sz="4000" dirty="0">
                 <a:solidFill>
                   <a:schemeClr val="dk1"/>
                 </a:solidFill>
@@ -12012,10 +12249,10 @@
               </a:rPr>
               <a:t>Spotify defines a list of genres associated to a particular artist  </a:t>
             </a:r>
-            <a:endParaRPr/>
+            <a:endParaRPr dirty="0"/>
           </a:p>
           <a:p>
-            <a:pPr indent="-571500" lvl="0" marL="571500" marR="0" rtl="0" algn="l">
+            <a:pPr marL="571500" marR="0" lvl="0" indent="-571500" algn="l" rtl="0">
               <a:spcBef>
                 <a:spcPts val="0"/>
               </a:spcBef>
@@ -12030,7 +12267,7 @@
               <a:buChar char="-"/>
             </a:pPr>
             <a:r>
-              <a:rPr lang="en-US" sz="4000">
+              <a:rPr lang="en-US" sz="4000" dirty="0">
                 <a:solidFill>
                   <a:schemeClr val="dk1"/>
                 </a:solidFill>
@@ -12041,10 +12278,10 @@
               </a:rPr>
               <a:t>We use Spotify’s API to retrieve the genres linked to the artists being used as nodes</a:t>
             </a:r>
-            <a:endParaRPr/>
+            <a:endParaRPr dirty="0"/>
           </a:p>
           <a:p>
-            <a:pPr indent="-571500" lvl="0" marL="571500" marR="0" rtl="0" algn="l">
+            <a:pPr marL="571500" marR="0" lvl="0" indent="-571500" algn="l" rtl="0">
               <a:spcBef>
                 <a:spcPts val="0"/>
               </a:spcBef>
@@ -12059,7 +12296,7 @@
               <a:buChar char="-"/>
             </a:pPr>
             <a:r>
-              <a:rPr lang="en-US" sz="4000">
+              <a:rPr lang="en-US" sz="4000" dirty="0">
                 <a:solidFill>
                   <a:schemeClr val="dk1"/>
                 </a:solidFill>
@@ -12070,7 +12307,7 @@
               </a:rPr>
               <a:t>This data is only used for accuracy metrics and separate from what the model uses</a:t>
             </a:r>
-            <a:endParaRPr sz="6000">
+            <a:endParaRPr sz="6000" dirty="0">
               <a:solidFill>
                 <a:schemeClr val="dk1"/>
               </a:solidFill>
@@ -12079,59 +12316,6 @@
               <a:cs typeface="Calibri"/>
               <a:sym typeface="Calibri"/>
             </a:endParaRPr>
-          </a:p>
-        </p:txBody>
-      </p:sp>
-      <p:sp>
-        <p:nvSpPr>
-          <p:cNvPr id="92" name="Google Shape;92;p1"/>
-          <p:cNvSpPr txBox="1"/>
-          <p:nvPr/>
-        </p:nvSpPr>
-        <p:spPr>
-          <a:xfrm>
-            <a:off x="21679755" y="10860458"/>
-            <a:ext cx="2810107" cy="1938992"/>
-          </a:xfrm>
-          <a:prstGeom prst="rect">
-            <a:avLst/>
-          </a:prstGeom>
-          <a:noFill/>
-          <a:ln>
-            <a:noFill/>
-          </a:ln>
-        </p:spPr>
-        <p:txBody>
-          <a:bodyPr anchorCtr="0" anchor="t" bIns="45700" lIns="91425" spcFirstLastPara="1" rIns="91425" wrap="square" tIns="45700">
-            <a:spAutoFit/>
-          </a:bodyPr>
-          <a:lstStyle/>
-          <a:p>
-            <a:pPr indent="0" lvl="0" marL="0" marR="0" rtl="0" algn="l">
-              <a:spcBef>
-                <a:spcPts val="0"/>
-              </a:spcBef>
-              <a:spcAft>
-                <a:spcPts val="0"/>
-              </a:spcAft>
-              <a:buNone/>
-            </a:pPr>
-            <a:r>
-              <a:rPr lang="en-US" sz="4000">
-                <a:solidFill>
-                  <a:schemeClr val="dk1"/>
-                </a:solidFill>
-                <a:highlight>
-                  <a:srgbClr val="FFFF00"/>
-                </a:highlight>
-                <a:latin typeface="Calibri"/>
-                <a:ea typeface="Calibri"/>
-                <a:cs typeface="Calibri"/>
-                <a:sym typeface="Calibri"/>
-              </a:rPr>
-              <a:t>Placeholder for updated network</a:t>
-            </a:r>
-            <a:endParaRPr/>
           </a:p>
         </p:txBody>
       </p:sp>
@@ -12155,12 +12339,12 @@
           </a:ln>
         </p:spPr>
         <p:txBody>
-          <a:bodyPr anchorCtr="0" anchor="t" bIns="45700" lIns="91425" spcFirstLastPara="1" rIns="91425" wrap="square" tIns="45700">
+          <a:bodyPr spcFirstLastPara="1" wrap="square" lIns="91425" tIns="45700" rIns="91425" bIns="45700" anchor="t" anchorCtr="0">
             <a:spAutoFit/>
           </a:bodyPr>
           <a:lstStyle/>
           <a:p>
-            <a:pPr indent="0" lvl="0" marL="0" marR="0" rtl="0" algn="l">
+            <a:pPr marL="0" marR="0" lvl="0" indent="0" algn="l" rtl="0">
               <a:spcBef>
                 <a:spcPts val="0"/>
               </a:spcBef>
@@ -12170,7 +12354,7 @@
               <a:buNone/>
             </a:pPr>
             <a:r>
-              <a:rPr b="1" lang="en-US" sz="4800">
+              <a:rPr lang="en-US" sz="4800" b="1" dirty="0">
                 <a:solidFill>
                   <a:schemeClr val="dk1"/>
                 </a:solidFill>
@@ -12181,10 +12365,10 @@
               </a:rPr>
               <a:t>The Model:</a:t>
             </a:r>
-            <a:endParaRPr/>
+            <a:endParaRPr dirty="0"/>
           </a:p>
           <a:p>
-            <a:pPr indent="0" lvl="0" marL="0" marR="0" rtl="0" algn="l">
+            <a:pPr marL="0" marR="0" lvl="0" indent="0" algn="l" rtl="0">
               <a:spcBef>
                 <a:spcPts val="0"/>
               </a:spcBef>
@@ -12193,10 +12377,7 @@
               </a:spcAft>
               <a:buNone/>
             </a:pPr>
-            <a:r>
-              <a:t/>
-            </a:r>
-            <a:endParaRPr b="1" sz="4000">
+            <a:endParaRPr sz="4000" b="1" dirty="0">
               <a:solidFill>
                 <a:schemeClr val="dk1"/>
               </a:solidFill>
@@ -12207,7 +12388,7 @@
             </a:endParaRPr>
           </a:p>
           <a:p>
-            <a:pPr indent="0" lvl="0" marL="0" marR="0" rtl="0" algn="l">
+            <a:pPr marL="0" marR="0" lvl="0" indent="0" algn="l" rtl="0">
               <a:spcBef>
                 <a:spcPts val="0"/>
               </a:spcBef>
@@ -12217,7 +12398,7 @@
               <a:buNone/>
             </a:pPr>
             <a:r>
-              <a:rPr b="1" lang="en-US" sz="4000">
+              <a:rPr lang="en-US" sz="4000" b="1" dirty="0">
                 <a:solidFill>
                   <a:schemeClr val="dk1"/>
                 </a:solidFill>
@@ -12228,10 +12409,10 @@
               </a:rPr>
               <a:t>Communities from Edge Structure Attributes (CESNA)</a:t>
             </a:r>
-            <a:endParaRPr/>
+            <a:endParaRPr dirty="0"/>
           </a:p>
           <a:p>
-            <a:pPr indent="-571500" lvl="0" marL="571500" marR="0" rtl="0" algn="l">
+            <a:pPr marL="571500" marR="0" lvl="0" indent="-571500" algn="l" rtl="0">
               <a:spcBef>
                 <a:spcPts val="0"/>
               </a:spcBef>
@@ -12246,7 +12427,7 @@
               <a:buChar char="-"/>
             </a:pPr>
             <a:r>
-              <a:rPr lang="en-US" sz="4000">
+              <a:rPr lang="en-US" sz="4000" dirty="0">
                 <a:solidFill>
                   <a:schemeClr val="dk1"/>
                 </a:solidFill>
@@ -12257,10 +12438,10 @@
               </a:rPr>
               <a:t>This model uses relationships and node attributes to assign nodes to communities</a:t>
             </a:r>
-            <a:endParaRPr/>
+            <a:endParaRPr dirty="0"/>
           </a:p>
           <a:p>
-            <a:pPr indent="-571500" lvl="0" marL="571500" marR="0" rtl="0" algn="l">
+            <a:pPr marL="571500" marR="0" lvl="0" indent="-571500" algn="l" rtl="0">
               <a:spcBef>
                 <a:spcPts val="0"/>
               </a:spcBef>
@@ -12275,7 +12456,7 @@
               <a:buChar char="-"/>
             </a:pPr>
             <a:r>
-              <a:rPr lang="en-US" sz="4000">
+              <a:rPr lang="en-US" sz="4000" dirty="0">
                 <a:solidFill>
                   <a:schemeClr val="dk1"/>
                 </a:solidFill>
@@ -12286,10 +12467,10 @@
               </a:rPr>
               <a:t>Typical community detection just considers the edges and their weights</a:t>
             </a:r>
-            <a:endParaRPr/>
+            <a:endParaRPr dirty="0"/>
           </a:p>
           <a:p>
-            <a:pPr indent="-317500" lvl="0" marL="571500" marR="0" rtl="0" algn="l">
+            <a:pPr marL="571500" marR="0" lvl="0" indent="-317500" algn="l" rtl="0">
               <a:spcBef>
                 <a:spcPts val="0"/>
               </a:spcBef>
@@ -12303,10 +12484,7 @@
               <a:buFont typeface="Calibri"/>
               <a:buNone/>
             </a:pPr>
-            <a:r>
-              <a:t/>
-            </a:r>
-            <a:endParaRPr sz="4000">
+            <a:endParaRPr sz="4000" dirty="0">
               <a:solidFill>
                 <a:schemeClr val="dk1"/>
               </a:solidFill>
@@ -12317,7 +12495,7 @@
             </a:endParaRPr>
           </a:p>
           <a:p>
-            <a:pPr indent="0" lvl="0" marL="0" marR="0" rtl="0" algn="l">
+            <a:pPr marL="0" marR="0" lvl="0" indent="0" algn="l" rtl="0">
               <a:spcBef>
                 <a:spcPts val="0"/>
               </a:spcBef>
@@ -12327,7 +12505,7 @@
               <a:buNone/>
             </a:pPr>
             <a:r>
-              <a:rPr lang="en-US" sz="4000">
+              <a:rPr lang="en-US" sz="4000" dirty="0">
                 <a:solidFill>
                   <a:schemeClr val="dk1"/>
                 </a:solidFill>
@@ -12338,10 +12516,10 @@
               </a:rPr>
               <a:t>Our implementation:</a:t>
             </a:r>
-            <a:endParaRPr/>
+            <a:endParaRPr dirty="0"/>
           </a:p>
           <a:p>
-            <a:pPr indent="-571500" lvl="0" marL="571500" marR="0" rtl="0" algn="l">
+            <a:pPr marL="571500" marR="0" lvl="0" indent="-571500" algn="l" rtl="0">
               <a:spcBef>
                 <a:spcPts val="0"/>
               </a:spcBef>
@@ -12356,7 +12534,7 @@
               <a:buChar char="-"/>
             </a:pPr>
             <a:r>
-              <a:rPr lang="en-US" sz="4000">
+              <a:rPr lang="en-US" sz="4000" dirty="0">
                 <a:solidFill>
                   <a:schemeClr val="dk1"/>
                 </a:solidFill>
@@ -12367,10 +12545,10 @@
               </a:rPr>
               <a:t>Edges exist between two artists added to the same playlist</a:t>
             </a:r>
-            <a:endParaRPr/>
+            <a:endParaRPr dirty="0"/>
           </a:p>
           <a:p>
-            <a:pPr indent="-571500" lvl="0" marL="571500" marR="0" rtl="0" algn="l">
+            <a:pPr marL="571500" marR="0" lvl="0" indent="-571500" algn="l" rtl="0">
               <a:spcBef>
                 <a:spcPts val="0"/>
               </a:spcBef>
@@ -12385,7 +12563,7 @@
               <a:buChar char="-"/>
             </a:pPr>
             <a:r>
-              <a:rPr lang="en-US" sz="4000">
+              <a:rPr lang="en-US" sz="4000" dirty="0">
                 <a:solidFill>
                   <a:schemeClr val="dk1"/>
                 </a:solidFill>
@@ -12396,10 +12574,10 @@
               </a:rPr>
               <a:t>Edges are weighted by the frequency that artists appear in the same playlist</a:t>
             </a:r>
-            <a:endParaRPr/>
+            <a:endParaRPr dirty="0"/>
           </a:p>
           <a:p>
-            <a:pPr indent="-571500" lvl="0" marL="571500" marR="0" rtl="0" algn="l">
+            <a:pPr marL="571500" marR="0" lvl="0" indent="-571500" algn="l" rtl="0">
               <a:spcBef>
                 <a:spcPts val="0"/>
               </a:spcBef>
@@ -12414,7 +12592,7 @@
               <a:buChar char="-"/>
             </a:pPr>
             <a:r>
-              <a:rPr lang="en-US" sz="4000">
+              <a:rPr lang="en-US" sz="4000" dirty="0">
                 <a:solidFill>
                   <a:schemeClr val="dk1"/>
                 </a:solidFill>
@@ -12426,7 +12604,7 @@
               <a:t>Node attribute </a:t>
             </a:r>
             <a:r>
-              <a:rPr b="1" lang="en-US" sz="4000">
+              <a:rPr lang="en-US" sz="4000" b="1" dirty="0">
                 <a:solidFill>
                   <a:schemeClr val="dk1"/>
                 </a:solidFill>
@@ -12437,10 +12615,10 @@
               </a:rPr>
               <a:t>TBD</a:t>
             </a:r>
-            <a:endParaRPr b="1"/>
+            <a:endParaRPr b="1" dirty="0"/>
           </a:p>
           <a:p>
-            <a:pPr indent="-317500" lvl="0" marL="571500" marR="0" rtl="0" algn="l">
+            <a:pPr marL="571500" marR="0" lvl="0" indent="-317500" algn="l" rtl="0">
               <a:spcBef>
                 <a:spcPts val="0"/>
               </a:spcBef>
@@ -12454,10 +12632,7 @@
               <a:buFont typeface="Calibri"/>
               <a:buNone/>
             </a:pPr>
-            <a:r>
-              <a:t/>
-            </a:r>
-            <a:endParaRPr sz="4000">
+            <a:endParaRPr sz="4000" dirty="0">
               <a:solidFill>
                 <a:schemeClr val="dk1"/>
               </a:solidFill>
@@ -12468,7 +12643,7 @@
             </a:endParaRPr>
           </a:p>
           <a:p>
-            <a:pPr indent="-190500" lvl="0" marL="571500" marR="0" rtl="0" algn="l">
+            <a:pPr marL="571500" marR="0" lvl="0" indent="-190500" algn="l" rtl="0">
               <a:spcBef>
                 <a:spcPts val="0"/>
               </a:spcBef>
@@ -12482,10 +12657,7 @@
               <a:buFont typeface="Calibri"/>
               <a:buNone/>
             </a:pPr>
-            <a:r>
-              <a:t/>
-            </a:r>
-            <a:endParaRPr sz="6000">
+            <a:endParaRPr sz="6000" dirty="0">
               <a:solidFill>
                 <a:schemeClr val="dk1"/>
               </a:solidFill>
@@ -12506,7 +12678,7 @@
         <p:spPr>
           <a:xfrm>
             <a:off x="1097979" y="5352661"/>
-            <a:ext cx="10535920" cy="2554545"/>
+            <a:ext cx="10535920" cy="1938952"/>
           </a:xfrm>
           <a:prstGeom prst="rect">
             <a:avLst/>
@@ -12517,12 +12689,12 @@
           </a:ln>
         </p:spPr>
         <p:txBody>
-          <a:bodyPr anchorCtr="0" anchor="t" bIns="45700" lIns="91425" spcFirstLastPara="1" rIns="91425" wrap="square" tIns="45700">
+          <a:bodyPr spcFirstLastPara="1" wrap="square" lIns="91425" tIns="45700" rIns="91425" bIns="45700" anchor="t" anchorCtr="0">
             <a:spAutoFit/>
           </a:bodyPr>
           <a:lstStyle/>
           <a:p>
-            <a:pPr indent="0" lvl="0" marL="0" marR="0" rtl="0" algn="l">
+            <a:pPr marL="0" marR="0" lvl="0" indent="0" algn="l" rtl="0">
               <a:spcBef>
                 <a:spcPts val="0"/>
               </a:spcBef>
@@ -12532,7 +12704,7 @@
               <a:buNone/>
             </a:pPr>
             <a:r>
-              <a:rPr b="1" lang="en-US" sz="4000">
+              <a:rPr lang="en-US" sz="4000" b="1" dirty="0">
                 <a:solidFill>
                   <a:schemeClr val="dk1"/>
                 </a:solidFill>
@@ -12541,12 +12713,12 @@
                 <a:cs typeface="Calibri"/>
                 <a:sym typeface="Calibri"/>
               </a:rPr>
-              <a:t>Research Question/Frame what we’re trying to do?</a:t>
+              <a:t>Research Question (What are we trying to do?)</a:t>
             </a:r>
-            <a:endParaRPr/>
+            <a:endParaRPr dirty="0"/>
           </a:p>
           <a:p>
-            <a:pPr indent="0" lvl="0" marL="0" marR="0" rtl="0" algn="l">
+            <a:pPr marL="0" marR="0" lvl="0" indent="0" algn="l" rtl="0">
               <a:spcBef>
                 <a:spcPts val="0"/>
               </a:spcBef>
@@ -12556,7 +12728,7 @@
               <a:buNone/>
             </a:pPr>
             <a:r>
-              <a:rPr lang="en-US" sz="4000">
+              <a:rPr lang="en-US" sz="4000" dirty="0">
                 <a:solidFill>
                   <a:schemeClr val="dk1"/>
                 </a:solidFill>
@@ -12567,13 +12739,13 @@
               </a:rPr>
               <a:t>- Can we categorize artists into genres through association of  ……..</a:t>
             </a:r>
-            <a:endParaRPr/>
+            <a:endParaRPr dirty="0"/>
           </a:p>
         </p:txBody>
       </p:sp>
       <p:pic>
         <p:nvPicPr>
-          <p:cNvPr descr="Chart, histogram&#10;&#10;Description automatically generated" id="95" name="Google Shape;95;p1"/>
+          <p:cNvPr id="95" name="Google Shape;95;p1" descr="Chart, histogram&#10;&#10;Description automatically generated"/>
           <p:cNvPicPr preferRelativeResize="0"/>
           <p:nvPr/>
         </p:nvPicPr>
@@ -12581,7 +12753,7 @@
           <a:blip r:embed="rId3">
             <a:alphaModFix/>
           </a:blip>
-          <a:srcRect b="0" l="0" r="0" t="0"/>
+          <a:srcRect/>
           <a:stretch/>
         </p:blipFill>
         <p:spPr>
@@ -12606,8 +12778,8 @@
         </p:nvSpPr>
         <p:spPr>
           <a:xfrm>
-            <a:off x="13173435" y="17997999"/>
-            <a:ext cx="16845000" cy="6249300"/>
+            <a:off x="13173368" y="18585892"/>
+            <a:ext cx="16845000" cy="5632271"/>
           </a:xfrm>
           <a:prstGeom prst="rect">
             <a:avLst/>
@@ -12618,12 +12790,12 @@
           </a:ln>
         </p:spPr>
         <p:txBody>
-          <a:bodyPr anchorCtr="0" anchor="t" bIns="45700" lIns="91425" spcFirstLastPara="1" rIns="91425" wrap="square" tIns="45700">
+          <a:bodyPr spcFirstLastPara="1" wrap="square" lIns="91425" tIns="45700" rIns="91425" bIns="45700" anchor="t" anchorCtr="0">
             <a:spAutoFit/>
           </a:bodyPr>
           <a:lstStyle/>
           <a:p>
-            <a:pPr indent="0" lvl="0" marL="0" marR="0" rtl="0" algn="l">
+            <a:pPr marL="0" marR="0" lvl="0" indent="0" algn="l" rtl="0">
               <a:spcBef>
                 <a:spcPts val="0"/>
               </a:spcBef>
@@ -12633,7 +12805,7 @@
               <a:buNone/>
             </a:pPr>
             <a:r>
-              <a:rPr b="1" lang="en-US" sz="4000">
+              <a:rPr lang="en-US" sz="4000" dirty="0">
                 <a:solidFill>
                   <a:schemeClr val="dk1"/>
                 </a:solidFill>
@@ -12642,12 +12814,52 @@
                 <a:cs typeface="Calibri"/>
                 <a:sym typeface="Calibri"/>
               </a:rPr>
-              <a:t>Results</a:t>
+              <a:t>When detecting 3 communities, the model achieved an accuracy of 95%.</a:t>
             </a:r>
-            <a:endParaRPr/>
+            <a:endParaRPr dirty="0"/>
           </a:p>
           <a:p>
-            <a:pPr indent="0" lvl="0" marL="0" marR="0" rtl="0" algn="l">
+            <a:pPr marL="0" marR="0" lvl="0" indent="0" algn="l" rtl="0">
+              <a:spcBef>
+                <a:spcPts val="0"/>
+              </a:spcBef>
+              <a:spcAft>
+                <a:spcPts val="0"/>
+              </a:spcAft>
+              <a:buNone/>
+            </a:pPr>
+            <a:endParaRPr sz="4000" b="1" dirty="0">
+              <a:solidFill>
+                <a:schemeClr val="dk1"/>
+              </a:solidFill>
+              <a:latin typeface="Calibri"/>
+              <a:ea typeface="Calibri"/>
+              <a:cs typeface="Calibri"/>
+              <a:sym typeface="Calibri"/>
+            </a:endParaRPr>
+          </a:p>
+          <a:p>
+            <a:pPr marL="0" marR="0" lvl="0" indent="0" algn="l" rtl="0">
+              <a:spcBef>
+                <a:spcPts val="0"/>
+              </a:spcBef>
+              <a:spcAft>
+                <a:spcPts val="0"/>
+              </a:spcAft>
+              <a:buNone/>
+            </a:pPr>
+            <a:endParaRPr sz="4000" b="1" dirty="0">
+              <a:solidFill>
+                <a:schemeClr val="dk1"/>
+              </a:solidFill>
+              <a:latin typeface="Calibri"/>
+              <a:ea typeface="Calibri"/>
+              <a:cs typeface="Calibri"/>
+              <a:sym typeface="Calibri"/>
+            </a:endParaRPr>
+          </a:p>
+          <a:p>
+            <a:pPr marL="0" marR="0" lvl="0" indent="0" algn="l" rtl="0">
               <a:spcBef>
                 <a:spcPts val="0"/>
               </a:spcBef>
@@ -12657,7 +12869,7 @@
               <a:buNone/>
             </a:pPr>
             <a:r>
-              <a:rPr lang="en-US" sz="4000">
+              <a:rPr lang="en-US" sz="4000" b="1" dirty="0">
                 <a:solidFill>
                   <a:schemeClr val="dk1"/>
                 </a:solidFill>
@@ -12666,12 +12878,12 @@
                 <a:cs typeface="Calibri"/>
                 <a:sym typeface="Calibri"/>
               </a:rPr>
-              <a:t>When detecting 3 communities, the model achieved an accuracy of 95%</a:t>
+              <a:t>What is considered a ‘Correct Prediction’?</a:t>
             </a:r>
-            <a:endParaRPr/>
+            <a:endParaRPr sz="4000" dirty="0"/>
           </a:p>
           <a:p>
-            <a:pPr indent="0" lvl="0" marL="0" marR="0" rtl="0" algn="l">
+            <a:pPr marL="0" marR="0" lvl="0" indent="0" algn="l" rtl="0">
               <a:spcBef>
                 <a:spcPts val="0"/>
               </a:spcBef>
@@ -12681,9 +12893,30 @@
               <a:buNone/>
             </a:pPr>
             <a:r>
-              <a:t/>
+              <a:rPr lang="en-US" sz="4000" dirty="0">
+                <a:solidFill>
+                  <a:schemeClr val="dk1"/>
+                </a:solidFill>
+                <a:latin typeface="Calibri"/>
+                <a:ea typeface="Calibri"/>
+                <a:cs typeface="Calibri"/>
+                <a:sym typeface="Calibri"/>
+              </a:rPr>
+              <a:t>(WIP) A prediction is correct when a node has the same genre with any node within same community.</a:t>
             </a:r>
-            <a:endParaRPr b="1" sz="4000">
+            <a:endParaRPr dirty="0"/>
+          </a:p>
+          <a:p>
+            <a:pPr marL="0" marR="0" lvl="0" indent="0" algn="l" rtl="0">
+              <a:spcBef>
+                <a:spcPts val="0"/>
+              </a:spcBef>
+              <a:spcAft>
+                <a:spcPts val="0"/>
+              </a:spcAft>
+              <a:buNone/>
+            </a:pPr>
+            <a:endParaRPr sz="4000" dirty="0">
               <a:solidFill>
                 <a:schemeClr val="dk1"/>
               </a:solidFill>
@@ -12694,7 +12927,7 @@
             </a:endParaRPr>
           </a:p>
           <a:p>
-            <a:pPr indent="0" lvl="0" marL="0" marR="0" rtl="0" algn="l">
+            <a:pPr marL="0" marR="0" lvl="0" indent="0" algn="l" rtl="0">
               <a:spcBef>
                 <a:spcPts val="0"/>
               </a:spcBef>
@@ -12703,10 +12936,7 @@
               </a:spcAft>
               <a:buNone/>
             </a:pPr>
-            <a:r>
-              <a:t/>
-            </a:r>
-            <a:endParaRPr b="1" sz="4000">
+            <a:endParaRPr sz="4000" dirty="0">
               <a:solidFill>
                 <a:schemeClr val="dk1"/>
               </a:solidFill>
@@ -12717,7 +12947,7 @@
             </a:endParaRPr>
           </a:p>
           <a:p>
-            <a:pPr indent="0" lvl="0" marL="0" marR="0" rtl="0" algn="l">
+            <a:pPr marL="0" marR="0" lvl="0" indent="0" algn="l" rtl="0">
               <a:spcBef>
                 <a:spcPts val="0"/>
               </a:spcBef>
@@ -12726,128 +12956,7 @@
               </a:spcAft>
               <a:buNone/>
             </a:pPr>
-            <a:r>
-              <a:rPr b="1" lang="en-US" sz="4000">
-                <a:solidFill>
-                  <a:schemeClr val="dk1"/>
-                </a:solidFill>
-                <a:latin typeface="Calibri"/>
-                <a:ea typeface="Calibri"/>
-                <a:cs typeface="Calibri"/>
-                <a:sym typeface="Calibri"/>
-              </a:rPr>
-              <a:t>What is a Correct Prediction?</a:t>
-            </a:r>
-            <a:endParaRPr/>
-          </a:p>
-          <a:p>
-            <a:pPr indent="0" lvl="0" marL="0" marR="0" rtl="0" algn="l">
-              <a:spcBef>
-                <a:spcPts val="0"/>
-              </a:spcBef>
-              <a:spcAft>
-                <a:spcPts val="0"/>
-              </a:spcAft>
-              <a:buNone/>
-            </a:pPr>
-            <a:r>
-              <a:rPr lang="en-US" sz="4000">
-                <a:solidFill>
-                  <a:schemeClr val="dk1"/>
-                </a:solidFill>
-                <a:latin typeface="Calibri"/>
-                <a:ea typeface="Calibri"/>
-                <a:cs typeface="Calibri"/>
-                <a:sym typeface="Calibri"/>
-              </a:rPr>
-              <a:t>(WIP) A prediction is correct when a node has the same genre </a:t>
-            </a:r>
-            <a:r>
-              <a:rPr lang="en-US" sz="4000">
-                <a:solidFill>
-                  <a:schemeClr val="dk1"/>
-                </a:solidFill>
-                <a:latin typeface="Calibri"/>
-                <a:ea typeface="Calibri"/>
-                <a:cs typeface="Calibri"/>
-                <a:sym typeface="Calibri"/>
-              </a:rPr>
-              <a:t>with</a:t>
-            </a:r>
-            <a:r>
-              <a:rPr lang="en-US" sz="4000">
-                <a:solidFill>
-                  <a:schemeClr val="dk1"/>
-                </a:solidFill>
-                <a:latin typeface="Calibri"/>
-                <a:ea typeface="Calibri"/>
-                <a:cs typeface="Calibri"/>
-                <a:sym typeface="Calibri"/>
-              </a:rPr>
-              <a:t> any node within same community.</a:t>
-            </a:r>
-            <a:endParaRPr/>
-          </a:p>
-          <a:p>
-            <a:pPr indent="0" lvl="0" marL="0" marR="0" rtl="0" algn="l">
-              <a:spcBef>
-                <a:spcPts val="0"/>
-              </a:spcBef>
-              <a:spcAft>
-                <a:spcPts val="0"/>
-              </a:spcAft>
-              <a:buNone/>
-            </a:pPr>
-            <a:r>
-              <a:t/>
-            </a:r>
-            <a:endParaRPr sz="4000">
-              <a:solidFill>
-                <a:schemeClr val="dk1"/>
-              </a:solidFill>
-              <a:latin typeface="Calibri"/>
-              <a:ea typeface="Calibri"/>
-              <a:cs typeface="Calibri"/>
-              <a:sym typeface="Calibri"/>
-            </a:endParaRPr>
-          </a:p>
-          <a:p>
-            <a:pPr indent="0" lvl="0" marL="0" marR="0" rtl="0" algn="l">
-              <a:spcBef>
-                <a:spcPts val="0"/>
-              </a:spcBef>
-              <a:spcAft>
-                <a:spcPts val="0"/>
-              </a:spcAft>
-              <a:buNone/>
-            </a:pPr>
-            <a:r>
-              <a:t/>
-            </a:r>
-            <a:endParaRPr sz="4000">
-              <a:solidFill>
-                <a:schemeClr val="dk1"/>
-              </a:solidFill>
-              <a:latin typeface="Calibri"/>
-              <a:ea typeface="Calibri"/>
-              <a:cs typeface="Calibri"/>
-              <a:sym typeface="Calibri"/>
-            </a:endParaRPr>
-          </a:p>
-          <a:p>
-            <a:pPr indent="0" lvl="0" marL="0" marR="0" rtl="0" algn="l">
-              <a:spcBef>
-                <a:spcPts val="0"/>
-              </a:spcBef>
-              <a:spcAft>
-                <a:spcPts val="0"/>
-              </a:spcAft>
-              <a:buNone/>
-            </a:pPr>
-            <a:r>
-              <a:t/>
-            </a:r>
-            <a:endParaRPr sz="4000">
+            <a:endParaRPr sz="4000" dirty="0">
               <a:solidFill>
                 <a:schemeClr val="dk1"/>
               </a:solidFill>
@@ -12879,12 +12988,12 @@
           </a:ln>
         </p:spPr>
         <p:txBody>
-          <a:bodyPr anchorCtr="0" anchor="t" bIns="45700" lIns="91425" spcFirstLastPara="1" rIns="91425" wrap="square" tIns="45700">
+          <a:bodyPr spcFirstLastPara="1" wrap="square" lIns="91425" tIns="45700" rIns="91425" bIns="45700" anchor="t" anchorCtr="0">
             <a:spAutoFit/>
           </a:bodyPr>
           <a:lstStyle/>
           <a:p>
-            <a:pPr indent="-482600" lvl="0" marL="457200" marR="0" rtl="0" algn="l">
+            <a:pPr marL="457200" marR="0" lvl="0" indent="-482600" algn="l" rtl="0">
               <a:spcBef>
                 <a:spcPts val="0"/>
               </a:spcBef>
@@ -12913,7 +13022,7 @@
             <a:endParaRPr/>
           </a:p>
           <a:p>
-            <a:pPr indent="0" lvl="0" marL="0" marR="0" rtl="0" algn="l">
+            <a:pPr marL="0" marR="0" lvl="0" indent="0" algn="l" rtl="0">
               <a:spcBef>
                 <a:spcPts val="0"/>
               </a:spcBef>
@@ -12922,9 +13031,6 @@
               </a:spcAft>
               <a:buNone/>
             </a:pPr>
-            <a:r>
-              <a:t/>
-            </a:r>
             <a:endParaRPr sz="4000">
               <a:solidFill>
                 <a:schemeClr val="dk1"/>
@@ -12936,7 +13042,7 @@
             </a:endParaRPr>
           </a:p>
           <a:p>
-            <a:pPr indent="-482600" lvl="0" marL="457200" marR="0" rtl="0" algn="l">
+            <a:pPr marL="457200" marR="0" lvl="0" indent="-482600" algn="l" rtl="0">
               <a:spcBef>
                 <a:spcPts val="0"/>
               </a:spcBef>
@@ -12960,31 +13066,7 @@
                 <a:cs typeface="Calibri"/>
                 <a:sym typeface="Calibri"/>
               </a:rPr>
-              <a:t>The algorithm involves maximizing the likelihood that a node belongs to a given community through gradient descent. The </a:t>
-            </a:r>
-            <a:r>
-              <a:rPr lang="en-US" sz="4000">
-                <a:solidFill>
-                  <a:schemeClr val="dk1"/>
-                </a:solidFill>
-                <a:latin typeface="Calibri"/>
-                <a:ea typeface="Calibri"/>
-                <a:cs typeface="Calibri"/>
-                <a:sym typeface="Calibri"/>
-              </a:rPr>
-              <a:t>likelihood</a:t>
-            </a:r>
-            <a:r>
-              <a:rPr lang="en-US" sz="4000">
-                <a:solidFill>
-                  <a:schemeClr val="dk1"/>
-                </a:solidFill>
-                <a:latin typeface="Calibri"/>
-                <a:ea typeface="Calibri"/>
-                <a:cs typeface="Calibri"/>
-                <a:sym typeface="Calibri"/>
-              </a:rPr>
-              <a:t> function is defined as l(F) = log P(G|F) where G is the underlying graph and F is the affiliation matrix.</a:t>
+              <a:t>The algorithm involves maximizing the likelihood that a node belongs to a given community through gradient descent. The likelihood function is defined as l(F) = log P(G|F) where G is the underlying graph and F is the affiliation matrix.</a:t>
             </a:r>
             <a:endParaRPr sz="4000">
               <a:solidFill>
@@ -12997,7 +13079,7 @@
             </a:endParaRPr>
           </a:p>
           <a:p>
-            <a:pPr indent="0" lvl="0" marL="0" marR="0" rtl="0" algn="l">
+            <a:pPr marL="0" marR="0" lvl="0" indent="0" algn="l" rtl="0">
               <a:spcBef>
                 <a:spcPts val="0"/>
               </a:spcBef>
@@ -13006,9 +13088,6 @@
               </a:spcAft>
               <a:buNone/>
             </a:pPr>
-            <a:r>
-              <a:t/>
-            </a:r>
             <a:endParaRPr sz="4000">
               <a:solidFill>
                 <a:schemeClr val="dk1"/>
@@ -13023,40 +13102,12 @@
       </p:sp>
       <p:pic>
         <p:nvPicPr>
-          <p:cNvPr id="98" name="Google Shape;98;p1"/>
+          <p:cNvPr id="99" name="Google Shape;99;p1"/>
           <p:cNvPicPr preferRelativeResize="0"/>
           <p:nvPr/>
         </p:nvPicPr>
         <p:blipFill>
           <a:blip r:embed="rId4">
-            <a:alphaModFix/>
-          </a:blip>
-          <a:stretch>
-            <a:fillRect/>
-          </a:stretch>
-        </p:blipFill>
-        <p:spPr>
-          <a:xfrm>
-            <a:off x="14258300" y="5555599"/>
-            <a:ext cx="16844875" cy="11310142"/>
-          </a:xfrm>
-          <a:prstGeom prst="rect">
-            <a:avLst/>
-          </a:prstGeom>
-          <a:noFill/>
-          <a:ln>
-            <a:noFill/>
-          </a:ln>
-        </p:spPr>
-      </p:pic>
-      <p:pic>
-        <p:nvPicPr>
-          <p:cNvPr id="99" name="Google Shape;99;p1"/>
-          <p:cNvPicPr preferRelativeResize="0"/>
-          <p:nvPr/>
-        </p:nvPicPr>
-        <p:blipFill>
-          <a:blip r:embed="rId5">
             <a:alphaModFix/>
           </a:blip>
           <a:stretch>
@@ -13077,6 +13128,89 @@
           </a:ln>
         </p:spPr>
       </p:pic>
+      <p:pic>
+        <p:nvPicPr>
+          <p:cNvPr id="5" name="Picture 4">
+            <a:extLst>
+              <a:ext uri="{FF2B5EF4-FFF2-40B4-BE49-F238E27FC236}">
+                <a16:creationId xmlns:a16="http://schemas.microsoft.com/office/drawing/2014/main" id="{0A0EE13E-E6F7-087F-0CD9-705E24800756}"/>
+              </a:ext>
+            </a:extLst>
+          </p:cNvPr>
+          <p:cNvPicPr>
+            <a:picLocks noChangeAspect="1"/>
+          </p:cNvPicPr>
+          <p:nvPr/>
+        </p:nvPicPr>
+        <p:blipFill>
+          <a:blip r:embed="rId5"/>
+          <a:stretch>
+            <a:fillRect/>
+          </a:stretch>
+        </p:blipFill>
+        <p:spPr>
+          <a:xfrm>
+            <a:off x="13987818" y="5352660"/>
+            <a:ext cx="13261301" cy="13261301"/>
+          </a:xfrm>
+          <a:prstGeom prst="rect">
+            <a:avLst/>
+          </a:prstGeom>
+        </p:spPr>
+      </p:pic>
+      <p:sp>
+        <p:nvSpPr>
+          <p:cNvPr id="9" name="TextBox 8">
+            <a:extLst>
+              <a:ext uri="{FF2B5EF4-FFF2-40B4-BE49-F238E27FC236}">
+                <a16:creationId xmlns:a16="http://schemas.microsoft.com/office/drawing/2014/main" id="{988B0A98-96A5-742B-173C-01331B17D545}"/>
+              </a:ext>
+            </a:extLst>
+          </p:cNvPr>
+          <p:cNvSpPr txBox="1"/>
+          <p:nvPr/>
+        </p:nvSpPr>
+        <p:spPr>
+          <a:xfrm>
+            <a:off x="13173368" y="5352660"/>
+            <a:ext cx="16845000" cy="830997"/>
+          </a:xfrm>
+          <a:prstGeom prst="rect">
+            <a:avLst/>
+          </a:prstGeom>
+          <a:noFill/>
+        </p:spPr>
+        <p:txBody>
+          <a:bodyPr wrap="square">
+            <a:spAutoFit/>
+          </a:bodyPr>
+          <a:lstStyle/>
+          <a:p>
+            <a:pPr marL="0" marR="0" lvl="0" indent="0" algn="l" rtl="0">
+              <a:spcBef>
+                <a:spcPts val="0"/>
+              </a:spcBef>
+              <a:spcAft>
+                <a:spcPts val="0"/>
+              </a:spcAft>
+              <a:buNone/>
+            </a:pPr>
+            <a:r>
+              <a:rPr lang="en-US" sz="4800" b="1" dirty="0">
+                <a:solidFill>
+                  <a:schemeClr val="dk1"/>
+                </a:solidFill>
+                <a:latin typeface="Calibri"/>
+                <a:ea typeface="Calibri"/>
+                <a:cs typeface="Calibri"/>
+                <a:sym typeface="Calibri"/>
+              </a:rPr>
+              <a:t>Results</a:t>
+            </a:r>
+            <a:endParaRPr lang="en-US" sz="4800" dirty="0"/>
+          </a:p>
+        </p:txBody>
+      </p:sp>
     </p:spTree>
   </p:cSld>
   <p:clrMapOvr>
@@ -13086,7 +13220,288 @@
 </file>
 
 <file path=ppt/theme/theme1.xml><?xml version="1.0" encoding="utf-8"?>
-<a:theme xmlns:a="http://schemas.openxmlformats.org/drawingml/2006/main" xmlns:r="http://schemas.openxmlformats.org/officeDocument/2006/relationships" name="Office Theme">
+<a:theme xmlns:a="http://schemas.openxmlformats.org/drawingml/2006/main" name="Office Theme">
+  <a:themeElements>
+    <a:clrScheme name="Office Theme">
+      <a:dk1>
+        <a:srgbClr val="000000"/>
+      </a:dk1>
+      <a:lt1>
+        <a:srgbClr val="FFFFFF"/>
+      </a:lt1>
+      <a:dk2>
+        <a:srgbClr val="44546A"/>
+      </a:dk2>
+      <a:lt2>
+        <a:srgbClr val="E7E6E6"/>
+      </a:lt2>
+      <a:accent1>
+        <a:srgbClr val="4472C4"/>
+      </a:accent1>
+      <a:accent2>
+        <a:srgbClr val="ED7D31"/>
+      </a:accent2>
+      <a:accent3>
+        <a:srgbClr val="A5A5A5"/>
+      </a:accent3>
+      <a:accent4>
+        <a:srgbClr val="FFC000"/>
+      </a:accent4>
+      <a:accent5>
+        <a:srgbClr val="5B9BD5"/>
+      </a:accent5>
+      <a:accent6>
+        <a:srgbClr val="70AD47"/>
+      </a:accent6>
+      <a:hlink>
+        <a:srgbClr val="0563C1"/>
+      </a:hlink>
+      <a:folHlink>
+        <a:srgbClr val="954F72"/>
+      </a:folHlink>
+    </a:clrScheme>
+    <a:fontScheme name="Office">
+      <a:majorFont>
+        <a:latin typeface="Arial"/>
+        <a:ea typeface=""/>
+        <a:cs typeface=""/>
+        <a:font script="Jpan" typeface="ＭＳ Ｐゴシック"/>
+        <a:font script="Hang" typeface="맑은 고딕"/>
+        <a:font script="Hans" typeface="宋体"/>
+        <a:font script="Hant" typeface="新細明體"/>
+        <a:font script="Arab" typeface="Times New Roman"/>
+        <a:font script="Hebr" typeface="Times New Roman"/>
+        <a:font script="Thai" typeface="Angsana New"/>
+        <a:font script="Ethi" typeface="Nyala"/>
+        <a:font script="Beng" typeface="Vrinda"/>
+        <a:font script="Gujr" typeface="Shruti"/>
+        <a:font script="Khmr" typeface="MoolBoran"/>
+        <a:font script="Knda" typeface="Tunga"/>
+        <a:font script="Guru" typeface="Raavi"/>
+        <a:font script="Cans" typeface="Euphemia"/>
+        <a:font script="Cher" typeface="Plantagenet Cherokee"/>
+        <a:font script="Yiii" typeface="Microsoft Yi Baiti"/>
+        <a:font script="Tibt" typeface="Microsoft Himalaya"/>
+        <a:font script="Thaa" typeface="MV Boli"/>
+        <a:font script="Deva" typeface="Mangal"/>
+        <a:font script="Telu" typeface="Gautami"/>
+        <a:font script="Taml" typeface="Latha"/>
+        <a:font script="Syrc" typeface="Estrangelo Edessa"/>
+        <a:font script="Orya" typeface="Kalinga"/>
+        <a:font script="Mlym" typeface="Kartika"/>
+        <a:font script="Laoo" typeface="DokChampa"/>
+        <a:font script="Sinh" typeface="Iskoola Pota"/>
+        <a:font script="Mong" typeface="Mongolian Baiti"/>
+        <a:font script="Viet" typeface="Times New Roman"/>
+        <a:font script="Uigh" typeface="Microsoft Uighur"/>
+        <a:font script="Geor" typeface="Sylfaen"/>
+      </a:majorFont>
+      <a:minorFont>
+        <a:latin typeface="Arial"/>
+        <a:ea typeface=""/>
+        <a:cs typeface=""/>
+        <a:font script="Jpan" typeface="ＭＳ Ｐゴシック"/>
+        <a:font script="Hang" typeface="맑은 고딕"/>
+        <a:font script="Hans" typeface="宋体"/>
+        <a:font script="Hant" typeface="新細明體"/>
+        <a:font script="Arab" typeface="Arial"/>
+        <a:font script="Hebr" typeface="Arial"/>
+        <a:font script="Thai" typeface="Cordia New"/>
+        <a:font script="Ethi" typeface="Nyala"/>
+        <a:font script="Beng" typeface="Vrinda"/>
+        <a:font script="Gujr" typeface="Shruti"/>
+        <a:font script="Khmr" typeface="DaunPenh"/>
+        <a:font script="Knda" typeface="Tunga"/>
+        <a:font script="Guru" typeface="Raavi"/>
+        <a:font script="Cans" typeface="Euphemia"/>
+        <a:font script="Cher" typeface="Plantagenet Cherokee"/>
+        <a:font script="Yiii" typeface="Microsoft Yi Baiti"/>
+        <a:font script="Tibt" typeface="Microsoft Himalaya"/>
+        <a:font script="Thaa" typeface="MV Boli"/>
+        <a:font script="Deva" typeface="Mangal"/>
+        <a:font script="Telu" typeface="Gautami"/>
+        <a:font script="Taml" typeface="Latha"/>
+        <a:font script="Syrc" typeface="Estrangelo Edessa"/>
+        <a:font script="Orya" typeface="Kalinga"/>
+        <a:font script="Mlym" typeface="Kartika"/>
+        <a:font script="Laoo" typeface="DokChampa"/>
+        <a:font script="Sinh" typeface="Iskoola Pota"/>
+        <a:font script="Mong" typeface="Mongolian Baiti"/>
+        <a:font script="Viet" typeface="Arial"/>
+        <a:font script="Uigh" typeface="Microsoft Uighur"/>
+        <a:font script="Geor" typeface="Sylfaen"/>
+      </a:minorFont>
+    </a:fontScheme>
+    <a:fmtScheme name="Office">
+      <a:fillStyleLst>
+        <a:solidFill>
+          <a:schemeClr val="phClr"/>
+        </a:solidFill>
+        <a:gradFill rotWithShape="1">
+          <a:gsLst>
+            <a:gs pos="0">
+              <a:schemeClr val="phClr">
+                <a:tint val="50000"/>
+                <a:satMod val="300000"/>
+              </a:schemeClr>
+            </a:gs>
+            <a:gs pos="35000">
+              <a:schemeClr val="phClr">
+                <a:tint val="37000"/>
+                <a:satMod val="300000"/>
+              </a:schemeClr>
+            </a:gs>
+            <a:gs pos="100000">
+              <a:schemeClr val="phClr">
+                <a:tint val="15000"/>
+                <a:satMod val="350000"/>
+              </a:schemeClr>
+            </a:gs>
+          </a:gsLst>
+          <a:lin ang="16200000" scaled="1"/>
+        </a:gradFill>
+        <a:gradFill rotWithShape="1">
+          <a:gsLst>
+            <a:gs pos="0">
+              <a:schemeClr val="phClr">
+                <a:tint val="100000"/>
+                <a:shade val="100000"/>
+                <a:satMod val="130000"/>
+              </a:schemeClr>
+            </a:gs>
+            <a:gs pos="100000">
+              <a:schemeClr val="phClr">
+                <a:tint val="50000"/>
+                <a:shade val="100000"/>
+                <a:satMod val="350000"/>
+              </a:schemeClr>
+            </a:gs>
+          </a:gsLst>
+          <a:lin ang="16200000" scaled="0"/>
+        </a:gradFill>
+      </a:fillStyleLst>
+      <a:lnStyleLst>
+        <a:ln w="9525" cap="flat" cmpd="sng" algn="ctr">
+          <a:solidFill>
+            <a:schemeClr val="phClr">
+              <a:shade val="95000"/>
+              <a:satMod val="105000"/>
+            </a:schemeClr>
+          </a:solidFill>
+          <a:prstDash val="solid"/>
+        </a:ln>
+        <a:ln w="25400" cap="flat" cmpd="sng" algn="ctr">
+          <a:solidFill>
+            <a:schemeClr val="phClr"/>
+          </a:solidFill>
+          <a:prstDash val="solid"/>
+        </a:ln>
+        <a:ln w="38100" cap="flat" cmpd="sng" algn="ctr">
+          <a:solidFill>
+            <a:schemeClr val="phClr"/>
+          </a:solidFill>
+          <a:prstDash val="solid"/>
+        </a:ln>
+      </a:lnStyleLst>
+      <a:effectStyleLst>
+        <a:effectStyle>
+          <a:effectLst>
+            <a:outerShdw blurRad="40000" dist="20000" dir="5400000" rotWithShape="0">
+              <a:srgbClr val="000000">
+                <a:alpha val="38000"/>
+              </a:srgbClr>
+            </a:outerShdw>
+          </a:effectLst>
+        </a:effectStyle>
+        <a:effectStyle>
+          <a:effectLst>
+            <a:outerShdw blurRad="40000" dist="23000" dir="5400000" rotWithShape="0">
+              <a:srgbClr val="000000">
+                <a:alpha val="35000"/>
+              </a:srgbClr>
+            </a:outerShdw>
+          </a:effectLst>
+        </a:effectStyle>
+        <a:effectStyle>
+          <a:effectLst>
+            <a:outerShdw blurRad="40000" dist="23000" dir="5400000" rotWithShape="0">
+              <a:srgbClr val="000000">
+                <a:alpha val="35000"/>
+              </a:srgbClr>
+            </a:outerShdw>
+          </a:effectLst>
+          <a:scene3d>
+            <a:camera prst="orthographicFront">
+              <a:rot lat="0" lon="0" rev="0"/>
+            </a:camera>
+            <a:lightRig rig="threePt" dir="t">
+              <a:rot lat="0" lon="0" rev="1200000"/>
+            </a:lightRig>
+          </a:scene3d>
+          <a:sp3d>
+            <a:bevelT w="63500" h="25400"/>
+          </a:sp3d>
+        </a:effectStyle>
+      </a:effectStyleLst>
+      <a:bgFillStyleLst>
+        <a:solidFill>
+          <a:schemeClr val="phClr"/>
+        </a:solidFill>
+        <a:gradFill rotWithShape="1">
+          <a:gsLst>
+            <a:gs pos="0">
+              <a:schemeClr val="phClr">
+                <a:tint val="40000"/>
+                <a:satMod val="350000"/>
+              </a:schemeClr>
+            </a:gs>
+            <a:gs pos="40000">
+              <a:schemeClr val="phClr">
+                <a:tint val="45000"/>
+                <a:shade val="99000"/>
+                <a:satMod val="350000"/>
+              </a:schemeClr>
+            </a:gs>
+            <a:gs pos="100000">
+              <a:schemeClr val="phClr">
+                <a:shade val="20000"/>
+                <a:satMod val="255000"/>
+              </a:schemeClr>
+            </a:gs>
+          </a:gsLst>
+          <a:path path="circle">
+            <a:fillToRect l="50000" t="-80000" r="50000" b="180000"/>
+          </a:path>
+        </a:gradFill>
+        <a:gradFill rotWithShape="1">
+          <a:gsLst>
+            <a:gs pos="0">
+              <a:schemeClr val="phClr">
+                <a:tint val="80000"/>
+                <a:satMod val="300000"/>
+              </a:schemeClr>
+            </a:gs>
+            <a:gs pos="100000">
+              <a:schemeClr val="phClr">
+                <a:shade val="30000"/>
+                <a:satMod val="200000"/>
+              </a:schemeClr>
+            </a:gs>
+          </a:gsLst>
+          <a:path path="circle">
+            <a:fillToRect l="50000" t="50000" r="50000" b="50000"/>
+          </a:path>
+        </a:gradFill>
+      </a:bgFillStyleLst>
+    </a:fmtScheme>
+  </a:themeElements>
+  <a:objectDefaults/>
+  <a:extraClrSchemeLst/>
+</a:theme>
+</file>
+
+<file path=ppt/theme/theme2.xml><?xml version="1.0" encoding="utf-8"?>
+<a:theme xmlns:a="http://schemas.openxmlformats.org/drawingml/2006/main" name="Office Theme">
   <a:themeElements>
     <a:clrScheme name="Office">
       <a:dk1>
@@ -13361,284 +13776,7 @@
       </a:bgFillStyleLst>
     </a:fmtScheme>
   </a:themeElements>
-</a:theme>
-</file>
-
-<file path=ppt/theme/theme2.xml><?xml version="1.0" encoding="utf-8"?>
-<a:theme xmlns:a="http://schemas.openxmlformats.org/drawingml/2006/main" xmlns:r="http://schemas.openxmlformats.org/officeDocument/2006/relationships" name="Office Theme">
-  <a:themeElements>
-    <a:clrScheme name="Office Theme">
-      <a:dk1>
-        <a:srgbClr val="000000"/>
-      </a:dk1>
-      <a:lt1>
-        <a:srgbClr val="FFFFFF"/>
-      </a:lt1>
-      <a:dk2>
-        <a:srgbClr val="44546A"/>
-      </a:dk2>
-      <a:lt2>
-        <a:srgbClr val="E7E6E6"/>
-      </a:lt2>
-      <a:accent1>
-        <a:srgbClr val="4472C4"/>
-      </a:accent1>
-      <a:accent2>
-        <a:srgbClr val="ED7D31"/>
-      </a:accent2>
-      <a:accent3>
-        <a:srgbClr val="A5A5A5"/>
-      </a:accent3>
-      <a:accent4>
-        <a:srgbClr val="FFC000"/>
-      </a:accent4>
-      <a:accent5>
-        <a:srgbClr val="5B9BD5"/>
-      </a:accent5>
-      <a:accent6>
-        <a:srgbClr val="70AD47"/>
-      </a:accent6>
-      <a:hlink>
-        <a:srgbClr val="0563C1"/>
-      </a:hlink>
-      <a:folHlink>
-        <a:srgbClr val="954F72"/>
-      </a:folHlink>
-    </a:clrScheme>
-    <a:fontScheme name="Office">
-      <a:majorFont>
-        <a:latin typeface="Arial"/>
-        <a:ea typeface=""/>
-        <a:cs typeface=""/>
-        <a:font script="Jpan" typeface="ＭＳ Ｐゴシック"/>
-        <a:font script="Hang" typeface="맑은 고딕"/>
-        <a:font script="Hans" typeface="宋体"/>
-        <a:font script="Hant" typeface="新細明體"/>
-        <a:font script="Arab" typeface="Times New Roman"/>
-        <a:font script="Hebr" typeface="Times New Roman"/>
-        <a:font script="Thai" typeface="Angsana New"/>
-        <a:font script="Ethi" typeface="Nyala"/>
-        <a:font script="Beng" typeface="Vrinda"/>
-        <a:font script="Gujr" typeface="Shruti"/>
-        <a:font script="Khmr" typeface="MoolBoran"/>
-        <a:font script="Knda" typeface="Tunga"/>
-        <a:font script="Guru" typeface="Raavi"/>
-        <a:font script="Cans" typeface="Euphemia"/>
-        <a:font script="Cher" typeface="Plantagenet Cherokee"/>
-        <a:font script="Yiii" typeface="Microsoft Yi Baiti"/>
-        <a:font script="Tibt" typeface="Microsoft Himalaya"/>
-        <a:font script="Thaa" typeface="MV Boli"/>
-        <a:font script="Deva" typeface="Mangal"/>
-        <a:font script="Telu" typeface="Gautami"/>
-        <a:font script="Taml" typeface="Latha"/>
-        <a:font script="Syrc" typeface="Estrangelo Edessa"/>
-        <a:font script="Orya" typeface="Kalinga"/>
-        <a:font script="Mlym" typeface="Kartika"/>
-        <a:font script="Laoo" typeface="DokChampa"/>
-        <a:font script="Sinh" typeface="Iskoola Pota"/>
-        <a:font script="Mong" typeface="Mongolian Baiti"/>
-        <a:font script="Viet" typeface="Times New Roman"/>
-        <a:font script="Uigh" typeface="Microsoft Uighur"/>
-        <a:font script="Geor" typeface="Sylfaen"/>
-      </a:majorFont>
-      <a:minorFont>
-        <a:latin typeface="Arial"/>
-        <a:ea typeface=""/>
-        <a:cs typeface=""/>
-        <a:font script="Jpan" typeface="ＭＳ Ｐゴシック"/>
-        <a:font script="Hang" typeface="맑은 고딕"/>
-        <a:font script="Hans" typeface="宋体"/>
-        <a:font script="Hant" typeface="新細明體"/>
-        <a:font script="Arab" typeface="Arial"/>
-        <a:font script="Hebr" typeface="Arial"/>
-        <a:font script="Thai" typeface="Cordia New"/>
-        <a:font script="Ethi" typeface="Nyala"/>
-        <a:font script="Beng" typeface="Vrinda"/>
-        <a:font script="Gujr" typeface="Shruti"/>
-        <a:font script="Khmr" typeface="DaunPenh"/>
-        <a:font script="Knda" typeface="Tunga"/>
-        <a:font script="Guru" typeface="Raavi"/>
-        <a:font script="Cans" typeface="Euphemia"/>
-        <a:font script="Cher" typeface="Plantagenet Cherokee"/>
-        <a:font script="Yiii" typeface="Microsoft Yi Baiti"/>
-        <a:font script="Tibt" typeface="Microsoft Himalaya"/>
-        <a:font script="Thaa" typeface="MV Boli"/>
-        <a:font script="Deva" typeface="Mangal"/>
-        <a:font script="Telu" typeface="Gautami"/>
-        <a:font script="Taml" typeface="Latha"/>
-        <a:font script="Syrc" typeface="Estrangelo Edessa"/>
-        <a:font script="Orya" typeface="Kalinga"/>
-        <a:font script="Mlym" typeface="Kartika"/>
-        <a:font script="Laoo" typeface="DokChampa"/>
-        <a:font script="Sinh" typeface="Iskoola Pota"/>
-        <a:font script="Mong" typeface="Mongolian Baiti"/>
-        <a:font script="Viet" typeface="Arial"/>
-        <a:font script="Uigh" typeface="Microsoft Uighur"/>
-        <a:font script="Geor" typeface="Sylfaen"/>
-      </a:minorFont>
-    </a:fontScheme>
-    <a:fmtScheme name="Office">
-      <a:fillStyleLst>
-        <a:solidFill>
-          <a:schemeClr val="phClr"/>
-        </a:solidFill>
-        <a:gradFill rotWithShape="1">
-          <a:gsLst>
-            <a:gs pos="0">
-              <a:schemeClr val="phClr">
-                <a:tint val="50000"/>
-                <a:satMod val="300000"/>
-              </a:schemeClr>
-            </a:gs>
-            <a:gs pos="35000">
-              <a:schemeClr val="phClr">
-                <a:tint val="37000"/>
-                <a:satMod val="300000"/>
-              </a:schemeClr>
-            </a:gs>
-            <a:gs pos="100000">
-              <a:schemeClr val="phClr">
-                <a:tint val="15000"/>
-                <a:satMod val="350000"/>
-              </a:schemeClr>
-            </a:gs>
-          </a:gsLst>
-          <a:lin ang="16200000" scaled="1"/>
-        </a:gradFill>
-        <a:gradFill rotWithShape="1">
-          <a:gsLst>
-            <a:gs pos="0">
-              <a:schemeClr val="phClr">
-                <a:tint val="100000"/>
-                <a:shade val="100000"/>
-                <a:satMod val="130000"/>
-              </a:schemeClr>
-            </a:gs>
-            <a:gs pos="100000">
-              <a:schemeClr val="phClr">
-                <a:tint val="50000"/>
-                <a:shade val="100000"/>
-                <a:satMod val="350000"/>
-              </a:schemeClr>
-            </a:gs>
-          </a:gsLst>
-          <a:lin ang="16200000" scaled="0"/>
-        </a:gradFill>
-      </a:fillStyleLst>
-      <a:lnStyleLst>
-        <a:ln w="9525" cap="flat" cmpd="sng" algn="ctr">
-          <a:solidFill>
-            <a:schemeClr val="phClr">
-              <a:shade val="95000"/>
-              <a:satMod val="105000"/>
-            </a:schemeClr>
-          </a:solidFill>
-          <a:prstDash val="solid"/>
-        </a:ln>
-        <a:ln w="25400" cap="flat" cmpd="sng" algn="ctr">
-          <a:solidFill>
-            <a:schemeClr val="phClr"/>
-          </a:solidFill>
-          <a:prstDash val="solid"/>
-        </a:ln>
-        <a:ln w="38100" cap="flat" cmpd="sng" algn="ctr">
-          <a:solidFill>
-            <a:schemeClr val="phClr"/>
-          </a:solidFill>
-          <a:prstDash val="solid"/>
-        </a:ln>
-      </a:lnStyleLst>
-      <a:effectStyleLst>
-        <a:effectStyle>
-          <a:effectLst>
-            <a:outerShdw blurRad="40000" dist="20000" dir="5400000" rotWithShape="0">
-              <a:srgbClr val="000000">
-                <a:alpha val="38000"/>
-              </a:srgbClr>
-            </a:outerShdw>
-          </a:effectLst>
-        </a:effectStyle>
-        <a:effectStyle>
-          <a:effectLst>
-            <a:outerShdw blurRad="40000" dist="23000" dir="5400000" rotWithShape="0">
-              <a:srgbClr val="000000">
-                <a:alpha val="35000"/>
-              </a:srgbClr>
-            </a:outerShdw>
-          </a:effectLst>
-        </a:effectStyle>
-        <a:effectStyle>
-          <a:effectLst>
-            <a:outerShdw blurRad="40000" dist="23000" dir="5400000" rotWithShape="0">
-              <a:srgbClr val="000000">
-                <a:alpha val="35000"/>
-              </a:srgbClr>
-            </a:outerShdw>
-          </a:effectLst>
-          <a:scene3d>
-            <a:camera prst="orthographicFront">
-              <a:rot lat="0" lon="0" rev="0"/>
-            </a:camera>
-            <a:lightRig rig="threePt" dir="t">
-              <a:rot lat="0" lon="0" rev="1200000"/>
-            </a:lightRig>
-          </a:scene3d>
-          <a:sp3d>
-            <a:bevelT w="63500" h="25400"/>
-          </a:sp3d>
-        </a:effectStyle>
-      </a:effectStyleLst>
-      <a:bgFillStyleLst>
-        <a:solidFill>
-          <a:schemeClr val="phClr"/>
-        </a:solidFill>
-        <a:gradFill rotWithShape="1">
-          <a:gsLst>
-            <a:gs pos="0">
-              <a:schemeClr val="phClr">
-                <a:tint val="40000"/>
-                <a:satMod val="350000"/>
-              </a:schemeClr>
-            </a:gs>
-            <a:gs pos="40000">
-              <a:schemeClr val="phClr">
-                <a:tint val="45000"/>
-                <a:shade val="99000"/>
-                <a:satMod val="350000"/>
-              </a:schemeClr>
-            </a:gs>
-            <a:gs pos="100000">
-              <a:schemeClr val="phClr">
-                <a:shade val="20000"/>
-                <a:satMod val="255000"/>
-              </a:schemeClr>
-            </a:gs>
-          </a:gsLst>
-          <a:path path="circle">
-            <a:fillToRect l="50000" t="-80000" r="50000" b="180000"/>
-          </a:path>
-        </a:gradFill>
-        <a:gradFill rotWithShape="1">
-          <a:gsLst>
-            <a:gs pos="0">
-              <a:schemeClr val="phClr">
-                <a:tint val="80000"/>
-                <a:satMod val="300000"/>
-              </a:schemeClr>
-            </a:gs>
-            <a:gs pos="100000">
-              <a:schemeClr val="phClr">
-                <a:shade val="30000"/>
-                <a:satMod val="200000"/>
-              </a:schemeClr>
-            </a:gs>
-          </a:gsLst>
-          <a:path path="circle">
-            <a:fillToRect l="50000" t="50000" r="50000" b="50000"/>
-          </a:path>
-        </a:gradFill>
-      </a:bgFillStyleLst>
-    </a:fmtScheme>
-  </a:themeElements>
+  <a:objectDefaults/>
+  <a:extraClrSchemeLst/>
 </a:theme>
 </file>
--- a/poster_roughdraft.pptx
+++ b/poster_roughdraft.pptx
@@ -243,7 +243,7 @@
   </p:defaultTextStyle>
   <p:extLst>
     <p:ext uri="http://customooxmlschemas.google.com/">
-      <go:slidesCustomData xmlns:go="http://customooxmlschemas.google.com/" r:id="rId6" roundtripDataSignature="AMtx7mg6PXDr9VGFmd8TRuCxagIjIzfYIQ=="/>
+      <go:slidesCustomData xmlns:go="http://customooxmlschemas.google.com/" r:id="rId6" roundtripDataSignature="AMtx7mi23E1JoM7WQ/Dp7OtU9/2E5Sa/UQ=="/>
     </p:ext>
   </p:extLst>
 </p:presentation>
@@ -15018,7 +15018,7 @@
         <p:spPr>
           <a:xfrm>
             <a:off x="1097975" y="7907750"/>
-            <a:ext cx="10149300" cy="9697200"/>
+            <a:ext cx="10149300" cy="10312800"/>
           </a:xfrm>
           <a:prstGeom prst="rect">
             <a:avLst/>
@@ -15052,7 +15052,7 @@
               <a:buNone/>
             </a:pPr>
             <a:r>
-              <a:rPr b="1" lang="en-US" sz="4800">
+              <a:rPr b="1" i="0" lang="en-US" sz="4800" u="none" cap="none" strike="noStrike">
                 <a:solidFill>
                   <a:schemeClr val="dk1"/>
                 </a:solidFill>
@@ -15061,9 +15061,9 @@
                 <a:cs typeface="Calibri"/>
                 <a:sym typeface="Calibri"/>
               </a:rPr>
-              <a:t>Data Collections</a:t>
+              <a:t>Data Collection</a:t>
             </a:r>
-            <a:endParaRPr sz="4800">
+            <a:endParaRPr b="0" i="0" sz="4800" u="none" cap="none" strike="noStrike">
               <a:solidFill>
                 <a:schemeClr val="dk1"/>
               </a:solidFill>
@@ -15089,10 +15089,10 @@
               </a:buClr>
               <a:buSzPts val="4000"/>
               <a:buFont typeface="Calibri"/>
-              <a:buChar char="-"/>
+              <a:buChar char="➢"/>
             </a:pPr>
             <a:r>
-              <a:rPr lang="en-US" sz="4000">
+              <a:rPr b="0" i="0" lang="en-US" sz="4000" u="none" cap="none" strike="noStrike">
                 <a:solidFill>
                   <a:schemeClr val="dk1"/>
                 </a:solidFill>
@@ -15101,7 +15101,7 @@
                 <a:cs typeface="Calibri"/>
                 <a:sym typeface="Calibri"/>
               </a:rPr>
-              <a:t>The Spotify Dataset is </a:t>
+              <a:t>The Spotify Dataset is on Kaggle </a:t>
             </a:r>
             <a:r>
               <a:rPr lang="en-US" sz="4000">
@@ -15113,10 +15113,10 @@
                 <a:cs typeface="Calibri"/>
                 <a:sym typeface="Calibri"/>
               </a:rPr>
-              <a:t>retrieved</a:t>
+              <a:t>and artist genres were </a:t>
             </a:r>
             <a:r>
-              <a:rPr lang="en-US" sz="4000">
+              <a:rPr b="0" i="0" lang="en-US" sz="4000" u="none" cap="none" strike="noStrike">
                 <a:solidFill>
                   <a:schemeClr val="dk1"/>
                 </a:solidFill>
@@ -15125,9 +15125,9 @@
                 <a:cs typeface="Calibri"/>
                 <a:sym typeface="Calibri"/>
               </a:rPr>
-              <a:t> using Spotify’s API</a:t>
+              <a:t>retrieved using Spotify’s API</a:t>
             </a:r>
-            <a:endParaRPr sz="4000">
+            <a:endParaRPr b="0" i="0" sz="4000" u="none" cap="none" strike="noStrike">
               <a:solidFill>
                 <a:schemeClr val="dk1"/>
               </a:solidFill>
@@ -15158,7 +15158,7 @@
             <a:r>
               <a:t/>
             </a:r>
-            <a:endParaRPr b="1" sz="4800">
+            <a:endParaRPr b="1" i="0" sz="4800" u="none" cap="none" strike="noStrike">
               <a:solidFill>
                 <a:schemeClr val="dk1"/>
               </a:solidFill>
@@ -15187,7 +15187,7 @@
               <a:buNone/>
             </a:pPr>
             <a:r>
-              <a:rPr b="1" i="0" lang="en-US" sz="4800" u="none" cap="none" strike="noStrike">
+              <a:rPr b="1" lang="en-US" sz="4800">
                 <a:solidFill>
                   <a:schemeClr val="dk1"/>
                 </a:solidFill>
@@ -15196,7 +15196,7 @@
                 <a:cs typeface="Calibri"/>
                 <a:sym typeface="Calibri"/>
               </a:rPr>
-              <a:t>Playlist Data</a:t>
+              <a:t>The Data</a:t>
             </a:r>
             <a:endParaRPr b="0" i="0" sz="4800" u="none" cap="none" strike="noStrike">
               <a:solidFill>
@@ -15209,7 +15209,7 @@
             </a:endParaRPr>
           </a:p>
           <a:p>
-            <a:pPr indent="-857250" lvl="0" marL="857250" marR="0" rtl="0" algn="l">
+            <a:pPr indent="-482600" lvl="0" marL="457200" marR="0" rtl="0" algn="l">
               <a:lnSpc>
                 <a:spcPct val="100000"/>
               </a:lnSpc>
@@ -15224,7 +15224,7 @@
               </a:buClr>
               <a:buSzPts val="4000"/>
               <a:buFont typeface="Calibri"/>
-              <a:buChar char="-"/>
+              <a:buChar char="➢"/>
             </a:pPr>
             <a:r>
               <a:rPr b="0" i="0" lang="en-US" sz="4000" u="none" cap="none" strike="noStrike">
@@ -15249,7 +15249,7 @@
             </a:endParaRPr>
           </a:p>
           <a:p>
-            <a:pPr indent="-857250" lvl="0" marL="857250" marR="0" rtl="0" algn="l">
+            <a:pPr indent="-482600" lvl="0" marL="457200" marR="0" rtl="0" algn="l">
               <a:lnSpc>
                 <a:spcPct val="100000"/>
               </a:lnSpc>
@@ -15264,7 +15264,7 @@
               </a:buClr>
               <a:buSzPts val="4000"/>
               <a:buFont typeface="Calibri"/>
-              <a:buChar char="-"/>
+              <a:buChar char="➢"/>
             </a:pPr>
             <a:r>
               <a:rPr b="0" i="0" lang="en-US" sz="4000" u="none" cap="none" strike="noStrike">
@@ -15276,7 +15276,31 @@
                 <a:cs typeface="Calibri"/>
                 <a:sym typeface="Calibri"/>
               </a:rPr>
-              <a:t>We sample 5,000 playlists for our network to build in efficient time while still producing significant results</a:t>
+              <a:t>We sample 5,000 playlists for our network to build in efficient time while</a:t>
+            </a:r>
+            <a:r>
+              <a:rPr lang="en-US" sz="4000">
+                <a:solidFill>
+                  <a:schemeClr val="dk1"/>
+                </a:solidFill>
+                <a:latin typeface="Calibri"/>
+                <a:ea typeface="Calibri"/>
+                <a:cs typeface="Calibri"/>
+                <a:sym typeface="Calibri"/>
+              </a:rPr>
+              <a:t> </a:t>
+            </a:r>
+            <a:r>
+              <a:rPr b="0" i="0" lang="en-US" sz="4000" u="none" cap="none" strike="noStrike">
+                <a:solidFill>
+                  <a:schemeClr val="dk1"/>
+                </a:solidFill>
+                <a:latin typeface="Calibri"/>
+                <a:ea typeface="Calibri"/>
+                <a:cs typeface="Calibri"/>
+                <a:sym typeface="Calibri"/>
+              </a:rPr>
+              <a:t>producing significant results</a:t>
             </a:r>
             <a:endParaRPr b="0" i="0" sz="1400" u="none" cap="none" strike="noStrike">
               <a:solidFill>
@@ -15289,7 +15313,7 @@
             </a:endParaRPr>
           </a:p>
           <a:p>
-            <a:pPr indent="-857250" lvl="0" marL="857250" marR="0" rtl="0" algn="l">
+            <a:pPr indent="-482600" lvl="0" marL="457200" marR="0" rtl="0" algn="l">
               <a:lnSpc>
                 <a:spcPct val="100000"/>
               </a:lnSpc>
@@ -15304,7 +15328,7 @@
               </a:buClr>
               <a:buSzPts val="4000"/>
               <a:buFont typeface="Calibri"/>
-              <a:buChar char="-"/>
+              <a:buChar char="➢"/>
             </a:pPr>
             <a:r>
               <a:rPr b="0" i="0" lang="en-US" sz="4000" u="none" cap="none" strike="noStrike">
@@ -15329,7 +15353,7 @@
             </a:endParaRPr>
           </a:p>
           <a:p>
-            <a:pPr indent="-857250" lvl="1" marL="1314450" marR="0" rtl="0" algn="l">
+            <a:pPr indent="-482600" lvl="2" marL="1371600" marR="0" rtl="0" algn="l">
               <a:lnSpc>
                 <a:spcPct val="100000"/>
               </a:lnSpc>
@@ -15344,7 +15368,7 @@
               </a:buClr>
               <a:buSzPts val="4000"/>
               <a:buFont typeface="Calibri"/>
-              <a:buChar char="-"/>
+              <a:buChar char="■"/>
             </a:pPr>
             <a:r>
               <a:rPr b="0" i="0" lang="en-US" sz="4000" u="none" cap="none" strike="noStrike">
@@ -15369,7 +15393,7 @@
             </a:endParaRPr>
           </a:p>
           <a:p>
-            <a:pPr indent="-857250" lvl="1" marL="1314450" marR="0" rtl="0" algn="l">
+            <a:pPr indent="-482600" lvl="2" marL="1371600" marR="0" rtl="0" algn="l">
               <a:lnSpc>
                 <a:spcPct val="100000"/>
               </a:lnSpc>
@@ -15384,7 +15408,7 @@
               </a:buClr>
               <a:buSzPts val="4000"/>
               <a:buFont typeface="Calibri"/>
-              <a:buChar char="-"/>
+              <a:buChar char="■"/>
             </a:pPr>
             <a:r>
               <a:rPr b="0" i="0" lang="en-US" sz="4000" u="none" cap="none" strike="noStrike">
@@ -15409,7 +15433,7 @@
             </a:endParaRPr>
           </a:p>
           <a:p>
-            <a:pPr indent="-857250" lvl="1" marL="1314450" marR="0" rtl="0" algn="l">
+            <a:pPr indent="-482600" lvl="2" marL="1371600" marR="0" rtl="0" algn="l">
               <a:lnSpc>
                 <a:spcPct val="100000"/>
               </a:lnSpc>
@@ -15424,7 +15448,7 @@
               </a:buClr>
               <a:buSzPts val="4000"/>
               <a:buFont typeface="Calibri"/>
-              <a:buChar char="-"/>
+              <a:buChar char="■"/>
             </a:pPr>
             <a:r>
               <a:rPr b="0" i="0" lang="en-US" sz="4000" u="none" cap="none" strike="noStrike">
@@ -15438,14 +15462,37 @@
               </a:rPr>
               <a:t>1,910 artists appearing on at least 10 playlists</a:t>
             </a:r>
-            <a:endParaRPr b="0" i="0" sz="1400" u="none" cap="none" strike="noStrike">
+            <a:endParaRPr sz="4000">
               <a:solidFill>
-                <a:srgbClr val="000000"/>
+                <a:schemeClr val="dk1"/>
               </a:solidFill>
-              <a:latin typeface="Arial"/>
-              <a:ea typeface="Arial"/>
-              <a:cs typeface="Arial"/>
-              <a:sym typeface="Arial"/>
+              <a:latin typeface="Calibri"/>
+              <a:ea typeface="Calibri"/>
+              <a:cs typeface="Calibri"/>
+              <a:sym typeface="Calibri"/>
+            </a:endParaRPr>
+          </a:p>
+          <a:p>
+            <a:pPr indent="0" lvl="0" marL="0" rtl="0" algn="l">
+              <a:spcBef>
+                <a:spcPts val="0"/>
+              </a:spcBef>
+              <a:spcAft>
+                <a:spcPts val="0"/>
+              </a:spcAft>
+              <a:buNone/>
+            </a:pPr>
+            <a:r>
+              <a:t/>
+            </a:r>
+            <a:endParaRPr sz="4000">
+              <a:solidFill>
+                <a:schemeClr val="dk1"/>
+              </a:solidFill>
+              <a:latin typeface="Calibri"/>
+              <a:ea typeface="Calibri"/>
+              <a:cs typeface="Calibri"/>
+              <a:sym typeface="Calibri"/>
             </a:endParaRPr>
           </a:p>
         </p:txBody>
@@ -15458,8 +15505,8 @@
         </p:nvSpPr>
         <p:spPr>
           <a:xfrm>
-            <a:off x="1098004" y="17865911"/>
-            <a:ext cx="10536000" cy="4525200"/>
+            <a:off x="32257301" y="5352661"/>
+            <a:ext cx="10536000" cy="12529500"/>
           </a:xfrm>
           <a:prstGeom prst="rect">
             <a:avLst/>
@@ -15502,9 +15549,9 @@
                 <a:cs typeface="Calibri"/>
                 <a:sym typeface="Calibri"/>
               </a:rPr>
-              <a:t>Genre Data</a:t>
+              <a:t>The Model</a:t>
             </a:r>
-            <a:endParaRPr b="0" i="0" sz="4800" u="none" cap="none" strike="noStrike">
+            <a:endParaRPr b="0" i="0" sz="1400" u="none" cap="none" strike="noStrike">
               <a:solidFill>
                 <a:srgbClr val="000000"/>
               </a:solidFill>
@@ -15515,25 +15562,56 @@
             </a:endParaRPr>
           </a:p>
           <a:p>
-            <a:pPr indent="-571500" lvl="0" marL="571500" marR="0" rtl="0" algn="l">
-              <a:lnSpc>
-                <a:spcPct val="100000"/>
-              </a:lnSpc>
-              <a:spcBef>
-                <a:spcPts val="0"/>
-              </a:spcBef>
-              <a:spcAft>
-                <a:spcPts val="0"/>
-              </a:spcAft>
-              <a:buClr>
-                <a:schemeClr val="dk1"/>
+            <a:pPr indent="0" lvl="0" marL="0" marR="0" rtl="0" algn="l">
+              <a:lnSpc>
+                <a:spcPct val="100000"/>
+              </a:lnSpc>
+              <a:spcBef>
+                <a:spcPts val="0"/>
+              </a:spcBef>
+              <a:spcAft>
+                <a:spcPts val="0"/>
+              </a:spcAft>
+              <a:buClr>
+                <a:srgbClr val="000000"/>
               </a:buClr>
               <a:buSzPts val="4000"/>
-              <a:buFont typeface="Calibri"/>
-              <a:buChar char="-"/>
+              <a:buFont typeface="Arial"/>
+              <a:buNone/>
             </a:pPr>
             <a:r>
-              <a:rPr b="0" i="0" lang="en-US" sz="4000" u="none" cap="none" strike="noStrike">
+              <a:t/>
+            </a:r>
+            <a:endParaRPr b="1" i="0" sz="4000" u="none" cap="none" strike="noStrike">
+              <a:solidFill>
+                <a:schemeClr val="dk1"/>
+              </a:solidFill>
+              <a:latin typeface="Calibri"/>
+              <a:ea typeface="Calibri"/>
+              <a:cs typeface="Calibri"/>
+              <a:sym typeface="Calibri"/>
+            </a:endParaRPr>
+          </a:p>
+          <a:p>
+            <a:pPr indent="0" lvl="0" marL="0" marR="0" rtl="0" algn="l">
+              <a:lnSpc>
+                <a:spcPct val="100000"/>
+              </a:lnSpc>
+              <a:spcBef>
+                <a:spcPts val="0"/>
+              </a:spcBef>
+              <a:spcAft>
+                <a:spcPts val="0"/>
+              </a:spcAft>
+              <a:buClr>
+                <a:srgbClr val="000000"/>
+              </a:buClr>
+              <a:buSzPts val="4000"/>
+              <a:buFont typeface="Arial"/>
+              <a:buNone/>
+            </a:pPr>
+            <a:r>
+              <a:rPr b="1" i="0" lang="en-US" sz="4000" u="none" cap="none" strike="noStrike">
                 <a:solidFill>
                   <a:schemeClr val="dk1"/>
                 </a:solidFill>
@@ -15542,7 +15620,7 @@
                 <a:cs typeface="Calibri"/>
                 <a:sym typeface="Calibri"/>
               </a:rPr>
-              <a:t>Spotify defines a list of genres associated to a particular artist  </a:t>
+              <a:t>Communities from Edge Structure Attributes (CESNA)</a:t>
             </a:r>
             <a:endParaRPr b="0" i="0" sz="1400" u="none" cap="none" strike="noStrike">
               <a:solidFill>
@@ -15555,7 +15633,7 @@
             </a:endParaRPr>
           </a:p>
           <a:p>
-            <a:pPr indent="-571500" lvl="0" marL="571500" marR="0" rtl="0" algn="l">
+            <a:pPr indent="-482600" lvl="0" marL="457200" marR="0" rtl="0" algn="l">
               <a:lnSpc>
                 <a:spcPct val="100000"/>
               </a:lnSpc>
@@ -15570,7 +15648,7 @@
               </a:buClr>
               <a:buSzPts val="4000"/>
               <a:buFont typeface="Calibri"/>
-              <a:buChar char="-"/>
+              <a:buChar char="➢"/>
             </a:pPr>
             <a:r>
               <a:rPr b="0" i="0" lang="en-US" sz="4000" u="none" cap="none" strike="noStrike">
@@ -15582,7 +15660,55 @@
                 <a:cs typeface="Calibri"/>
                 <a:sym typeface="Calibri"/>
               </a:rPr>
-              <a:t>We use Spotify’s API to retrieve the genres linked to the artists being used as nodes</a:t>
+              <a:t>This model uses </a:t>
+            </a:r>
+            <a:r>
+              <a:rPr lang="en-US" sz="4000">
+                <a:solidFill>
+                  <a:schemeClr val="dk1"/>
+                </a:solidFill>
+                <a:latin typeface="Calibri"/>
+                <a:ea typeface="Calibri"/>
+                <a:cs typeface="Calibri"/>
+                <a:sym typeface="Calibri"/>
+              </a:rPr>
+              <a:t>a probability distribution </a:t>
+            </a:r>
+            <a:r>
+              <a:rPr b="0" i="0" lang="en-US" sz="4000" u="none" cap="none" strike="noStrike">
+                <a:solidFill>
+                  <a:schemeClr val="dk1"/>
+                </a:solidFill>
+                <a:latin typeface="Calibri"/>
+                <a:ea typeface="Calibri"/>
+                <a:cs typeface="Calibri"/>
+                <a:sym typeface="Calibri"/>
+              </a:rPr>
+              <a:t>and node attributes to </a:t>
+            </a:r>
+            <a:r>
+              <a:rPr lang="en-US" sz="4000">
+                <a:solidFill>
+                  <a:schemeClr val="dk1"/>
+                </a:solidFill>
+                <a:latin typeface="Calibri"/>
+                <a:ea typeface="Calibri"/>
+                <a:cs typeface="Calibri"/>
+                <a:sym typeface="Calibri"/>
+              </a:rPr>
+              <a:t>predict the probability of a node belonging to each community before assignment</a:t>
+            </a:r>
+            <a:r>
+              <a:rPr b="0" i="0" lang="en-US" sz="4000" u="none" cap="none" strike="noStrike">
+                <a:solidFill>
+                  <a:schemeClr val="dk1"/>
+                </a:solidFill>
+                <a:latin typeface="Calibri"/>
+                <a:ea typeface="Calibri"/>
+                <a:cs typeface="Calibri"/>
+                <a:sym typeface="Calibri"/>
+              </a:rPr>
+              <a:t> </a:t>
             </a:r>
             <a:endParaRPr b="0" i="0" sz="1400" u="none" cap="none" strike="noStrike">
               <a:solidFill>
@@ -15595,7 +15721,7 @@
             </a:endParaRPr>
           </a:p>
           <a:p>
-            <a:pPr indent="-571500" lvl="0" marL="571500" marR="0" rtl="0" algn="l">
+            <a:pPr indent="-482600" lvl="0" marL="457200" marR="0" rtl="0" algn="l">
               <a:lnSpc>
                 <a:spcPct val="100000"/>
               </a:lnSpc>
@@ -15610,7 +15736,7 @@
               </a:buClr>
               <a:buSzPts val="4000"/>
               <a:buFont typeface="Calibri"/>
-              <a:buChar char="-"/>
+              <a:buChar char="➢"/>
             </a:pPr>
             <a:r>
               <a:rPr b="0" i="0" lang="en-US" sz="4000" u="none" cap="none" strike="noStrike">
@@ -15622,9 +15748,286 @@
                 <a:cs typeface="Calibri"/>
                 <a:sym typeface="Calibri"/>
               </a:rPr>
-              <a:t>This data is only used for accuracy metrics and separate from what the model uses</a:t>
+              <a:t>Typical community detection just considers the graph stru</a:t>
             </a:r>
-            <a:endParaRPr b="0" i="0" sz="6000" u="none" cap="none" strike="noStrike">
+            <a:r>
+              <a:rPr lang="en-US" sz="4000">
+                <a:solidFill>
+                  <a:schemeClr val="dk1"/>
+                </a:solidFill>
+                <a:latin typeface="Calibri"/>
+                <a:ea typeface="Calibri"/>
+                <a:cs typeface="Calibri"/>
+                <a:sym typeface="Calibri"/>
+              </a:rPr>
+              <a:t>cture</a:t>
+            </a:r>
+            <a:r>
+              <a:rPr b="0" i="0" lang="en-US" sz="4000" u="none" cap="none" strike="noStrike">
+                <a:solidFill>
+                  <a:schemeClr val="dk1"/>
+                </a:solidFill>
+                <a:latin typeface="Calibri"/>
+                <a:ea typeface="Calibri"/>
+                <a:cs typeface="Calibri"/>
+                <a:sym typeface="Calibri"/>
+              </a:rPr>
+              <a:t> and weights</a:t>
+            </a:r>
+            <a:endParaRPr b="0" i="0" sz="1400" u="none" cap="none" strike="noStrike">
+              <a:solidFill>
+                <a:srgbClr val="000000"/>
+              </a:solidFill>
+              <a:latin typeface="Arial"/>
+              <a:ea typeface="Arial"/>
+              <a:cs typeface="Arial"/>
+              <a:sym typeface="Arial"/>
+            </a:endParaRPr>
+          </a:p>
+          <a:p>
+            <a:pPr indent="-317500" lvl="0" marL="571500" marR="0" rtl="0" algn="l">
+              <a:lnSpc>
+                <a:spcPct val="100000"/>
+              </a:lnSpc>
+              <a:spcBef>
+                <a:spcPts val="0"/>
+              </a:spcBef>
+              <a:spcAft>
+                <a:spcPts val="0"/>
+              </a:spcAft>
+              <a:buClr>
+                <a:schemeClr val="dk1"/>
+              </a:buClr>
+              <a:buSzPts val="4000"/>
+              <a:buFont typeface="Calibri"/>
+              <a:buNone/>
+            </a:pPr>
+            <a:r>
+              <a:t/>
+            </a:r>
+            <a:endParaRPr b="0" i="0" sz="4000" u="none" cap="none" strike="noStrike">
+              <a:solidFill>
+                <a:schemeClr val="dk1"/>
+              </a:solidFill>
+              <a:latin typeface="Calibri"/>
+              <a:ea typeface="Calibri"/>
+              <a:cs typeface="Calibri"/>
+              <a:sym typeface="Calibri"/>
+            </a:endParaRPr>
+          </a:p>
+          <a:p>
+            <a:pPr indent="0" lvl="0" marL="0" marR="0" rtl="0" algn="l">
+              <a:lnSpc>
+                <a:spcPct val="100000"/>
+              </a:lnSpc>
+              <a:spcBef>
+                <a:spcPts val="0"/>
+              </a:spcBef>
+              <a:spcAft>
+                <a:spcPts val="0"/>
+              </a:spcAft>
+              <a:buClr>
+                <a:srgbClr val="000000"/>
+              </a:buClr>
+              <a:buSzPts val="4000"/>
+              <a:buFont typeface="Arial"/>
+              <a:buNone/>
+            </a:pPr>
+            <a:r>
+              <a:rPr b="1" i="0" lang="en-US" sz="4000" u="none" cap="none" strike="noStrike">
+                <a:solidFill>
+                  <a:schemeClr val="dk1"/>
+                </a:solidFill>
+                <a:latin typeface="Calibri"/>
+                <a:ea typeface="Calibri"/>
+                <a:cs typeface="Calibri"/>
+                <a:sym typeface="Calibri"/>
+              </a:rPr>
+              <a:t>Our implementation:</a:t>
+            </a:r>
+            <a:endParaRPr b="1" i="0" sz="1400" u="none" cap="none" strike="noStrike">
+              <a:solidFill>
+                <a:srgbClr val="000000"/>
+              </a:solidFill>
+            </a:endParaRPr>
+          </a:p>
+          <a:p>
+            <a:pPr indent="-482600" lvl="0" marL="457200" marR="0" rtl="0" algn="l">
+              <a:lnSpc>
+                <a:spcPct val="100000"/>
+              </a:lnSpc>
+              <a:spcBef>
+                <a:spcPts val="0"/>
+              </a:spcBef>
+              <a:spcAft>
+                <a:spcPts val="0"/>
+              </a:spcAft>
+              <a:buClr>
+                <a:schemeClr val="dk1"/>
+              </a:buClr>
+              <a:buSzPts val="4000"/>
+              <a:buFont typeface="Calibri"/>
+              <a:buChar char="➢"/>
+            </a:pPr>
+            <a:r>
+              <a:rPr b="0" i="0" lang="en-US" sz="4000" u="none" cap="none" strike="noStrike">
+                <a:solidFill>
+                  <a:schemeClr val="dk1"/>
+                </a:solidFill>
+                <a:latin typeface="Calibri"/>
+                <a:ea typeface="Calibri"/>
+                <a:cs typeface="Calibri"/>
+                <a:sym typeface="Calibri"/>
+              </a:rPr>
+              <a:t>Edges exist between two artists added to the same playlist</a:t>
+            </a:r>
+            <a:endParaRPr b="0" i="0" sz="1400" u="none" cap="none" strike="noStrike">
+              <a:solidFill>
+                <a:srgbClr val="000000"/>
+              </a:solidFill>
+              <a:latin typeface="Arial"/>
+              <a:ea typeface="Arial"/>
+              <a:cs typeface="Arial"/>
+              <a:sym typeface="Arial"/>
+            </a:endParaRPr>
+          </a:p>
+          <a:p>
+            <a:pPr indent="-482600" lvl="0" marL="457200" marR="0" rtl="0" algn="l">
+              <a:lnSpc>
+                <a:spcPct val="100000"/>
+              </a:lnSpc>
+              <a:spcBef>
+                <a:spcPts val="0"/>
+              </a:spcBef>
+              <a:spcAft>
+                <a:spcPts val="0"/>
+              </a:spcAft>
+              <a:buClr>
+                <a:schemeClr val="dk1"/>
+              </a:buClr>
+              <a:buSzPts val="4000"/>
+              <a:buFont typeface="Calibri"/>
+              <a:buChar char="➢"/>
+            </a:pPr>
+            <a:r>
+              <a:rPr b="0" i="0" lang="en-US" sz="4000" u="none" cap="none" strike="noStrike">
+                <a:solidFill>
+                  <a:schemeClr val="dk1"/>
+                </a:solidFill>
+                <a:latin typeface="Calibri"/>
+                <a:ea typeface="Calibri"/>
+                <a:cs typeface="Calibri"/>
+                <a:sym typeface="Calibri"/>
+              </a:rPr>
+              <a:t>Edges are weighted by the frequency that artists appear in the same playlist</a:t>
+            </a:r>
+            <a:endParaRPr b="0" i="0" sz="4000" u="none" cap="none" strike="noStrike">
+              <a:solidFill>
+                <a:schemeClr val="dk1"/>
+              </a:solidFill>
+              <a:latin typeface="Calibri"/>
+              <a:ea typeface="Calibri"/>
+              <a:cs typeface="Calibri"/>
+              <a:sym typeface="Calibri"/>
+            </a:endParaRPr>
+          </a:p>
+          <a:p>
+            <a:pPr indent="0" lvl="0" marL="457200" marR="0" rtl="0" algn="l">
+              <a:lnSpc>
+                <a:spcPct val="100000"/>
+              </a:lnSpc>
+              <a:spcBef>
+                <a:spcPts val="0"/>
+              </a:spcBef>
+              <a:spcAft>
+                <a:spcPts val="0"/>
+              </a:spcAft>
+              <a:buNone/>
+            </a:pPr>
+            <a:r>
+              <a:t/>
+            </a:r>
+            <a:endParaRPr sz="4000">
+              <a:solidFill>
+                <a:schemeClr val="dk1"/>
+              </a:solidFill>
+              <a:latin typeface="Calibri"/>
+              <a:ea typeface="Calibri"/>
+              <a:cs typeface="Calibri"/>
+              <a:sym typeface="Calibri"/>
+            </a:endParaRPr>
+          </a:p>
+          <a:p>
+            <a:pPr indent="0" lvl="0" marL="0" marR="0" rtl="0" algn="l">
+              <a:lnSpc>
+                <a:spcPct val="100000"/>
+              </a:lnSpc>
+              <a:spcBef>
+                <a:spcPts val="0"/>
+              </a:spcBef>
+              <a:spcAft>
+                <a:spcPts val="0"/>
+              </a:spcAft>
+              <a:buClr>
+                <a:schemeClr val="dk1"/>
+              </a:buClr>
+              <a:buSzPts val="4000"/>
+              <a:buFont typeface="Calibri"/>
+              <a:buNone/>
+            </a:pPr>
+            <a:r>
+              <a:rPr b="1" lang="en-US" sz="4000">
+                <a:solidFill>
+                  <a:schemeClr val="dk1"/>
+                </a:solidFill>
+                <a:latin typeface="Calibri"/>
+                <a:ea typeface="Calibri"/>
+                <a:cs typeface="Calibri"/>
+                <a:sym typeface="Calibri"/>
+              </a:rPr>
+              <a:t>Node Features:</a:t>
+            </a:r>
+            <a:endParaRPr b="1" i="0" sz="4000" u="none" cap="none" strike="noStrike">
+              <a:solidFill>
+                <a:schemeClr val="dk1"/>
+              </a:solidFill>
+              <a:latin typeface="Calibri"/>
+              <a:ea typeface="Calibri"/>
+              <a:cs typeface="Calibri"/>
+              <a:sym typeface="Calibri"/>
+            </a:endParaRPr>
+          </a:p>
+          <a:p>
+            <a:pPr indent="-482600" lvl="0" marL="457200" marR="0" rtl="0" algn="l">
+              <a:lnSpc>
+                <a:spcPct val="100000"/>
+              </a:lnSpc>
+              <a:spcBef>
+                <a:spcPts val="0"/>
+              </a:spcBef>
+              <a:spcAft>
+                <a:spcPts val="0"/>
+              </a:spcAft>
+              <a:buClr>
+                <a:schemeClr val="dk1"/>
+              </a:buClr>
+              <a:buSzPts val="4000"/>
+              <a:buFont typeface="Calibri"/>
+              <a:buChar char="➢"/>
+            </a:pPr>
+            <a:r>
+              <a:rPr lang="en-US" sz="4000">
+                <a:solidFill>
+                  <a:schemeClr val="dk1"/>
+                </a:solidFill>
+                <a:latin typeface="Calibri"/>
+                <a:ea typeface="Calibri"/>
+                <a:cs typeface="Calibri"/>
+                <a:sym typeface="Calibri"/>
+              </a:rPr>
+              <a:t>Artist popularity[0,100], Is top 25% of appearances [0, 1]</a:t>
+            </a:r>
+            <a:endParaRPr sz="4000">
               <a:solidFill>
                 <a:schemeClr val="dk1"/>
               </a:solidFill>
@@ -15644,8 +16047,8 @@
         </p:nvSpPr>
         <p:spPr>
           <a:xfrm>
-            <a:off x="32257301" y="5352661"/>
-            <a:ext cx="10536000" cy="10990200"/>
+            <a:off x="1097979" y="5352661"/>
+            <a:ext cx="10536000" cy="2062500"/>
           </a:xfrm>
           <a:prstGeom prst="rect">
             <a:avLst/>
@@ -15674,7 +16077,7 @@
               <a:buClr>
                 <a:srgbClr val="000000"/>
               </a:buClr>
-              <a:buSzPts val="4800"/>
+              <a:buSzPts val="4000"/>
               <a:buFont typeface="Arial"/>
               <a:buNone/>
             </a:pPr>
@@ -15688,40 +16091,21 @@
                 <a:cs typeface="Calibri"/>
                 <a:sym typeface="Calibri"/>
               </a:rPr>
-              <a:t>The Model:</a:t>
+              <a:t>Research Question</a:t>
             </a:r>
-            <a:endParaRPr b="0" i="0" sz="1400" u="none" cap="none" strike="noStrike">
-              <a:solidFill>
-                <a:srgbClr val="000000"/>
-              </a:solidFill>
-              <a:latin typeface="Arial"/>
-              <a:ea typeface="Arial"/>
-              <a:cs typeface="Arial"/>
-              <a:sym typeface="Arial"/>
-            </a:endParaRPr>
-          </a:p>
-          <a:p>
-            <a:pPr indent="0" lvl="0" marL="0" marR="0" rtl="0" algn="l">
-              <a:lnSpc>
-                <a:spcPct val="100000"/>
-              </a:lnSpc>
-              <a:spcBef>
-                <a:spcPts val="0"/>
-              </a:spcBef>
-              <a:spcAft>
-                <a:spcPts val="0"/>
-              </a:spcAft>
-              <a:buClr>
-                <a:srgbClr val="000000"/>
-              </a:buClr>
-              <a:buSzPts val="4000"/>
-              <a:buFont typeface="Arial"/>
-              <a:buNone/>
-            </a:pPr>
             <a:r>
-              <a:t/>
+              <a:rPr b="1" i="0" lang="en-US" sz="4000" u="none" cap="none" strike="noStrike">
+                <a:solidFill>
+                  <a:schemeClr val="dk1"/>
+                </a:solidFill>
+                <a:latin typeface="Calibri"/>
+                <a:ea typeface="Calibri"/>
+                <a:cs typeface="Calibri"/>
+                <a:sym typeface="Calibri"/>
+              </a:rPr>
+              <a:t> </a:t>
             </a:r>
-            <a:endParaRPr b="1" i="0" sz="4000" u="none" cap="none" strike="noStrike">
+            <a:endParaRPr b="1" sz="4000">
               <a:solidFill>
                 <a:schemeClr val="dk1"/>
               </a:solidFill>
@@ -15732,47 +16116,7 @@
             </a:endParaRPr>
           </a:p>
           <a:p>
-            <a:pPr indent="0" lvl="0" marL="0" marR="0" rtl="0" algn="l">
-              <a:lnSpc>
-                <a:spcPct val="100000"/>
-              </a:lnSpc>
-              <a:spcBef>
-                <a:spcPts val="0"/>
-              </a:spcBef>
-              <a:spcAft>
-                <a:spcPts val="0"/>
-              </a:spcAft>
-              <a:buClr>
-                <a:srgbClr val="000000"/>
-              </a:buClr>
-              <a:buSzPts val="4000"/>
-              <a:buFont typeface="Arial"/>
-              <a:buNone/>
-            </a:pPr>
-            <a:r>
-              <a:rPr b="1" i="0" lang="en-US" sz="4000" u="none" cap="none" strike="noStrike">
-                <a:solidFill>
-                  <a:schemeClr val="dk1"/>
-                </a:solidFill>
-                <a:latin typeface="Calibri"/>
-                <a:ea typeface="Calibri"/>
-                <a:cs typeface="Calibri"/>
-                <a:sym typeface="Calibri"/>
-              </a:rPr>
-              <a:t>Communities from Edge Structure Attributes (CESNA)</a:t>
-            </a:r>
-            <a:endParaRPr b="0" i="0" sz="1400" u="none" cap="none" strike="noStrike">
-              <a:solidFill>
-                <a:srgbClr val="000000"/>
-              </a:solidFill>
-              <a:latin typeface="Arial"/>
-              <a:ea typeface="Arial"/>
-              <a:cs typeface="Arial"/>
-              <a:sym typeface="Arial"/>
-            </a:endParaRPr>
-          </a:p>
-          <a:p>
-            <a:pPr indent="-571500" lvl="0" marL="571500" marR="0" rtl="0" algn="l">
+            <a:pPr indent="-482600" lvl="0" marL="457200" marR="0" rtl="0" algn="l">
               <a:lnSpc>
                 <a:spcPct val="100000"/>
               </a:lnSpc>
@@ -15787,7 +16131,7 @@
               </a:buClr>
               <a:buSzPts val="4000"/>
               <a:buFont typeface="Calibri"/>
-              <a:buChar char="-"/>
+              <a:buChar char="➢"/>
             </a:pPr>
             <a:r>
               <a:rPr b="0" i="0" lang="en-US" sz="4000" u="none" cap="none" strike="noStrike">
@@ -15799,36 +16143,20 @@
                 <a:cs typeface="Calibri"/>
                 <a:sym typeface="Calibri"/>
               </a:rPr>
-              <a:t>This model uses relationships and node attributes to assign nodes to communities</a:t>
+              <a:t>Can we categorize artists </a:t>
             </a:r>
-            <a:endParaRPr b="0" i="0" sz="1400" u="none" cap="none" strike="noStrike">
-              <a:solidFill>
-                <a:srgbClr val="000000"/>
-              </a:solidFill>
-              <a:latin typeface="Arial"/>
-              <a:ea typeface="Arial"/>
-              <a:cs typeface="Arial"/>
-              <a:sym typeface="Arial"/>
-            </a:endParaRPr>
-          </a:p>
-          <a:p>
-            <a:pPr indent="-571500" lvl="0" marL="571500" marR="0" rtl="0" algn="l">
-              <a:lnSpc>
-                <a:spcPct val="100000"/>
-              </a:lnSpc>
-              <a:spcBef>
-                <a:spcPts val="0"/>
-              </a:spcBef>
-              <a:spcAft>
-                <a:spcPts val="0"/>
-              </a:spcAft>
-              <a:buClr>
-                <a:schemeClr val="dk1"/>
-              </a:buClr>
-              <a:buSzPts val="4000"/>
-              <a:buFont typeface="Calibri"/>
-              <a:buChar char="-"/>
-            </a:pPr>
+            <a:r>
+              <a:rPr lang="en-US" sz="4000">
+                <a:solidFill>
+                  <a:schemeClr val="dk1"/>
+                </a:solidFill>
+                <a:latin typeface="Calibri"/>
+                <a:ea typeface="Calibri"/>
+                <a:cs typeface="Calibri"/>
+                <a:sym typeface="Calibri"/>
+              </a:rPr>
+              <a:t>by</a:t>
+            </a:r>
             <a:r>
               <a:rPr b="0" i="0" lang="en-US" sz="4000" u="none" cap="none" strike="noStrike">
                 <a:solidFill>
@@ -15839,67 +16167,20 @@
                 <a:cs typeface="Calibri"/>
                 <a:sym typeface="Calibri"/>
               </a:rPr>
-              <a:t>Typical community detection just considers the edges and their weights</a:t>
+              <a:t> genres </a:t>
             </a:r>
-            <a:endParaRPr b="0" i="0" sz="1400" u="none" cap="none" strike="noStrike">
-              <a:solidFill>
-                <a:srgbClr val="000000"/>
-              </a:solidFill>
-              <a:latin typeface="Arial"/>
-              <a:ea typeface="Arial"/>
-              <a:cs typeface="Arial"/>
-              <a:sym typeface="Arial"/>
-            </a:endParaRPr>
-          </a:p>
-          <a:p>
-            <a:pPr indent="-317500" lvl="0" marL="571500" marR="0" rtl="0" algn="l">
-              <a:lnSpc>
-                <a:spcPct val="100000"/>
-              </a:lnSpc>
-              <a:spcBef>
-                <a:spcPts val="0"/>
-              </a:spcBef>
-              <a:spcAft>
-                <a:spcPts val="0"/>
-              </a:spcAft>
-              <a:buClr>
-                <a:schemeClr val="dk1"/>
-              </a:buClr>
-              <a:buSzPts val="4000"/>
-              <a:buFont typeface="Calibri"/>
-              <a:buNone/>
-            </a:pPr>
             <a:r>
-              <a:t/>
+              <a:rPr lang="en-US" sz="4000">
+                <a:solidFill>
+                  <a:schemeClr val="dk1"/>
+                </a:solidFill>
+                <a:latin typeface="Calibri"/>
+                <a:ea typeface="Calibri"/>
+                <a:cs typeface="Calibri"/>
+                <a:sym typeface="Calibri"/>
+              </a:rPr>
+              <a:t>based on</a:t>
             </a:r>
-            <a:endParaRPr b="0" i="0" sz="4000" u="none" cap="none" strike="noStrike">
-              <a:solidFill>
-                <a:schemeClr val="dk1"/>
-              </a:solidFill>
-              <a:latin typeface="Calibri"/>
-              <a:ea typeface="Calibri"/>
-              <a:cs typeface="Calibri"/>
-              <a:sym typeface="Calibri"/>
-            </a:endParaRPr>
-          </a:p>
-          <a:p>
-            <a:pPr indent="0" lvl="0" marL="0" marR="0" rtl="0" algn="l">
-              <a:lnSpc>
-                <a:spcPct val="100000"/>
-              </a:lnSpc>
-              <a:spcBef>
-                <a:spcPts val="0"/>
-              </a:spcBef>
-              <a:spcAft>
-                <a:spcPts val="0"/>
-              </a:spcAft>
-              <a:buClr>
-                <a:srgbClr val="000000"/>
-              </a:buClr>
-              <a:buSzPts val="4000"/>
-              <a:buFont typeface="Arial"/>
-              <a:buNone/>
-            </a:pPr>
             <a:r>
               <a:rPr b="0" i="0" lang="en-US" sz="4000" u="none" cap="none" strike="noStrike">
                 <a:solidFill>
@@ -15910,205 +16191,11 @@
                 <a:cs typeface="Calibri"/>
                 <a:sym typeface="Calibri"/>
               </a:rPr>
-              <a:t>Our implementation:</a:t>
-            </a:r>
-            <a:endParaRPr b="0" i="0" sz="1400" u="none" cap="none" strike="noStrike">
-              <a:solidFill>
-                <a:srgbClr val="000000"/>
-              </a:solidFill>
-              <a:latin typeface="Arial"/>
-              <a:ea typeface="Arial"/>
-              <a:cs typeface="Arial"/>
-              <a:sym typeface="Arial"/>
-            </a:endParaRPr>
-          </a:p>
-          <a:p>
-            <a:pPr indent="-571500" lvl="0" marL="571500" marR="0" rtl="0" algn="l">
-              <a:lnSpc>
-                <a:spcPct val="100000"/>
-              </a:lnSpc>
-              <a:spcBef>
-                <a:spcPts val="0"/>
-              </a:spcBef>
-              <a:spcAft>
-                <a:spcPts val="0"/>
-              </a:spcAft>
-              <a:buClr>
-                <a:schemeClr val="dk1"/>
-              </a:buClr>
-              <a:buSzPts val="4000"/>
-              <a:buFont typeface="Calibri"/>
-              <a:buChar char="-"/>
-            </a:pPr>
-            <a:r>
-              <a:rPr b="0" i="0" lang="en-US" sz="4000" u="none" cap="none" strike="noStrike">
-                <a:solidFill>
-                  <a:schemeClr val="dk1"/>
-                </a:solidFill>
-                <a:latin typeface="Calibri"/>
-                <a:ea typeface="Calibri"/>
-                <a:cs typeface="Calibri"/>
-                <a:sym typeface="Calibri"/>
-              </a:rPr>
-              <a:t>Edges exist between two artists added to the same playlist</a:t>
-            </a:r>
-            <a:endParaRPr b="0" i="0" sz="1400" u="none" cap="none" strike="noStrike">
-              <a:solidFill>
-                <a:srgbClr val="000000"/>
-              </a:solidFill>
-              <a:latin typeface="Arial"/>
-              <a:ea typeface="Arial"/>
-              <a:cs typeface="Arial"/>
-              <a:sym typeface="Arial"/>
-            </a:endParaRPr>
-          </a:p>
-          <a:p>
-            <a:pPr indent="-571500" lvl="0" marL="571500" marR="0" rtl="0" algn="l">
-              <a:lnSpc>
-                <a:spcPct val="100000"/>
-              </a:lnSpc>
-              <a:spcBef>
-                <a:spcPts val="0"/>
-              </a:spcBef>
-              <a:spcAft>
-                <a:spcPts val="0"/>
-              </a:spcAft>
-              <a:buClr>
-                <a:schemeClr val="dk1"/>
-              </a:buClr>
-              <a:buSzPts val="4000"/>
-              <a:buFont typeface="Calibri"/>
-              <a:buChar char="-"/>
-            </a:pPr>
-            <a:r>
-              <a:rPr b="0" i="0" lang="en-US" sz="4000" u="none" cap="none" strike="noStrike">
-                <a:solidFill>
-                  <a:schemeClr val="dk1"/>
-                </a:solidFill>
-                <a:latin typeface="Calibri"/>
-                <a:ea typeface="Calibri"/>
-                <a:cs typeface="Calibri"/>
-                <a:sym typeface="Calibri"/>
-              </a:rPr>
-              <a:t>Edges are weighted by the frequency that artists appear in the same playlist</a:t>
-            </a:r>
-            <a:endParaRPr b="0" i="0" sz="1400" u="none" cap="none" strike="noStrike">
-              <a:solidFill>
-                <a:srgbClr val="000000"/>
-              </a:solidFill>
-              <a:latin typeface="Arial"/>
-              <a:ea typeface="Arial"/>
-              <a:cs typeface="Arial"/>
-              <a:sym typeface="Arial"/>
-            </a:endParaRPr>
-          </a:p>
-          <a:p>
-            <a:pPr indent="-571500" lvl="0" marL="571500" marR="0" rtl="0" algn="l">
-              <a:lnSpc>
-                <a:spcPct val="100000"/>
-              </a:lnSpc>
-              <a:spcBef>
-                <a:spcPts val="0"/>
-              </a:spcBef>
-              <a:spcAft>
-                <a:spcPts val="0"/>
-              </a:spcAft>
-              <a:buClr>
-                <a:schemeClr val="dk1"/>
-              </a:buClr>
-              <a:buSzPts val="4000"/>
-              <a:buFont typeface="Calibri"/>
-              <a:buChar char="-"/>
-            </a:pPr>
-            <a:r>
-              <a:rPr b="0" i="0" lang="en-US" sz="4000" u="none" cap="none" strike="noStrike">
-                <a:solidFill>
-                  <a:schemeClr val="dk1"/>
-                </a:solidFill>
-                <a:latin typeface="Calibri"/>
-                <a:ea typeface="Calibri"/>
-                <a:cs typeface="Calibri"/>
-                <a:sym typeface="Calibri"/>
-              </a:rPr>
-              <a:t>Node attribute </a:t>
-            </a:r>
-            <a:r>
-              <a:rPr b="1" i="0" lang="en-US" sz="4000" u="none" cap="none" strike="noStrike">
-                <a:solidFill>
-                  <a:schemeClr val="dk1"/>
-                </a:solidFill>
-                <a:latin typeface="Calibri"/>
-                <a:ea typeface="Calibri"/>
-                <a:cs typeface="Calibri"/>
-                <a:sym typeface="Calibri"/>
-              </a:rPr>
-              <a:t>TBD</a:t>
+              <a:t> the playlists they are in?  </a:t>
             </a:r>
             <a:endParaRPr b="1" i="0" sz="1400" u="none" cap="none" strike="noStrike">
               <a:solidFill>
                 <a:srgbClr val="000000"/>
-              </a:solidFill>
-              <a:latin typeface="Arial"/>
-              <a:ea typeface="Arial"/>
-              <a:cs typeface="Arial"/>
-              <a:sym typeface="Arial"/>
-            </a:endParaRPr>
-          </a:p>
-          <a:p>
-            <a:pPr indent="-317500" lvl="0" marL="571500" marR="0" rtl="0" algn="l">
-              <a:lnSpc>
-                <a:spcPct val="100000"/>
-              </a:lnSpc>
-              <a:spcBef>
-                <a:spcPts val="0"/>
-              </a:spcBef>
-              <a:spcAft>
-                <a:spcPts val="0"/>
-              </a:spcAft>
-              <a:buClr>
-                <a:schemeClr val="dk1"/>
-              </a:buClr>
-              <a:buSzPts val="4000"/>
-              <a:buFont typeface="Calibri"/>
-              <a:buNone/>
-            </a:pPr>
-            <a:r>
-              <a:t/>
-            </a:r>
-            <a:endParaRPr b="0" i="0" sz="4000" u="none" cap="none" strike="noStrike">
-              <a:solidFill>
-                <a:schemeClr val="dk1"/>
-              </a:solidFill>
-              <a:latin typeface="Calibri"/>
-              <a:ea typeface="Calibri"/>
-              <a:cs typeface="Calibri"/>
-              <a:sym typeface="Calibri"/>
-            </a:endParaRPr>
-          </a:p>
-          <a:p>
-            <a:pPr indent="-190500" lvl="0" marL="571500" marR="0" rtl="0" algn="l">
-              <a:lnSpc>
-                <a:spcPct val="100000"/>
-              </a:lnSpc>
-              <a:spcBef>
-                <a:spcPts val="0"/>
-              </a:spcBef>
-              <a:spcAft>
-                <a:spcPts val="0"/>
-              </a:spcAft>
-              <a:buClr>
-                <a:schemeClr val="dk1"/>
-              </a:buClr>
-              <a:buSzPts val="6000"/>
-              <a:buFont typeface="Calibri"/>
-              <a:buNone/>
-            </a:pPr>
-            <a:r>
-              <a:t/>
-            </a:r>
-            <a:endParaRPr b="0" i="0" sz="6000" u="none" cap="none" strike="noStrike">
-              <a:solidFill>
-                <a:schemeClr val="dk1"/>
               </a:solidFill>
               <a:latin typeface="Calibri"/>
               <a:ea typeface="Calibri"/>
@@ -16118,16 +16205,43 @@
           </a:p>
         </p:txBody>
       </p:sp>
+      <p:pic>
+        <p:nvPicPr>
+          <p:cNvPr descr="Chart, histogram&#10;&#10;Description automatically generated" id="93" name="Google Shape;93;p1"/>
+          <p:cNvPicPr preferRelativeResize="0"/>
+          <p:nvPr/>
+        </p:nvPicPr>
+        <p:blipFill rotWithShape="1">
+          <a:blip r:embed="rId3">
+            <a:alphaModFix/>
+          </a:blip>
+          <a:srcRect b="0" l="0" r="0" t="0"/>
+          <a:stretch/>
+        </p:blipFill>
+        <p:spPr>
+          <a:xfrm>
+            <a:off x="31552050" y="17916692"/>
+            <a:ext cx="11946501" cy="7964334"/>
+          </a:xfrm>
+          <a:prstGeom prst="rect">
+            <a:avLst/>
+          </a:prstGeom>
+          <a:noFill/>
+          <a:ln>
+            <a:noFill/>
+          </a:ln>
+        </p:spPr>
+      </p:pic>
       <p:sp>
         <p:nvSpPr>
-          <p:cNvPr id="93" name="Google Shape;93;p1"/>
+          <p:cNvPr id="94" name="Google Shape;94;p1"/>
           <p:cNvSpPr txBox="1"/>
           <p:nvPr/>
         </p:nvSpPr>
         <p:spPr>
           <a:xfrm>
-            <a:off x="1097979" y="5352661"/>
-            <a:ext cx="10536000" cy="2555100"/>
+            <a:off x="13173375" y="18585900"/>
+            <a:ext cx="16845000" cy="11574900"/>
           </a:xfrm>
           <a:prstGeom prst="rect">
             <a:avLst/>
@@ -16161,7 +16275,7 @@
               <a:buNone/>
             </a:pPr>
             <a:r>
-              <a:rPr b="1" i="0" lang="en-US" sz="4000" u="none" cap="none" strike="noStrike">
+              <a:rPr b="0" i="0" lang="en-US" sz="4000" u="none" cap="none" strike="noStrike">
                 <a:solidFill>
                   <a:schemeClr val="dk1"/>
                 </a:solidFill>
@@ -16170,7 +16284,7 @@
                 <a:cs typeface="Calibri"/>
                 <a:sym typeface="Calibri"/>
               </a:rPr>
-              <a:t>Research Question (What are we trying to do?)</a:t>
+              <a:t>When detecting 3 communities, the model achieved an accuracy of 95%.</a:t>
             </a:r>
             <a:endParaRPr b="0" i="0" sz="1400" u="none" cap="none" strike="noStrike">
               <a:solidFill>
@@ -16201,187 +16315,6 @@
               <a:buNone/>
             </a:pPr>
             <a:r>
-              <a:rPr b="0" i="0" lang="en-US" sz="4000" u="none" cap="none" strike="noStrike">
-                <a:solidFill>
-                  <a:schemeClr val="dk1"/>
-                </a:solidFill>
-                <a:latin typeface="Calibri"/>
-                <a:ea typeface="Calibri"/>
-                <a:cs typeface="Calibri"/>
-                <a:sym typeface="Calibri"/>
-              </a:rPr>
-              <a:t>- Can we categorize artists into genres through association of </a:t>
-            </a:r>
-            <a:r>
-              <a:rPr lang="en-US" sz="4000">
-                <a:solidFill>
-                  <a:schemeClr val="dk1"/>
-                </a:solidFill>
-                <a:latin typeface="Calibri"/>
-                <a:ea typeface="Calibri"/>
-                <a:cs typeface="Calibri"/>
-                <a:sym typeface="Calibri"/>
-              </a:rPr>
-              <a:t>the playlists they are in? </a:t>
-            </a:r>
-            <a:r>
-              <a:rPr b="0" i="0" lang="en-US" sz="4000" u="none" cap="none" strike="noStrike">
-                <a:solidFill>
-                  <a:schemeClr val="dk1"/>
-                </a:solidFill>
-                <a:latin typeface="Calibri"/>
-                <a:ea typeface="Calibri"/>
-                <a:cs typeface="Calibri"/>
-                <a:sym typeface="Calibri"/>
-              </a:rPr>
-              <a:t> (To add: </a:t>
-            </a:r>
-            <a:r>
-              <a:rPr i="0" lang="en-US" sz="4000" u="none" cap="none" strike="noStrike">
-                <a:solidFill>
-                  <a:schemeClr val="dk1"/>
-                </a:solidFill>
-                <a:latin typeface="Calibri"/>
-                <a:ea typeface="Calibri"/>
-                <a:cs typeface="Calibri"/>
-                <a:sym typeface="Calibri"/>
-              </a:rPr>
-              <a:t>Node attribute </a:t>
-            </a:r>
-            <a:r>
-              <a:rPr b="1" lang="en-US" sz="4000">
-                <a:solidFill>
-                  <a:schemeClr val="dk1"/>
-                </a:solidFill>
-                <a:latin typeface="Calibri"/>
-                <a:ea typeface="Calibri"/>
-                <a:cs typeface="Calibri"/>
-                <a:sym typeface="Calibri"/>
-              </a:rPr>
-              <a:t>TBD)</a:t>
-            </a:r>
-            <a:endParaRPr b="1" i="0" sz="1400" u="none" cap="none" strike="noStrike">
-              <a:solidFill>
-                <a:srgbClr val="000000"/>
-              </a:solidFill>
-              <a:latin typeface="Calibri"/>
-              <a:ea typeface="Calibri"/>
-              <a:cs typeface="Calibri"/>
-              <a:sym typeface="Calibri"/>
-            </a:endParaRPr>
-          </a:p>
-        </p:txBody>
-      </p:sp>
-      <p:pic>
-        <p:nvPicPr>
-          <p:cNvPr descr="Chart, histogram&#10;&#10;Description automatically generated" id="94" name="Google Shape;94;p1"/>
-          <p:cNvPicPr preferRelativeResize="0"/>
-          <p:nvPr/>
-        </p:nvPicPr>
-        <p:blipFill rotWithShape="1">
-          <a:blip r:embed="rId3">
-            <a:alphaModFix/>
-          </a:blip>
-          <a:srcRect b="0" l="0" r="0" t="0"/>
-          <a:stretch/>
-        </p:blipFill>
-        <p:spPr>
-          <a:xfrm>
-            <a:off x="31557837" y="15000404"/>
-            <a:ext cx="11946501" cy="7964334"/>
-          </a:xfrm>
-          <a:prstGeom prst="rect">
-            <a:avLst/>
-          </a:prstGeom>
-          <a:noFill/>
-          <a:ln>
-            <a:noFill/>
-          </a:ln>
-        </p:spPr>
-      </p:pic>
-      <p:sp>
-        <p:nvSpPr>
-          <p:cNvPr id="95" name="Google Shape;95;p1"/>
-          <p:cNvSpPr txBox="1"/>
-          <p:nvPr/>
-        </p:nvSpPr>
-        <p:spPr>
-          <a:xfrm>
-            <a:off x="13173375" y="18585900"/>
-            <a:ext cx="16845000" cy="15453900"/>
-          </a:xfrm>
-          <a:prstGeom prst="rect">
-            <a:avLst/>
-          </a:prstGeom>
-          <a:noFill/>
-          <a:ln>
-            <a:noFill/>
-          </a:ln>
-        </p:spPr>
-        <p:txBody>
-          <a:bodyPr anchorCtr="0" anchor="t" bIns="45700" lIns="91425" spcFirstLastPara="1" rIns="91425" wrap="square" tIns="45700">
-            <a:spAutoFit/>
-          </a:bodyPr>
-          <a:lstStyle/>
-          <a:p>
-            <a:pPr indent="0" lvl="0" marL="0" marR="0" rtl="0" algn="l">
-              <a:lnSpc>
-                <a:spcPct val="100000"/>
-              </a:lnSpc>
-              <a:spcBef>
-                <a:spcPts val="0"/>
-              </a:spcBef>
-              <a:spcAft>
-                <a:spcPts val="0"/>
-              </a:spcAft>
-              <a:buClr>
-                <a:srgbClr val="000000"/>
-              </a:buClr>
-              <a:buSzPts val="4000"/>
-              <a:buFont typeface="Arial"/>
-              <a:buNone/>
-            </a:pPr>
-            <a:r>
-              <a:rPr b="0" i="0" lang="en-US" sz="4000" u="none" cap="none" strike="noStrike">
-                <a:solidFill>
-                  <a:schemeClr val="dk1"/>
-                </a:solidFill>
-                <a:latin typeface="Calibri"/>
-                <a:ea typeface="Calibri"/>
-                <a:cs typeface="Calibri"/>
-                <a:sym typeface="Calibri"/>
-              </a:rPr>
-              <a:t>When detecting 3 communities, the model achieved an accuracy of 95%.</a:t>
-            </a:r>
-            <a:endParaRPr b="0" i="0" sz="1400" u="none" cap="none" strike="noStrike">
-              <a:solidFill>
-                <a:srgbClr val="000000"/>
-              </a:solidFill>
-              <a:latin typeface="Arial"/>
-              <a:ea typeface="Arial"/>
-              <a:cs typeface="Arial"/>
-              <a:sym typeface="Arial"/>
-            </a:endParaRPr>
-          </a:p>
-          <a:p>
-            <a:pPr indent="0" lvl="0" marL="0" marR="0" rtl="0" algn="l">
-              <a:lnSpc>
-                <a:spcPct val="100000"/>
-              </a:lnSpc>
-              <a:spcBef>
-                <a:spcPts val="0"/>
-              </a:spcBef>
-              <a:spcAft>
-                <a:spcPts val="0"/>
-              </a:spcAft>
-              <a:buClr>
-                <a:srgbClr val="000000"/>
-              </a:buClr>
-              <a:buSzPts val="4000"/>
-              <a:buFont typeface="Arial"/>
-              <a:buNone/>
-            </a:pPr>
-            <a:r>
               <a:t/>
             </a:r>
             <a:endParaRPr b="1" i="0" sz="4000" u="none" cap="none" strike="noStrike">
@@ -16444,7 +16377,7 @@
               <a:buNone/>
             </a:pPr>
             <a:r>
-              <a:rPr b="1" i="0" lang="en-US" sz="4000" u="none" cap="none" strike="noStrike">
+              <a:rPr b="1" lang="en-US" sz="4000">
                 <a:solidFill>
                   <a:schemeClr val="dk1"/>
                 </a:solidFill>
@@ -16453,38 +16386,38 @@
                 <a:cs typeface="Calibri"/>
                 <a:sym typeface="Calibri"/>
               </a:rPr>
-              <a:t>What is considered a ‘Correct Prediction’?</a:t>
+              <a:t>How the accuracy is computed</a:t>
             </a:r>
-            <a:endParaRPr b="0" i="0" sz="4000" u="none" cap="none" strike="noStrike">
+            <a:endParaRPr sz="4000">
               <a:solidFill>
-                <a:srgbClr val="000000"/>
+                <a:schemeClr val="dk1"/>
               </a:solidFill>
-              <a:latin typeface="Arial"/>
-              <a:ea typeface="Arial"/>
-              <a:cs typeface="Arial"/>
-              <a:sym typeface="Arial"/>
+              <a:latin typeface="Calibri"/>
+              <a:ea typeface="Calibri"/>
+              <a:cs typeface="Calibri"/>
+              <a:sym typeface="Calibri"/>
             </a:endParaRPr>
           </a:p>
           <a:p>
-            <a:pPr indent="0" lvl="0" marL="0" marR="0" rtl="0" algn="l">
-              <a:lnSpc>
-                <a:spcPct val="100000"/>
-              </a:lnSpc>
-              <a:spcBef>
-                <a:spcPts val="0"/>
-              </a:spcBef>
-              <a:spcAft>
-                <a:spcPts val="0"/>
-              </a:spcAft>
-              <a:buClr>
-                <a:srgbClr val="000000"/>
+            <a:pPr indent="-482600" lvl="0" marL="457200" marR="0" rtl="0" algn="l">
+              <a:lnSpc>
+                <a:spcPct val="100000"/>
+              </a:lnSpc>
+              <a:spcBef>
+                <a:spcPts val="0"/>
+              </a:spcBef>
+              <a:spcAft>
+                <a:spcPts val="0"/>
+              </a:spcAft>
+              <a:buClr>
+                <a:schemeClr val="dk1"/>
               </a:buClr>
               <a:buSzPts val="4000"/>
-              <a:buFont typeface="Arial"/>
-              <a:buNone/>
+              <a:buFont typeface="Calibri"/>
+              <a:buChar char="➢"/>
             </a:pPr>
             <a:r>
-              <a:rPr b="0" i="0" lang="en-US" sz="4000" u="none" cap="none" strike="noStrike">
+              <a:rPr lang="en-US" sz="4000">
                 <a:solidFill>
                   <a:schemeClr val="dk1"/>
                 </a:solidFill>
@@ -16493,45 +16426,9 @@
                 <a:cs typeface="Calibri"/>
                 <a:sym typeface="Calibri"/>
               </a:rPr>
-              <a:t>(WIP) A prediction is correct when a node has the same genre with any node within same community. </a:t>
+              <a:t>We take the top three Genres per community and check if the nodes have any of these three Genres</a:t>
             </a:r>
-            <a:r>
-              <a:rPr lang="en-US" sz="4000">
-                <a:solidFill>
-                  <a:schemeClr val="dk1"/>
-                </a:solidFill>
-                <a:latin typeface="Calibri"/>
-                <a:ea typeface="Calibri"/>
-                <a:cs typeface="Calibri"/>
-                <a:sym typeface="Calibri"/>
-              </a:rPr>
-              <a:t> Additionally, we will add a node attribute (</a:t>
-            </a:r>
-            <a:r>
-              <a:rPr b="1" lang="en-US" sz="4000">
-                <a:solidFill>
-                  <a:schemeClr val="dk1"/>
-                </a:solidFill>
-                <a:latin typeface="Calibri"/>
-                <a:ea typeface="Calibri"/>
-                <a:cs typeface="Calibri"/>
-                <a:sym typeface="Calibri"/>
-              </a:rPr>
-              <a:t>TBD) </a:t>
-            </a:r>
-            <a:r>
-              <a:rPr lang="en-US" sz="4000">
-                <a:solidFill>
-                  <a:schemeClr val="dk1"/>
-                </a:solidFill>
-                <a:latin typeface="Calibri"/>
-                <a:ea typeface="Calibri"/>
-                <a:cs typeface="Calibri"/>
-                <a:sym typeface="Calibri"/>
-              </a:rPr>
-              <a:t>to the model and see how it will affect the model’s accuracy. </a:t>
-            </a:r>
-            <a:endParaRPr b="0" i="0" sz="4000" u="none" cap="none" strike="noStrike">
+            <a:endParaRPr sz="4000">
               <a:solidFill>
                 <a:schemeClr val="dk1"/>
               </a:solidFill>
@@ -16562,7 +16459,7 @@
             <a:r>
               <a:t/>
             </a:r>
-            <a:endParaRPr sz="4000">
+            <a:endParaRPr b="0" i="0" sz="4000" u="none" cap="none" strike="noStrike">
               <a:solidFill>
                 <a:schemeClr val="dk1"/>
               </a:solidFill>
@@ -16593,7 +16490,7 @@
             <a:r>
               <a:t/>
             </a:r>
-            <a:endParaRPr sz="4000">
+            <a:endParaRPr b="0" i="0" sz="4000" u="none" cap="none" strike="noStrike">
               <a:solidFill>
                 <a:schemeClr val="dk1"/>
               </a:solidFill>
@@ -16606,25 +16503,25 @@
           <a:p>
             <a:pPr indent="0" lvl="0" marL="0" marR="0" rtl="0" algn="l">
               <a:lnSpc>
-                <a:spcPct val="100000"/>
-              </a:lnSpc>
-              <a:spcBef>
-                <a:spcPts val="0"/>
-              </a:spcBef>
-              <a:spcAft>
-                <a:spcPts val="0"/>
-              </a:spcAft>
-              <a:buClr>
-                <a:srgbClr val="000000"/>
-              </a:buClr>
-              <a:buSzPts val="4000"/>
+                <a:spcPct val="115000"/>
+              </a:lnSpc>
+              <a:spcBef>
+                <a:spcPts val="1200"/>
+              </a:spcBef>
+              <a:spcAft>
+                <a:spcPts val="0"/>
+              </a:spcAft>
+              <a:buClr>
+                <a:schemeClr val="dk1"/>
+              </a:buClr>
+              <a:buSzPts val="1100"/>
               <a:buFont typeface="Arial"/>
               <a:buNone/>
             </a:pPr>
             <a:r>
               <a:t/>
             </a:r>
-            <a:endParaRPr sz="4000">
+            <a:endParaRPr b="0" i="0" sz="4000" u="none" cap="none" strike="noStrike">
               <a:solidFill>
                 <a:schemeClr val="dk1"/>
               </a:solidFill>
@@ -16640,7 +16537,7 @@
                 <a:spcPct val="100000"/>
               </a:lnSpc>
               <a:spcBef>
-                <a:spcPts val="0"/>
+                <a:spcPts val="1200"/>
               </a:spcBef>
               <a:spcAft>
                 <a:spcPts val="0"/>
@@ -16655,7 +16552,7 @@
             <a:r>
               <a:t/>
             </a:r>
-            <a:endParaRPr sz="4000">
+            <a:endParaRPr b="1" i="0" sz="4000" u="none" cap="none" strike="noStrike">
               <a:solidFill>
                 <a:schemeClr val="dk1"/>
               </a:solidFill>
@@ -16684,82 +16581,9 @@
               <a:buNone/>
             </a:pPr>
             <a:r>
-              <a:rPr b="1" lang="en-US" sz="4000">
-                <a:solidFill>
-                  <a:schemeClr val="dk1"/>
-                </a:solidFill>
-                <a:latin typeface="Calibri"/>
-                <a:ea typeface="Calibri"/>
-                <a:cs typeface="Calibri"/>
-                <a:sym typeface="Calibri"/>
-              </a:rPr>
-              <a:t>Works Cited </a:t>
+              <a:t/>
             </a:r>
-            <a:endParaRPr b="1" sz="4000">
-              <a:solidFill>
-                <a:schemeClr val="dk1"/>
-              </a:solidFill>
-              <a:latin typeface="Calibri"/>
-              <a:ea typeface="Calibri"/>
-              <a:cs typeface="Calibri"/>
-              <a:sym typeface="Calibri"/>
-            </a:endParaRPr>
-          </a:p>
-          <a:p>
-            <a:pPr indent="0" lvl="0" marL="355600" rtl="0" algn="l">
-              <a:lnSpc>
-                <a:spcPct val="115000"/>
-              </a:lnSpc>
-              <a:spcBef>
-                <a:spcPts val="1200"/>
-              </a:spcBef>
-              <a:spcAft>
-                <a:spcPts val="0"/>
-              </a:spcAft>
-              <a:buClr>
-                <a:schemeClr val="dk1"/>
-              </a:buClr>
-              <a:buSzPts val="1100"/>
-              <a:buFont typeface="Arial"/>
-              <a:buNone/>
-            </a:pPr>
-            <a:r>
-              <a:rPr lang="en-US" sz="4000">
-                <a:solidFill>
-                  <a:schemeClr val="dk1"/>
-                </a:solidFill>
-                <a:latin typeface="Calibri"/>
-                <a:ea typeface="Calibri"/>
-                <a:cs typeface="Calibri"/>
-                <a:sym typeface="Calibri"/>
-              </a:rPr>
-              <a:t>Yang, Jaewon, et al. “Community Detection in Networks with Node Attributes.” </a:t>
-            </a:r>
-            <a:r>
-              <a:rPr i="1" lang="en-US" sz="4000">
-                <a:solidFill>
-                  <a:schemeClr val="dk1"/>
-                </a:solidFill>
-                <a:latin typeface="Calibri"/>
-                <a:ea typeface="Calibri"/>
-                <a:cs typeface="Calibri"/>
-                <a:sym typeface="Calibri"/>
-              </a:rPr>
-              <a:t>2013 IEEE 13th International Conference on Data Mining</a:t>
-            </a:r>
-            <a:r>
-              <a:rPr lang="en-US" sz="4000">
-                <a:solidFill>
-                  <a:schemeClr val="dk1"/>
-                </a:solidFill>
-                <a:latin typeface="Calibri"/>
-                <a:ea typeface="Calibri"/>
-                <a:cs typeface="Calibri"/>
-                <a:sym typeface="Calibri"/>
-              </a:rPr>
-              <a:t>, 2013, https://doi.org/10.1109/icdm.2013.167. </a:t>
-            </a:r>
-            <a:endParaRPr sz="4000">
+            <a:endParaRPr b="0" i="0" sz="4000" u="none" cap="none" strike="noStrike">
               <a:solidFill>
                 <a:schemeClr val="dk1"/>
               </a:solidFill>
@@ -16775,7 +16599,7 @@
                 <a:spcPct val="100000"/>
               </a:lnSpc>
               <a:spcBef>
-                <a:spcPts val="1200"/>
+                <a:spcPts val="0"/>
               </a:spcBef>
               <a:spcAft>
                 <a:spcPts val="0"/>
@@ -16790,7 +16614,7 @@
             <a:r>
               <a:t/>
             </a:r>
-            <a:endParaRPr b="1" sz="4000">
+            <a:endParaRPr b="0" i="0" sz="4000" u="none" cap="none" strike="noStrike">
               <a:solidFill>
                 <a:schemeClr val="dk1"/>
               </a:solidFill>
@@ -16821,7 +16645,7 @@
             <a:r>
               <a:t/>
             </a:r>
-            <a:endParaRPr sz="4000">
+            <a:endParaRPr b="0" i="0" sz="4000" u="none" cap="none" strike="noStrike">
               <a:solidFill>
                 <a:schemeClr val="dk1"/>
               </a:solidFill>
@@ -16852,7 +16676,7 @@
             <a:r>
               <a:t/>
             </a:r>
-            <a:endParaRPr sz="4000">
+            <a:endParaRPr b="0" i="0" sz="4000" u="none" cap="none" strike="noStrike">
               <a:solidFill>
                 <a:schemeClr val="dk1"/>
               </a:solidFill>
@@ -16883,7 +16707,7 @@
             <a:r>
               <a:t/>
             </a:r>
-            <a:endParaRPr sz="4000">
+            <a:endParaRPr b="0" i="0" sz="4000" u="none" cap="none" strike="noStrike">
               <a:solidFill>
                 <a:schemeClr val="dk1"/>
               </a:solidFill>
@@ -16914,7 +16738,7 @@
             <a:r>
               <a:t/>
             </a:r>
-            <a:endParaRPr sz="4000">
+            <a:endParaRPr b="0" i="0" sz="4000" u="none" cap="none" strike="noStrike">
               <a:solidFill>
                 <a:schemeClr val="dk1"/>
               </a:solidFill>
@@ -16945,69 +16769,7 @@
             <a:r>
               <a:t/>
             </a:r>
-            <a:endParaRPr sz="4000">
-              <a:solidFill>
-                <a:schemeClr val="dk1"/>
-              </a:solidFill>
-              <a:latin typeface="Calibri"/>
-              <a:ea typeface="Calibri"/>
-              <a:cs typeface="Calibri"/>
-              <a:sym typeface="Calibri"/>
-            </a:endParaRPr>
-          </a:p>
-          <a:p>
-            <a:pPr indent="0" lvl="0" marL="0" marR="0" rtl="0" algn="l">
-              <a:lnSpc>
-                <a:spcPct val="100000"/>
-              </a:lnSpc>
-              <a:spcBef>
-                <a:spcPts val="0"/>
-              </a:spcBef>
-              <a:spcAft>
-                <a:spcPts val="0"/>
-              </a:spcAft>
-              <a:buClr>
-                <a:srgbClr val="000000"/>
-              </a:buClr>
-              <a:buSzPts val="4000"/>
-              <a:buFont typeface="Arial"/>
-              <a:buNone/>
-            </a:pPr>
-            <a:r>
-              <a:t/>
-            </a:r>
-            <a:endParaRPr sz="4000">
-              <a:solidFill>
-                <a:schemeClr val="dk1"/>
-              </a:solidFill>
-              <a:latin typeface="Calibri"/>
-              <a:ea typeface="Calibri"/>
-              <a:cs typeface="Calibri"/>
-              <a:sym typeface="Calibri"/>
-            </a:endParaRPr>
-          </a:p>
-          <a:p>
-            <a:pPr indent="0" lvl="0" marL="0" marR="0" rtl="0" algn="l">
-              <a:lnSpc>
-                <a:spcPct val="100000"/>
-              </a:lnSpc>
-              <a:spcBef>
-                <a:spcPts val="0"/>
-              </a:spcBef>
-              <a:spcAft>
-                <a:spcPts val="0"/>
-              </a:spcAft>
-              <a:buClr>
-                <a:srgbClr val="000000"/>
-              </a:buClr>
-              <a:buSzPts val="4000"/>
-              <a:buFont typeface="Arial"/>
-              <a:buNone/>
-            </a:pPr>
-            <a:r>
-              <a:t/>
-            </a:r>
-            <a:endParaRPr sz="4000">
+            <a:endParaRPr b="0" i="0" sz="4000" u="none" cap="none" strike="noStrike">
               <a:solidFill>
                 <a:schemeClr val="dk1"/>
               </a:solidFill>
@@ -17052,13 +16814,13 @@
       </p:sp>
       <p:sp>
         <p:nvSpPr>
-          <p:cNvPr id="96" name="Google Shape;96;p1"/>
+          <p:cNvPr id="95" name="Google Shape;95;p1"/>
           <p:cNvSpPr txBox="1"/>
           <p:nvPr/>
         </p:nvSpPr>
         <p:spPr>
           <a:xfrm>
-            <a:off x="32257301" y="23537977"/>
+            <a:off x="32257301" y="25604652"/>
             <a:ext cx="10536000" cy="6249300"/>
           </a:xfrm>
           <a:prstGeom prst="rect">
@@ -17102,7 +16864,31 @@
                 <a:cs typeface="Calibri"/>
                 <a:sym typeface="Calibri"/>
               </a:rPr>
-              <a:t>Edges with a weight of 1 is removed to improve the efficiency of the model</a:t>
+              <a:t>Edges with a weight </a:t>
+            </a:r>
+            <a:r>
+              <a:rPr lang="en-US" sz="4000">
+                <a:solidFill>
+                  <a:schemeClr val="dk1"/>
+                </a:solidFill>
+                <a:latin typeface="Calibri"/>
+                <a:ea typeface="Calibri"/>
+                <a:cs typeface="Calibri"/>
+                <a:sym typeface="Calibri"/>
+              </a:rPr>
+              <a:t>less than 1</a:t>
+            </a:r>
+            <a:r>
+              <a:rPr b="0" i="0" lang="en-US" sz="4000" u="none" cap="none" strike="noStrike">
+                <a:solidFill>
+                  <a:schemeClr val="dk1"/>
+                </a:solidFill>
+                <a:latin typeface="Calibri"/>
+                <a:ea typeface="Calibri"/>
+                <a:cs typeface="Calibri"/>
+                <a:sym typeface="Calibri"/>
+              </a:rPr>
+              <a:t> is removed to improve the model</a:t>
             </a:r>
             <a:endParaRPr b="0" i="0" sz="1400" u="none" cap="none" strike="noStrike">
               <a:solidFill>
@@ -17220,39 +17006,12 @@
       </p:sp>
       <p:pic>
         <p:nvPicPr>
-          <p:cNvPr id="97" name="Google Shape;97;p1"/>
+          <p:cNvPr id="96" name="Google Shape;96;p1"/>
           <p:cNvPicPr preferRelativeResize="0"/>
           <p:nvPr/>
         </p:nvPicPr>
         <p:blipFill rotWithShape="1">
           <a:blip r:embed="rId4">
-            <a:alphaModFix/>
-          </a:blip>
-          <a:srcRect b="0" l="0" r="0" t="0"/>
-          <a:stretch/>
-        </p:blipFill>
-        <p:spPr>
-          <a:xfrm>
-            <a:off x="1097975" y="24247300"/>
-            <a:ext cx="11946524" cy="7178350"/>
-          </a:xfrm>
-          <a:prstGeom prst="rect">
-            <a:avLst/>
-          </a:prstGeom>
-          <a:noFill/>
-          <a:ln>
-            <a:noFill/>
-          </a:ln>
-        </p:spPr>
-      </p:pic>
-      <p:pic>
-        <p:nvPicPr>
-          <p:cNvPr id="98" name="Google Shape;98;p1"/>
-          <p:cNvPicPr preferRelativeResize="0"/>
-          <p:nvPr/>
-        </p:nvPicPr>
-        <p:blipFill rotWithShape="1">
-          <a:blip r:embed="rId5">
             <a:alphaModFix/>
           </a:blip>
           <a:srcRect b="0" l="0" r="0" t="0"/>
@@ -17274,7 +17033,7 @@
       </p:pic>
       <p:sp>
         <p:nvSpPr>
-          <p:cNvPr id="99" name="Google Shape;99;p1"/>
+          <p:cNvPr id="97" name="Google Shape;97;p1"/>
           <p:cNvSpPr txBox="1"/>
           <p:nvPr/>
         </p:nvSpPr>
@@ -17334,6 +17093,86 @@
               <a:ea typeface="Arial"/>
               <a:cs typeface="Arial"/>
               <a:sym typeface="Arial"/>
+            </a:endParaRPr>
+          </a:p>
+        </p:txBody>
+      </p:sp>
+      <p:pic>
+        <p:nvPicPr>
+          <p:cNvPr id="98" name="Google Shape;98;p1"/>
+          <p:cNvPicPr preferRelativeResize="0"/>
+          <p:nvPr/>
+        </p:nvPicPr>
+        <p:blipFill>
+          <a:blip r:embed="rId5">
+            <a:alphaModFix/>
+          </a:blip>
+          <a:stretch>
+            <a:fillRect/>
+          </a:stretch>
+        </p:blipFill>
+        <p:spPr>
+          <a:xfrm>
+            <a:off x="0" y="17809053"/>
+            <a:ext cx="13632751" cy="8179625"/>
+          </a:xfrm>
+          <a:prstGeom prst="rect">
+            <a:avLst/>
+          </a:prstGeom>
+          <a:noFill/>
+          <a:ln>
+            <a:noFill/>
+          </a:ln>
+        </p:spPr>
+      </p:pic>
+      <p:sp>
+        <p:nvSpPr>
+          <p:cNvPr id="99" name="Google Shape;99;p1"/>
+          <p:cNvSpPr txBox="1"/>
+          <p:nvPr/>
+        </p:nvSpPr>
+        <p:spPr>
+          <a:xfrm>
+            <a:off x="2670725" y="17809050"/>
+            <a:ext cx="7390500" cy="1370100"/>
+          </a:xfrm>
+          <a:prstGeom prst="rect">
+            <a:avLst/>
+          </a:prstGeom>
+          <a:noFill/>
+          <a:ln>
+            <a:noFill/>
+          </a:ln>
+        </p:spPr>
+        <p:txBody>
+          <a:bodyPr anchorCtr="0" anchor="t" bIns="91425" lIns="91425" spcFirstLastPara="1" rIns="91425" wrap="square" tIns="91425">
+            <a:noAutofit/>
+          </a:bodyPr>
+          <a:lstStyle/>
+          <a:p>
+            <a:pPr indent="0" lvl="0" marL="0" rtl="0" algn="l">
+              <a:spcBef>
+                <a:spcPts val="0"/>
+              </a:spcBef>
+              <a:spcAft>
+                <a:spcPts val="0"/>
+              </a:spcAft>
+              <a:buNone/>
+            </a:pPr>
+            <a:r>
+              <a:rPr b="1" lang="en-US" sz="4800">
+                <a:latin typeface="Calibri"/>
+                <a:ea typeface="Calibri"/>
+                <a:cs typeface="Calibri"/>
+                <a:sym typeface="Calibri"/>
+              </a:rPr>
+              <a:t>Number of Artists by Genre</a:t>
+            </a:r>
+            <a:endParaRPr b="1" sz="4800">
+              <a:latin typeface="Calibri"/>
+              <a:ea typeface="Calibri"/>
+              <a:cs typeface="Calibri"/>
+              <a:sym typeface="Calibri"/>
             </a:endParaRPr>
           </a:p>
         </p:txBody>

--- a/poster_roughdraft.pptx
+++ b/poster_roughdraft.pptx
@@ -243,7 +243,7 @@
   </p:defaultTextStyle>
   <p:extLst>
     <p:ext uri="http://customooxmlschemas.google.com/">
-      <go:slidesCustomData xmlns:go="http://customooxmlschemas.google.com/" r:id="rId6" roundtripDataSignature="AMtx7mi23E1JoM7WQ/Dp7OtU9/2E5Sa/UQ=="/>
+      <go:slidesCustomData xmlns:go="http://customooxmlschemas.google.com/" r:id="rId6" roundtripDataSignature="AMtx7mgfOJViVtPnCBKszLdhYSsUM9v8rg=="/>
     </p:ext>
   </p:extLst>
 </p:presentation>
@@ -15276,7 +15276,31 @@
                 <a:cs typeface="Calibri"/>
                 <a:sym typeface="Calibri"/>
               </a:rPr>
-              <a:t>We sample 5,000 playlists for our network to build in efficient time while</a:t>
+              <a:t>We sample </a:t>
+            </a:r>
+            <a:r>
+              <a:rPr lang="en-US" sz="4000">
+                <a:solidFill>
+                  <a:schemeClr val="dk1"/>
+                </a:solidFill>
+                <a:latin typeface="Calibri"/>
+                <a:ea typeface="Calibri"/>
+                <a:cs typeface="Calibri"/>
+                <a:sym typeface="Calibri"/>
+              </a:rPr>
+              <a:t>2</a:t>
+            </a:r>
+            <a:r>
+              <a:rPr b="0" i="0" lang="en-US" sz="4000" u="none" cap="none" strike="noStrike">
+                <a:solidFill>
+                  <a:schemeClr val="dk1"/>
+                </a:solidFill>
+                <a:latin typeface="Calibri"/>
+                <a:ea typeface="Calibri"/>
+                <a:cs typeface="Calibri"/>
+                <a:sym typeface="Calibri"/>
+              </a:rPr>
+              <a:t>,000 playlists for our network to build in efficient time while</a:t>
             </a:r>
             <a:r>
               <a:rPr lang="en-US" sz="4000">
@@ -15371,6 +15395,18 @@
               <a:buChar char="■"/>
             </a:pPr>
             <a:r>
+              <a:rPr lang="en-US" sz="4000">
+                <a:solidFill>
+                  <a:schemeClr val="dk1"/>
+                </a:solidFill>
+                <a:latin typeface="Calibri"/>
+                <a:ea typeface="Calibri"/>
+                <a:cs typeface="Calibri"/>
+                <a:sym typeface="Calibri"/>
+              </a:rPr>
+              <a:t>18,139</a:t>
+            </a:r>
+            <a:r>
               <a:rPr b="0" i="0" lang="en-US" sz="4000" u="none" cap="none" strike="noStrike">
                 <a:solidFill>
                   <a:schemeClr val="dk1"/>
@@ -15380,7 +15416,7 @@
                 <a:cs typeface="Calibri"/>
                 <a:sym typeface="Calibri"/>
               </a:rPr>
-              <a:t>34,250 artists</a:t>
+              <a:t> artists</a:t>
             </a:r>
             <a:endParaRPr b="0" i="0" sz="1400" u="none" cap="none" strike="noStrike">
               <a:solidFill>
@@ -15411,6 +15447,18 @@
               <a:buChar char="■"/>
             </a:pPr>
             <a:r>
+              <a:rPr lang="en-US" sz="4000">
+                <a:solidFill>
+                  <a:schemeClr val="dk1"/>
+                </a:solidFill>
+                <a:latin typeface="Calibri"/>
+                <a:ea typeface="Calibri"/>
+                <a:cs typeface="Calibri"/>
+                <a:sym typeface="Calibri"/>
+              </a:rPr>
+              <a:t>126,537 </a:t>
+            </a:r>
+            <a:r>
               <a:rPr b="0" i="0" lang="en-US" sz="4000" u="none" cap="none" strike="noStrike">
                 <a:solidFill>
                   <a:schemeClr val="dk1"/>
@@ -15420,7 +15468,7 @@
                 <a:cs typeface="Calibri"/>
                 <a:sym typeface="Calibri"/>
               </a:rPr>
-              <a:t>347,305 songs</a:t>
+              <a:t>songs</a:t>
             </a:r>
             <a:endParaRPr b="0" i="0" sz="1400" u="none" cap="none" strike="noStrike">
               <a:solidFill>
@@ -15451,6 +15499,18 @@
               <a:buChar char="■"/>
             </a:pPr>
             <a:r>
+              <a:rPr lang="en-US" sz="4000">
+                <a:solidFill>
+                  <a:schemeClr val="dk1"/>
+                </a:solidFill>
+                <a:latin typeface="Calibri"/>
+                <a:ea typeface="Calibri"/>
+                <a:cs typeface="Calibri"/>
+                <a:sym typeface="Calibri"/>
+              </a:rPr>
+              <a:t>623</a:t>
+            </a:r>
+            <a:r>
               <a:rPr b="0" i="0" lang="en-US" sz="4000" u="none" cap="none" strike="noStrike">
                 <a:solidFill>
                   <a:schemeClr val="dk1"/>
@@ -15460,7 +15520,7 @@
                 <a:cs typeface="Calibri"/>
                 <a:sym typeface="Calibri"/>
               </a:rPr>
-              <a:t>1,910 artists appearing on at least 10 playlists</a:t>
+              <a:t> artists appearing on at least 10 playlists</a:t>
             </a:r>
             <a:endParaRPr sz="4000">
               <a:solidFill>
@@ -16205,43 +16265,16 @@
           </a:p>
         </p:txBody>
       </p:sp>
-      <p:pic>
-        <p:nvPicPr>
-          <p:cNvPr descr="Chart, histogram&#10;&#10;Description automatically generated" id="93" name="Google Shape;93;p1"/>
-          <p:cNvPicPr preferRelativeResize="0"/>
-          <p:nvPr/>
-        </p:nvPicPr>
-        <p:blipFill rotWithShape="1">
-          <a:blip r:embed="rId3">
-            <a:alphaModFix/>
-          </a:blip>
-          <a:srcRect b="0" l="0" r="0" t="0"/>
-          <a:stretch/>
-        </p:blipFill>
-        <p:spPr>
-          <a:xfrm>
-            <a:off x="31552050" y="17916692"/>
-            <a:ext cx="11946501" cy="7964334"/>
-          </a:xfrm>
-          <a:prstGeom prst="rect">
-            <a:avLst/>
-          </a:prstGeom>
-          <a:noFill/>
-          <a:ln>
-            <a:noFill/>
-          </a:ln>
-        </p:spPr>
-      </p:pic>
       <p:sp>
         <p:nvSpPr>
-          <p:cNvPr id="94" name="Google Shape;94;p1"/>
+          <p:cNvPr id="93" name="Google Shape;93;p1"/>
           <p:cNvSpPr txBox="1"/>
           <p:nvPr/>
         </p:nvSpPr>
         <p:spPr>
           <a:xfrm>
-            <a:off x="13173375" y="18585900"/>
-            <a:ext cx="16845000" cy="11574900"/>
+            <a:off x="13173363" y="19870925"/>
+            <a:ext cx="16845000" cy="11298000"/>
           </a:xfrm>
           <a:prstGeom prst="rect">
             <a:avLst/>
@@ -16275,16 +16308,7 @@
               <a:buNone/>
             </a:pPr>
             <a:r>
-              <a:rPr b="0" i="0" lang="en-US" sz="4000" u="none" cap="none" strike="noStrike">
-                <a:solidFill>
-                  <a:schemeClr val="dk1"/>
-                </a:solidFill>
-                <a:latin typeface="Calibri"/>
-                <a:ea typeface="Calibri"/>
-                <a:cs typeface="Calibri"/>
-                <a:sym typeface="Calibri"/>
-              </a:rPr>
-              <a:t>When detecting 3 communities, the model achieved an accuracy of 95%.</a:t>
+              <a:t/>
             </a:r>
             <a:endParaRPr b="0" i="0" sz="1400" u="none" cap="none" strike="noStrike">
               <a:solidFill>
@@ -16377,7 +16401,7 @@
               <a:buNone/>
             </a:pPr>
             <a:r>
-              <a:rPr b="1" lang="en-US" sz="4000">
+              <a:rPr b="1" lang="en-US" sz="4800">
                 <a:solidFill>
                   <a:schemeClr val="dk1"/>
                 </a:solidFill>
@@ -16388,7 +16412,7 @@
               </a:rPr>
               <a:t>How the accuracy is computed</a:t>
             </a:r>
-            <a:endParaRPr sz="4000">
+            <a:endParaRPr sz="4800">
               <a:solidFill>
                 <a:schemeClr val="dk1"/>
               </a:solidFill>
@@ -16814,14 +16838,14 @@
       </p:sp>
       <p:sp>
         <p:nvSpPr>
-          <p:cNvPr id="95" name="Google Shape;95;p1"/>
+          <p:cNvPr id="94" name="Google Shape;94;p1"/>
           <p:cNvSpPr txBox="1"/>
           <p:nvPr/>
         </p:nvSpPr>
         <p:spPr>
           <a:xfrm>
-            <a:off x="32257301" y="25604652"/>
-            <a:ext cx="10536000" cy="6249300"/>
+            <a:off x="32257301" y="25092602"/>
+            <a:ext cx="10536000" cy="7696200"/>
           </a:xfrm>
           <a:prstGeom prst="rect">
             <a:avLst/>
@@ -16837,7 +16861,7 @@
           </a:bodyPr>
           <a:lstStyle/>
           <a:p>
-            <a:pPr indent="-457200" lvl="0" marL="457200" marR="0" rtl="0" algn="l">
+            <a:pPr indent="-482600" lvl="0" marL="457200" marR="0" rtl="0" algn="l">
               <a:lnSpc>
                 <a:spcPct val="100000"/>
               </a:lnSpc>
@@ -16852,7 +16876,7 @@
               </a:buClr>
               <a:buSzPts val="4000"/>
               <a:buFont typeface="Calibri"/>
-              <a:buChar char="-"/>
+              <a:buChar char="➢"/>
             </a:pPr>
             <a:r>
               <a:rPr b="0" i="0" lang="en-US" sz="4000" u="none" cap="none" strike="noStrike">
@@ -16876,7 +16900,7 @@
                 <a:cs typeface="Calibri"/>
                 <a:sym typeface="Calibri"/>
               </a:rPr>
-              <a:t>less than 1</a:t>
+              <a:t>less than 2</a:t>
             </a:r>
             <a:r>
               <a:rPr b="0" i="0" lang="en-US" sz="4000" u="none" cap="none" strike="noStrike">
@@ -16888,40 +16912,120 @@
                 <a:cs typeface="Calibri"/>
                 <a:sym typeface="Calibri"/>
               </a:rPr>
-              <a:t> is removed to improve the model</a:t>
+              <a:t> is removed to improve </a:t>
             </a:r>
-            <a:endParaRPr b="0" i="0" sz="1400" u="none" cap="none" strike="noStrike">
-              <a:solidFill>
-                <a:srgbClr val="000000"/>
-              </a:solidFill>
-              <a:latin typeface="Arial"/>
-              <a:ea typeface="Arial"/>
-              <a:cs typeface="Arial"/>
-              <a:sym typeface="Arial"/>
-            </a:endParaRPr>
+            <a:r>
+              <a:rPr lang="en-US" sz="4000">
+                <a:solidFill>
+                  <a:schemeClr val="dk1"/>
+                </a:solidFill>
+                <a:latin typeface="Calibri"/>
+                <a:ea typeface="Calibri"/>
+                <a:cs typeface="Calibri"/>
+                <a:sym typeface="Calibri"/>
+              </a:rPr>
+              <a:t>model efficiency</a:t>
+            </a:r>
+            <a:endParaRPr/>
           </a:p>
           <a:p>
-            <a:pPr indent="0" lvl="0" marL="0" marR="0" rtl="0" algn="l">
-              <a:lnSpc>
-                <a:spcPct val="100000"/>
-              </a:lnSpc>
-              <a:spcBef>
-                <a:spcPts val="0"/>
-              </a:spcBef>
-              <a:spcAft>
-                <a:spcPts val="0"/>
-              </a:spcAft>
-              <a:buClr>
-                <a:srgbClr val="000000"/>
-              </a:buClr>
-              <a:buSzPts val="4000"/>
-              <a:buFont typeface="Arial"/>
-              <a:buNone/>
+            <a:pPr indent="-292100" lvl="0" marL="457200" marR="0" rtl="0" algn="l">
+              <a:lnSpc>
+                <a:spcPct val="100000"/>
+              </a:lnSpc>
+              <a:spcBef>
+                <a:spcPts val="0"/>
+              </a:spcBef>
+              <a:spcAft>
+                <a:spcPts val="0"/>
+              </a:spcAft>
+              <a:buSzPts val="1400"/>
+              <a:buChar char="-"/>
             </a:pPr>
             <a:r>
               <a:t/>
             </a:r>
-            <a:endParaRPr b="0" i="0" sz="4000" u="none" cap="none" strike="noStrike">
+            <a:endParaRPr/>
+          </a:p>
+          <a:p>
+            <a:pPr indent="-482600" lvl="0" marL="457200" marR="0" rtl="0" algn="l">
+              <a:lnSpc>
+                <a:spcPct val="100000"/>
+              </a:lnSpc>
+              <a:spcBef>
+                <a:spcPts val="0"/>
+              </a:spcBef>
+              <a:spcAft>
+                <a:spcPts val="0"/>
+              </a:spcAft>
+              <a:buClr>
+                <a:schemeClr val="dk1"/>
+              </a:buClr>
+              <a:buSzPts val="4000"/>
+              <a:buFont typeface="Calibri"/>
+              <a:buChar char="➢"/>
+            </a:pPr>
+            <a:r>
+              <a:rPr i="0" lang="en-US" sz="4000" u="none" cap="none" strike="noStrike">
+                <a:solidFill>
+                  <a:schemeClr val="dk1"/>
+                </a:solidFill>
+                <a:latin typeface="Calibri"/>
+                <a:ea typeface="Calibri"/>
+                <a:cs typeface="Calibri"/>
+                <a:sym typeface="Calibri"/>
+              </a:rPr>
+              <a:t>The algorithm involves maximizing the likelihood that a node belongs to a given community through gradient </a:t>
+            </a:r>
+            <a:r>
+              <a:rPr lang="en-US" sz="4000">
+                <a:solidFill>
+                  <a:schemeClr val="dk1"/>
+                </a:solidFill>
+                <a:latin typeface="Calibri"/>
+                <a:ea typeface="Calibri"/>
+                <a:cs typeface="Calibri"/>
+                <a:sym typeface="Calibri"/>
+              </a:rPr>
+              <a:t>a</a:t>
+            </a:r>
+            <a:r>
+              <a:rPr i="0" lang="en-US" sz="4000" u="none" cap="none" strike="noStrike">
+                <a:solidFill>
+                  <a:schemeClr val="dk1"/>
+                </a:solidFill>
+                <a:latin typeface="Calibri"/>
+                <a:ea typeface="Calibri"/>
+                <a:cs typeface="Calibri"/>
+                <a:sym typeface="Calibri"/>
+              </a:rPr>
+              <a:t>scent. The </a:t>
+            </a:r>
+            <a:r>
+              <a:rPr lang="en-US" sz="4000">
+                <a:solidFill>
+                  <a:schemeClr val="dk1"/>
+                </a:solidFill>
+                <a:latin typeface="Calibri"/>
+                <a:ea typeface="Calibri"/>
+                <a:cs typeface="Calibri"/>
+                <a:sym typeface="Calibri"/>
+              </a:rPr>
+              <a:t>Objective </a:t>
+            </a:r>
+            <a:r>
+              <a:rPr i="0" lang="en-US" sz="4000" u="none" cap="none" strike="noStrike">
+                <a:solidFill>
+                  <a:schemeClr val="dk1"/>
+                </a:solidFill>
+                <a:latin typeface="Calibri"/>
+                <a:ea typeface="Calibri"/>
+                <a:cs typeface="Calibri"/>
+                <a:sym typeface="Calibri"/>
+              </a:rPr>
+              <a:t>function is defined as </a:t>
+            </a:r>
+            <a:endParaRPr i="0" sz="4000" u="none" cap="none" strike="noStrike">
               <a:solidFill>
                 <a:schemeClr val="dk1"/>
               </a:solidFill>
@@ -16932,25 +17036,20 @@
             </a:endParaRPr>
           </a:p>
           <a:p>
-            <a:pPr indent="-457200" lvl="0" marL="457200" marR="0" rtl="0" algn="l">
-              <a:lnSpc>
-                <a:spcPct val="100000"/>
-              </a:lnSpc>
-              <a:spcBef>
-                <a:spcPts val="0"/>
-              </a:spcBef>
-              <a:spcAft>
-                <a:spcPts val="0"/>
-              </a:spcAft>
-              <a:buClr>
-                <a:schemeClr val="dk1"/>
-              </a:buClr>
-              <a:buSzPts val="4000"/>
-              <a:buFont typeface="Calibri"/>
-              <a:buChar char="-"/>
+            <a:pPr indent="0" lvl="0" marL="457200" marR="0" rtl="0" algn="l">
+              <a:lnSpc>
+                <a:spcPct val="100000"/>
+              </a:lnSpc>
+              <a:spcBef>
+                <a:spcPts val="0"/>
+              </a:spcBef>
+              <a:spcAft>
+                <a:spcPts val="0"/>
+              </a:spcAft>
+              <a:buNone/>
             </a:pPr>
             <a:r>
-              <a:rPr b="0" i="0" lang="en-US" sz="4000" u="none" cap="none" strike="noStrike">
+              <a:rPr i="0" lang="en-US" sz="4000" u="none" cap="none" strike="noStrike">
                 <a:solidFill>
                   <a:schemeClr val="dk1"/>
                 </a:solidFill>
@@ -16959,9 +17058,80 @@
                 <a:cs typeface="Calibri"/>
                 <a:sym typeface="Calibri"/>
               </a:rPr>
-              <a:t>The algorithm involves maximizing the likelihood that a node belongs to a given community through gradient descent. The likelihood function is defined as l(F) = log P(G|F) where G is the underlying graph and F is the affiliation matrix.</a:t>
+              <a:t>l(F) = </a:t>
             </a:r>
-            <a:endParaRPr b="0" i="0" sz="4000" u="none" cap="none" strike="noStrike">
+            <a:r>
+              <a:rPr lang="en-US" sz="4000">
+                <a:solidFill>
+                  <a:schemeClr val="dk1"/>
+                </a:solidFill>
+                <a:latin typeface="Calibri"/>
+                <a:ea typeface="Calibri"/>
+                <a:cs typeface="Calibri"/>
+                <a:sym typeface="Calibri"/>
+              </a:rPr>
+              <a:t>LG + LX</a:t>
+            </a:r>
+            <a:r>
+              <a:rPr i="0" lang="en-US" sz="4000" u="none" cap="none" strike="noStrike">
+                <a:solidFill>
+                  <a:schemeClr val="dk1"/>
+                </a:solidFill>
+                <a:latin typeface="Calibri"/>
+                <a:ea typeface="Calibri"/>
+                <a:cs typeface="Calibri"/>
+                <a:sym typeface="Calibri"/>
+              </a:rPr>
+              <a:t> where LG = log P(G|F) and </a:t>
+            </a:r>
+            <a:endParaRPr i="0" sz="4000" u="none" cap="none" strike="noStrike">
+              <a:solidFill>
+                <a:schemeClr val="dk1"/>
+              </a:solidFill>
+              <a:latin typeface="Calibri"/>
+              <a:ea typeface="Calibri"/>
+              <a:cs typeface="Calibri"/>
+              <a:sym typeface="Calibri"/>
+            </a:endParaRPr>
+          </a:p>
+          <a:p>
+            <a:pPr indent="0" lvl="0" marL="457200" marR="0" rtl="0" algn="l">
+              <a:lnSpc>
+                <a:spcPct val="100000"/>
+              </a:lnSpc>
+              <a:spcBef>
+                <a:spcPts val="0"/>
+              </a:spcBef>
+              <a:spcAft>
+                <a:spcPts val="0"/>
+              </a:spcAft>
+              <a:buNone/>
+            </a:pPr>
+            <a:r>
+              <a:rPr i="0" lang="en-US" sz="4000" u="none" cap="none" strike="noStrike">
+                <a:solidFill>
+                  <a:schemeClr val="dk1"/>
+                </a:solidFill>
+                <a:latin typeface="Calibri"/>
+                <a:ea typeface="Calibri"/>
+                <a:cs typeface="Calibri"/>
+                <a:sym typeface="Calibri"/>
+              </a:rPr>
+              <a:t>LX = log P(X|F, W)</a:t>
+            </a:r>
+            <a:r>
+              <a:rPr lang="en-US" sz="4000">
+                <a:solidFill>
+                  <a:schemeClr val="dk1"/>
+                </a:solidFill>
+                <a:latin typeface="Calibri"/>
+                <a:ea typeface="Calibri"/>
+                <a:cs typeface="Calibri"/>
+                <a:sym typeface="Calibri"/>
+              </a:rPr>
+              <a:t> where G is the underlying Graph, F is the affiliation matrix, X is the attribute matrix, and W are the associated weight vectors.</a:t>
+            </a:r>
+            <a:endParaRPr i="0" sz="4000" u="none" cap="none" strike="noStrike">
               <a:solidFill>
                 <a:schemeClr val="dk1"/>
               </a:solidFill>
@@ -17004,36 +17174,9 @@
           </a:p>
         </p:txBody>
       </p:sp>
-      <p:pic>
-        <p:nvPicPr>
-          <p:cNvPr id="96" name="Google Shape;96;p1"/>
-          <p:cNvPicPr preferRelativeResize="0"/>
-          <p:nvPr/>
-        </p:nvPicPr>
-        <p:blipFill rotWithShape="1">
-          <a:blip r:embed="rId4">
-            <a:alphaModFix/>
-          </a:blip>
-          <a:srcRect b="0" l="0" r="0" t="0"/>
-          <a:stretch/>
-        </p:blipFill>
-        <p:spPr>
-          <a:xfrm>
-            <a:off x="13987818" y="5352660"/>
-            <a:ext cx="13261301" cy="13261301"/>
-          </a:xfrm>
-          <a:prstGeom prst="rect">
-            <a:avLst/>
-          </a:prstGeom>
-          <a:noFill/>
-          <a:ln>
-            <a:noFill/>
-          </a:ln>
-        </p:spPr>
-      </p:pic>
       <p:sp>
         <p:nvSpPr>
-          <p:cNvPr id="97" name="Google Shape;97;p1"/>
+          <p:cNvPr id="95" name="Google Shape;95;p1"/>
           <p:cNvSpPr txBox="1"/>
           <p:nvPr/>
         </p:nvSpPr>
@@ -17099,12 +17242,12 @@
       </p:sp>
       <p:pic>
         <p:nvPicPr>
-          <p:cNvPr id="98" name="Google Shape;98;p1"/>
+          <p:cNvPr id="96" name="Google Shape;96;p1"/>
           <p:cNvPicPr preferRelativeResize="0"/>
           <p:nvPr/>
         </p:nvPicPr>
         <p:blipFill>
-          <a:blip r:embed="rId5">
+          <a:blip r:embed="rId3">
             <a:alphaModFix/>
           </a:blip>
           <a:stretch>
@@ -17113,8 +17256,88 @@
         </p:blipFill>
         <p:spPr>
           <a:xfrm>
-            <a:off x="0" y="17809053"/>
-            <a:ext cx="13632751" cy="8179625"/>
+            <a:off x="0" y="16735375"/>
+            <a:ext cx="13261301" cy="7956756"/>
+          </a:xfrm>
+          <a:prstGeom prst="rect">
+            <a:avLst/>
+          </a:prstGeom>
+          <a:noFill/>
+          <a:ln>
+            <a:noFill/>
+          </a:ln>
+        </p:spPr>
+      </p:pic>
+      <p:sp>
+        <p:nvSpPr>
+          <p:cNvPr id="97" name="Google Shape;97;p1"/>
+          <p:cNvSpPr txBox="1"/>
+          <p:nvPr/>
+        </p:nvSpPr>
+        <p:spPr>
+          <a:xfrm>
+            <a:off x="5259175" y="18066350"/>
+            <a:ext cx="7390500" cy="1370100"/>
+          </a:xfrm>
+          <a:prstGeom prst="rect">
+            <a:avLst/>
+          </a:prstGeom>
+          <a:noFill/>
+          <a:ln>
+            <a:noFill/>
+          </a:ln>
+        </p:spPr>
+        <p:txBody>
+          <a:bodyPr anchorCtr="0" anchor="t" bIns="91425" lIns="91425" spcFirstLastPara="1" rIns="91425" wrap="square" tIns="91425">
+            <a:noAutofit/>
+          </a:bodyPr>
+          <a:lstStyle/>
+          <a:p>
+            <a:pPr indent="0" lvl="0" marL="0" rtl="0" algn="l">
+              <a:spcBef>
+                <a:spcPts val="0"/>
+              </a:spcBef>
+              <a:spcAft>
+                <a:spcPts val="0"/>
+              </a:spcAft>
+              <a:buNone/>
+            </a:pPr>
+            <a:r>
+              <a:rPr b="1" lang="en-US" sz="2800">
+                <a:latin typeface="Calibri"/>
+                <a:ea typeface="Calibri"/>
+                <a:cs typeface="Calibri"/>
+                <a:sym typeface="Calibri"/>
+              </a:rPr>
+              <a:t>Number of Artists by Genre</a:t>
+            </a:r>
+            <a:endParaRPr b="1" sz="2800">
+              <a:latin typeface="Calibri"/>
+              <a:ea typeface="Calibri"/>
+              <a:cs typeface="Calibri"/>
+              <a:sym typeface="Calibri"/>
+            </a:endParaRPr>
+          </a:p>
+        </p:txBody>
+      </p:sp>
+      <p:pic>
+        <p:nvPicPr>
+          <p:cNvPr id="98" name="Google Shape;98;p1"/>
+          <p:cNvPicPr preferRelativeResize="0"/>
+          <p:nvPr/>
+        </p:nvPicPr>
+        <p:blipFill>
+          <a:blip r:embed="rId4">
+            <a:alphaModFix/>
+          </a:blip>
+          <a:stretch>
+            <a:fillRect/>
+          </a:stretch>
+        </p:blipFill>
+        <p:spPr>
+          <a:xfrm>
+            <a:off x="265188" y="24018800"/>
+            <a:ext cx="12730926" cy="8487258"/>
           </a:xfrm>
           <a:prstGeom prst="rect">
             <a:avLst/>
@@ -17133,8 +17356,8 @@
         </p:nvSpPr>
         <p:spPr>
           <a:xfrm>
-            <a:off x="2670725" y="17809050"/>
-            <a:ext cx="7390500" cy="1370100"/>
+            <a:off x="5504775" y="25260225"/>
+            <a:ext cx="7668600" cy="1817700"/>
           </a:xfrm>
           <a:prstGeom prst="rect">
             <a:avLst/>
@@ -17160,15 +17383,267 @@
               <a:buNone/>
             </a:pPr>
             <a:r>
+              <a:rPr b="1" lang="en-US" sz="2800">
+                <a:latin typeface="Calibri"/>
+                <a:ea typeface="Calibri"/>
+                <a:cs typeface="Calibri"/>
+                <a:sym typeface="Calibri"/>
+              </a:rPr>
+              <a:t>Top 20 Artist appearances</a:t>
+            </a:r>
+            <a:endParaRPr b="1" sz="2800">
+              <a:latin typeface="Calibri"/>
+              <a:ea typeface="Calibri"/>
+              <a:cs typeface="Calibri"/>
+              <a:sym typeface="Calibri"/>
+            </a:endParaRPr>
+          </a:p>
+        </p:txBody>
+      </p:sp>
+      <p:pic>
+        <p:nvPicPr>
+          <p:cNvPr id="100" name="Google Shape;100;p1"/>
+          <p:cNvPicPr preferRelativeResize="0"/>
+          <p:nvPr/>
+        </p:nvPicPr>
+        <p:blipFill>
+          <a:blip r:embed="rId5">
+            <a:alphaModFix/>
+          </a:blip>
+          <a:stretch>
+            <a:fillRect/>
+          </a:stretch>
+        </p:blipFill>
+        <p:spPr>
+          <a:xfrm>
+            <a:off x="30542075" y="17303450"/>
+            <a:ext cx="13261301" cy="7956774"/>
+          </a:xfrm>
+          <a:prstGeom prst="rect">
+            <a:avLst/>
+          </a:prstGeom>
+          <a:noFill/>
+          <a:ln>
+            <a:noFill/>
+          </a:ln>
+        </p:spPr>
+      </p:pic>
+      <p:pic>
+        <p:nvPicPr>
+          <p:cNvPr id="101" name="Google Shape;101;p1"/>
+          <p:cNvPicPr preferRelativeResize="0"/>
+          <p:nvPr/>
+        </p:nvPicPr>
+        <p:blipFill>
+          <a:blip r:embed="rId6">
+            <a:alphaModFix/>
+          </a:blip>
+          <a:stretch>
+            <a:fillRect/>
+          </a:stretch>
+        </p:blipFill>
+        <p:spPr>
+          <a:xfrm>
+            <a:off x="12649673" y="25092602"/>
+            <a:ext cx="5197729" cy="5744850"/>
+          </a:xfrm>
+          <a:prstGeom prst="rect">
+            <a:avLst/>
+          </a:prstGeom>
+          <a:noFill/>
+          <a:ln>
+            <a:noFill/>
+          </a:ln>
+        </p:spPr>
+      </p:pic>
+      <p:pic>
+        <p:nvPicPr>
+          <p:cNvPr id="102" name="Google Shape;102;p1"/>
+          <p:cNvPicPr preferRelativeResize="0"/>
+          <p:nvPr/>
+        </p:nvPicPr>
+        <p:blipFill>
+          <a:blip r:embed="rId7">
+            <a:alphaModFix/>
+          </a:blip>
+          <a:stretch>
+            <a:fillRect/>
+          </a:stretch>
+        </p:blipFill>
+        <p:spPr>
+          <a:xfrm>
+            <a:off x="18624888" y="25092599"/>
+            <a:ext cx="5525999" cy="5744850"/>
+          </a:xfrm>
+          <a:prstGeom prst="rect">
+            <a:avLst/>
+          </a:prstGeom>
+          <a:noFill/>
+          <a:ln>
+            <a:noFill/>
+          </a:ln>
+        </p:spPr>
+      </p:pic>
+      <p:pic>
+        <p:nvPicPr>
+          <p:cNvPr id="103" name="Google Shape;103;p1"/>
+          <p:cNvPicPr preferRelativeResize="0"/>
+          <p:nvPr/>
+        </p:nvPicPr>
+        <p:blipFill>
+          <a:blip r:embed="rId8">
+            <a:alphaModFix/>
+          </a:blip>
+          <a:stretch>
+            <a:fillRect/>
+          </a:stretch>
+        </p:blipFill>
+        <p:spPr>
+          <a:xfrm>
+            <a:off x="24737763" y="25121556"/>
+            <a:ext cx="6932650" cy="5686932"/>
+          </a:xfrm>
+          <a:prstGeom prst="rect">
+            <a:avLst/>
+          </a:prstGeom>
+          <a:noFill/>
+          <a:ln>
+            <a:noFill/>
+          </a:ln>
+        </p:spPr>
+      </p:pic>
+      <p:pic>
+        <p:nvPicPr>
+          <p:cNvPr id="104" name="Google Shape;104;p1"/>
+          <p:cNvPicPr preferRelativeResize="0"/>
+          <p:nvPr/>
+        </p:nvPicPr>
+        <p:blipFill>
+          <a:blip r:embed="rId9">
+            <a:alphaModFix/>
+          </a:blip>
+          <a:stretch>
+            <a:fillRect/>
+          </a:stretch>
+        </p:blipFill>
+        <p:spPr>
+          <a:xfrm>
+            <a:off x="15242437" y="8688325"/>
+            <a:ext cx="12290896" cy="12529500"/>
+          </a:xfrm>
+          <a:prstGeom prst="rect">
+            <a:avLst/>
+          </a:prstGeom>
+          <a:noFill/>
+          <a:ln>
+            <a:noFill/>
+          </a:ln>
+        </p:spPr>
+      </p:pic>
+      <p:sp>
+        <p:nvSpPr>
+          <p:cNvPr id="105" name="Google Shape;105;p1"/>
+          <p:cNvSpPr txBox="1"/>
+          <p:nvPr/>
+        </p:nvSpPr>
+        <p:spPr>
+          <a:xfrm>
+            <a:off x="13173363" y="23722500"/>
+            <a:ext cx="11297100" cy="1370100"/>
+          </a:xfrm>
+          <a:prstGeom prst="rect">
+            <a:avLst/>
+          </a:prstGeom>
+          <a:noFill/>
+          <a:ln>
+            <a:noFill/>
+          </a:ln>
+        </p:spPr>
+        <p:txBody>
+          <a:bodyPr anchorCtr="0" anchor="t" bIns="91425" lIns="91425" spcFirstLastPara="1" rIns="91425" wrap="square" tIns="91425">
+            <a:noAutofit/>
+          </a:bodyPr>
+          <a:lstStyle/>
+          <a:p>
+            <a:pPr indent="0" lvl="0" marL="0" rtl="0" algn="l">
+              <a:spcBef>
+                <a:spcPts val="0"/>
+              </a:spcBef>
+              <a:spcAft>
+                <a:spcPts val="0"/>
+              </a:spcAft>
+              <a:buNone/>
+            </a:pPr>
+            <a:r>
               <a:rPr b="1" lang="en-US" sz="4800">
                 <a:latin typeface="Calibri"/>
                 <a:ea typeface="Calibri"/>
                 <a:cs typeface="Calibri"/>
                 <a:sym typeface="Calibri"/>
               </a:rPr>
-              <a:t>Number of Artists by Genre</a:t>
+              <a:t>Example Communities from our Algorithm</a:t>
             </a:r>
             <a:endParaRPr b="1" sz="4800">
+              <a:latin typeface="Calibri"/>
+              <a:ea typeface="Calibri"/>
+              <a:cs typeface="Calibri"/>
+              <a:sym typeface="Calibri"/>
+            </a:endParaRPr>
+          </a:p>
+        </p:txBody>
+      </p:sp>
+      <p:sp>
+        <p:nvSpPr>
+          <p:cNvPr id="106" name="Google Shape;106;p1"/>
+          <p:cNvSpPr txBox="1"/>
+          <p:nvPr/>
+        </p:nvSpPr>
+        <p:spPr>
+          <a:xfrm>
+            <a:off x="12303825" y="6479100"/>
+            <a:ext cx="18584100" cy="2520000"/>
+          </a:xfrm>
+          <a:prstGeom prst="rect">
+            <a:avLst/>
+          </a:prstGeom>
+          <a:noFill/>
+          <a:ln>
+            <a:noFill/>
+          </a:ln>
+        </p:spPr>
+        <p:txBody>
+          <a:bodyPr anchorCtr="0" anchor="t" bIns="91425" lIns="91425" spcFirstLastPara="1" rIns="91425" wrap="square" tIns="91425">
+            <a:noAutofit/>
+          </a:bodyPr>
+          <a:lstStyle/>
+          <a:p>
+            <a:pPr indent="0" lvl="0" marL="0" rtl="0" algn="l">
+              <a:spcBef>
+                <a:spcPts val="0"/>
+              </a:spcBef>
+              <a:spcAft>
+                <a:spcPts val="0"/>
+              </a:spcAft>
+              <a:buClr>
+                <a:schemeClr val="dk1"/>
+              </a:buClr>
+              <a:buSzPts val="4000"/>
+              <a:buFont typeface="Arial"/>
+              <a:buNone/>
+            </a:pPr>
+            <a:r>
+              <a:rPr lang="en-US" sz="4000">
+                <a:solidFill>
+                  <a:schemeClr val="dk1"/>
+                </a:solidFill>
+                <a:latin typeface="Calibri"/>
+                <a:ea typeface="Calibri"/>
+                <a:cs typeface="Calibri"/>
+                <a:sym typeface="Calibri"/>
+              </a:rPr>
+              <a:t>When detecting 7 communities, the accuracy for the original genres associated with each artist is 53% and 82% when generalizing the genres (meshing indie-pop and dance-pop as pop)</a:t>
+            </a:r>
+            <a:endParaRPr>
               <a:latin typeface="Calibri"/>
               <a:ea typeface="Calibri"/>
               <a:cs typeface="Calibri"/>
@@ -17188,7 +17663,7 @@
 <file path=ppt/theme/theme1.xml><?xml version="1.0" encoding="utf-8"?>
 <a:theme xmlns:a="http://schemas.openxmlformats.org/drawingml/2006/main" xmlns:r="http://schemas.openxmlformats.org/officeDocument/2006/relationships" name="Office Theme">
   <a:themeElements>
-    <a:clrScheme name="Office Theme">
+    <a:clrScheme name="Office">
       <a:dk1>
         <a:srgbClr val="000000"/>
       </a:dk1>
@@ -17467,7 +17942,7 @@
 <file path=ppt/theme/theme2.xml><?xml version="1.0" encoding="utf-8"?>
 <a:theme xmlns:a="http://schemas.openxmlformats.org/drawingml/2006/main" xmlns:r="http://schemas.openxmlformats.org/officeDocument/2006/relationships" name="Office Theme">
   <a:themeElements>
-    <a:clrScheme name="Office">
+    <a:clrScheme name="Office Theme">
       <a:dk1>
         <a:srgbClr val="000000"/>
       </a:dk1>

--- a/poster_roughdraft.pptx
+++ b/poster_roughdraft.pptx
@@ -242,8 +242,11 @@
     </a:lvl9pPr>
   </p:defaultTextStyle>
   <p:extLst>
+    <p:ext uri="{EFAFB233-063F-42B5-8137-9DF3F51BA10A}">
+      <p15:sldGuideLst xmlns:p15="http://schemas.microsoft.com/office/powerpoint/2012/main"/>
+    </p:ext>
     <p:ext uri="http://customooxmlschemas.google.com/">
-      <go:slidesCustomData xmlns:go="http://customooxmlschemas.google.com/" xmlns:ahyp="http://schemas.microsoft.com/office/drawing/2018/hyperlinkcolor" xmlns:p15="http://schemas.microsoft.com/office/powerpoint/2012/main" xmlns:p14="http://schemas.microsoft.com/office/powerpoint/2010/main" xmlns:com="http://schemas.openxmlformats.org/drawingml/2006/compatibility" xmlns:pvml="urn:schemas-microsoft-com:office:powerpoint" xmlns:v="urn:schemas-microsoft-com:vml" xmlns:o="urn:schemas-microsoft-com:office:office" xmlns:dgm="http://schemas.openxmlformats.org/drawingml/2006/diagram" xmlns:c="http://schemas.openxmlformats.org/drawingml/2006/chart" xmlns:mv="urn:schemas-microsoft-com:mac:vml" xmlns:mc="http://schemas.openxmlformats.org/markup-compatibility/2006" xmlns="" r:id="rId6" roundtripDataSignature="AMtx7mgfOJViVtPnCBKszLdhYSsUM9v8rg=="/>
+      <go:slidesCustomData xmlns="" xmlns:mc="http://schemas.openxmlformats.org/markup-compatibility/2006" xmlns:mv="urn:schemas-microsoft-com:mac:vml" xmlns:c="http://schemas.openxmlformats.org/drawingml/2006/chart" xmlns:dgm="http://schemas.openxmlformats.org/drawingml/2006/diagram" xmlns:o="urn:schemas-microsoft-com:office:office" xmlns:v="urn:schemas-microsoft-com:vml" xmlns:pvml="urn:schemas-microsoft-com:office:powerpoint" xmlns:com="http://schemas.openxmlformats.org/drawingml/2006/compatibility" xmlns:p14="http://schemas.microsoft.com/office/powerpoint/2010/main" xmlns:p15="http://schemas.microsoft.com/office/powerpoint/2012/main" xmlns:ahyp="http://schemas.microsoft.com/office/drawing/2018/hyperlinkcolor" xmlns:go="http://customooxmlschemas.google.com/" r:id="rId6" roundtripDataSignature="AMtx7mgfOJViVtPnCBKszLdhYSsUM9v8rg=="/>
     </p:ext>
   </p:extLst>
 </p:presentation>
@@ -15821,7 +15824,7 @@
         <p:spPr>
           <a:xfrm>
             <a:off x="32074874" y="4817888"/>
-            <a:ext cx="10536000" cy="12529500"/>
+            <a:ext cx="10536000" cy="12526466"/>
           </a:xfrm>
           <a:prstGeom prst="rect">
             <a:avLst/>
@@ -15866,14 +15869,8 @@
               </a:rPr>
               <a:t>The Model</a:t>
             </a:r>
-            <a:endParaRPr sz="1400" b="0" i="0" u="none" strike="noStrike" cap="none" dirty="0">
-              <a:solidFill>
-                <a:srgbClr val="000000"/>
-              </a:solidFill>
-              <a:latin typeface="Arial"/>
-              <a:ea typeface="Arial"/>
-              <a:cs typeface="Arial"/>
-              <a:sym typeface="Arial"/>
+            <a:endParaRPr lang="en-US" dirty="0">
+              <a:ea typeface="Calibri"/>
             </a:endParaRPr>
           </a:p>
           <a:p>
@@ -15890,11 +15887,11 @@
               <a:buClr>
                 <a:srgbClr val="000000"/>
               </a:buClr>
-              <a:buSzPts val="4000"/>
+              <a:buSzPts val="4800"/>
               <a:buFont typeface="Arial"/>
               <a:buNone/>
             </a:pPr>
-            <a:endParaRPr sz="4000" b="1" i="0" u="none" strike="noStrike" cap="none" dirty="0">
+            <a:endParaRPr sz="3200" b="1" i="0" u="none" strike="noStrike" cap="none" dirty="0">
               <a:solidFill>
                 <a:schemeClr val="dk1"/>
               </a:solidFill>
@@ -17377,7 +17374,7 @@
         </p:nvSpPr>
         <p:spPr>
           <a:xfrm>
-            <a:off x="12649673" y="5352653"/>
+            <a:off x="12460238" y="5609715"/>
             <a:ext cx="16845000" cy="830997"/>
           </a:xfrm>
           <a:prstGeom prst="rect">
